--- a/Prezentacja.pptx
+++ b/Prezentacja.pptx
@@ -3578,8 +3578,8 @@
           </a:p>
         </p:txBody>
       </p:sp>
-      <mc:AlternateContent xmlns:mc="http://schemas.openxmlformats.org/markup-compatibility/2006">
-        <mc:Choice xmlns:a14="http://schemas.microsoft.com/office/drawing/2010/main" Requires="a14">
+      <mc:AlternateContent xmlns:mc="http://schemas.openxmlformats.org/markup-compatibility/2006" xmlns:a14="http://schemas.microsoft.com/office/drawing/2010/main">
+        <mc:Choice Requires="a14">
           <p:sp>
             <p:nvSpPr>
               <p:cNvPr id="3" name="Symbol zastępczy zawartości 2"/>
@@ -3966,7 +3966,7 @@
             </p:txBody>
           </p:sp>
         </mc:Choice>
-        <mc:Fallback>
+        <mc:Fallback xmlns="">
           <p:sp>
             <p:nvSpPr>
               <p:cNvPr id="3" name="Symbol zastępczy zawartości 2"/>
@@ -4000,8 +4000,8 @@
           </p:sp>
         </mc:Fallback>
       </mc:AlternateContent>
-      <mc:AlternateContent xmlns:mc="http://schemas.openxmlformats.org/markup-compatibility/2006">
-        <mc:Choice xmlns:a14="http://schemas.microsoft.com/office/drawing/2010/main" Requires="a14">
+      <mc:AlternateContent xmlns:mc="http://schemas.openxmlformats.org/markup-compatibility/2006" xmlns:a14="http://schemas.microsoft.com/office/drawing/2010/main">
+        <mc:Choice Requires="a14">
           <p:sp>
             <p:nvSpPr>
               <p:cNvPr id="5" name="pole tekstowe 4"/>
@@ -4031,6 +4031,7 @@
               </a:bodyPr>
               <a:lstStyle/>
               <a:p>
+                <a:pPr/>
                 <a14:m>
                   <m:oMathPara xmlns:m="http://schemas.openxmlformats.org/officeDocument/2006/math">
                     <m:oMathParaPr>
@@ -4103,7 +4104,7 @@
             </p:txBody>
           </p:sp>
         </mc:Choice>
-        <mc:Fallback>
+        <mc:Fallback xmlns="">
           <p:sp>
             <p:nvSpPr>
               <p:cNvPr id="5" name="pole tekstowe 4"/>
@@ -4631,8 +4632,8 @@
           </a:fontRef>
         </p:style>
       </p:cxnSp>
-      <mc:AlternateContent xmlns:mc="http://schemas.openxmlformats.org/markup-compatibility/2006">
-        <mc:Choice xmlns:a14="http://schemas.microsoft.com/office/drawing/2010/main" Requires="a14">
+      <mc:AlternateContent xmlns:mc="http://schemas.openxmlformats.org/markup-compatibility/2006" xmlns:a14="http://schemas.microsoft.com/office/drawing/2010/main">
+        <mc:Choice Requires="a14">
           <p:sp>
             <p:nvSpPr>
               <p:cNvPr id="13" name="pole tekstowe 12"/>
@@ -4916,7 +4917,7 @@
             </p:txBody>
           </p:sp>
         </mc:Choice>
-        <mc:Fallback>
+        <mc:Fallback xmlns="">
           <p:sp>
             <p:nvSpPr>
               <p:cNvPr id="13" name="pole tekstowe 12"/>
@@ -4962,8 +4963,8 @@
           </p:sp>
         </mc:Fallback>
       </mc:AlternateContent>
-      <mc:AlternateContent xmlns:mc="http://schemas.openxmlformats.org/markup-compatibility/2006">
-        <mc:Choice xmlns:a14="http://schemas.microsoft.com/office/drawing/2010/main" Requires="a14">
+      <mc:AlternateContent xmlns:mc="http://schemas.openxmlformats.org/markup-compatibility/2006" xmlns:a14="http://schemas.microsoft.com/office/drawing/2010/main">
+        <mc:Choice Requires="a14">
           <p:sp>
             <p:nvSpPr>
               <p:cNvPr id="18" name="pole tekstowe 17"/>
@@ -5326,7 +5327,7 @@
             </p:txBody>
           </p:sp>
         </mc:Choice>
-        <mc:Fallback>
+        <mc:Fallback xmlns="">
           <p:sp>
             <p:nvSpPr>
               <p:cNvPr id="18" name="pole tekstowe 17"/>
@@ -5365,8 +5366,8 @@
           </p:sp>
         </mc:Fallback>
       </mc:AlternateContent>
-      <mc:AlternateContent xmlns:mc="http://schemas.openxmlformats.org/markup-compatibility/2006">
-        <mc:Choice xmlns:a14="http://schemas.microsoft.com/office/drawing/2010/main" Requires="a14">
+      <mc:AlternateContent xmlns:mc="http://schemas.openxmlformats.org/markup-compatibility/2006" xmlns:a14="http://schemas.microsoft.com/office/drawing/2010/main">
+        <mc:Choice Requires="a14">
           <p:sp>
             <p:nvSpPr>
               <p:cNvPr id="20" name="pole tekstowe 19"/>
@@ -5717,7 +5718,7 @@
             </p:txBody>
           </p:sp>
         </mc:Choice>
-        <mc:Fallback>
+        <mc:Fallback xmlns="">
           <p:sp>
             <p:nvSpPr>
               <p:cNvPr id="20" name="pole tekstowe 19"/>
@@ -5840,7 +5841,6 @@
               <a:rPr lang="pl-PL" dirty="0"/>
               <a:t>C</a:t>
             </a:r>
-            <a:endParaRPr lang="pl-PL" dirty="0"/>
           </a:p>
         </p:txBody>
       </p:sp>
@@ -5884,7 +5884,6 @@
               <a:rPr lang="pl-PL" dirty="0"/>
               <a:t>B</a:t>
             </a:r>
-            <a:endParaRPr lang="pl-PL" dirty="0"/>
           </a:p>
         </p:txBody>
       </p:sp>
@@ -5928,7 +5927,6 @@
               <a:rPr lang="pl-PL" dirty="0"/>
               <a:t>D</a:t>
             </a:r>
-            <a:endParaRPr lang="pl-PL" dirty="0"/>
           </a:p>
         </p:txBody>
       </p:sp>
@@ -5972,51 +5970,6 @@
               <a:rPr lang="pl-PL" dirty="0"/>
               <a:t>E</a:t>
             </a:r>
-            <a:endParaRPr lang="pl-PL" dirty="0"/>
-          </a:p>
-        </p:txBody>
-      </p:sp>
-      <p:sp>
-        <p:nvSpPr>
-          <p:cNvPr id="35" name="Elipsa 34"/>
-          <p:cNvSpPr/>
-          <p:nvPr/>
-        </p:nvSpPr>
-        <p:spPr>
-          <a:xfrm>
-            <a:off x="6588224" y="4635373"/>
-            <a:ext cx="288032" cy="324981"/>
-          </a:xfrm>
-          <a:prstGeom prst="ellipse">
-            <a:avLst/>
-          </a:prstGeom>
-        </p:spPr>
-        <p:style>
-          <a:lnRef idx="2">
-            <a:schemeClr val="accent1">
-              <a:shade val="50000"/>
-            </a:schemeClr>
-          </a:lnRef>
-          <a:fillRef idx="1">
-            <a:schemeClr val="accent1"/>
-          </a:fillRef>
-          <a:effectRef idx="0">
-            <a:schemeClr val="accent1"/>
-          </a:effectRef>
-          <a:fontRef idx="minor">
-            <a:schemeClr val="lt1"/>
-          </a:fontRef>
-        </p:style>
-        <p:txBody>
-          <a:bodyPr rtlCol="0" anchor="ctr"/>
-          <a:lstStyle/>
-          <a:p>
-            <a:pPr algn="ctr"/>
-            <a:r>
-              <a:rPr lang="pl-PL" dirty="0"/>
-              <a:t>F</a:t>
-            </a:r>
-            <a:endParaRPr lang="pl-PL" dirty="0"/>
           </a:p>
         </p:txBody>
       </p:sp>
@@ -6212,6 +6165,2229 @@
           </a:fontRef>
         </p:style>
       </p:cxnSp>
+      <mc:AlternateContent xmlns:mc="http://schemas.openxmlformats.org/markup-compatibility/2006">
+        <mc:Choice xmlns:a14="http://schemas.microsoft.com/office/drawing/2010/main" Requires="a14">
+          <p:sp>
+            <p:nvSpPr>
+              <p:cNvPr id="3" name="pole tekstowe 2"/>
+              <p:cNvSpPr txBox="1"/>
+              <p:nvPr/>
+            </p:nvSpPr>
+            <p:spPr>
+              <a:xfrm>
+                <a:off x="5012891" y="3205513"/>
+                <a:ext cx="288032" cy="369332"/>
+              </a:xfrm>
+              <a:prstGeom prst="rect">
+                <a:avLst/>
+              </a:prstGeom>
+              <a:noFill/>
+            </p:spPr>
+            <p:txBody>
+              <a:bodyPr wrap="square" rtlCol="0">
+                <a:spAutoFit/>
+              </a:bodyPr>
+              <a:lstStyle/>
+              <a:p>
+                <a14:m>
+                  <m:oMathPara xmlns:m="http://schemas.openxmlformats.org/officeDocument/2006/math">
+                    <m:oMathParaPr>
+                      <m:jc m:val="centerGroup"/>
+                    </m:oMathParaPr>
+                    <m:oMath xmlns:m="http://schemas.openxmlformats.org/officeDocument/2006/math">
+                      <m:sSub>
+                        <m:sSubPr>
+                          <m:ctrlPr>
+                            <a:rPr lang="pl-PL" i="1">
+                              <a:latin typeface="Cambria Math"/>
+                            </a:rPr>
+                          </m:ctrlPr>
+                        </m:sSubPr>
+                        <m:e>
+                          <m:r>
+                            <a:rPr lang="pl-PL" i="1">
+                              <a:latin typeface="Cambria Math"/>
+                            </a:rPr>
+                            <m:t>𝑉</m:t>
+                          </m:r>
+                        </m:e>
+                        <m:sub>
+                          <m:r>
+                            <a:rPr lang="pl-PL" i="1">
+                              <a:latin typeface="Cambria Math"/>
+                            </a:rPr>
+                            <m:t>𝐵</m:t>
+                          </m:r>
+                        </m:sub>
+                      </m:sSub>
+                    </m:oMath>
+                  </m:oMathPara>
+                </a14:m>
+                <a:endParaRPr lang="pl-PL" dirty="0"/>
+              </a:p>
+            </p:txBody>
+          </p:sp>
+        </mc:Choice>
+        <mc:Fallback>
+          <p:sp>
+            <p:nvSpPr>
+              <p:cNvPr id="3" name="pole tekstowe 2"/>
+              <p:cNvSpPr txBox="1">
+                <a:spLocks noRot="1" noChangeAspect="1" noMove="1" noResize="1" noEditPoints="1" noAdjustHandles="1" noChangeArrowheads="1" noChangeShapeType="1" noTextEdit="1"/>
+              </p:cNvSpPr>
+              <p:nvPr/>
+            </p:nvSpPr>
+            <p:spPr>
+              <a:xfrm>
+                <a:off x="5012891" y="3205513"/>
+                <a:ext cx="288032" cy="369332"/>
+              </a:xfrm>
+              <a:prstGeom prst="rect">
+                <a:avLst/>
+              </a:prstGeom>
+              <a:blipFill rotWithShape="1">
+                <a:blip r:embed="rId5"/>
+                <a:stretch>
+                  <a:fillRect r="-31250"/>
+                </a:stretch>
+              </a:blipFill>
+            </p:spPr>
+            <p:txBody>
+              <a:bodyPr/>
+              <a:lstStyle/>
+              <a:p>
+                <a:r>
+                  <a:rPr lang="pl-PL">
+                    <a:noFill/>
+                  </a:rPr>
+                  <a:t> </a:t>
+                </a:r>
+              </a:p>
+            </p:txBody>
+          </p:sp>
+        </mc:Fallback>
+      </mc:AlternateContent>
+      <mc:AlternateContent xmlns:mc="http://schemas.openxmlformats.org/markup-compatibility/2006">
+        <mc:Choice xmlns:a14="http://schemas.microsoft.com/office/drawing/2010/main" Requires="a14">
+          <p:sp>
+            <p:nvSpPr>
+              <p:cNvPr id="4" name="pole tekstowe 3"/>
+              <p:cNvSpPr txBox="1"/>
+              <p:nvPr/>
+            </p:nvSpPr>
+            <p:spPr>
+              <a:xfrm>
+                <a:off x="5012891" y="4454084"/>
+                <a:ext cx="351197" cy="369332"/>
+              </a:xfrm>
+              <a:prstGeom prst="rect">
+                <a:avLst/>
+              </a:prstGeom>
+              <a:noFill/>
+            </p:spPr>
+            <p:txBody>
+              <a:bodyPr wrap="square" rtlCol="0">
+                <a:spAutoFit/>
+              </a:bodyPr>
+              <a:lstStyle/>
+              <a:p>
+                <a14:m>
+                  <m:oMathPara xmlns:m="http://schemas.openxmlformats.org/officeDocument/2006/math">
+                    <m:oMathParaPr>
+                      <m:jc m:val="centerGroup"/>
+                    </m:oMathParaPr>
+                    <m:oMath xmlns:m="http://schemas.openxmlformats.org/officeDocument/2006/math">
+                      <m:sSub>
+                        <m:sSubPr>
+                          <m:ctrlPr>
+                            <a:rPr lang="pl-PL" i="1" smtClean="0">
+                              <a:latin typeface="Cambria Math"/>
+                            </a:rPr>
+                          </m:ctrlPr>
+                        </m:sSubPr>
+                        <m:e>
+                          <m:r>
+                            <a:rPr lang="pl-PL" i="1">
+                              <a:latin typeface="Cambria Math"/>
+                            </a:rPr>
+                            <m:t>𝑉</m:t>
+                          </m:r>
+                        </m:e>
+                        <m:sub>
+                          <m:r>
+                            <a:rPr lang="pl-PL" b="0" i="1" smtClean="0">
+                              <a:latin typeface="Cambria Math"/>
+                            </a:rPr>
+                            <m:t>𝐶</m:t>
+                          </m:r>
+                        </m:sub>
+                      </m:sSub>
+                    </m:oMath>
+                  </m:oMathPara>
+                </a14:m>
+                <a:endParaRPr lang="pl-PL" dirty="0"/>
+              </a:p>
+            </p:txBody>
+          </p:sp>
+        </mc:Choice>
+        <mc:Fallback>
+          <p:sp>
+            <p:nvSpPr>
+              <p:cNvPr id="4" name="pole tekstowe 3"/>
+              <p:cNvSpPr txBox="1">
+                <a:spLocks noRot="1" noChangeAspect="1" noMove="1" noResize="1" noEditPoints="1" noAdjustHandles="1" noChangeArrowheads="1" noChangeShapeType="1" noTextEdit="1"/>
+              </p:cNvSpPr>
+              <p:nvPr/>
+            </p:nvSpPr>
+            <p:spPr>
+              <a:xfrm>
+                <a:off x="5012891" y="4454084"/>
+                <a:ext cx="351197" cy="369332"/>
+              </a:xfrm>
+              <a:prstGeom prst="rect">
+                <a:avLst/>
+              </a:prstGeom>
+              <a:blipFill rotWithShape="1">
+                <a:blip r:embed="rId6"/>
+                <a:stretch>
+                  <a:fillRect r="-5172"/>
+                </a:stretch>
+              </a:blipFill>
+            </p:spPr>
+            <p:txBody>
+              <a:bodyPr/>
+              <a:lstStyle/>
+              <a:p>
+                <a:r>
+                  <a:rPr lang="pl-PL">
+                    <a:noFill/>
+                  </a:rPr>
+                  <a:t> </a:t>
+                </a:r>
+              </a:p>
+            </p:txBody>
+          </p:sp>
+        </mc:Fallback>
+      </mc:AlternateContent>
+      <mc:AlternateContent xmlns:mc="http://schemas.openxmlformats.org/markup-compatibility/2006">
+        <mc:Choice xmlns:a14="http://schemas.microsoft.com/office/drawing/2010/main" Requires="a14">
+          <p:sp>
+            <p:nvSpPr>
+              <p:cNvPr id="5" name="pole tekstowe 4"/>
+              <p:cNvSpPr txBox="1"/>
+              <p:nvPr/>
+            </p:nvSpPr>
+            <p:spPr>
+              <a:xfrm>
+                <a:off x="6643579" y="2664624"/>
+                <a:ext cx="356164" cy="369332"/>
+              </a:xfrm>
+              <a:prstGeom prst="rect">
+                <a:avLst/>
+              </a:prstGeom>
+              <a:noFill/>
+            </p:spPr>
+            <p:txBody>
+              <a:bodyPr wrap="square" rtlCol="0">
+                <a:spAutoFit/>
+              </a:bodyPr>
+              <a:lstStyle/>
+              <a:p>
+                <a14:m>
+                  <m:oMathPara xmlns:m="http://schemas.openxmlformats.org/officeDocument/2006/math">
+                    <m:oMathParaPr>
+                      <m:jc m:val="centerGroup"/>
+                    </m:oMathParaPr>
+                    <m:oMath xmlns:m="http://schemas.openxmlformats.org/officeDocument/2006/math">
+                      <m:sSub>
+                        <m:sSubPr>
+                          <m:ctrlPr>
+                            <a:rPr lang="pl-PL" i="1" smtClean="0">
+                              <a:latin typeface="Cambria Math"/>
+                            </a:rPr>
+                          </m:ctrlPr>
+                        </m:sSubPr>
+                        <m:e>
+                          <m:r>
+                            <a:rPr lang="pl-PL" i="1">
+                              <a:latin typeface="Cambria Math"/>
+                            </a:rPr>
+                            <m:t>𝑉</m:t>
+                          </m:r>
+                        </m:e>
+                        <m:sub>
+                          <m:r>
+                            <a:rPr lang="pl-PL" b="0" i="1" smtClean="0">
+                              <a:latin typeface="Cambria Math"/>
+                            </a:rPr>
+                            <m:t>𝐷</m:t>
+                          </m:r>
+                        </m:sub>
+                      </m:sSub>
+                    </m:oMath>
+                  </m:oMathPara>
+                </a14:m>
+                <a:endParaRPr lang="pl-PL" dirty="0"/>
+              </a:p>
+            </p:txBody>
+          </p:sp>
+        </mc:Choice>
+        <mc:Fallback>
+          <p:sp>
+            <p:nvSpPr>
+              <p:cNvPr id="5" name="pole tekstowe 4"/>
+              <p:cNvSpPr txBox="1">
+                <a:spLocks noRot="1" noChangeAspect="1" noMove="1" noResize="1" noEditPoints="1" noAdjustHandles="1" noChangeArrowheads="1" noChangeShapeType="1" noTextEdit="1"/>
+              </p:cNvSpPr>
+              <p:nvPr/>
+            </p:nvSpPr>
+            <p:spPr>
+              <a:xfrm>
+                <a:off x="6643579" y="2664624"/>
+                <a:ext cx="356164" cy="369332"/>
+              </a:xfrm>
+              <a:prstGeom prst="rect">
+                <a:avLst/>
+              </a:prstGeom>
+              <a:blipFill rotWithShape="1">
+                <a:blip r:embed="rId7"/>
+                <a:stretch>
+                  <a:fillRect r="-8621"/>
+                </a:stretch>
+              </a:blipFill>
+            </p:spPr>
+            <p:txBody>
+              <a:bodyPr/>
+              <a:lstStyle/>
+              <a:p>
+                <a:r>
+                  <a:rPr lang="pl-PL">
+                    <a:noFill/>
+                  </a:rPr>
+                  <a:t> </a:t>
+                </a:r>
+              </a:p>
+            </p:txBody>
+          </p:sp>
+        </mc:Fallback>
+      </mc:AlternateContent>
+      <mc:AlternateContent xmlns:mc="http://schemas.openxmlformats.org/markup-compatibility/2006">
+        <mc:Choice xmlns:a14="http://schemas.microsoft.com/office/drawing/2010/main" Requires="a14">
+          <p:sp>
+            <p:nvSpPr>
+              <p:cNvPr id="6" name="pole tekstowe 5"/>
+              <p:cNvSpPr txBox="1"/>
+              <p:nvPr/>
+            </p:nvSpPr>
+            <p:spPr>
+              <a:xfrm>
+                <a:off x="6652400" y="3829112"/>
+                <a:ext cx="245851" cy="369332"/>
+              </a:xfrm>
+              <a:prstGeom prst="rect">
+                <a:avLst/>
+              </a:prstGeom>
+              <a:noFill/>
+            </p:spPr>
+            <p:txBody>
+              <a:bodyPr wrap="square" rtlCol="0">
+                <a:spAutoFit/>
+              </a:bodyPr>
+              <a:lstStyle/>
+              <a:p>
+                <a14:m>
+                  <m:oMathPara xmlns:m="http://schemas.openxmlformats.org/officeDocument/2006/math">
+                    <m:oMathParaPr>
+                      <m:jc m:val="centerGroup"/>
+                    </m:oMathParaPr>
+                    <m:oMath xmlns:m="http://schemas.openxmlformats.org/officeDocument/2006/math">
+                      <m:sSub>
+                        <m:sSubPr>
+                          <m:ctrlPr>
+                            <a:rPr lang="pl-PL" i="1" smtClean="0">
+                              <a:latin typeface="Cambria Math"/>
+                            </a:rPr>
+                          </m:ctrlPr>
+                        </m:sSubPr>
+                        <m:e>
+                          <m:r>
+                            <a:rPr lang="pl-PL" i="1">
+                              <a:latin typeface="Cambria Math"/>
+                            </a:rPr>
+                            <m:t>𝑉</m:t>
+                          </m:r>
+                        </m:e>
+                        <m:sub>
+                          <m:r>
+                            <a:rPr lang="pl-PL" b="0" i="1" smtClean="0">
+                              <a:latin typeface="Cambria Math"/>
+                            </a:rPr>
+                            <m:t>𝐸</m:t>
+                          </m:r>
+                        </m:sub>
+                      </m:sSub>
+                    </m:oMath>
+                  </m:oMathPara>
+                </a14:m>
+                <a:endParaRPr lang="pl-PL" dirty="0"/>
+              </a:p>
+            </p:txBody>
+          </p:sp>
+        </mc:Choice>
+        <mc:Fallback>
+          <p:sp>
+            <p:nvSpPr>
+              <p:cNvPr id="6" name="pole tekstowe 5"/>
+              <p:cNvSpPr txBox="1">
+                <a:spLocks noRot="1" noChangeAspect="1" noMove="1" noResize="1" noEditPoints="1" noAdjustHandles="1" noChangeArrowheads="1" noChangeShapeType="1" noTextEdit="1"/>
+              </p:cNvSpPr>
+              <p:nvPr/>
+            </p:nvSpPr>
+            <p:spPr>
+              <a:xfrm>
+                <a:off x="6652400" y="3829112"/>
+                <a:ext cx="245851" cy="369332"/>
+              </a:xfrm>
+              <a:prstGeom prst="rect">
+                <a:avLst/>
+              </a:prstGeom>
+              <a:blipFill rotWithShape="1">
+                <a:blip r:embed="rId8"/>
+                <a:stretch>
+                  <a:fillRect r="-51220"/>
+                </a:stretch>
+              </a:blipFill>
+            </p:spPr>
+            <p:txBody>
+              <a:bodyPr/>
+              <a:lstStyle/>
+              <a:p>
+                <a:r>
+                  <a:rPr lang="pl-PL">
+                    <a:noFill/>
+                  </a:rPr>
+                  <a:t> </a:t>
+                </a:r>
+              </a:p>
+            </p:txBody>
+          </p:sp>
+        </mc:Fallback>
+      </mc:AlternateContent>
+      <mc:AlternateContent xmlns:mc="http://schemas.openxmlformats.org/markup-compatibility/2006">
+        <mc:Choice xmlns:a14="http://schemas.microsoft.com/office/drawing/2010/main" Requires="a14">
+          <p:sp>
+            <p:nvSpPr>
+              <p:cNvPr id="8" name="pole tekstowe 7"/>
+              <p:cNvSpPr txBox="1"/>
+              <p:nvPr/>
+            </p:nvSpPr>
+            <p:spPr>
+              <a:xfrm>
+                <a:off x="6597392" y="4888991"/>
+                <a:ext cx="477118" cy="369332"/>
+              </a:xfrm>
+              <a:prstGeom prst="rect">
+                <a:avLst/>
+              </a:prstGeom>
+              <a:noFill/>
+            </p:spPr>
+            <p:txBody>
+              <a:bodyPr wrap="none" rtlCol="0">
+                <a:spAutoFit/>
+              </a:bodyPr>
+              <a:lstStyle/>
+              <a:p>
+                <a14:m>
+                  <m:oMathPara xmlns:m="http://schemas.openxmlformats.org/officeDocument/2006/math">
+                    <m:oMathParaPr>
+                      <m:jc m:val="centerGroup"/>
+                    </m:oMathParaPr>
+                    <m:oMath xmlns:m="http://schemas.openxmlformats.org/officeDocument/2006/math">
+                      <m:sSub>
+                        <m:sSubPr>
+                          <m:ctrlPr>
+                            <a:rPr lang="pl-PL" i="1" smtClean="0">
+                              <a:latin typeface="Cambria Math"/>
+                            </a:rPr>
+                          </m:ctrlPr>
+                        </m:sSubPr>
+                        <m:e>
+                          <m:r>
+                            <a:rPr lang="pl-PL" i="1">
+                              <a:latin typeface="Cambria Math"/>
+                            </a:rPr>
+                            <m:t>𝑉</m:t>
+                          </m:r>
+                        </m:e>
+                        <m:sub>
+                          <m:r>
+                            <a:rPr lang="pl-PL" b="0" i="1" smtClean="0">
+                              <a:latin typeface="Cambria Math"/>
+                            </a:rPr>
+                            <m:t>𝐹</m:t>
+                          </m:r>
+                        </m:sub>
+                      </m:sSub>
+                    </m:oMath>
+                  </m:oMathPara>
+                </a14:m>
+                <a:endParaRPr lang="pl-PL" dirty="0"/>
+              </a:p>
+            </p:txBody>
+          </p:sp>
+        </mc:Choice>
+        <mc:Fallback>
+          <p:sp>
+            <p:nvSpPr>
+              <p:cNvPr id="8" name="pole tekstowe 7"/>
+              <p:cNvSpPr txBox="1">
+                <a:spLocks noRot="1" noChangeAspect="1" noMove="1" noResize="1" noEditPoints="1" noAdjustHandles="1" noChangeArrowheads="1" noChangeShapeType="1" noTextEdit="1"/>
+              </p:cNvSpPr>
+              <p:nvPr/>
+            </p:nvSpPr>
+            <p:spPr>
+              <a:xfrm>
+                <a:off x="6597392" y="4888991"/>
+                <a:ext cx="477118" cy="369332"/>
+              </a:xfrm>
+              <a:prstGeom prst="rect">
+                <a:avLst/>
+              </a:prstGeom>
+              <a:blipFill rotWithShape="1">
+                <a:blip r:embed="rId9"/>
+                <a:stretch>
+                  <a:fillRect/>
+                </a:stretch>
+              </a:blipFill>
+            </p:spPr>
+            <p:txBody>
+              <a:bodyPr/>
+              <a:lstStyle/>
+              <a:p>
+                <a:r>
+                  <a:rPr lang="pl-PL">
+                    <a:noFill/>
+                  </a:rPr>
+                  <a:t> </a:t>
+                </a:r>
+              </a:p>
+            </p:txBody>
+          </p:sp>
+        </mc:Fallback>
+      </mc:AlternateContent>
+      <mc:AlternateContent xmlns:mc="http://schemas.openxmlformats.org/markup-compatibility/2006">
+        <mc:Choice xmlns:a14="http://schemas.microsoft.com/office/drawing/2010/main" Requires="a14">
+          <p:sp>
+            <p:nvSpPr>
+              <p:cNvPr id="10" name="pole tekstowe 9"/>
+              <p:cNvSpPr txBox="1"/>
+              <p:nvPr/>
+            </p:nvSpPr>
+            <p:spPr>
+              <a:xfrm>
+                <a:off x="3456537" y="3964467"/>
+                <a:ext cx="467949" cy="369332"/>
+              </a:xfrm>
+              <a:prstGeom prst="rect">
+                <a:avLst/>
+              </a:prstGeom>
+              <a:noFill/>
+            </p:spPr>
+            <p:txBody>
+              <a:bodyPr wrap="none" rtlCol="0">
+                <a:spAutoFit/>
+              </a:bodyPr>
+              <a:lstStyle/>
+              <a:p>
+                <a14:m>
+                  <m:oMathPara xmlns:m="http://schemas.openxmlformats.org/officeDocument/2006/math">
+                    <m:oMathParaPr>
+                      <m:jc m:val="centerGroup"/>
+                    </m:oMathParaPr>
+                    <m:oMath xmlns:m="http://schemas.openxmlformats.org/officeDocument/2006/math">
+                      <m:sSub>
+                        <m:sSubPr>
+                          <m:ctrlPr>
+                            <a:rPr lang="pl-PL" i="1" smtClean="0">
+                              <a:latin typeface="Cambria Math"/>
+                            </a:rPr>
+                          </m:ctrlPr>
+                        </m:sSubPr>
+                        <m:e>
+                          <m:r>
+                            <a:rPr lang="pl-PL" i="1">
+                              <a:latin typeface="Cambria Math"/>
+                            </a:rPr>
+                            <m:t>𝑉</m:t>
+                          </m:r>
+                        </m:e>
+                        <m:sub>
+                          <m:r>
+                            <a:rPr lang="pl-PL" b="0" i="1" smtClean="0">
+                              <a:latin typeface="Cambria Math"/>
+                            </a:rPr>
+                            <m:t>𝐴</m:t>
+                          </m:r>
+                        </m:sub>
+                      </m:sSub>
+                    </m:oMath>
+                  </m:oMathPara>
+                </a14:m>
+                <a:endParaRPr lang="pl-PL" dirty="0"/>
+              </a:p>
+            </p:txBody>
+          </p:sp>
+        </mc:Choice>
+        <mc:Fallback>
+          <p:sp>
+            <p:nvSpPr>
+              <p:cNvPr id="10" name="pole tekstowe 9"/>
+              <p:cNvSpPr txBox="1">
+                <a:spLocks noRot="1" noChangeAspect="1" noMove="1" noResize="1" noEditPoints="1" noAdjustHandles="1" noChangeArrowheads="1" noChangeShapeType="1" noTextEdit="1"/>
+              </p:cNvSpPr>
+              <p:nvPr/>
+            </p:nvSpPr>
+            <p:spPr>
+              <a:xfrm>
+                <a:off x="3456537" y="3964467"/>
+                <a:ext cx="467949" cy="369332"/>
+              </a:xfrm>
+              <a:prstGeom prst="rect">
+                <a:avLst/>
+              </a:prstGeom>
+              <a:blipFill rotWithShape="1">
+                <a:blip r:embed="rId10"/>
+                <a:stretch>
+                  <a:fillRect/>
+                </a:stretch>
+              </a:blipFill>
+            </p:spPr>
+            <p:txBody>
+              <a:bodyPr/>
+              <a:lstStyle/>
+              <a:p>
+                <a:r>
+                  <a:rPr lang="pl-PL">
+                    <a:noFill/>
+                  </a:rPr>
+                  <a:t> </a:t>
+                </a:r>
+              </a:p>
+            </p:txBody>
+          </p:sp>
+        </mc:Fallback>
+      </mc:AlternateContent>
+      <mc:AlternateContent xmlns:mc="http://schemas.openxmlformats.org/markup-compatibility/2006">
+        <mc:Choice xmlns:a14="http://schemas.microsoft.com/office/drawing/2010/main" Requires="a14">
+          <p:sp>
+            <p:nvSpPr>
+              <p:cNvPr id="11" name="pole tekstowe 10"/>
+              <p:cNvSpPr txBox="1"/>
+              <p:nvPr/>
+            </p:nvSpPr>
+            <p:spPr>
+              <a:xfrm>
+                <a:off x="4606411" y="2664624"/>
+                <a:ext cx="406480" cy="369332"/>
+              </a:xfrm>
+              <a:prstGeom prst="rect">
+                <a:avLst/>
+              </a:prstGeom>
+              <a:solidFill>
+                <a:schemeClr val="accent3">
+                  <a:lumMod val="40000"/>
+                  <a:lumOff val="60000"/>
+                </a:schemeClr>
+              </a:solidFill>
+              <a:ln>
+                <a:solidFill>
+                  <a:schemeClr val="accent3">
+                    <a:lumMod val="75000"/>
+                  </a:schemeClr>
+                </a:solidFill>
+              </a:ln>
+            </p:spPr>
+            <p:txBody>
+              <a:bodyPr wrap="square" rtlCol="0">
+                <a:spAutoFit/>
+              </a:bodyPr>
+              <a:lstStyle/>
+              <a:p>
+                <a14:m>
+                  <m:oMathPara xmlns:m="http://schemas.openxmlformats.org/officeDocument/2006/math">
+                    <m:oMathParaPr>
+                      <m:jc m:val="centerGroup"/>
+                    </m:oMathParaPr>
+                    <m:oMath xmlns:m="http://schemas.openxmlformats.org/officeDocument/2006/math">
+                      <m:sSub>
+                        <m:sSubPr>
+                          <m:ctrlPr>
+                            <a:rPr lang="pl-PL" b="1" i="1" smtClean="0">
+                              <a:solidFill>
+                                <a:schemeClr val="accent3">
+                                  <a:lumMod val="75000"/>
+                                </a:schemeClr>
+                              </a:solidFill>
+                              <a:latin typeface="Cambria Math"/>
+                            </a:rPr>
+                          </m:ctrlPr>
+                        </m:sSubPr>
+                        <m:e>
+                          <m:r>
+                            <a:rPr lang="pl-PL" b="1" i="1">
+                              <a:solidFill>
+                                <a:schemeClr val="accent3">
+                                  <a:lumMod val="75000"/>
+                                </a:schemeClr>
+                              </a:solidFill>
+                              <a:latin typeface="Cambria Math"/>
+                              <a:ea typeface="Cambria Math"/>
+                            </a:rPr>
+                            <m:t>𝝅</m:t>
+                          </m:r>
+                        </m:e>
+                        <m:sub>
+                          <m:r>
+                            <a:rPr lang="pl-PL" b="1" i="1" smtClean="0">
+                              <a:solidFill>
+                                <a:schemeClr val="accent3">
+                                  <a:lumMod val="75000"/>
+                                </a:schemeClr>
+                              </a:solidFill>
+                              <a:latin typeface="Cambria Math"/>
+                              <a:ea typeface="Cambria Math"/>
+                            </a:rPr>
+                            <m:t>𝑩</m:t>
+                          </m:r>
+                        </m:sub>
+                      </m:sSub>
+                    </m:oMath>
+                  </m:oMathPara>
+                </a14:m>
+                <a:endParaRPr lang="pl-PL" dirty="0"/>
+              </a:p>
+            </p:txBody>
+          </p:sp>
+        </mc:Choice>
+        <mc:Fallback>
+          <p:sp>
+            <p:nvSpPr>
+              <p:cNvPr id="11" name="pole tekstowe 10"/>
+              <p:cNvSpPr txBox="1">
+                <a:spLocks noRot="1" noChangeAspect="1" noMove="1" noResize="1" noEditPoints="1" noAdjustHandles="1" noChangeArrowheads="1" noChangeShapeType="1" noTextEdit="1"/>
+              </p:cNvSpPr>
+              <p:nvPr/>
+            </p:nvSpPr>
+            <p:spPr>
+              <a:xfrm>
+                <a:off x="4606411" y="2664624"/>
+                <a:ext cx="406480" cy="369332"/>
+              </a:xfrm>
+              <a:prstGeom prst="rect">
+                <a:avLst/>
+              </a:prstGeom>
+              <a:blipFill rotWithShape="1">
+                <a:blip r:embed="rId11"/>
+                <a:stretch>
+                  <a:fillRect r="-5882"/>
+                </a:stretch>
+              </a:blipFill>
+              <a:ln>
+                <a:solidFill>
+                  <a:schemeClr val="accent3">
+                    <a:lumMod val="75000"/>
+                  </a:schemeClr>
+                </a:solidFill>
+              </a:ln>
+            </p:spPr>
+            <p:txBody>
+              <a:bodyPr/>
+              <a:lstStyle/>
+              <a:p>
+                <a:r>
+                  <a:rPr lang="pl-PL">
+                    <a:noFill/>
+                  </a:rPr>
+                  <a:t> </a:t>
+                </a:r>
+              </a:p>
+            </p:txBody>
+          </p:sp>
+        </mc:Fallback>
+      </mc:AlternateContent>
+      <mc:AlternateContent xmlns:mc="http://schemas.openxmlformats.org/markup-compatibility/2006">
+        <mc:Choice xmlns:a14="http://schemas.microsoft.com/office/drawing/2010/main" Requires="a14">
+          <p:sp>
+            <p:nvSpPr>
+              <p:cNvPr id="27" name="pole tekstowe 26"/>
+              <p:cNvSpPr txBox="1"/>
+              <p:nvPr/>
+            </p:nvSpPr>
+            <p:spPr>
+              <a:xfrm>
+                <a:off x="3050057" y="3390179"/>
+                <a:ext cx="406480" cy="369332"/>
+              </a:xfrm>
+              <a:prstGeom prst="rect">
+                <a:avLst/>
+              </a:prstGeom>
+              <a:solidFill>
+                <a:schemeClr val="accent3">
+                  <a:lumMod val="40000"/>
+                  <a:lumOff val="60000"/>
+                </a:schemeClr>
+              </a:solidFill>
+              <a:ln>
+                <a:solidFill>
+                  <a:schemeClr val="accent3">
+                    <a:lumMod val="75000"/>
+                  </a:schemeClr>
+                </a:solidFill>
+              </a:ln>
+            </p:spPr>
+            <p:txBody>
+              <a:bodyPr wrap="square" rtlCol="0">
+                <a:spAutoFit/>
+              </a:bodyPr>
+              <a:lstStyle/>
+              <a:p>
+                <a14:m>
+                  <m:oMathPara xmlns:m="http://schemas.openxmlformats.org/officeDocument/2006/math">
+                    <m:oMathParaPr>
+                      <m:jc m:val="centerGroup"/>
+                    </m:oMathParaPr>
+                    <m:oMath xmlns:m="http://schemas.openxmlformats.org/officeDocument/2006/math">
+                      <m:sSub>
+                        <m:sSubPr>
+                          <m:ctrlPr>
+                            <a:rPr lang="pl-PL" b="1" i="1">
+                              <a:solidFill>
+                                <a:schemeClr val="accent3">
+                                  <a:lumMod val="75000"/>
+                                </a:schemeClr>
+                              </a:solidFill>
+                              <a:latin typeface="Cambria Math"/>
+                            </a:rPr>
+                          </m:ctrlPr>
+                        </m:sSubPr>
+                        <m:e>
+                          <m:r>
+                            <a:rPr lang="pl-PL" b="1" i="1">
+                              <a:solidFill>
+                                <a:schemeClr val="accent3">
+                                  <a:lumMod val="75000"/>
+                                </a:schemeClr>
+                              </a:solidFill>
+                              <a:latin typeface="Cambria Math"/>
+                              <a:ea typeface="Cambria Math"/>
+                            </a:rPr>
+                            <m:t>𝝅</m:t>
+                          </m:r>
+                        </m:e>
+                        <m:sub>
+                          <m:r>
+                            <a:rPr lang="pl-PL" b="1" i="1">
+                              <a:solidFill>
+                                <a:schemeClr val="accent3">
+                                  <a:lumMod val="75000"/>
+                                </a:schemeClr>
+                              </a:solidFill>
+                              <a:latin typeface="Cambria Math"/>
+                            </a:rPr>
+                            <m:t>𝑨</m:t>
+                          </m:r>
+                        </m:sub>
+                      </m:sSub>
+                    </m:oMath>
+                  </m:oMathPara>
+                </a14:m>
+                <a:endParaRPr lang="pl-PL" dirty="0"/>
+              </a:p>
+            </p:txBody>
+          </p:sp>
+        </mc:Choice>
+        <mc:Fallback>
+          <p:sp>
+            <p:nvSpPr>
+              <p:cNvPr id="27" name="pole tekstowe 26"/>
+              <p:cNvSpPr txBox="1">
+                <a:spLocks noRot="1" noChangeAspect="1" noMove="1" noResize="1" noEditPoints="1" noAdjustHandles="1" noChangeArrowheads="1" noChangeShapeType="1" noTextEdit="1"/>
+              </p:cNvSpPr>
+              <p:nvPr/>
+            </p:nvSpPr>
+            <p:spPr>
+              <a:xfrm>
+                <a:off x="3050057" y="3390179"/>
+                <a:ext cx="406480" cy="369332"/>
+              </a:xfrm>
+              <a:prstGeom prst="rect">
+                <a:avLst/>
+              </a:prstGeom>
+              <a:blipFill rotWithShape="1">
+                <a:blip r:embed="rId12"/>
+                <a:stretch>
+                  <a:fillRect r="-4348"/>
+                </a:stretch>
+              </a:blipFill>
+              <a:ln>
+                <a:solidFill>
+                  <a:schemeClr val="accent3">
+                    <a:lumMod val="75000"/>
+                  </a:schemeClr>
+                </a:solidFill>
+              </a:ln>
+            </p:spPr>
+            <p:txBody>
+              <a:bodyPr/>
+              <a:lstStyle/>
+              <a:p>
+                <a:r>
+                  <a:rPr lang="pl-PL">
+                    <a:noFill/>
+                  </a:rPr>
+                  <a:t> </a:t>
+                </a:r>
+              </a:p>
+            </p:txBody>
+          </p:sp>
+        </mc:Fallback>
+      </mc:AlternateContent>
+      <mc:AlternateContent xmlns:mc="http://schemas.openxmlformats.org/markup-compatibility/2006">
+        <mc:Choice xmlns:a14="http://schemas.microsoft.com/office/drawing/2010/main" Requires="a14">
+          <p:sp>
+            <p:nvSpPr>
+              <p:cNvPr id="28" name="pole tekstowe 27"/>
+              <p:cNvSpPr txBox="1"/>
+              <p:nvPr/>
+            </p:nvSpPr>
+            <p:spPr>
+              <a:xfrm>
+                <a:off x="4647592" y="3876500"/>
+                <a:ext cx="406480" cy="369332"/>
+              </a:xfrm>
+              <a:prstGeom prst="rect">
+                <a:avLst/>
+              </a:prstGeom>
+              <a:solidFill>
+                <a:schemeClr val="accent3">
+                  <a:lumMod val="40000"/>
+                  <a:lumOff val="60000"/>
+                </a:schemeClr>
+              </a:solidFill>
+              <a:ln>
+                <a:solidFill>
+                  <a:schemeClr val="accent3">
+                    <a:lumMod val="75000"/>
+                  </a:schemeClr>
+                </a:solidFill>
+              </a:ln>
+            </p:spPr>
+            <p:txBody>
+              <a:bodyPr wrap="square" rtlCol="0">
+                <a:spAutoFit/>
+              </a:bodyPr>
+              <a:lstStyle/>
+              <a:p>
+                <a14:m>
+                  <m:oMathPara xmlns:m="http://schemas.openxmlformats.org/officeDocument/2006/math">
+                    <m:oMathParaPr>
+                      <m:jc m:val="centerGroup"/>
+                    </m:oMathParaPr>
+                    <m:oMath xmlns:m="http://schemas.openxmlformats.org/officeDocument/2006/math">
+                      <m:sSub>
+                        <m:sSubPr>
+                          <m:ctrlPr>
+                            <a:rPr lang="pl-PL" b="1" i="1">
+                              <a:solidFill>
+                                <a:schemeClr val="accent3">
+                                  <a:lumMod val="75000"/>
+                                </a:schemeClr>
+                              </a:solidFill>
+                              <a:latin typeface="Cambria Math"/>
+                            </a:rPr>
+                          </m:ctrlPr>
+                        </m:sSubPr>
+                        <m:e>
+                          <m:r>
+                            <a:rPr lang="pl-PL" b="1" i="1">
+                              <a:solidFill>
+                                <a:schemeClr val="accent3">
+                                  <a:lumMod val="75000"/>
+                                </a:schemeClr>
+                              </a:solidFill>
+                              <a:latin typeface="Cambria Math"/>
+                              <a:ea typeface="Cambria Math"/>
+                            </a:rPr>
+                            <m:t>𝝅</m:t>
+                          </m:r>
+                        </m:e>
+                        <m:sub>
+                          <m:r>
+                            <a:rPr lang="pl-PL" b="1" i="1">
+                              <a:solidFill>
+                                <a:schemeClr val="accent3">
+                                  <a:lumMod val="75000"/>
+                                </a:schemeClr>
+                              </a:solidFill>
+                              <a:latin typeface="Cambria Math"/>
+                            </a:rPr>
+                            <m:t>𝑨</m:t>
+                          </m:r>
+                        </m:sub>
+                      </m:sSub>
+                    </m:oMath>
+                  </m:oMathPara>
+                </a14:m>
+                <a:endParaRPr lang="pl-PL" dirty="0"/>
+              </a:p>
+            </p:txBody>
+          </p:sp>
+        </mc:Choice>
+        <mc:Fallback>
+          <p:sp>
+            <p:nvSpPr>
+              <p:cNvPr id="28" name="pole tekstowe 27"/>
+              <p:cNvSpPr txBox="1">
+                <a:spLocks noRot="1" noChangeAspect="1" noMove="1" noResize="1" noEditPoints="1" noAdjustHandles="1" noChangeArrowheads="1" noChangeShapeType="1" noTextEdit="1"/>
+              </p:cNvSpPr>
+              <p:nvPr/>
+            </p:nvSpPr>
+            <p:spPr>
+              <a:xfrm>
+                <a:off x="4647592" y="3876500"/>
+                <a:ext cx="406480" cy="369332"/>
+              </a:xfrm>
+              <a:prstGeom prst="rect">
+                <a:avLst/>
+              </a:prstGeom>
+              <a:blipFill rotWithShape="1">
+                <a:blip r:embed="rId13"/>
+                <a:stretch>
+                  <a:fillRect r="-4348"/>
+                </a:stretch>
+              </a:blipFill>
+              <a:ln>
+                <a:solidFill>
+                  <a:schemeClr val="accent3">
+                    <a:lumMod val="75000"/>
+                  </a:schemeClr>
+                </a:solidFill>
+              </a:ln>
+            </p:spPr>
+            <p:txBody>
+              <a:bodyPr/>
+              <a:lstStyle/>
+              <a:p>
+                <a:r>
+                  <a:rPr lang="pl-PL">
+                    <a:noFill/>
+                  </a:rPr>
+                  <a:t> </a:t>
+                </a:r>
+              </a:p>
+            </p:txBody>
+          </p:sp>
+        </mc:Fallback>
+      </mc:AlternateContent>
+      <mc:AlternateContent xmlns:mc="http://schemas.openxmlformats.org/markup-compatibility/2006">
+        <mc:Choice xmlns:a14="http://schemas.microsoft.com/office/drawing/2010/main" Requires="a14">
+          <p:sp>
+            <p:nvSpPr>
+              <p:cNvPr id="12" name="pole tekstowe 11"/>
+              <p:cNvSpPr txBox="1"/>
+              <p:nvPr/>
+            </p:nvSpPr>
+            <p:spPr>
+              <a:xfrm>
+                <a:off x="5054072" y="2506712"/>
+                <a:ext cx="576065" cy="438582"/>
+              </a:xfrm>
+              <a:prstGeom prst="rect">
+                <a:avLst/>
+              </a:prstGeom>
+              <a:noFill/>
+              <a:ln>
+                <a:solidFill>
+                  <a:schemeClr val="tx2">
+                    <a:lumMod val="75000"/>
+                  </a:schemeClr>
+                </a:solidFill>
+              </a:ln>
+            </p:spPr>
+            <p:txBody>
+              <a:bodyPr wrap="square" rtlCol="0">
+                <a:spAutoFit/>
+              </a:bodyPr>
+              <a:lstStyle/>
+              <a:p>
+                <a14:m>
+                  <m:oMathPara xmlns:m="http://schemas.openxmlformats.org/officeDocument/2006/math">
+                    <m:oMathParaPr>
+                      <m:jc m:val="centerGroup"/>
+                    </m:oMathParaPr>
+                    <m:oMath xmlns:m="http://schemas.openxmlformats.org/officeDocument/2006/math">
+                      <m:sSubSup>
+                        <m:sSubSupPr>
+                          <m:ctrlPr>
+                            <a:rPr lang="pl-PL" i="1">
+                              <a:latin typeface="Cambria Math"/>
+                            </a:rPr>
+                          </m:ctrlPr>
+                        </m:sSubSupPr>
+                        <m:e>
+                          <m:r>
+                            <a:rPr lang="pl-PL" i="1">
+                              <a:latin typeface="Cambria Math"/>
+                            </a:rPr>
+                            <m:t>𝑆</m:t>
+                          </m:r>
+                        </m:e>
+                        <m:sub>
+                          <m:r>
+                            <a:rPr lang="pl-PL" i="1">
+                              <a:latin typeface="Cambria Math"/>
+                            </a:rPr>
+                            <m:t>𝑇</m:t>
+                          </m:r>
+                        </m:sub>
+                        <m:sup>
+                          <m:r>
+                            <a:rPr lang="pl-PL" i="1">
+                              <a:latin typeface="Cambria Math"/>
+                            </a:rPr>
+                            <m:t>(</m:t>
+                          </m:r>
+                          <m:r>
+                            <a:rPr lang="pl-PL" i="1">
+                              <a:latin typeface="Cambria Math"/>
+                            </a:rPr>
+                            <m:t>𝐵</m:t>
+                          </m:r>
+                          <m:r>
+                            <a:rPr lang="pl-PL" i="1">
+                              <a:latin typeface="Cambria Math"/>
+                            </a:rPr>
+                            <m:t>)</m:t>
+                          </m:r>
+                        </m:sup>
+                      </m:sSubSup>
+                    </m:oMath>
+                  </m:oMathPara>
+                </a14:m>
+                <a:endParaRPr lang="pl-PL" dirty="0"/>
+              </a:p>
+            </p:txBody>
+          </p:sp>
+        </mc:Choice>
+        <mc:Fallback>
+          <p:sp>
+            <p:nvSpPr>
+              <p:cNvPr id="12" name="pole tekstowe 11"/>
+              <p:cNvSpPr txBox="1">
+                <a:spLocks noRot="1" noChangeAspect="1" noMove="1" noResize="1" noEditPoints="1" noAdjustHandles="1" noChangeArrowheads="1" noChangeShapeType="1" noTextEdit="1"/>
+              </p:cNvSpPr>
+              <p:nvPr/>
+            </p:nvSpPr>
+            <p:spPr>
+              <a:xfrm>
+                <a:off x="5054072" y="2506712"/>
+                <a:ext cx="576065" cy="438582"/>
+              </a:xfrm>
+              <a:prstGeom prst="rect">
+                <a:avLst/>
+              </a:prstGeom>
+              <a:blipFill rotWithShape="1">
+                <a:blip r:embed="rId14"/>
+                <a:stretch>
+                  <a:fillRect b="-1351"/>
+                </a:stretch>
+              </a:blipFill>
+              <a:ln>
+                <a:solidFill>
+                  <a:schemeClr val="tx2">
+                    <a:lumMod val="75000"/>
+                  </a:schemeClr>
+                </a:solidFill>
+              </a:ln>
+            </p:spPr>
+            <p:txBody>
+              <a:bodyPr/>
+              <a:lstStyle/>
+              <a:p>
+                <a:r>
+                  <a:rPr lang="pl-PL">
+                    <a:noFill/>
+                  </a:rPr>
+                  <a:t> </a:t>
+                </a:r>
+              </a:p>
+            </p:txBody>
+          </p:sp>
+        </mc:Fallback>
+      </mc:AlternateContent>
+      <mc:AlternateContent xmlns:mc="http://schemas.openxmlformats.org/markup-compatibility/2006">
+        <mc:Choice xmlns:a14="http://schemas.microsoft.com/office/drawing/2010/main" Requires="a14">
+          <p:sp>
+            <p:nvSpPr>
+              <p:cNvPr id="38" name="pole tekstowe 37"/>
+              <p:cNvSpPr txBox="1"/>
+              <p:nvPr/>
+            </p:nvSpPr>
+            <p:spPr>
+              <a:xfrm>
+                <a:off x="6741408" y="3127862"/>
+                <a:ext cx="576065" cy="438582"/>
+              </a:xfrm>
+              <a:prstGeom prst="rect">
+                <a:avLst/>
+              </a:prstGeom>
+              <a:noFill/>
+              <a:ln>
+                <a:solidFill>
+                  <a:schemeClr val="tx2">
+                    <a:lumMod val="75000"/>
+                  </a:schemeClr>
+                </a:solidFill>
+              </a:ln>
+            </p:spPr>
+            <p:txBody>
+              <a:bodyPr wrap="square" rtlCol="0">
+                <a:spAutoFit/>
+              </a:bodyPr>
+              <a:lstStyle/>
+              <a:p>
+                <a14:m>
+                  <m:oMathPara xmlns:m="http://schemas.openxmlformats.org/officeDocument/2006/math">
+                    <m:oMathParaPr>
+                      <m:jc m:val="centerGroup"/>
+                    </m:oMathParaPr>
+                    <m:oMath xmlns:m="http://schemas.openxmlformats.org/officeDocument/2006/math">
+                      <m:sSubSup>
+                        <m:sSubSupPr>
+                          <m:ctrlPr>
+                            <a:rPr lang="pl-PL" i="1" smtClean="0">
+                              <a:latin typeface="Cambria Math"/>
+                            </a:rPr>
+                          </m:ctrlPr>
+                        </m:sSubSupPr>
+                        <m:e>
+                          <m:r>
+                            <a:rPr lang="pl-PL" i="1">
+                              <a:latin typeface="Cambria Math"/>
+                            </a:rPr>
+                            <m:t>𝑆</m:t>
+                          </m:r>
+                        </m:e>
+                        <m:sub>
+                          <m:r>
+                            <a:rPr lang="pl-PL" i="1">
+                              <a:latin typeface="Cambria Math"/>
+                            </a:rPr>
+                            <m:t>𝑇</m:t>
+                          </m:r>
+                        </m:sub>
+                        <m:sup>
+                          <m:r>
+                            <a:rPr lang="pl-PL" i="1">
+                              <a:latin typeface="Cambria Math"/>
+                            </a:rPr>
+                            <m:t>(</m:t>
+                          </m:r>
+                          <m:r>
+                            <a:rPr lang="pl-PL" b="0" i="1" smtClean="0">
+                              <a:latin typeface="Cambria Math"/>
+                            </a:rPr>
+                            <m:t>𝐸</m:t>
+                          </m:r>
+                          <m:r>
+                            <a:rPr lang="pl-PL" i="1">
+                              <a:latin typeface="Cambria Math"/>
+                            </a:rPr>
+                            <m:t>)</m:t>
+                          </m:r>
+                        </m:sup>
+                      </m:sSubSup>
+                    </m:oMath>
+                  </m:oMathPara>
+                </a14:m>
+                <a:endParaRPr lang="pl-PL" dirty="0"/>
+              </a:p>
+            </p:txBody>
+          </p:sp>
+        </mc:Choice>
+        <mc:Fallback>
+          <p:sp>
+            <p:nvSpPr>
+              <p:cNvPr id="38" name="pole tekstowe 37"/>
+              <p:cNvSpPr txBox="1">
+                <a:spLocks noRot="1" noChangeAspect="1" noMove="1" noResize="1" noEditPoints="1" noAdjustHandles="1" noChangeArrowheads="1" noChangeShapeType="1" noTextEdit="1"/>
+              </p:cNvSpPr>
+              <p:nvPr/>
+            </p:nvSpPr>
+            <p:spPr>
+              <a:xfrm>
+                <a:off x="6741408" y="3127862"/>
+                <a:ext cx="576065" cy="438582"/>
+              </a:xfrm>
+              <a:prstGeom prst="rect">
+                <a:avLst/>
+              </a:prstGeom>
+              <a:blipFill rotWithShape="1">
+                <a:blip r:embed="rId15"/>
+                <a:stretch>
+                  <a:fillRect b="-1351"/>
+                </a:stretch>
+              </a:blipFill>
+              <a:ln>
+                <a:solidFill>
+                  <a:schemeClr val="tx2">
+                    <a:lumMod val="75000"/>
+                  </a:schemeClr>
+                </a:solidFill>
+              </a:ln>
+            </p:spPr>
+            <p:txBody>
+              <a:bodyPr/>
+              <a:lstStyle/>
+              <a:p>
+                <a:r>
+                  <a:rPr lang="pl-PL">
+                    <a:noFill/>
+                  </a:rPr>
+                  <a:t> </a:t>
+                </a:r>
+              </a:p>
+            </p:txBody>
+          </p:sp>
+        </mc:Fallback>
+      </mc:AlternateContent>
+      <mc:AlternateContent xmlns:mc="http://schemas.openxmlformats.org/markup-compatibility/2006">
+        <mc:Choice xmlns:a14="http://schemas.microsoft.com/office/drawing/2010/main" Requires="a14">
+          <p:sp>
+            <p:nvSpPr>
+              <p:cNvPr id="40" name="pole tekstowe 39"/>
+              <p:cNvSpPr txBox="1"/>
+              <p:nvPr/>
+            </p:nvSpPr>
+            <p:spPr>
+              <a:xfrm>
+                <a:off x="5076055" y="3759658"/>
+                <a:ext cx="576065" cy="438582"/>
+              </a:xfrm>
+              <a:prstGeom prst="rect">
+                <a:avLst/>
+              </a:prstGeom>
+              <a:noFill/>
+              <a:ln>
+                <a:solidFill>
+                  <a:schemeClr val="tx2">
+                    <a:lumMod val="75000"/>
+                  </a:schemeClr>
+                </a:solidFill>
+              </a:ln>
+            </p:spPr>
+            <p:txBody>
+              <a:bodyPr wrap="square" rtlCol="0">
+                <a:spAutoFit/>
+              </a:bodyPr>
+              <a:lstStyle/>
+              <a:p>
+                <a14:m>
+                  <m:oMathPara xmlns:m="http://schemas.openxmlformats.org/officeDocument/2006/math">
+                    <m:oMathParaPr>
+                      <m:jc m:val="centerGroup"/>
+                    </m:oMathParaPr>
+                    <m:oMath xmlns:m="http://schemas.openxmlformats.org/officeDocument/2006/math">
+                      <m:sSubSup>
+                        <m:sSubSupPr>
+                          <m:ctrlPr>
+                            <a:rPr lang="pl-PL" i="1">
+                              <a:latin typeface="Cambria Math"/>
+                            </a:rPr>
+                          </m:ctrlPr>
+                        </m:sSubSupPr>
+                        <m:e>
+                          <m:r>
+                            <a:rPr lang="pl-PL" i="1">
+                              <a:latin typeface="Cambria Math"/>
+                            </a:rPr>
+                            <m:t>𝑆</m:t>
+                          </m:r>
+                        </m:e>
+                        <m:sub>
+                          <m:r>
+                            <a:rPr lang="pl-PL" i="1">
+                              <a:latin typeface="Cambria Math"/>
+                            </a:rPr>
+                            <m:t>𝑇</m:t>
+                          </m:r>
+                        </m:sub>
+                        <m:sup>
+                          <m:r>
+                            <a:rPr lang="pl-PL" i="1">
+                              <a:latin typeface="Cambria Math"/>
+                            </a:rPr>
+                            <m:t>(</m:t>
+                          </m:r>
+                          <m:r>
+                            <a:rPr lang="pl-PL" i="1">
+                              <a:latin typeface="Cambria Math"/>
+                            </a:rPr>
+                            <m:t>𝐵</m:t>
+                          </m:r>
+                          <m:r>
+                            <a:rPr lang="pl-PL" i="1">
+                              <a:latin typeface="Cambria Math"/>
+                            </a:rPr>
+                            <m:t>)</m:t>
+                          </m:r>
+                        </m:sup>
+                      </m:sSubSup>
+                    </m:oMath>
+                  </m:oMathPara>
+                </a14:m>
+                <a:endParaRPr lang="pl-PL" dirty="0"/>
+              </a:p>
+            </p:txBody>
+          </p:sp>
+        </mc:Choice>
+        <mc:Fallback>
+          <p:sp>
+            <p:nvSpPr>
+              <p:cNvPr id="40" name="pole tekstowe 39"/>
+              <p:cNvSpPr txBox="1">
+                <a:spLocks noRot="1" noChangeAspect="1" noMove="1" noResize="1" noEditPoints="1" noAdjustHandles="1" noChangeArrowheads="1" noChangeShapeType="1" noTextEdit="1"/>
+              </p:cNvSpPr>
+              <p:nvPr/>
+            </p:nvSpPr>
+            <p:spPr>
+              <a:xfrm>
+                <a:off x="5076055" y="3759658"/>
+                <a:ext cx="576065" cy="438582"/>
+              </a:xfrm>
+              <a:prstGeom prst="rect">
+                <a:avLst/>
+              </a:prstGeom>
+              <a:blipFill rotWithShape="1">
+                <a:blip r:embed="rId16"/>
+                <a:stretch>
+                  <a:fillRect b="-1351"/>
+                </a:stretch>
+              </a:blipFill>
+              <a:ln>
+                <a:solidFill>
+                  <a:schemeClr val="tx2">
+                    <a:lumMod val="75000"/>
+                  </a:schemeClr>
+                </a:solidFill>
+              </a:ln>
+            </p:spPr>
+            <p:txBody>
+              <a:bodyPr/>
+              <a:lstStyle/>
+              <a:p>
+                <a:r>
+                  <a:rPr lang="pl-PL">
+                    <a:noFill/>
+                  </a:rPr>
+                  <a:t> </a:t>
+                </a:r>
+              </a:p>
+            </p:txBody>
+          </p:sp>
+        </mc:Fallback>
+      </mc:AlternateContent>
+      <p:sp>
+        <p:nvSpPr>
+          <p:cNvPr id="14" name="pole tekstowe 13"/>
+          <p:cNvSpPr txBox="1"/>
+          <p:nvPr/>
+        </p:nvSpPr>
+        <p:spPr>
+          <a:xfrm>
+            <a:off x="7812360" y="3019178"/>
+            <a:ext cx="216024" cy="1200329"/>
+          </a:xfrm>
+          <a:prstGeom prst="rect">
+            <a:avLst/>
+          </a:prstGeom>
+          <a:noFill/>
+        </p:spPr>
+        <p:txBody>
+          <a:bodyPr wrap="square" rtlCol="0">
+            <a:spAutoFit/>
+          </a:bodyPr>
+          <a:lstStyle/>
+          <a:p>
+            <a:r>
+              <a:rPr lang="pl-PL" dirty="0" smtClean="0">
+                <a:solidFill>
+                  <a:schemeClr val="tx2">
+                    <a:lumMod val="75000"/>
+                  </a:schemeClr>
+                </a:solidFill>
+              </a:rPr>
+              <a:t>.</a:t>
+            </a:r>
+          </a:p>
+          <a:p>
+            <a:r>
+              <a:rPr lang="pl-PL" dirty="0" smtClean="0">
+                <a:solidFill>
+                  <a:schemeClr val="tx2">
+                    <a:lumMod val="75000"/>
+                  </a:schemeClr>
+                </a:solidFill>
+              </a:rPr>
+              <a:t>.</a:t>
+            </a:r>
+          </a:p>
+          <a:p>
+            <a:r>
+              <a:rPr lang="pl-PL" dirty="0" smtClean="0">
+                <a:solidFill>
+                  <a:schemeClr val="tx2">
+                    <a:lumMod val="75000"/>
+                  </a:schemeClr>
+                </a:solidFill>
+              </a:rPr>
+              <a:t>.</a:t>
+            </a:r>
+          </a:p>
+          <a:p>
+            <a:endParaRPr lang="pl-PL" dirty="0"/>
+          </a:p>
+        </p:txBody>
+      </p:sp>
+      <mc:AlternateContent xmlns:mc="http://schemas.openxmlformats.org/markup-compatibility/2006">
+        <mc:Choice xmlns:a14="http://schemas.microsoft.com/office/drawing/2010/main" Requires="a14">
+          <p:sp>
+            <p:nvSpPr>
+              <p:cNvPr id="44" name="pole tekstowe 43"/>
+              <p:cNvSpPr txBox="1"/>
+              <p:nvPr/>
+            </p:nvSpPr>
+            <p:spPr>
+              <a:xfrm>
+                <a:off x="6368846" y="2078024"/>
+                <a:ext cx="406480" cy="369332"/>
+              </a:xfrm>
+              <a:prstGeom prst="rect">
+                <a:avLst/>
+              </a:prstGeom>
+              <a:solidFill>
+                <a:schemeClr val="accent3">
+                  <a:lumMod val="40000"/>
+                  <a:lumOff val="60000"/>
+                </a:schemeClr>
+              </a:solidFill>
+              <a:ln>
+                <a:solidFill>
+                  <a:schemeClr val="accent3">
+                    <a:lumMod val="75000"/>
+                  </a:schemeClr>
+                </a:solidFill>
+              </a:ln>
+            </p:spPr>
+            <p:txBody>
+              <a:bodyPr wrap="square" rtlCol="0">
+                <a:spAutoFit/>
+              </a:bodyPr>
+              <a:lstStyle/>
+              <a:p>
+                <a14:m>
+                  <m:oMathPara xmlns:m="http://schemas.openxmlformats.org/officeDocument/2006/math">
+                    <m:oMathParaPr>
+                      <m:jc m:val="centerGroup"/>
+                    </m:oMathParaPr>
+                    <m:oMath xmlns:m="http://schemas.openxmlformats.org/officeDocument/2006/math">
+                      <m:sSub>
+                        <m:sSubPr>
+                          <m:ctrlPr>
+                            <a:rPr lang="pl-PL" b="1" i="1" smtClean="0">
+                              <a:solidFill>
+                                <a:schemeClr val="accent3">
+                                  <a:lumMod val="75000"/>
+                                </a:schemeClr>
+                              </a:solidFill>
+                              <a:latin typeface="Cambria Math"/>
+                            </a:rPr>
+                          </m:ctrlPr>
+                        </m:sSubPr>
+                        <m:e>
+                          <m:r>
+                            <a:rPr lang="pl-PL" b="1" i="1">
+                              <a:solidFill>
+                                <a:schemeClr val="accent3">
+                                  <a:lumMod val="75000"/>
+                                </a:schemeClr>
+                              </a:solidFill>
+                              <a:latin typeface="Cambria Math"/>
+                              <a:ea typeface="Cambria Math"/>
+                            </a:rPr>
+                            <m:t>𝝅</m:t>
+                          </m:r>
+                        </m:e>
+                        <m:sub>
+                          <m:r>
+                            <a:rPr lang="pl-PL" b="1" i="1" smtClean="0">
+                              <a:solidFill>
+                                <a:schemeClr val="accent3">
+                                  <a:lumMod val="75000"/>
+                                </a:schemeClr>
+                              </a:solidFill>
+                              <a:latin typeface="Cambria Math"/>
+                              <a:ea typeface="Cambria Math"/>
+                            </a:rPr>
+                            <m:t>𝑫</m:t>
+                          </m:r>
+                        </m:sub>
+                      </m:sSub>
+                    </m:oMath>
+                  </m:oMathPara>
+                </a14:m>
+                <a:endParaRPr lang="pl-PL" dirty="0"/>
+              </a:p>
+            </p:txBody>
+          </p:sp>
+        </mc:Choice>
+        <mc:Fallback>
+          <p:sp>
+            <p:nvSpPr>
+              <p:cNvPr id="44" name="pole tekstowe 43"/>
+              <p:cNvSpPr txBox="1">
+                <a:spLocks noRot="1" noChangeAspect="1" noMove="1" noResize="1" noEditPoints="1" noAdjustHandles="1" noChangeArrowheads="1" noChangeShapeType="1" noTextEdit="1"/>
+              </p:cNvSpPr>
+              <p:nvPr/>
+            </p:nvSpPr>
+            <p:spPr>
+              <a:xfrm>
+                <a:off x="6368846" y="2078024"/>
+                <a:ext cx="406480" cy="369332"/>
+              </a:xfrm>
+              <a:prstGeom prst="rect">
+                <a:avLst/>
+              </a:prstGeom>
+              <a:blipFill rotWithShape="1">
+                <a:blip r:embed="rId17"/>
+                <a:stretch>
+                  <a:fillRect r="-7353"/>
+                </a:stretch>
+              </a:blipFill>
+              <a:ln>
+                <a:solidFill>
+                  <a:schemeClr val="accent3">
+                    <a:lumMod val="75000"/>
+                  </a:schemeClr>
+                </a:solidFill>
+              </a:ln>
+            </p:spPr>
+            <p:txBody>
+              <a:bodyPr/>
+              <a:lstStyle/>
+              <a:p>
+                <a:r>
+                  <a:rPr lang="pl-PL">
+                    <a:noFill/>
+                  </a:rPr>
+                  <a:t> </a:t>
+                </a:r>
+              </a:p>
+            </p:txBody>
+          </p:sp>
+        </mc:Fallback>
+      </mc:AlternateContent>
+      <mc:AlternateContent xmlns:mc="http://schemas.openxmlformats.org/markup-compatibility/2006">
+        <mc:Choice xmlns:a14="http://schemas.microsoft.com/office/drawing/2010/main" Requires="a14">
+          <p:sp>
+            <p:nvSpPr>
+              <p:cNvPr id="45" name="pole tekstowe 44"/>
+              <p:cNvSpPr txBox="1"/>
+              <p:nvPr/>
+            </p:nvSpPr>
+            <p:spPr>
+              <a:xfrm>
+                <a:off x="6295205" y="3178796"/>
+                <a:ext cx="406480" cy="369332"/>
+              </a:xfrm>
+              <a:prstGeom prst="rect">
+                <a:avLst/>
+              </a:prstGeom>
+              <a:solidFill>
+                <a:schemeClr val="accent3">
+                  <a:lumMod val="40000"/>
+                  <a:lumOff val="60000"/>
+                </a:schemeClr>
+              </a:solidFill>
+              <a:ln>
+                <a:solidFill>
+                  <a:schemeClr val="accent3">
+                    <a:lumMod val="75000"/>
+                  </a:schemeClr>
+                </a:solidFill>
+              </a:ln>
+            </p:spPr>
+            <p:txBody>
+              <a:bodyPr wrap="square" rtlCol="0">
+                <a:spAutoFit/>
+              </a:bodyPr>
+              <a:lstStyle/>
+              <a:p>
+                <a14:m>
+                  <m:oMathPara xmlns:m="http://schemas.openxmlformats.org/officeDocument/2006/math">
+                    <m:oMathParaPr>
+                      <m:jc m:val="centerGroup"/>
+                    </m:oMathParaPr>
+                    <m:oMath xmlns:m="http://schemas.openxmlformats.org/officeDocument/2006/math">
+                      <m:sSub>
+                        <m:sSubPr>
+                          <m:ctrlPr>
+                            <a:rPr lang="pl-PL" b="1" i="1" smtClean="0">
+                              <a:solidFill>
+                                <a:schemeClr val="accent3">
+                                  <a:lumMod val="75000"/>
+                                </a:schemeClr>
+                              </a:solidFill>
+                              <a:latin typeface="Cambria Math"/>
+                            </a:rPr>
+                          </m:ctrlPr>
+                        </m:sSubPr>
+                        <m:e>
+                          <m:r>
+                            <a:rPr lang="pl-PL" b="1" i="1">
+                              <a:solidFill>
+                                <a:schemeClr val="accent3">
+                                  <a:lumMod val="75000"/>
+                                </a:schemeClr>
+                              </a:solidFill>
+                              <a:latin typeface="Cambria Math"/>
+                              <a:ea typeface="Cambria Math"/>
+                            </a:rPr>
+                            <m:t>𝝅</m:t>
+                          </m:r>
+                        </m:e>
+                        <m:sub>
+                          <m:r>
+                            <a:rPr lang="pl-PL" b="1" i="1" smtClean="0">
+                              <a:solidFill>
+                                <a:schemeClr val="accent3">
+                                  <a:lumMod val="75000"/>
+                                </a:schemeClr>
+                              </a:solidFill>
+                              <a:latin typeface="Cambria Math"/>
+                              <a:ea typeface="Cambria Math"/>
+                            </a:rPr>
+                            <m:t>𝑬</m:t>
+                          </m:r>
+                        </m:sub>
+                      </m:sSub>
+                    </m:oMath>
+                  </m:oMathPara>
+                </a14:m>
+                <a:endParaRPr lang="pl-PL" dirty="0"/>
+              </a:p>
+            </p:txBody>
+          </p:sp>
+        </mc:Choice>
+        <mc:Fallback>
+          <p:sp>
+            <p:nvSpPr>
+              <p:cNvPr id="45" name="pole tekstowe 44"/>
+              <p:cNvSpPr txBox="1">
+                <a:spLocks noRot="1" noChangeAspect="1" noMove="1" noResize="1" noEditPoints="1" noAdjustHandles="1" noChangeArrowheads="1" noChangeShapeType="1" noTextEdit="1"/>
+              </p:cNvSpPr>
+              <p:nvPr/>
+            </p:nvSpPr>
+            <p:spPr>
+              <a:xfrm>
+                <a:off x="6295205" y="3178796"/>
+                <a:ext cx="406480" cy="369332"/>
+              </a:xfrm>
+              <a:prstGeom prst="rect">
+                <a:avLst/>
+              </a:prstGeom>
+              <a:blipFill rotWithShape="1">
+                <a:blip r:embed="rId18"/>
+                <a:stretch>
+                  <a:fillRect r="-2941"/>
+                </a:stretch>
+              </a:blipFill>
+              <a:ln>
+                <a:solidFill>
+                  <a:schemeClr val="accent3">
+                    <a:lumMod val="75000"/>
+                  </a:schemeClr>
+                </a:solidFill>
+              </a:ln>
+            </p:spPr>
+            <p:txBody>
+              <a:bodyPr/>
+              <a:lstStyle/>
+              <a:p>
+                <a:r>
+                  <a:rPr lang="pl-PL">
+                    <a:noFill/>
+                  </a:rPr>
+                  <a:t> </a:t>
+                </a:r>
+              </a:p>
+            </p:txBody>
+          </p:sp>
+        </mc:Fallback>
+      </mc:AlternateContent>
+      <mc:AlternateContent xmlns:mc="http://schemas.openxmlformats.org/markup-compatibility/2006">
+        <mc:Choice xmlns:a14="http://schemas.microsoft.com/office/drawing/2010/main" Requires="a14">
+          <p:sp>
+            <p:nvSpPr>
+              <p:cNvPr id="46" name="pole tekstowe 45"/>
+              <p:cNvSpPr txBox="1"/>
+              <p:nvPr/>
+            </p:nvSpPr>
+            <p:spPr>
+              <a:xfrm>
+                <a:off x="6257396" y="4358467"/>
+                <a:ext cx="406480" cy="369332"/>
+              </a:xfrm>
+              <a:prstGeom prst="rect">
+                <a:avLst/>
+              </a:prstGeom>
+              <a:solidFill>
+                <a:schemeClr val="accent3">
+                  <a:lumMod val="40000"/>
+                  <a:lumOff val="60000"/>
+                </a:schemeClr>
+              </a:solidFill>
+              <a:ln>
+                <a:solidFill>
+                  <a:schemeClr val="accent3">
+                    <a:lumMod val="75000"/>
+                  </a:schemeClr>
+                </a:solidFill>
+              </a:ln>
+            </p:spPr>
+            <p:txBody>
+              <a:bodyPr wrap="square" rtlCol="0">
+                <a:spAutoFit/>
+              </a:bodyPr>
+              <a:lstStyle/>
+              <a:p>
+                <a14:m>
+                  <m:oMathPara xmlns:m="http://schemas.openxmlformats.org/officeDocument/2006/math">
+                    <m:oMathParaPr>
+                      <m:jc m:val="centerGroup"/>
+                    </m:oMathParaPr>
+                    <m:oMath xmlns:m="http://schemas.openxmlformats.org/officeDocument/2006/math">
+                      <m:sSub>
+                        <m:sSubPr>
+                          <m:ctrlPr>
+                            <a:rPr lang="pl-PL" b="1" i="1" smtClean="0">
+                              <a:solidFill>
+                                <a:schemeClr val="accent3">
+                                  <a:lumMod val="75000"/>
+                                </a:schemeClr>
+                              </a:solidFill>
+                              <a:latin typeface="Cambria Math"/>
+                            </a:rPr>
+                          </m:ctrlPr>
+                        </m:sSubPr>
+                        <m:e>
+                          <m:r>
+                            <a:rPr lang="pl-PL" b="1" i="1">
+                              <a:solidFill>
+                                <a:schemeClr val="accent3">
+                                  <a:lumMod val="75000"/>
+                                </a:schemeClr>
+                              </a:solidFill>
+                              <a:latin typeface="Cambria Math"/>
+                              <a:ea typeface="Cambria Math"/>
+                            </a:rPr>
+                            <m:t>𝝅</m:t>
+                          </m:r>
+                        </m:e>
+                        <m:sub>
+                          <m:r>
+                            <a:rPr lang="pl-PL" b="1" i="1" smtClean="0">
+                              <a:solidFill>
+                                <a:schemeClr val="accent3">
+                                  <a:lumMod val="75000"/>
+                                </a:schemeClr>
+                              </a:solidFill>
+                              <a:latin typeface="Cambria Math"/>
+                              <a:ea typeface="Cambria Math"/>
+                            </a:rPr>
+                            <m:t>𝑩</m:t>
+                          </m:r>
+                        </m:sub>
+                      </m:sSub>
+                    </m:oMath>
+                  </m:oMathPara>
+                </a14:m>
+                <a:endParaRPr lang="pl-PL" dirty="0"/>
+              </a:p>
+            </p:txBody>
+          </p:sp>
+        </mc:Choice>
+        <mc:Fallback>
+          <p:sp>
+            <p:nvSpPr>
+              <p:cNvPr id="46" name="pole tekstowe 45"/>
+              <p:cNvSpPr txBox="1">
+                <a:spLocks noRot="1" noChangeAspect="1" noMove="1" noResize="1" noEditPoints="1" noAdjustHandles="1" noChangeArrowheads="1" noChangeShapeType="1" noTextEdit="1"/>
+              </p:cNvSpPr>
+              <p:nvPr/>
+            </p:nvSpPr>
+            <p:spPr>
+              <a:xfrm>
+                <a:off x="6257396" y="4358467"/>
+                <a:ext cx="406480" cy="369332"/>
+              </a:xfrm>
+              <a:prstGeom prst="rect">
+                <a:avLst/>
+              </a:prstGeom>
+              <a:blipFill rotWithShape="1">
+                <a:blip r:embed="rId19"/>
+                <a:stretch>
+                  <a:fillRect r="-5797"/>
+                </a:stretch>
+              </a:blipFill>
+              <a:ln>
+                <a:solidFill>
+                  <a:schemeClr val="accent3">
+                    <a:lumMod val="75000"/>
+                  </a:schemeClr>
+                </a:solidFill>
+              </a:ln>
+            </p:spPr>
+            <p:txBody>
+              <a:bodyPr/>
+              <a:lstStyle/>
+              <a:p>
+                <a:r>
+                  <a:rPr lang="pl-PL">
+                    <a:noFill/>
+                  </a:rPr>
+                  <a:t> </a:t>
+                </a:r>
+              </a:p>
+            </p:txBody>
+          </p:sp>
+        </mc:Fallback>
+      </mc:AlternateContent>
+      <p:sp>
+        <p:nvSpPr>
+          <p:cNvPr id="35" name="Elipsa 34"/>
+          <p:cNvSpPr/>
+          <p:nvPr/>
+        </p:nvSpPr>
+        <p:spPr>
+          <a:xfrm>
+            <a:off x="6588224" y="4635373"/>
+            <a:ext cx="288032" cy="324981"/>
+          </a:xfrm>
+          <a:prstGeom prst="ellipse">
+            <a:avLst/>
+          </a:prstGeom>
+        </p:spPr>
+        <p:style>
+          <a:lnRef idx="2">
+            <a:schemeClr val="accent1">
+              <a:shade val="50000"/>
+            </a:schemeClr>
+          </a:lnRef>
+          <a:fillRef idx="1">
+            <a:schemeClr val="accent1"/>
+          </a:fillRef>
+          <a:effectRef idx="0">
+            <a:schemeClr val="accent1"/>
+          </a:effectRef>
+          <a:fontRef idx="minor">
+            <a:schemeClr val="lt1"/>
+          </a:fontRef>
+        </p:style>
+        <p:txBody>
+          <a:bodyPr rtlCol="0" anchor="ctr"/>
+          <a:lstStyle/>
+          <a:p>
+            <a:pPr algn="ctr"/>
+            <a:r>
+              <a:rPr lang="pl-PL" dirty="0"/>
+              <a:t>F</a:t>
+            </a:r>
+          </a:p>
+        </p:txBody>
+      </p:sp>
+      <mc:AlternateContent xmlns:mc="http://schemas.openxmlformats.org/markup-compatibility/2006">
+        <mc:Choice xmlns:a14="http://schemas.microsoft.com/office/drawing/2010/main" Requires="a14">
+          <p:sp>
+            <p:nvSpPr>
+              <p:cNvPr id="42" name="pole tekstowe 41"/>
+              <p:cNvSpPr txBox="1"/>
+              <p:nvPr/>
+            </p:nvSpPr>
+            <p:spPr>
+              <a:xfrm>
+                <a:off x="6705327" y="4248143"/>
+                <a:ext cx="576065" cy="438582"/>
+              </a:xfrm>
+              <a:prstGeom prst="rect">
+                <a:avLst/>
+              </a:prstGeom>
+              <a:noFill/>
+              <a:ln>
+                <a:solidFill>
+                  <a:schemeClr val="tx2">
+                    <a:lumMod val="75000"/>
+                  </a:schemeClr>
+                </a:solidFill>
+              </a:ln>
+            </p:spPr>
+            <p:txBody>
+              <a:bodyPr wrap="square" rtlCol="0">
+                <a:spAutoFit/>
+              </a:bodyPr>
+              <a:lstStyle/>
+              <a:p>
+                <a14:m>
+                  <m:oMathPara xmlns:m="http://schemas.openxmlformats.org/officeDocument/2006/math">
+                    <m:oMathParaPr>
+                      <m:jc m:val="centerGroup"/>
+                    </m:oMathParaPr>
+                    <m:oMath xmlns:m="http://schemas.openxmlformats.org/officeDocument/2006/math">
+                      <m:sSubSup>
+                        <m:sSubSupPr>
+                          <m:ctrlPr>
+                            <a:rPr lang="pl-PL" i="1">
+                              <a:latin typeface="Cambria Math"/>
+                            </a:rPr>
+                          </m:ctrlPr>
+                        </m:sSubSupPr>
+                        <m:e>
+                          <m:r>
+                            <a:rPr lang="pl-PL" i="1">
+                              <a:latin typeface="Cambria Math"/>
+                            </a:rPr>
+                            <m:t>𝑆</m:t>
+                          </m:r>
+                        </m:e>
+                        <m:sub>
+                          <m:r>
+                            <a:rPr lang="pl-PL" i="1">
+                              <a:latin typeface="Cambria Math"/>
+                            </a:rPr>
+                            <m:t>𝑇</m:t>
+                          </m:r>
+                        </m:sub>
+                        <m:sup>
+                          <m:r>
+                            <a:rPr lang="pl-PL" i="1">
+                              <a:latin typeface="Cambria Math"/>
+                            </a:rPr>
+                            <m:t>(</m:t>
+                          </m:r>
+                          <m:r>
+                            <a:rPr lang="pl-PL" i="1">
+                              <a:latin typeface="Cambria Math"/>
+                            </a:rPr>
+                            <m:t>𝐵</m:t>
+                          </m:r>
+                          <m:r>
+                            <a:rPr lang="pl-PL" i="1">
+                              <a:latin typeface="Cambria Math"/>
+                            </a:rPr>
+                            <m:t>)</m:t>
+                          </m:r>
+                        </m:sup>
+                      </m:sSubSup>
+                    </m:oMath>
+                  </m:oMathPara>
+                </a14:m>
+                <a:endParaRPr lang="pl-PL" dirty="0"/>
+              </a:p>
+            </p:txBody>
+          </p:sp>
+        </mc:Choice>
+        <mc:Fallback>
+          <p:sp>
+            <p:nvSpPr>
+              <p:cNvPr id="42" name="pole tekstowe 41"/>
+              <p:cNvSpPr txBox="1">
+                <a:spLocks noRot="1" noChangeAspect="1" noMove="1" noResize="1" noEditPoints="1" noAdjustHandles="1" noChangeArrowheads="1" noChangeShapeType="1" noTextEdit="1"/>
+              </p:cNvSpPr>
+              <p:nvPr/>
+            </p:nvSpPr>
+            <p:spPr>
+              <a:xfrm>
+                <a:off x="6705327" y="4248143"/>
+                <a:ext cx="576065" cy="438582"/>
+              </a:xfrm>
+              <a:prstGeom prst="rect">
+                <a:avLst/>
+              </a:prstGeom>
+              <a:blipFill rotWithShape="1">
+                <a:blip r:embed="rId20"/>
+                <a:stretch>
+                  <a:fillRect b="-1351"/>
+                </a:stretch>
+              </a:blipFill>
+              <a:ln>
+                <a:solidFill>
+                  <a:schemeClr val="tx2">
+                    <a:lumMod val="75000"/>
+                  </a:schemeClr>
+                </a:solidFill>
+              </a:ln>
+            </p:spPr>
+            <p:txBody>
+              <a:bodyPr/>
+              <a:lstStyle/>
+              <a:p>
+                <a:r>
+                  <a:rPr lang="pl-PL">
+                    <a:noFill/>
+                  </a:rPr>
+                  <a:t> </a:t>
+                </a:r>
+              </a:p>
+            </p:txBody>
+          </p:sp>
+        </mc:Fallback>
+      </mc:AlternateContent>
+      <mc:AlternateContent xmlns:mc="http://schemas.openxmlformats.org/markup-compatibility/2006">
+        <mc:Choice xmlns:a14="http://schemas.microsoft.com/office/drawing/2010/main" Requires="a14">
+          <p:sp>
+            <p:nvSpPr>
+              <p:cNvPr id="36" name="pole tekstowe 35"/>
+              <p:cNvSpPr txBox="1"/>
+              <p:nvPr/>
+            </p:nvSpPr>
+            <p:spPr>
+              <a:xfrm>
+                <a:off x="6787740" y="2043399"/>
+                <a:ext cx="576065" cy="438582"/>
+              </a:xfrm>
+              <a:prstGeom prst="rect">
+                <a:avLst/>
+              </a:prstGeom>
+              <a:noFill/>
+              <a:ln>
+                <a:solidFill>
+                  <a:schemeClr val="tx2">
+                    <a:lumMod val="75000"/>
+                  </a:schemeClr>
+                </a:solidFill>
+              </a:ln>
+            </p:spPr>
+            <p:txBody>
+              <a:bodyPr wrap="square" rtlCol="0">
+                <a:spAutoFit/>
+              </a:bodyPr>
+              <a:lstStyle/>
+              <a:p>
+                <a14:m>
+                  <m:oMathPara xmlns:m="http://schemas.openxmlformats.org/officeDocument/2006/math">
+                    <m:oMathParaPr>
+                      <m:jc m:val="centerGroup"/>
+                    </m:oMathParaPr>
+                    <m:oMath xmlns:m="http://schemas.openxmlformats.org/officeDocument/2006/math">
+                      <m:sSubSup>
+                        <m:sSubSupPr>
+                          <m:ctrlPr>
+                            <a:rPr lang="pl-PL" i="1" smtClean="0">
+                              <a:latin typeface="Cambria Math"/>
+                            </a:rPr>
+                          </m:ctrlPr>
+                        </m:sSubSupPr>
+                        <m:e>
+                          <m:r>
+                            <a:rPr lang="pl-PL" i="1">
+                              <a:latin typeface="Cambria Math"/>
+                            </a:rPr>
+                            <m:t>𝑆</m:t>
+                          </m:r>
+                        </m:e>
+                        <m:sub>
+                          <m:r>
+                            <a:rPr lang="pl-PL" i="1">
+                              <a:latin typeface="Cambria Math"/>
+                            </a:rPr>
+                            <m:t>𝑇</m:t>
+                          </m:r>
+                        </m:sub>
+                        <m:sup>
+                          <m:r>
+                            <a:rPr lang="pl-PL" i="1">
+                              <a:latin typeface="Cambria Math"/>
+                            </a:rPr>
+                            <m:t>(</m:t>
+                          </m:r>
+                          <m:r>
+                            <a:rPr lang="pl-PL" b="0" i="1" smtClean="0">
+                              <a:latin typeface="Cambria Math"/>
+                            </a:rPr>
+                            <m:t>𝐷</m:t>
+                          </m:r>
+                          <m:r>
+                            <a:rPr lang="pl-PL" i="1">
+                              <a:latin typeface="Cambria Math"/>
+                            </a:rPr>
+                            <m:t>)</m:t>
+                          </m:r>
+                        </m:sup>
+                      </m:sSubSup>
+                    </m:oMath>
+                  </m:oMathPara>
+                </a14:m>
+                <a:endParaRPr lang="pl-PL" dirty="0"/>
+              </a:p>
+            </p:txBody>
+          </p:sp>
+        </mc:Choice>
+        <mc:Fallback>
+          <p:sp>
+            <p:nvSpPr>
+              <p:cNvPr id="36" name="pole tekstowe 35"/>
+              <p:cNvSpPr txBox="1">
+                <a:spLocks noRot="1" noChangeAspect="1" noMove="1" noResize="1" noEditPoints="1" noAdjustHandles="1" noChangeArrowheads="1" noChangeShapeType="1" noTextEdit="1"/>
+              </p:cNvSpPr>
+              <p:nvPr/>
+            </p:nvSpPr>
+            <p:spPr>
+              <a:xfrm>
+                <a:off x="6787740" y="2043399"/>
+                <a:ext cx="576065" cy="438582"/>
+              </a:xfrm>
+              <a:prstGeom prst="rect">
+                <a:avLst/>
+              </a:prstGeom>
+              <a:blipFill rotWithShape="1">
+                <a:blip r:embed="rId21"/>
+                <a:stretch>
+                  <a:fillRect b="-1351"/>
+                </a:stretch>
+              </a:blipFill>
+              <a:ln>
+                <a:solidFill>
+                  <a:schemeClr val="tx2">
+                    <a:lumMod val="75000"/>
+                  </a:schemeClr>
+                </a:solidFill>
+              </a:ln>
+            </p:spPr>
+            <p:txBody>
+              <a:bodyPr/>
+              <a:lstStyle/>
+              <a:p>
+                <a:r>
+                  <a:rPr lang="pl-PL">
+                    <a:noFill/>
+                  </a:rPr>
+                  <a:t> </a:t>
+                </a:r>
+              </a:p>
+            </p:txBody>
+          </p:sp>
+        </mc:Fallback>
+      </mc:AlternateContent>
     </p:spTree>
     <p:extLst>
       <p:ext uri="{BB962C8B-B14F-4D97-AF65-F5344CB8AC3E}">
@@ -6355,11 +8531,7 @@
           <a:p>
             <a:r>
               <a:rPr lang="pl-PL" dirty="0" smtClean="0"/>
-              <a:t>Czym jest </a:t>
-            </a:r>
-            <a:r>
-              <a:rPr lang="pl-PL" dirty="0" smtClean="0"/>
-              <a:t>opcja? </a:t>
+              <a:t>Czym jest opcja? </a:t>
             </a:r>
           </a:p>
           <a:p>
@@ -6367,7 +8539,6 @@
               <a:rPr lang="pl-PL" dirty="0" smtClean="0"/>
               <a:t>Rodzaje opcji.</a:t>
             </a:r>
-            <a:endParaRPr lang="pl-PL" dirty="0" smtClean="0"/>
           </a:p>
         </p:txBody>
       </p:sp>
@@ -7102,11 +9273,7 @@
           <a:p>
             <a:r>
               <a:rPr lang="pl-PL" dirty="0" smtClean="0"/>
-              <a:t>Payoff</a:t>
-            </a:r>
-            <a:r>
-              <a:rPr lang="pl-PL" dirty="0" smtClean="0"/>
-              <a:t>- funkcja wypłaty</a:t>
+              <a:t>Payoff- funkcja wypłaty</a:t>
             </a:r>
             <a:endParaRPr lang="pl-PL" dirty="0"/>
           </a:p>
@@ -7134,15 +9301,7 @@
           <a:p>
             <a:r>
               <a:rPr lang="pl-PL" dirty="0" smtClean="0"/>
-              <a:t>Czym jest </a:t>
-            </a:r>
-            <a:r>
-              <a:rPr lang="pl-PL" dirty="0" smtClean="0"/>
-              <a:t>payoff</a:t>
-            </a:r>
-            <a:r>
-              <a:rPr lang="pl-PL" dirty="0" smtClean="0"/>
-              <a:t>?</a:t>
+              <a:t>Czym jest payoff?</a:t>
             </a:r>
           </a:p>
           <a:p>
@@ -7181,17 +9340,7 @@
                   </a:schemeClr>
                 </a:solidFill>
               </a:rPr>
-              <a:t>Payoff</a:t>
-            </a:r>
-            <a:r>
-              <a:rPr lang="pl-PL" b="1" dirty="0" smtClean="0">
-                <a:solidFill>
-                  <a:schemeClr val="accent1">
-                    <a:lumMod val="50000"/>
-                  </a:schemeClr>
-                </a:solidFill>
-              </a:rPr>
-              <a:t> opcji europejskiej</a:t>
+              <a:t>Payoff opcji europejskiej</a:t>
             </a:r>
           </a:p>
           <a:p>
@@ -7216,8 +9365,8 @@
           </a:p>
         </p:txBody>
       </p:sp>
-      <mc:AlternateContent xmlns:mc="http://schemas.openxmlformats.org/markup-compatibility/2006">
-        <mc:Choice xmlns:a14="http://schemas.microsoft.com/office/drawing/2010/main" Requires="a14">
+      <mc:AlternateContent xmlns:mc="http://schemas.openxmlformats.org/markup-compatibility/2006" xmlns:a14="http://schemas.microsoft.com/office/drawing/2010/main">
+        <mc:Choice Requires="a14">
           <p:sp>
             <p:nvSpPr>
               <p:cNvPr id="5" name="pole tekstowe 4"/>
@@ -7252,6 +9401,7 @@
                 </a:r>
               </a:p>
               <a:p>
+                <a:pPr/>
                 <a14:m>
                   <m:oMathPara xmlns:m="http://schemas.openxmlformats.org/officeDocument/2006/math">
                     <m:oMathParaPr>
@@ -7333,7 +9483,7 @@
             </p:txBody>
           </p:sp>
         </mc:Choice>
-        <mc:Fallback>
+        <mc:Fallback xmlns="">
           <p:sp>
             <p:nvSpPr>
               <p:cNvPr id="5" name="pole tekstowe 4"/>
@@ -7372,8 +9522,8 @@
           </p:sp>
         </mc:Fallback>
       </mc:AlternateContent>
-      <mc:AlternateContent xmlns:mc="http://schemas.openxmlformats.org/markup-compatibility/2006">
-        <mc:Choice xmlns:a14="http://schemas.microsoft.com/office/drawing/2010/main" Requires="a14">
+      <mc:AlternateContent xmlns:mc="http://schemas.openxmlformats.org/markup-compatibility/2006" xmlns:a14="http://schemas.microsoft.com/office/drawing/2010/main">
+        <mc:Choice Requires="a14">
           <p:sp>
             <p:nvSpPr>
               <p:cNvPr id="6" name="pole tekstowe 5"/>
@@ -7408,6 +9558,7 @@
                 </a:r>
               </a:p>
               <a:p>
+                <a:pPr/>
                 <a14:m>
                   <m:oMathPara xmlns:m="http://schemas.openxmlformats.org/officeDocument/2006/math">
                     <m:oMathParaPr>
@@ -7480,7 +9631,7 @@
             </p:txBody>
           </p:sp>
         </mc:Choice>
-        <mc:Fallback>
+        <mc:Fallback xmlns="">
           <p:sp>
             <p:nvSpPr>
               <p:cNvPr id="6" name="pole tekstowe 5"/>
@@ -7550,17 +9701,7 @@
                   </a:schemeClr>
                 </a:solidFill>
               </a:rPr>
-              <a:t>Payoff</a:t>
-            </a:r>
-            <a:r>
-              <a:rPr lang="pl-PL" b="1" dirty="0" smtClean="0">
-                <a:solidFill>
-                  <a:schemeClr val="accent1">
-                    <a:lumMod val="50000"/>
-                  </a:schemeClr>
-                </a:solidFill>
-              </a:rPr>
-              <a:t> opcji amerykańskiej</a:t>
+              <a:t>Payoff opcji amerykańskiej</a:t>
             </a:r>
           </a:p>
           <a:p>
@@ -7585,8 +9726,8 @@
           </a:p>
         </p:txBody>
       </p:sp>
-      <mc:AlternateContent xmlns:mc="http://schemas.openxmlformats.org/markup-compatibility/2006">
-        <mc:Choice xmlns:a14="http://schemas.microsoft.com/office/drawing/2010/main" Requires="a14">
+      <mc:AlternateContent xmlns:mc="http://schemas.openxmlformats.org/markup-compatibility/2006" xmlns:a14="http://schemas.microsoft.com/office/drawing/2010/main">
+        <mc:Choice Requires="a14">
           <p:sp>
             <p:nvSpPr>
               <p:cNvPr id="8" name="pole tekstowe 7"/>
@@ -7621,6 +9762,7 @@
                 </a:r>
               </a:p>
               <a:p>
+                <a:pPr/>
                 <a14:m>
                   <m:oMathPara xmlns:m="http://schemas.openxmlformats.org/officeDocument/2006/math">
                     <m:oMathParaPr>
@@ -7702,7 +9844,7 @@
             </p:txBody>
           </p:sp>
         </mc:Choice>
-        <mc:Fallback>
+        <mc:Fallback xmlns="">
           <p:sp>
             <p:nvSpPr>
               <p:cNvPr id="8" name="pole tekstowe 7"/>
@@ -7741,8 +9883,8 @@
           </p:sp>
         </mc:Fallback>
       </mc:AlternateContent>
-      <mc:AlternateContent xmlns:mc="http://schemas.openxmlformats.org/markup-compatibility/2006">
-        <mc:Choice xmlns:a14="http://schemas.microsoft.com/office/drawing/2010/main" Requires="a14">
+      <mc:AlternateContent xmlns:mc="http://schemas.openxmlformats.org/markup-compatibility/2006" xmlns:a14="http://schemas.microsoft.com/office/drawing/2010/main">
+        <mc:Choice Requires="a14">
           <p:sp>
             <p:nvSpPr>
               <p:cNvPr id="9" name="pole tekstowe 8"/>
@@ -7777,6 +9919,7 @@
                 </a:r>
               </a:p>
               <a:p>
+                <a:pPr/>
                 <a14:m>
                   <m:oMathPara xmlns:m="http://schemas.openxmlformats.org/officeDocument/2006/math">
                     <m:oMathParaPr>
@@ -7849,7 +9992,7 @@
             </p:txBody>
           </p:sp>
         </mc:Choice>
-        <mc:Fallback>
+        <mc:Fallback xmlns="">
           <p:sp>
             <p:nvSpPr>
               <p:cNvPr id="9" name="pole tekstowe 8"/>
@@ -8073,8 +10216,8 @@
           </a:p>
         </p:txBody>
       </p:sp>
-      <mc:AlternateContent xmlns:mc="http://schemas.openxmlformats.org/markup-compatibility/2006">
-        <mc:Choice xmlns:a14="http://schemas.microsoft.com/office/drawing/2010/main" Requires="a14">
+      <mc:AlternateContent xmlns:mc="http://schemas.openxmlformats.org/markup-compatibility/2006" xmlns:a14="http://schemas.microsoft.com/office/drawing/2010/main">
+        <mc:Choice Requires="a14">
           <p:sp>
             <p:nvSpPr>
               <p:cNvPr id="3" name="Symbol zastępczy zawartości 2"/>
@@ -8157,7 +10300,7 @@
             </p:txBody>
           </p:sp>
         </mc:Choice>
-        <mc:Fallback>
+        <mc:Fallback xmlns="">
           <p:sp>
             <p:nvSpPr>
               <p:cNvPr id="3" name="Symbol zastępczy zawartości 2"/>
@@ -8421,8 +10564,8 @@
           </a:p>
         </p:txBody>
       </p:sp>
-      <mc:AlternateContent xmlns:mc="http://schemas.openxmlformats.org/markup-compatibility/2006">
-        <mc:Choice xmlns:a14="http://schemas.microsoft.com/office/drawing/2010/main" Requires="a14">
+      <mc:AlternateContent xmlns:mc="http://schemas.openxmlformats.org/markup-compatibility/2006" xmlns:a14="http://schemas.microsoft.com/office/drawing/2010/main">
+        <mc:Choice Requires="a14">
           <p:sp>
             <p:nvSpPr>
               <p:cNvPr id="5" name="pole tekstowe 4"/>
@@ -8611,7 +10754,7 @@
             </p:txBody>
           </p:sp>
         </mc:Choice>
-        <mc:Fallback>
+        <mc:Fallback xmlns="">
           <p:sp>
             <p:nvSpPr>
               <p:cNvPr id="5" name="pole tekstowe 4"/>
@@ -8657,8 +10800,8 @@
           </p:sp>
         </mc:Fallback>
       </mc:AlternateContent>
-      <mc:AlternateContent xmlns:mc="http://schemas.openxmlformats.org/markup-compatibility/2006">
-        <mc:Choice xmlns:a14="http://schemas.microsoft.com/office/drawing/2010/main" Requires="a14">
+      <mc:AlternateContent xmlns:mc="http://schemas.openxmlformats.org/markup-compatibility/2006" xmlns:a14="http://schemas.microsoft.com/office/drawing/2010/main">
+        <mc:Choice Requires="a14">
           <p:sp>
             <p:nvSpPr>
               <p:cNvPr id="6" name="pole tekstowe 5"/>
@@ -8688,6 +10831,7 @@
               </a:bodyPr>
               <a:lstStyle/>
               <a:p>
+                <a:pPr/>
                 <a14:m>
                   <m:oMathPara xmlns:m="http://schemas.openxmlformats.org/officeDocument/2006/math">
                     <m:oMathParaPr>
@@ -8782,7 +10926,7 @@
             </p:txBody>
           </p:sp>
         </mc:Choice>
-        <mc:Fallback>
+        <mc:Fallback xmlns="">
           <p:sp>
             <p:nvSpPr>
               <p:cNvPr id="6" name="pole tekstowe 5"/>
@@ -9026,8 +11170,8 @@
           </a:p>
         </p:txBody>
       </p:sp>
-      <mc:AlternateContent xmlns:mc="http://schemas.openxmlformats.org/markup-compatibility/2006">
-        <mc:Choice xmlns:a14="http://schemas.microsoft.com/office/drawing/2010/main" Requires="a14">
+      <mc:AlternateContent xmlns:mc="http://schemas.openxmlformats.org/markup-compatibility/2006" xmlns:a14="http://schemas.microsoft.com/office/drawing/2010/main">
+        <mc:Choice Requires="a14">
           <p:sp>
             <p:nvSpPr>
               <p:cNvPr id="26" name="pole tekstowe 25"/>
@@ -9057,6 +11201,7 @@
               </a:bodyPr>
               <a:lstStyle/>
               <a:p>
+                <a:pPr/>
                 <a14:m>
                   <m:oMathPara xmlns:m="http://schemas.openxmlformats.org/officeDocument/2006/math">
                     <m:oMathParaPr>
@@ -9169,7 +11314,7 @@
             </p:txBody>
           </p:sp>
         </mc:Choice>
-        <mc:Fallback>
+        <mc:Fallback xmlns="">
           <p:sp>
             <p:nvSpPr>
               <p:cNvPr id="26" name="pole tekstowe 25"/>
@@ -9215,8 +11360,8 @@
           </p:sp>
         </mc:Fallback>
       </mc:AlternateContent>
-      <mc:AlternateContent xmlns:mc="http://schemas.openxmlformats.org/markup-compatibility/2006">
-        <mc:Choice xmlns:a14="http://schemas.microsoft.com/office/drawing/2010/main" Requires="a14">
+      <mc:AlternateContent xmlns:mc="http://schemas.openxmlformats.org/markup-compatibility/2006" xmlns:a14="http://schemas.microsoft.com/office/drawing/2010/main">
+        <mc:Choice Requires="a14">
           <p:sp>
             <p:nvSpPr>
               <p:cNvPr id="28" name="pole tekstowe 27"/>
@@ -9246,6 +11391,7 @@
               </a:bodyPr>
               <a:lstStyle/>
               <a:p>
+                <a:pPr/>
                 <a14:m>
                   <m:oMathPara xmlns:m="http://schemas.openxmlformats.org/officeDocument/2006/math">
                     <m:oMathParaPr>
@@ -9358,7 +11504,7 @@
             </p:txBody>
           </p:sp>
         </mc:Choice>
-        <mc:Fallback>
+        <mc:Fallback xmlns="">
           <p:sp>
             <p:nvSpPr>
               <p:cNvPr id="28" name="pole tekstowe 27"/>
@@ -9404,8 +11550,8 @@
           </p:sp>
         </mc:Fallback>
       </mc:AlternateContent>
-      <mc:AlternateContent xmlns:mc="http://schemas.openxmlformats.org/markup-compatibility/2006">
-        <mc:Choice xmlns:a14="http://schemas.microsoft.com/office/drawing/2010/main" Requires="a14">
+      <mc:AlternateContent xmlns:mc="http://schemas.openxmlformats.org/markup-compatibility/2006" xmlns:a14="http://schemas.microsoft.com/office/drawing/2010/main">
+        <mc:Choice Requires="a14">
           <p:sp>
             <p:nvSpPr>
               <p:cNvPr id="43" name="pole tekstowe 42"/>
@@ -9435,6 +11581,7 @@
               </a:bodyPr>
               <a:lstStyle/>
               <a:p>
+                <a:pPr/>
                 <a14:m>
                   <m:oMathPara xmlns:m="http://schemas.openxmlformats.org/officeDocument/2006/math">
                     <m:oMathParaPr>
@@ -9477,7 +11624,7 @@
             </p:txBody>
           </p:sp>
         </mc:Choice>
-        <mc:Fallback>
+        <mc:Fallback xmlns="">
           <p:sp>
             <p:nvSpPr>
               <p:cNvPr id="43" name="pole tekstowe 42"/>
@@ -9523,8 +11670,8 @@
           </p:sp>
         </mc:Fallback>
       </mc:AlternateContent>
-      <mc:AlternateContent xmlns:mc="http://schemas.openxmlformats.org/markup-compatibility/2006">
-        <mc:Choice xmlns:a14="http://schemas.microsoft.com/office/drawing/2010/main" Requires="a14">
+      <mc:AlternateContent xmlns:mc="http://schemas.openxmlformats.org/markup-compatibility/2006" xmlns:a14="http://schemas.microsoft.com/office/drawing/2010/main">
+        <mc:Choice Requires="a14">
           <p:sp>
             <p:nvSpPr>
               <p:cNvPr id="46" name="pole tekstowe 45"/>
@@ -9547,6 +11694,7 @@
               </a:bodyPr>
               <a:lstStyle/>
               <a:p>
+                <a:pPr/>
                 <a14:m>
                   <m:oMathPara xmlns:m="http://schemas.openxmlformats.org/officeDocument/2006/math">
                     <m:oMathParaPr>
@@ -9610,7 +11758,7 @@
             </p:txBody>
           </p:sp>
         </mc:Choice>
-        <mc:Fallback>
+        <mc:Fallback xmlns="">
           <p:sp>
             <p:nvSpPr>
               <p:cNvPr id="46" name="pole tekstowe 45"/>
@@ -9649,8 +11797,8 @@
           </p:sp>
         </mc:Fallback>
       </mc:AlternateContent>
-      <mc:AlternateContent xmlns:mc="http://schemas.openxmlformats.org/markup-compatibility/2006">
-        <mc:Choice xmlns:a14="http://schemas.microsoft.com/office/drawing/2010/main" Requires="a14">
+      <mc:AlternateContent xmlns:mc="http://schemas.openxmlformats.org/markup-compatibility/2006" xmlns:a14="http://schemas.microsoft.com/office/drawing/2010/main">
+        <mc:Choice Requires="a14">
           <p:sp>
             <p:nvSpPr>
               <p:cNvPr id="48" name="pole tekstowe 47"/>
@@ -9673,6 +11821,7 @@
               </a:bodyPr>
               <a:lstStyle/>
               <a:p>
+                <a:pPr/>
                 <a14:m>
                   <m:oMathPara xmlns:m="http://schemas.openxmlformats.org/officeDocument/2006/math">
                     <m:oMathParaPr>
@@ -9693,7 +11842,7 @@
             </p:txBody>
           </p:sp>
         </mc:Choice>
-        <mc:Fallback>
+        <mc:Fallback xmlns="">
           <p:sp>
             <p:nvSpPr>
               <p:cNvPr id="48" name="pole tekstowe 47"/>
@@ -9732,8 +11881,8 @@
           </p:sp>
         </mc:Fallback>
       </mc:AlternateContent>
-      <mc:AlternateContent xmlns:mc="http://schemas.openxmlformats.org/markup-compatibility/2006">
-        <mc:Choice xmlns:a14="http://schemas.microsoft.com/office/drawing/2010/main" Requires="a14">
+      <mc:AlternateContent xmlns:mc="http://schemas.openxmlformats.org/markup-compatibility/2006" xmlns:a14="http://schemas.microsoft.com/office/drawing/2010/main">
+        <mc:Choice Requires="a14">
           <p:sp>
             <p:nvSpPr>
               <p:cNvPr id="49" name="pole tekstowe 48"/>
@@ -9756,6 +11905,7 @@
               </a:bodyPr>
               <a:lstStyle/>
               <a:p>
+                <a:pPr/>
                 <a14:m>
                   <m:oMathPara xmlns:m="http://schemas.openxmlformats.org/officeDocument/2006/math">
                     <m:oMathParaPr>
@@ -9819,7 +11969,7 @@
             </p:txBody>
           </p:sp>
         </mc:Choice>
-        <mc:Fallback>
+        <mc:Fallback xmlns="">
           <p:sp>
             <p:nvSpPr>
               <p:cNvPr id="49" name="pole tekstowe 48"/>

--- a/Prezentacja.pptx
+++ b/Prezentacja.pptx
@@ -11,18 +11,17 @@
     <p:sldId id="260" r:id="rId5"/>
     <p:sldId id="268" r:id="rId6"/>
     <p:sldId id="269" r:id="rId7"/>
-    <p:sldId id="274" r:id="rId8"/>
-    <p:sldId id="261" r:id="rId9"/>
-    <p:sldId id="272" r:id="rId10"/>
-    <p:sldId id="273" r:id="rId11"/>
-    <p:sldId id="262" r:id="rId12"/>
-    <p:sldId id="270" r:id="rId13"/>
-    <p:sldId id="271" r:id="rId14"/>
-    <p:sldId id="263" r:id="rId15"/>
-    <p:sldId id="267" r:id="rId16"/>
-    <p:sldId id="264" r:id="rId17"/>
-    <p:sldId id="265" r:id="rId18"/>
-    <p:sldId id="266" r:id="rId19"/>
+    <p:sldId id="261" r:id="rId8"/>
+    <p:sldId id="272" r:id="rId9"/>
+    <p:sldId id="273" r:id="rId10"/>
+    <p:sldId id="262" r:id="rId11"/>
+    <p:sldId id="270" r:id="rId12"/>
+    <p:sldId id="271" r:id="rId13"/>
+    <p:sldId id="263" r:id="rId14"/>
+    <p:sldId id="267" r:id="rId15"/>
+    <p:sldId id="264" r:id="rId16"/>
+    <p:sldId id="265" r:id="rId17"/>
+    <p:sldId id="266" r:id="rId18"/>
   </p:sldIdLst>
   <p:sldSz cx="9144000" cy="6858000" type="screen4x3"/>
   <p:notesSz cx="6858000" cy="9144000"/>
@@ -3445,100 +3444,6 @@
 </file>
 
 <file path=ppt/slides/slide10.xml><?xml version="1.0" encoding="utf-8"?>
-<p:sld xmlns:a="http://schemas.openxmlformats.org/drawingml/2006/main" xmlns:r="http://schemas.openxmlformats.org/officeDocument/2006/relationships" xmlns:p="http://schemas.openxmlformats.org/presentationml/2006/main">
-  <p:cSld>
-    <p:spTree>
-      <p:nvGrpSpPr>
-        <p:cNvPr id="1" name=""/>
-        <p:cNvGrpSpPr/>
-        <p:nvPr/>
-      </p:nvGrpSpPr>
-      <p:grpSpPr>
-        <a:xfrm>
-          <a:off x="0" y="0"/>
-          <a:ext cx="0" cy="0"/>
-          <a:chOff x="0" y="0"/>
-          <a:chExt cx="0" cy="0"/>
-        </a:xfrm>
-      </p:grpSpPr>
-      <p:sp>
-        <p:nvSpPr>
-          <p:cNvPr id="2" name="Tytuł 1"/>
-          <p:cNvSpPr>
-            <a:spLocks noGrp="1"/>
-          </p:cNvSpPr>
-          <p:nvPr>
-            <p:ph type="title"/>
-          </p:nvPr>
-        </p:nvSpPr>
-        <p:spPr/>
-        <p:txBody>
-          <a:bodyPr/>
-          <a:lstStyle/>
-          <a:p>
-            <a:r>
-              <a:rPr lang="pl-PL" dirty="0" smtClean="0"/>
-              <a:t>Model dwumianowy</a:t>
-            </a:r>
-            <a:endParaRPr lang="pl-PL" dirty="0"/>
-          </a:p>
-        </p:txBody>
-      </p:sp>
-      <p:sp>
-        <p:nvSpPr>
-          <p:cNvPr id="3" name="Symbol zastępczy zawartości 2"/>
-          <p:cNvSpPr>
-            <a:spLocks noGrp="1"/>
-          </p:cNvSpPr>
-          <p:nvPr>
-            <p:ph idx="1"/>
-          </p:nvPr>
-        </p:nvSpPr>
-        <p:spPr/>
-        <p:txBody>
-          <a:bodyPr/>
-          <a:lstStyle/>
-          <a:p>
-            <a:r>
-              <a:rPr lang="pl-PL" dirty="0" smtClean="0"/>
-              <a:t>Wycena opcji amerykańskiej</a:t>
-            </a:r>
-          </a:p>
-          <a:p>
-            <a:pPr>
-              <a:buFont typeface="Wingdings" pitchFamily="2" charset="2"/>
-              <a:buChar char="Ø"/>
-            </a:pPr>
-            <a:r>
-              <a:rPr lang="pl-PL" dirty="0" smtClean="0"/>
-              <a:t>Zaczynamy od wyznaczenia </a:t>
-            </a:r>
-            <a:r>
-              <a:rPr lang="pl-PL" dirty="0" err="1" smtClean="0"/>
-              <a:t>payoffów</a:t>
-            </a:r>
-            <a:r>
-              <a:rPr lang="pl-PL" dirty="0" smtClean="0"/>
-              <a:t> w ostatnim kroku </a:t>
-            </a:r>
-            <a:endParaRPr lang="pl-PL" dirty="0"/>
-          </a:p>
-        </p:txBody>
-      </p:sp>
-    </p:spTree>
-    <p:extLst>
-      <p:ext uri="{BB962C8B-B14F-4D97-AF65-F5344CB8AC3E}">
-        <p14:creationId xmlns:p14="http://schemas.microsoft.com/office/powerpoint/2010/main" val="673522827"/>
-      </p:ext>
-    </p:extLst>
-  </p:cSld>
-  <p:clrMapOvr>
-    <a:masterClrMapping/>
-  </p:clrMapOvr>
-</p:sld>
-</file>
-
-<file path=ppt/slides/slide11.xml><?xml version="1.0" encoding="utf-8"?>
 <p:sld xmlns:a="http://schemas.openxmlformats.org/drawingml/2006/main" xmlns:r="http://schemas.openxmlformats.org/officeDocument/2006/relationships" xmlns:p="http://schemas.openxmlformats.org/presentationml/2006/main">
   <p:cSld>
     <p:spTree>
@@ -4163,6 +4068,74 @@
 </p:sld>
 </file>
 
+<file path=ppt/slides/slide11.xml><?xml version="1.0" encoding="utf-8"?>
+<p:sld xmlns:a="http://schemas.openxmlformats.org/drawingml/2006/main" xmlns:r="http://schemas.openxmlformats.org/officeDocument/2006/relationships" xmlns:p="http://schemas.openxmlformats.org/presentationml/2006/main">
+  <p:cSld>
+    <p:spTree>
+      <p:nvGrpSpPr>
+        <p:cNvPr id="1" name=""/>
+        <p:cNvGrpSpPr/>
+        <p:nvPr/>
+      </p:nvGrpSpPr>
+      <p:grpSpPr>
+        <a:xfrm>
+          <a:off x="0" y="0"/>
+          <a:ext cx="0" cy="0"/>
+          <a:chOff x="0" y="0"/>
+          <a:chExt cx="0" cy="0"/>
+        </a:xfrm>
+      </p:grpSpPr>
+      <p:sp>
+        <p:nvSpPr>
+          <p:cNvPr id="2" name="Tytuł 1"/>
+          <p:cNvSpPr>
+            <a:spLocks noGrp="1"/>
+          </p:cNvSpPr>
+          <p:nvPr>
+            <p:ph type="title"/>
+          </p:nvPr>
+        </p:nvSpPr>
+        <p:spPr/>
+        <p:txBody>
+          <a:bodyPr/>
+          <a:lstStyle/>
+          <a:p>
+            <a:endParaRPr lang="pl-PL" dirty="0"/>
+          </a:p>
+        </p:txBody>
+      </p:sp>
+      <p:sp>
+        <p:nvSpPr>
+          <p:cNvPr id="3" name="Symbol zastępczy zawartości 2"/>
+          <p:cNvSpPr>
+            <a:spLocks noGrp="1"/>
+          </p:cNvSpPr>
+          <p:nvPr>
+            <p:ph idx="1"/>
+          </p:nvPr>
+        </p:nvSpPr>
+        <p:spPr/>
+        <p:txBody>
+          <a:bodyPr/>
+          <a:lstStyle/>
+          <a:p>
+            <a:endParaRPr lang="pl-PL" dirty="0"/>
+          </a:p>
+        </p:txBody>
+      </p:sp>
+    </p:spTree>
+    <p:extLst>
+      <p:ext uri="{BB962C8B-B14F-4D97-AF65-F5344CB8AC3E}">
+        <p14:creationId xmlns:p14="http://schemas.microsoft.com/office/powerpoint/2010/main" val="3774839499"/>
+      </p:ext>
+    </p:extLst>
+  </p:cSld>
+  <p:clrMapOvr>
+    <a:masterClrMapping/>
+  </p:clrMapOvr>
+</p:sld>
+</file>
+
 <file path=ppt/slides/slide12.xml><?xml version="1.0" encoding="utf-8"?>
 <p:sld xmlns:a="http://schemas.openxmlformats.org/drawingml/2006/main" xmlns:r="http://schemas.openxmlformats.org/officeDocument/2006/relationships" xmlns:p="http://schemas.openxmlformats.org/presentationml/2006/main">
   <p:cSld>
@@ -4195,19 +4168,7 @@
           <a:bodyPr/>
           <a:lstStyle/>
           <a:p>
-            <a:r>
-              <a:rPr lang="pl-PL" dirty="0" smtClean="0"/>
-              <a:t>Pokazać jak liczymy dla </a:t>
-            </a:r>
-            <a:r>
-              <a:rPr lang="pl-PL" dirty="0" err="1" smtClean="0"/>
-              <a:t>d_t</a:t>
-            </a:r>
-            <a:r>
-              <a:rPr lang="pl-PL" dirty="0" smtClean="0"/>
-              <a:t>=1</a:t>
-            </a:r>
-            <a:endParaRPr lang="pl-PL" dirty="0"/>
+            <a:endParaRPr lang="pl-PL"/>
           </a:p>
         </p:txBody>
       </p:sp>
@@ -4226,14 +4187,14 @@
           <a:bodyPr/>
           <a:lstStyle/>
           <a:p>
-            <a:endParaRPr lang="pl-PL" dirty="0"/>
+            <a:endParaRPr lang="pl-PL"/>
           </a:p>
         </p:txBody>
       </p:sp>
     </p:spTree>
     <p:extLst>
       <p:ext uri="{BB962C8B-B14F-4D97-AF65-F5344CB8AC3E}">
-        <p14:creationId xmlns:p14="http://schemas.microsoft.com/office/powerpoint/2010/main" val="3774839499"/>
+        <p14:creationId xmlns:p14="http://schemas.microsoft.com/office/powerpoint/2010/main" val="1721999616"/>
       </p:ext>
     </p:extLst>
   </p:cSld>
@@ -4275,7 +4236,11 @@
           <a:bodyPr/>
           <a:lstStyle/>
           <a:p>
-            <a:endParaRPr lang="pl-PL"/>
+            <a:r>
+              <a:rPr lang="pl-PL" dirty="0" smtClean="0"/>
+              <a:t>Wykres cen S_T</a:t>
+            </a:r>
+            <a:endParaRPr lang="pl-PL" dirty="0"/>
           </a:p>
         </p:txBody>
       </p:sp>
@@ -4294,14 +4259,14 @@
           <a:bodyPr/>
           <a:lstStyle/>
           <a:p>
-            <a:endParaRPr lang="pl-PL"/>
+            <a:endParaRPr lang="pl-PL" dirty="0"/>
           </a:p>
         </p:txBody>
       </p:sp>
     </p:spTree>
     <p:extLst>
       <p:ext uri="{BB962C8B-B14F-4D97-AF65-F5344CB8AC3E}">
-        <p14:creationId xmlns:p14="http://schemas.microsoft.com/office/powerpoint/2010/main" val="1721999616"/>
+        <p14:creationId xmlns:p14="http://schemas.microsoft.com/office/powerpoint/2010/main" val="2162649273"/>
       </p:ext>
     </p:extLst>
   </p:cSld>
@@ -4345,7 +4310,7 @@
           <a:p>
             <a:r>
               <a:rPr lang="pl-PL" dirty="0" smtClean="0"/>
-              <a:t>Wykres cen S_T</a:t>
+              <a:t>Porównanie cen opcji</a:t>
             </a:r>
             <a:endParaRPr lang="pl-PL" dirty="0"/>
           </a:p>
@@ -4373,7 +4338,7 @@
     </p:spTree>
     <p:extLst>
       <p:ext uri="{BB962C8B-B14F-4D97-AF65-F5344CB8AC3E}">
-        <p14:creationId xmlns:p14="http://schemas.microsoft.com/office/powerpoint/2010/main" val="2162649273"/>
+        <p14:creationId xmlns:p14="http://schemas.microsoft.com/office/powerpoint/2010/main" val="1667507774"/>
       </p:ext>
     </p:extLst>
   </p:cSld>
@@ -4417,7 +4382,7 @@
           <a:p>
             <a:r>
               <a:rPr lang="pl-PL" dirty="0" smtClean="0"/>
-              <a:t>Porównanie cen opcji</a:t>
+              <a:t>Wrażliwość</a:t>
             </a:r>
             <a:endParaRPr lang="pl-PL" dirty="0"/>
           </a:p>
@@ -4445,7 +4410,7 @@
     </p:spTree>
     <p:extLst>
       <p:ext uri="{BB962C8B-B14F-4D97-AF65-F5344CB8AC3E}">
-        <p14:creationId xmlns:p14="http://schemas.microsoft.com/office/powerpoint/2010/main" val="1667507774"/>
+        <p14:creationId xmlns:p14="http://schemas.microsoft.com/office/powerpoint/2010/main" val="3502867898"/>
       </p:ext>
     </p:extLst>
   </p:cSld>
@@ -4456,78 +4421,6 @@
 </file>
 
 <file path=ppt/slides/slide16.xml><?xml version="1.0" encoding="utf-8"?>
-<p:sld xmlns:a="http://schemas.openxmlformats.org/drawingml/2006/main" xmlns:r="http://schemas.openxmlformats.org/officeDocument/2006/relationships" xmlns:p="http://schemas.openxmlformats.org/presentationml/2006/main">
-  <p:cSld>
-    <p:spTree>
-      <p:nvGrpSpPr>
-        <p:cNvPr id="1" name=""/>
-        <p:cNvGrpSpPr/>
-        <p:nvPr/>
-      </p:nvGrpSpPr>
-      <p:grpSpPr>
-        <a:xfrm>
-          <a:off x="0" y="0"/>
-          <a:ext cx="0" cy="0"/>
-          <a:chOff x="0" y="0"/>
-          <a:chExt cx="0" cy="0"/>
-        </a:xfrm>
-      </p:grpSpPr>
-      <p:sp>
-        <p:nvSpPr>
-          <p:cNvPr id="2" name="Tytuł 1"/>
-          <p:cNvSpPr>
-            <a:spLocks noGrp="1"/>
-          </p:cNvSpPr>
-          <p:nvPr>
-            <p:ph type="title"/>
-          </p:nvPr>
-        </p:nvSpPr>
-        <p:spPr/>
-        <p:txBody>
-          <a:bodyPr/>
-          <a:lstStyle/>
-          <a:p>
-            <a:r>
-              <a:rPr lang="pl-PL" dirty="0" smtClean="0"/>
-              <a:t>Wrażliwość</a:t>
-            </a:r>
-            <a:endParaRPr lang="pl-PL" dirty="0"/>
-          </a:p>
-        </p:txBody>
-      </p:sp>
-      <p:sp>
-        <p:nvSpPr>
-          <p:cNvPr id="3" name="Symbol zastępczy zawartości 2"/>
-          <p:cNvSpPr>
-            <a:spLocks noGrp="1"/>
-          </p:cNvSpPr>
-          <p:nvPr>
-            <p:ph idx="1"/>
-          </p:nvPr>
-        </p:nvSpPr>
-        <p:spPr/>
-        <p:txBody>
-          <a:bodyPr/>
-          <a:lstStyle/>
-          <a:p>
-            <a:endParaRPr lang="pl-PL" dirty="0"/>
-          </a:p>
-        </p:txBody>
-      </p:sp>
-    </p:spTree>
-    <p:extLst>
-      <p:ext uri="{BB962C8B-B14F-4D97-AF65-F5344CB8AC3E}">
-        <p14:creationId xmlns:p14="http://schemas.microsoft.com/office/powerpoint/2010/main" val="3502867898"/>
-      </p:ext>
-    </p:extLst>
-  </p:cSld>
-  <p:clrMapOvr>
-    <a:masterClrMapping/>
-  </p:clrMapOvr>
-</p:sld>
-</file>
-
-<file path=ppt/slides/slide17.xml><?xml version="1.0" encoding="utf-8"?>
 <p:sld xmlns:a="http://schemas.openxmlformats.org/drawingml/2006/main" xmlns:r="http://schemas.openxmlformats.org/officeDocument/2006/relationships" xmlns:p="http://schemas.openxmlformats.org/presentationml/2006/main">
   <p:cSld>
     <p:spTree>
@@ -6165,8 +6058,8 @@
           </a:fontRef>
         </p:style>
       </p:cxnSp>
-      <mc:AlternateContent xmlns:mc="http://schemas.openxmlformats.org/markup-compatibility/2006">
-        <mc:Choice xmlns:a14="http://schemas.microsoft.com/office/drawing/2010/main" Requires="a14">
+      <mc:AlternateContent xmlns:mc="http://schemas.openxmlformats.org/markup-compatibility/2006" xmlns:a14="http://schemas.microsoft.com/office/drawing/2010/main">
+        <mc:Choice Requires="a14">
           <p:sp>
             <p:nvSpPr>
               <p:cNvPr id="3" name="pole tekstowe 2"/>
@@ -6189,6 +6082,7 @@
               </a:bodyPr>
               <a:lstStyle/>
               <a:p>
+                <a:pPr/>
                 <a14:m>
                   <m:oMathPara xmlns:m="http://schemas.openxmlformats.org/officeDocument/2006/math">
                     <m:oMathParaPr>
@@ -6228,7 +6122,7 @@
             </p:txBody>
           </p:sp>
         </mc:Choice>
-        <mc:Fallback>
+        <mc:Fallback xmlns="">
           <p:sp>
             <p:nvSpPr>
               <p:cNvPr id="3" name="pole tekstowe 2"/>
@@ -6267,8 +6161,8 @@
           </p:sp>
         </mc:Fallback>
       </mc:AlternateContent>
-      <mc:AlternateContent xmlns:mc="http://schemas.openxmlformats.org/markup-compatibility/2006">
-        <mc:Choice xmlns:a14="http://schemas.microsoft.com/office/drawing/2010/main" Requires="a14">
+      <mc:AlternateContent xmlns:mc="http://schemas.openxmlformats.org/markup-compatibility/2006" xmlns:a14="http://schemas.microsoft.com/office/drawing/2010/main">
+        <mc:Choice Requires="a14">
           <p:sp>
             <p:nvSpPr>
               <p:cNvPr id="4" name="pole tekstowe 3"/>
@@ -6291,6 +6185,7 @@
               </a:bodyPr>
               <a:lstStyle/>
               <a:p>
+                <a:pPr/>
                 <a14:m>
                   <m:oMathPara xmlns:m="http://schemas.openxmlformats.org/officeDocument/2006/math">
                     <m:oMathParaPr>
@@ -6330,7 +6225,7 @@
             </p:txBody>
           </p:sp>
         </mc:Choice>
-        <mc:Fallback>
+        <mc:Fallback xmlns="">
           <p:sp>
             <p:nvSpPr>
               <p:cNvPr id="4" name="pole tekstowe 3"/>
@@ -6369,8 +6264,8 @@
           </p:sp>
         </mc:Fallback>
       </mc:AlternateContent>
-      <mc:AlternateContent xmlns:mc="http://schemas.openxmlformats.org/markup-compatibility/2006">
-        <mc:Choice xmlns:a14="http://schemas.microsoft.com/office/drawing/2010/main" Requires="a14">
+      <mc:AlternateContent xmlns:mc="http://schemas.openxmlformats.org/markup-compatibility/2006" xmlns:a14="http://schemas.microsoft.com/office/drawing/2010/main">
+        <mc:Choice Requires="a14">
           <p:sp>
             <p:nvSpPr>
               <p:cNvPr id="5" name="pole tekstowe 4"/>
@@ -6393,6 +6288,7 @@
               </a:bodyPr>
               <a:lstStyle/>
               <a:p>
+                <a:pPr/>
                 <a14:m>
                   <m:oMathPara xmlns:m="http://schemas.openxmlformats.org/officeDocument/2006/math">
                     <m:oMathParaPr>
@@ -6432,7 +6328,7 @@
             </p:txBody>
           </p:sp>
         </mc:Choice>
-        <mc:Fallback>
+        <mc:Fallback xmlns="">
           <p:sp>
             <p:nvSpPr>
               <p:cNvPr id="5" name="pole tekstowe 4"/>
@@ -6471,8 +6367,8 @@
           </p:sp>
         </mc:Fallback>
       </mc:AlternateContent>
-      <mc:AlternateContent xmlns:mc="http://schemas.openxmlformats.org/markup-compatibility/2006">
-        <mc:Choice xmlns:a14="http://schemas.microsoft.com/office/drawing/2010/main" Requires="a14">
+      <mc:AlternateContent xmlns:mc="http://schemas.openxmlformats.org/markup-compatibility/2006" xmlns:a14="http://schemas.microsoft.com/office/drawing/2010/main">
+        <mc:Choice Requires="a14">
           <p:sp>
             <p:nvSpPr>
               <p:cNvPr id="6" name="pole tekstowe 5"/>
@@ -6495,6 +6391,7 @@
               </a:bodyPr>
               <a:lstStyle/>
               <a:p>
+                <a:pPr/>
                 <a14:m>
                   <m:oMathPara xmlns:m="http://schemas.openxmlformats.org/officeDocument/2006/math">
                     <m:oMathParaPr>
@@ -6534,7 +6431,7 @@
             </p:txBody>
           </p:sp>
         </mc:Choice>
-        <mc:Fallback>
+        <mc:Fallback xmlns="">
           <p:sp>
             <p:nvSpPr>
               <p:cNvPr id="6" name="pole tekstowe 5"/>
@@ -6573,8 +6470,8 @@
           </p:sp>
         </mc:Fallback>
       </mc:AlternateContent>
-      <mc:AlternateContent xmlns:mc="http://schemas.openxmlformats.org/markup-compatibility/2006">
-        <mc:Choice xmlns:a14="http://schemas.microsoft.com/office/drawing/2010/main" Requires="a14">
+      <mc:AlternateContent xmlns:mc="http://schemas.openxmlformats.org/markup-compatibility/2006" xmlns:a14="http://schemas.microsoft.com/office/drawing/2010/main">
+        <mc:Choice Requires="a14">
           <p:sp>
             <p:nvSpPr>
               <p:cNvPr id="8" name="pole tekstowe 7"/>
@@ -6597,6 +6494,7 @@
               </a:bodyPr>
               <a:lstStyle/>
               <a:p>
+                <a:pPr/>
                 <a14:m>
                   <m:oMathPara xmlns:m="http://schemas.openxmlformats.org/officeDocument/2006/math">
                     <m:oMathParaPr>
@@ -6636,7 +6534,7 @@
             </p:txBody>
           </p:sp>
         </mc:Choice>
-        <mc:Fallback>
+        <mc:Fallback xmlns="">
           <p:sp>
             <p:nvSpPr>
               <p:cNvPr id="8" name="pole tekstowe 7"/>
@@ -6675,8 +6573,8 @@
           </p:sp>
         </mc:Fallback>
       </mc:AlternateContent>
-      <mc:AlternateContent xmlns:mc="http://schemas.openxmlformats.org/markup-compatibility/2006">
-        <mc:Choice xmlns:a14="http://schemas.microsoft.com/office/drawing/2010/main" Requires="a14">
+      <mc:AlternateContent xmlns:mc="http://schemas.openxmlformats.org/markup-compatibility/2006" xmlns:a14="http://schemas.microsoft.com/office/drawing/2010/main">
+        <mc:Choice Requires="a14">
           <p:sp>
             <p:nvSpPr>
               <p:cNvPr id="10" name="pole tekstowe 9"/>
@@ -6699,6 +6597,7 @@
               </a:bodyPr>
               <a:lstStyle/>
               <a:p>
+                <a:pPr/>
                 <a14:m>
                   <m:oMathPara xmlns:m="http://schemas.openxmlformats.org/officeDocument/2006/math">
                     <m:oMathParaPr>
@@ -6738,7 +6637,7 @@
             </p:txBody>
           </p:sp>
         </mc:Choice>
-        <mc:Fallback>
+        <mc:Fallback xmlns="">
           <p:sp>
             <p:nvSpPr>
               <p:cNvPr id="10" name="pole tekstowe 9"/>
@@ -6777,8 +6676,8 @@
           </p:sp>
         </mc:Fallback>
       </mc:AlternateContent>
-      <mc:AlternateContent xmlns:mc="http://schemas.openxmlformats.org/markup-compatibility/2006">
-        <mc:Choice xmlns:a14="http://schemas.microsoft.com/office/drawing/2010/main" Requires="a14">
+      <mc:AlternateContent xmlns:mc="http://schemas.openxmlformats.org/markup-compatibility/2006" xmlns:a14="http://schemas.microsoft.com/office/drawing/2010/main">
+        <mc:Choice Requires="a14">
           <p:sp>
             <p:nvSpPr>
               <p:cNvPr id="11" name="pole tekstowe 10"/>
@@ -6813,6 +6712,7 @@
               </a:bodyPr>
               <a:lstStyle/>
               <a:p>
+                <a:pPr/>
                 <a14:m>
                   <m:oMathPara xmlns:m="http://schemas.openxmlformats.org/officeDocument/2006/math">
                     <m:oMathParaPr>
@@ -6869,7 +6769,7 @@
             </p:txBody>
           </p:sp>
         </mc:Choice>
-        <mc:Fallback>
+        <mc:Fallback xmlns="">
           <p:sp>
             <p:nvSpPr>
               <p:cNvPr id="11" name="pole tekstowe 10"/>
@@ -6915,8 +6815,8 @@
           </p:sp>
         </mc:Fallback>
       </mc:AlternateContent>
-      <mc:AlternateContent xmlns:mc="http://schemas.openxmlformats.org/markup-compatibility/2006">
-        <mc:Choice xmlns:a14="http://schemas.microsoft.com/office/drawing/2010/main" Requires="a14">
+      <mc:AlternateContent xmlns:mc="http://schemas.openxmlformats.org/markup-compatibility/2006" xmlns:a14="http://schemas.microsoft.com/office/drawing/2010/main">
+        <mc:Choice Requires="a14">
           <p:sp>
             <p:nvSpPr>
               <p:cNvPr id="27" name="pole tekstowe 26"/>
@@ -6951,6 +6851,7 @@
               </a:bodyPr>
               <a:lstStyle/>
               <a:p>
+                <a:pPr/>
                 <a14:m>
                   <m:oMathPara xmlns:m="http://schemas.openxmlformats.org/officeDocument/2006/math">
                     <m:oMathParaPr>
@@ -7006,7 +6907,7 @@
             </p:txBody>
           </p:sp>
         </mc:Choice>
-        <mc:Fallback>
+        <mc:Fallback xmlns="">
           <p:sp>
             <p:nvSpPr>
               <p:cNvPr id="27" name="pole tekstowe 26"/>
@@ -7088,6 +6989,7 @@
               </a:bodyPr>
               <a:lstStyle/>
               <a:p>
+                <a:pPr/>
                 <a14:m>
                   <m:oMathPara xmlns:m="http://schemas.openxmlformats.org/officeDocument/2006/math">
                     <m:oMathParaPr>
@@ -7097,7 +6999,7 @@
                       <m:sSub>
                         <m:sSubPr>
                           <m:ctrlPr>
-                            <a:rPr lang="pl-PL" b="1" i="1">
+                            <a:rPr lang="pl-PL" b="1" i="1" smtClean="0">
                               <a:solidFill>
                                 <a:schemeClr val="accent3">
                                   <a:lumMod val="75000"/>
@@ -7123,15 +7025,16 @@
                         </m:e>
                         <m:sub>
                           <m:r>
-                            <a:rPr lang="pl-PL" b="1" i="1">
+                            <a:rPr lang="pl-PL" b="1" i="1" smtClean="0">
                               <a:solidFill>
                                 <a:schemeClr val="accent3">
                                   <a:lumMod val="75000"/>
                                 </a:schemeClr>
                               </a:solidFill>
                               <a:latin typeface="Cambria Math"/>
+                              <a:ea typeface="Cambria Math"/>
                             </a:rPr>
-                            <m:t>𝑨</m:t>
+                            <m:t>𝑪</m:t>
                           </m:r>
                         </m:sub>
                       </m:sSub>
@@ -7163,7 +7066,7 @@
               <a:blipFill rotWithShape="1">
                 <a:blip r:embed="rId13"/>
                 <a:stretch>
-                  <a:fillRect r="-4348"/>
+                  <a:fillRect r="-2899"/>
                 </a:stretch>
               </a:blipFill>
               <a:ln>
@@ -7189,8 +7092,8 @@
           </p:sp>
         </mc:Fallback>
       </mc:AlternateContent>
-      <mc:AlternateContent xmlns:mc="http://schemas.openxmlformats.org/markup-compatibility/2006">
-        <mc:Choice xmlns:a14="http://schemas.microsoft.com/office/drawing/2010/main" Requires="a14">
+      <mc:AlternateContent xmlns:mc="http://schemas.openxmlformats.org/markup-compatibility/2006" xmlns:a14="http://schemas.microsoft.com/office/drawing/2010/main">
+        <mc:Choice Requires="a14">
           <p:sp>
             <p:nvSpPr>
               <p:cNvPr id="12" name="pole tekstowe 11"/>
@@ -7220,6 +7123,7 @@
               </a:bodyPr>
               <a:lstStyle/>
               <a:p>
+                <a:pPr/>
                 <a14:m>
                   <m:oMathPara xmlns:m="http://schemas.openxmlformats.org/officeDocument/2006/math">
                     <m:oMathParaPr>
@@ -7279,7 +7183,7 @@
             </p:txBody>
           </p:sp>
         </mc:Choice>
-        <mc:Fallback>
+        <mc:Fallback xmlns="">
           <p:sp>
             <p:nvSpPr>
               <p:cNvPr id="12" name="pole tekstowe 11"/>
@@ -7325,8 +7229,8 @@
           </p:sp>
         </mc:Fallback>
       </mc:AlternateContent>
-      <mc:AlternateContent xmlns:mc="http://schemas.openxmlformats.org/markup-compatibility/2006">
-        <mc:Choice xmlns:a14="http://schemas.microsoft.com/office/drawing/2010/main" Requires="a14">
+      <mc:AlternateContent xmlns:mc="http://schemas.openxmlformats.org/markup-compatibility/2006" xmlns:a14="http://schemas.microsoft.com/office/drawing/2010/main">
+        <mc:Choice Requires="a14">
           <p:sp>
             <p:nvSpPr>
               <p:cNvPr id="38" name="pole tekstowe 37"/>
@@ -7356,6 +7260,7 @@
               </a:bodyPr>
               <a:lstStyle/>
               <a:p>
+                <a:pPr/>
                 <a14:m>
                   <m:oMathPara xmlns:m="http://schemas.openxmlformats.org/officeDocument/2006/math">
                     <m:oMathParaPr>
@@ -7415,7 +7320,7 @@
             </p:txBody>
           </p:sp>
         </mc:Choice>
-        <mc:Fallback>
+        <mc:Fallback xmlns="">
           <p:sp>
             <p:nvSpPr>
               <p:cNvPr id="38" name="pole tekstowe 37"/>
@@ -7461,8 +7366,8 @@
           </p:sp>
         </mc:Fallback>
       </mc:AlternateContent>
-      <mc:AlternateContent xmlns:mc="http://schemas.openxmlformats.org/markup-compatibility/2006">
-        <mc:Choice xmlns:a14="http://schemas.microsoft.com/office/drawing/2010/main" Requires="a14">
+      <mc:AlternateContent xmlns:mc="http://schemas.openxmlformats.org/markup-compatibility/2006" xmlns:a14="http://schemas.microsoft.com/office/drawing/2010/main">
+        <mc:Choice Requires="a14">
           <p:sp>
             <p:nvSpPr>
               <p:cNvPr id="40" name="pole tekstowe 39"/>
@@ -7492,6 +7397,7 @@
               </a:bodyPr>
               <a:lstStyle/>
               <a:p>
+                <a:pPr/>
                 <a14:m>
                   <m:oMathPara xmlns:m="http://schemas.openxmlformats.org/officeDocument/2006/math">
                     <m:oMathParaPr>
@@ -7551,7 +7457,7 @@
             </p:txBody>
           </p:sp>
         </mc:Choice>
-        <mc:Fallback>
+        <mc:Fallback xmlns="">
           <p:sp>
             <p:nvSpPr>
               <p:cNvPr id="40" name="pole tekstowe 39"/>
@@ -7659,8 +7565,8 @@
           </a:p>
         </p:txBody>
       </p:sp>
-      <mc:AlternateContent xmlns:mc="http://schemas.openxmlformats.org/markup-compatibility/2006">
-        <mc:Choice xmlns:a14="http://schemas.microsoft.com/office/drawing/2010/main" Requires="a14">
+      <mc:AlternateContent xmlns:mc="http://schemas.openxmlformats.org/markup-compatibility/2006" xmlns:a14="http://schemas.microsoft.com/office/drawing/2010/main">
+        <mc:Choice Requires="a14">
           <p:sp>
             <p:nvSpPr>
               <p:cNvPr id="44" name="pole tekstowe 43"/>
@@ -7695,6 +7601,7 @@
               </a:bodyPr>
               <a:lstStyle/>
               <a:p>
+                <a:pPr/>
                 <a14:m>
                   <m:oMathPara xmlns:m="http://schemas.openxmlformats.org/officeDocument/2006/math">
                     <m:oMathParaPr>
@@ -7751,7 +7658,7 @@
             </p:txBody>
           </p:sp>
         </mc:Choice>
-        <mc:Fallback>
+        <mc:Fallback xmlns="">
           <p:sp>
             <p:nvSpPr>
               <p:cNvPr id="44" name="pole tekstowe 43"/>
@@ -7797,8 +7704,8 @@
           </p:sp>
         </mc:Fallback>
       </mc:AlternateContent>
-      <mc:AlternateContent xmlns:mc="http://schemas.openxmlformats.org/markup-compatibility/2006">
-        <mc:Choice xmlns:a14="http://schemas.microsoft.com/office/drawing/2010/main" Requires="a14">
+      <mc:AlternateContent xmlns:mc="http://schemas.openxmlformats.org/markup-compatibility/2006" xmlns:a14="http://schemas.microsoft.com/office/drawing/2010/main">
+        <mc:Choice Requires="a14">
           <p:sp>
             <p:nvSpPr>
               <p:cNvPr id="45" name="pole tekstowe 44"/>
@@ -7833,6 +7740,7 @@
               </a:bodyPr>
               <a:lstStyle/>
               <a:p>
+                <a:pPr/>
                 <a14:m>
                   <m:oMathPara xmlns:m="http://schemas.openxmlformats.org/officeDocument/2006/math">
                     <m:oMathParaPr>
@@ -7889,7 +7797,7 @@
             </p:txBody>
           </p:sp>
         </mc:Choice>
-        <mc:Fallback>
+        <mc:Fallback xmlns="">
           <p:sp>
             <p:nvSpPr>
               <p:cNvPr id="45" name="pole tekstowe 44"/>
@@ -7971,6 +7879,7 @@
               </a:bodyPr>
               <a:lstStyle/>
               <a:p>
+                <a:pPr/>
                 <a14:m>
                   <m:oMathPara xmlns:m="http://schemas.openxmlformats.org/officeDocument/2006/math">
                     <m:oMathParaPr>
@@ -8015,7 +7924,7 @@
                               <a:latin typeface="Cambria Math"/>
                               <a:ea typeface="Cambria Math"/>
                             </a:rPr>
-                            <m:t>𝑩</m:t>
+                            <m:t>𝑭</m:t>
                           </m:r>
                         </m:sub>
                       </m:sSub>
@@ -8047,7 +7956,7 @@
               <a:blipFill rotWithShape="1">
                 <a:blip r:embed="rId19"/>
                 <a:stretch>
-                  <a:fillRect r="-5797"/>
+                  <a:fillRect r="-2899"/>
                 </a:stretch>
               </a:blipFill>
               <a:ln>
@@ -8147,6 +8056,7 @@
               </a:bodyPr>
               <a:lstStyle/>
               <a:p>
+                <a:pPr/>
                 <a14:m>
                   <m:oMathPara xmlns:m="http://schemas.openxmlformats.org/officeDocument/2006/math">
                     <m:oMathParaPr>
@@ -8156,7 +8066,7 @@
                       <m:sSubSup>
                         <m:sSubSupPr>
                           <m:ctrlPr>
-                            <a:rPr lang="pl-PL" i="1">
+                            <a:rPr lang="pl-PL" i="1" smtClean="0">
                               <a:latin typeface="Cambria Math"/>
                             </a:rPr>
                           </m:ctrlPr>
@@ -8185,10 +8095,10 @@
                             <m:t>(</m:t>
                           </m:r>
                           <m:r>
-                            <a:rPr lang="pl-PL" i="1">
+                            <a:rPr lang="pl-PL" b="0" i="1" smtClean="0">
                               <a:latin typeface="Cambria Math"/>
                             </a:rPr>
-                            <m:t>𝐵</m:t>
+                            <m:t>𝐹</m:t>
                           </m:r>
                           <m:r>
                             <a:rPr lang="pl-PL" i="1">
@@ -8252,8 +8162,8 @@
           </p:sp>
         </mc:Fallback>
       </mc:AlternateContent>
-      <mc:AlternateContent xmlns:mc="http://schemas.openxmlformats.org/markup-compatibility/2006">
-        <mc:Choice xmlns:a14="http://schemas.microsoft.com/office/drawing/2010/main" Requires="a14">
+      <mc:AlternateContent xmlns:mc="http://schemas.openxmlformats.org/markup-compatibility/2006" xmlns:a14="http://schemas.microsoft.com/office/drawing/2010/main">
+        <mc:Choice Requires="a14">
           <p:sp>
             <p:nvSpPr>
               <p:cNvPr id="36" name="pole tekstowe 35"/>
@@ -8283,6 +8193,7 @@
               </a:bodyPr>
               <a:lstStyle/>
               <a:p>
+                <a:pPr/>
                 <a14:m>
                   <m:oMathPara xmlns:m="http://schemas.openxmlformats.org/officeDocument/2006/math">
                     <m:oMathParaPr>
@@ -8342,7 +8253,7 @@
             </p:txBody>
           </p:sp>
         </mc:Choice>
-        <mc:Fallback>
+        <mc:Fallback xmlns="">
           <p:sp>
             <p:nvSpPr>
               <p:cNvPr id="36" name="pole tekstowe 35"/>
@@ -8401,7 +8312,7 @@
 </p:sld>
 </file>
 
-<file path=ppt/slides/slide18.xml><?xml version="1.0" encoding="utf-8"?>
+<file path=ppt/slides/slide17.xml><?xml version="1.0" encoding="utf-8"?>
 <p:sld xmlns:a="http://schemas.openxmlformats.org/drawingml/2006/main" xmlns:r="http://schemas.openxmlformats.org/officeDocument/2006/relationships" xmlns:p="http://schemas.openxmlformats.org/presentationml/2006/main">
   <p:cSld>
     <p:spTree>
@@ -10420,78 +10331,6 @@
 </file>
 
 <file path=ppt/slides/slide7.xml><?xml version="1.0" encoding="utf-8"?>
-<p:sld xmlns:a="http://schemas.openxmlformats.org/drawingml/2006/main" xmlns:r="http://schemas.openxmlformats.org/officeDocument/2006/relationships" xmlns:p="http://schemas.openxmlformats.org/presentationml/2006/main">
-  <p:cSld>
-    <p:spTree>
-      <p:nvGrpSpPr>
-        <p:cNvPr id="1" name=""/>
-        <p:cNvGrpSpPr/>
-        <p:nvPr/>
-      </p:nvGrpSpPr>
-      <p:grpSpPr>
-        <a:xfrm>
-          <a:off x="0" y="0"/>
-          <a:ext cx="0" cy="0"/>
-          <a:chOff x="0" y="0"/>
-          <a:chExt cx="0" cy="0"/>
-        </a:xfrm>
-      </p:grpSpPr>
-      <p:sp>
-        <p:nvSpPr>
-          <p:cNvPr id="2" name="Tytuł 1"/>
-          <p:cNvSpPr>
-            <a:spLocks noGrp="1"/>
-          </p:cNvSpPr>
-          <p:nvPr>
-            <p:ph type="title"/>
-          </p:nvPr>
-        </p:nvSpPr>
-        <p:spPr/>
-        <p:txBody>
-          <a:bodyPr/>
-          <a:lstStyle/>
-          <a:p>
-            <a:r>
-              <a:rPr lang="pl-PL" dirty="0" smtClean="0"/>
-              <a:t>Model dwumianowy</a:t>
-            </a:r>
-            <a:endParaRPr lang="pl-PL" dirty="0"/>
-          </a:p>
-        </p:txBody>
-      </p:sp>
-      <p:sp>
-        <p:nvSpPr>
-          <p:cNvPr id="3" name="Symbol zastępczy zawartości 2"/>
-          <p:cNvSpPr>
-            <a:spLocks noGrp="1"/>
-          </p:cNvSpPr>
-          <p:nvPr>
-            <p:ph idx="1"/>
-          </p:nvPr>
-        </p:nvSpPr>
-        <p:spPr/>
-        <p:txBody>
-          <a:bodyPr/>
-          <a:lstStyle/>
-          <a:p>
-            <a:endParaRPr lang="pl-PL" dirty="0"/>
-          </a:p>
-        </p:txBody>
-      </p:sp>
-    </p:spTree>
-    <p:extLst>
-      <p:ext uri="{BB962C8B-B14F-4D97-AF65-F5344CB8AC3E}">
-        <p14:creationId xmlns:p14="http://schemas.microsoft.com/office/powerpoint/2010/main" val="3423988228"/>
-      </p:ext>
-    </p:extLst>
-  </p:cSld>
-  <p:clrMapOvr>
-    <a:masterClrMapping/>
-  </p:clrMapOvr>
-</p:sld>
-</file>
-
-<file path=ppt/slides/slide8.xml><?xml version="1.0" encoding="utf-8"?>
 <p:sld xmlns:a="http://schemas.openxmlformats.org/drawingml/2006/main" xmlns:r="http://schemas.openxmlformats.org/officeDocument/2006/relationships" xmlns:p="http://schemas.openxmlformats.org/presentationml/2006/main">
   <p:cSld>
     <p:spTree>
@@ -12107,6 +11946,82 @@
 </p:sld>
 </file>
 
+<file path=ppt/slides/slide8.xml><?xml version="1.0" encoding="utf-8"?>
+<p:sld xmlns:a="http://schemas.openxmlformats.org/drawingml/2006/main" xmlns:r="http://schemas.openxmlformats.org/officeDocument/2006/relationships" xmlns:p="http://schemas.openxmlformats.org/presentationml/2006/main">
+  <p:cSld>
+    <p:spTree>
+      <p:nvGrpSpPr>
+        <p:cNvPr id="1" name=""/>
+        <p:cNvGrpSpPr/>
+        <p:nvPr/>
+      </p:nvGrpSpPr>
+      <p:grpSpPr>
+        <a:xfrm>
+          <a:off x="0" y="0"/>
+          <a:ext cx="0" cy="0"/>
+          <a:chOff x="0" y="0"/>
+          <a:chExt cx="0" cy="0"/>
+        </a:xfrm>
+      </p:grpSpPr>
+      <p:sp>
+        <p:nvSpPr>
+          <p:cNvPr id="2" name="Tytuł 1"/>
+          <p:cNvSpPr>
+            <a:spLocks noGrp="1"/>
+          </p:cNvSpPr>
+          <p:nvPr>
+            <p:ph type="title"/>
+          </p:nvPr>
+        </p:nvSpPr>
+        <p:spPr/>
+        <p:txBody>
+          <a:bodyPr/>
+          <a:lstStyle/>
+          <a:p>
+            <a:r>
+              <a:rPr lang="pl-PL" dirty="0" smtClean="0"/>
+              <a:t>Model dwumianowy</a:t>
+            </a:r>
+            <a:endParaRPr lang="pl-PL" dirty="0"/>
+          </a:p>
+        </p:txBody>
+      </p:sp>
+      <p:sp>
+        <p:nvSpPr>
+          <p:cNvPr id="3" name="Symbol zastępczy zawartości 2"/>
+          <p:cNvSpPr>
+            <a:spLocks noGrp="1"/>
+          </p:cNvSpPr>
+          <p:nvPr>
+            <p:ph idx="1"/>
+          </p:nvPr>
+        </p:nvSpPr>
+        <p:spPr/>
+        <p:txBody>
+          <a:bodyPr/>
+          <a:lstStyle/>
+          <a:p>
+            <a:r>
+              <a:rPr lang="pl-PL" dirty="0" smtClean="0"/>
+              <a:t>Wycena opcji europejskiej</a:t>
+            </a:r>
+            <a:endParaRPr lang="pl-PL" dirty="0"/>
+          </a:p>
+        </p:txBody>
+      </p:sp>
+    </p:spTree>
+    <p:extLst>
+      <p:ext uri="{BB962C8B-B14F-4D97-AF65-F5344CB8AC3E}">
+        <p14:creationId xmlns:p14="http://schemas.microsoft.com/office/powerpoint/2010/main" val="4239726557"/>
+      </p:ext>
+    </p:extLst>
+  </p:cSld>
+  <p:clrMapOvr>
+    <a:masterClrMapping/>
+  </p:clrMapOvr>
+</p:sld>
+</file>
+
 <file path=ppt/slides/slide9.xml><?xml version="1.0" encoding="utf-8"?>
 <p:sld xmlns:a="http://schemas.openxmlformats.org/drawingml/2006/main" xmlns:r="http://schemas.openxmlformats.org/officeDocument/2006/relationships" xmlns:p="http://schemas.openxmlformats.org/presentationml/2006/main">
   <p:cSld>
@@ -12164,7 +12079,25 @@
           <a:p>
             <a:r>
               <a:rPr lang="pl-PL" dirty="0" smtClean="0"/>
-              <a:t>Wycena opcji europejskiej</a:t>
+              <a:t>Wycena opcji amerykańskiej</a:t>
+            </a:r>
+          </a:p>
+          <a:p>
+            <a:pPr>
+              <a:buFont typeface="Wingdings" pitchFamily="2" charset="2"/>
+              <a:buChar char="Ø"/>
+            </a:pPr>
+            <a:r>
+              <a:rPr lang="pl-PL" dirty="0" smtClean="0"/>
+              <a:t>Zaczynamy od wyznaczenia </a:t>
+            </a:r>
+            <a:r>
+              <a:rPr lang="pl-PL" dirty="0" err="1" smtClean="0"/>
+              <a:t>payoffów</a:t>
+            </a:r>
+            <a:r>
+              <a:rPr lang="pl-PL" dirty="0" smtClean="0"/>
+              <a:t> w ostatnim kroku </a:t>
             </a:r>
             <a:endParaRPr lang="pl-PL" dirty="0"/>
           </a:p>
@@ -12173,7 +12106,7 @@
     </p:spTree>
     <p:extLst>
       <p:ext uri="{BB962C8B-B14F-4D97-AF65-F5344CB8AC3E}">
-        <p14:creationId xmlns:p14="http://schemas.microsoft.com/office/powerpoint/2010/main" val="4239726557"/>
+        <p14:creationId xmlns:p14="http://schemas.microsoft.com/office/powerpoint/2010/main" val="673522827"/>
       </p:ext>
     </p:extLst>
   </p:cSld>

--- a/Prezentacja.pptx
+++ b/Prezentacja.pptx
@@ -6953,8 +6953,8 @@
           </p:sp>
         </mc:Fallback>
       </mc:AlternateContent>
-      <mc:AlternateContent xmlns:mc="http://schemas.openxmlformats.org/markup-compatibility/2006">
-        <mc:Choice xmlns:a14="http://schemas.microsoft.com/office/drawing/2010/main" Requires="a14">
+      <mc:AlternateContent xmlns:mc="http://schemas.openxmlformats.org/markup-compatibility/2006" xmlns:a14="http://schemas.microsoft.com/office/drawing/2010/main">
+        <mc:Choice Requires="a14">
           <p:sp>
             <p:nvSpPr>
               <p:cNvPr id="28" name="pole tekstowe 27"/>
@@ -7046,7 +7046,7 @@
             </p:txBody>
           </p:sp>
         </mc:Choice>
-        <mc:Fallback>
+        <mc:Fallback xmlns="">
           <p:sp>
             <p:nvSpPr>
               <p:cNvPr id="28" name="pole tekstowe 27"/>
@@ -7843,8 +7843,8 @@
           </p:sp>
         </mc:Fallback>
       </mc:AlternateContent>
-      <mc:AlternateContent xmlns:mc="http://schemas.openxmlformats.org/markup-compatibility/2006">
-        <mc:Choice xmlns:a14="http://schemas.microsoft.com/office/drawing/2010/main" Requires="a14">
+      <mc:AlternateContent xmlns:mc="http://schemas.openxmlformats.org/markup-compatibility/2006" xmlns:a14="http://schemas.microsoft.com/office/drawing/2010/main">
+        <mc:Choice Requires="a14">
           <p:sp>
             <p:nvSpPr>
               <p:cNvPr id="46" name="pole tekstowe 45"/>
@@ -7936,7 +7936,7 @@
             </p:txBody>
           </p:sp>
         </mc:Choice>
-        <mc:Fallback>
+        <mc:Fallback xmlns="">
           <p:sp>
             <p:nvSpPr>
               <p:cNvPr id="46" name="pole tekstowe 45"/>
@@ -8025,8 +8025,8 @@
           </a:p>
         </p:txBody>
       </p:sp>
-      <mc:AlternateContent xmlns:mc="http://schemas.openxmlformats.org/markup-compatibility/2006">
-        <mc:Choice xmlns:a14="http://schemas.microsoft.com/office/drawing/2010/main" Requires="a14">
+      <mc:AlternateContent xmlns:mc="http://schemas.openxmlformats.org/markup-compatibility/2006" xmlns:a14="http://schemas.microsoft.com/office/drawing/2010/main">
+        <mc:Choice Requires="a14">
           <p:sp>
             <p:nvSpPr>
               <p:cNvPr id="42" name="pole tekstowe 41"/>
@@ -8116,7 +8116,7 @@
             </p:txBody>
           </p:sp>
         </mc:Choice>
-        <mc:Fallback>
+        <mc:Fallback xmlns="">
           <p:sp>
             <p:nvSpPr>
               <p:cNvPr id="42" name="pole tekstowe 41"/>
@@ -11973,7 +11973,12 @@
             <p:ph type="title"/>
           </p:nvPr>
         </p:nvSpPr>
-        <p:spPr/>
+        <p:spPr>
+          <a:xfrm>
+            <a:off x="467544" y="0"/>
+            <a:ext cx="8219256" cy="1340768"/>
+          </a:xfrm>
+        </p:spPr>
         <p:txBody>
           <a:bodyPr/>
           <a:lstStyle/>
@@ -11996,19 +12001,2234 @@
             <p:ph idx="1"/>
           </p:nvPr>
         </p:nvSpPr>
-        <p:spPr/>
+        <p:spPr>
+          <a:xfrm>
+            <a:off x="395536" y="1340768"/>
+            <a:ext cx="8229600" cy="532655"/>
+          </a:xfrm>
+        </p:spPr>
         <p:txBody>
-          <a:bodyPr/>
+          <a:bodyPr>
+            <a:normAutofit fontScale="92500"/>
+          </a:bodyPr>
           <a:lstStyle/>
           <a:p>
             <a:r>
               <a:rPr lang="pl-PL" dirty="0" smtClean="0"/>
-              <a:t>Wycena opcji europejskiej</a:t>
+              <a:t>Wycena opcji </a:t>
+            </a:r>
+            <a:r>
+              <a:rPr lang="pl-PL" dirty="0" smtClean="0"/>
+              <a:t>europejskiej w modelu dwuokresowym</a:t>
             </a:r>
             <a:endParaRPr lang="pl-PL" dirty="0"/>
           </a:p>
         </p:txBody>
       </p:sp>
+      <p:sp>
+        <p:nvSpPr>
+          <p:cNvPr id="4" name="pole tekstowe 3"/>
+          <p:cNvSpPr txBox="1"/>
+          <p:nvPr/>
+        </p:nvSpPr>
+        <p:spPr>
+          <a:xfrm>
+            <a:off x="702229" y="5923805"/>
+            <a:ext cx="7344816" cy="646331"/>
+          </a:xfrm>
+          <a:prstGeom prst="rect">
+            <a:avLst/>
+          </a:prstGeom>
+          <a:noFill/>
+        </p:spPr>
+        <p:txBody>
+          <a:bodyPr wrap="square" rtlCol="0">
+            <a:spAutoFit/>
+          </a:bodyPr>
+          <a:lstStyle/>
+          <a:p>
+            <a:r>
+              <a:rPr lang="pl-PL" dirty="0" smtClean="0"/>
+              <a:t>Cenę opcji wyliczamy analogicznie dla drzew dwumianowych o dowolnej liczbie kroków.</a:t>
+            </a:r>
+            <a:endParaRPr lang="pl-PL" dirty="0"/>
+          </a:p>
+        </p:txBody>
+      </p:sp>
+      <p:sp>
+        <p:nvSpPr>
+          <p:cNvPr id="5" name="Elipsa 4"/>
+          <p:cNvSpPr/>
+          <p:nvPr/>
+        </p:nvSpPr>
+        <p:spPr>
+          <a:xfrm>
+            <a:off x="1475656" y="3790756"/>
+            <a:ext cx="288032" cy="324981"/>
+          </a:xfrm>
+          <a:prstGeom prst="ellipse">
+            <a:avLst/>
+          </a:prstGeom>
+        </p:spPr>
+        <p:style>
+          <a:lnRef idx="2">
+            <a:schemeClr val="accent1">
+              <a:shade val="50000"/>
+            </a:schemeClr>
+          </a:lnRef>
+          <a:fillRef idx="1">
+            <a:schemeClr val="accent1"/>
+          </a:fillRef>
+          <a:effectRef idx="0">
+            <a:schemeClr val="accent1"/>
+          </a:effectRef>
+          <a:fontRef idx="minor">
+            <a:schemeClr val="lt1"/>
+          </a:fontRef>
+        </p:style>
+        <p:txBody>
+          <a:bodyPr rtlCol="0" anchor="ctr"/>
+          <a:lstStyle/>
+          <a:p>
+            <a:pPr algn="ctr"/>
+            <a:r>
+              <a:rPr lang="pl-PL" dirty="0" smtClean="0"/>
+              <a:t>A</a:t>
+            </a:r>
+            <a:endParaRPr lang="pl-PL" dirty="0"/>
+          </a:p>
+        </p:txBody>
+      </p:sp>
+      <p:sp>
+        <p:nvSpPr>
+          <p:cNvPr id="9" name="Elipsa 8"/>
+          <p:cNvSpPr/>
+          <p:nvPr/>
+        </p:nvSpPr>
+        <p:spPr>
+          <a:xfrm>
+            <a:off x="6240720" y="3612876"/>
+            <a:ext cx="288032" cy="324981"/>
+          </a:xfrm>
+          <a:prstGeom prst="ellipse">
+            <a:avLst/>
+          </a:prstGeom>
+        </p:spPr>
+        <p:style>
+          <a:lnRef idx="2">
+            <a:schemeClr val="accent1">
+              <a:shade val="50000"/>
+            </a:schemeClr>
+          </a:lnRef>
+          <a:fillRef idx="1">
+            <a:schemeClr val="accent1"/>
+          </a:fillRef>
+          <a:effectRef idx="0">
+            <a:schemeClr val="accent1"/>
+          </a:effectRef>
+          <a:fontRef idx="minor">
+            <a:schemeClr val="lt1"/>
+          </a:fontRef>
+        </p:style>
+        <p:txBody>
+          <a:bodyPr rtlCol="0" anchor="ctr"/>
+          <a:lstStyle/>
+          <a:p>
+            <a:pPr algn="ctr"/>
+            <a:r>
+              <a:rPr lang="pl-PL" dirty="0"/>
+              <a:t>E</a:t>
+            </a:r>
+            <a:endParaRPr lang="pl-PL" dirty="0"/>
+          </a:p>
+        </p:txBody>
+      </p:sp>
+      <p:sp>
+        <p:nvSpPr>
+          <p:cNvPr id="10" name="Elipsa 9"/>
+          <p:cNvSpPr/>
+          <p:nvPr/>
+        </p:nvSpPr>
+        <p:spPr>
+          <a:xfrm>
+            <a:off x="6254756" y="4738251"/>
+            <a:ext cx="288032" cy="324981"/>
+          </a:xfrm>
+          <a:prstGeom prst="ellipse">
+            <a:avLst/>
+          </a:prstGeom>
+        </p:spPr>
+        <p:style>
+          <a:lnRef idx="2">
+            <a:schemeClr val="accent1">
+              <a:shade val="50000"/>
+            </a:schemeClr>
+          </a:lnRef>
+          <a:fillRef idx="1">
+            <a:schemeClr val="accent1"/>
+          </a:fillRef>
+          <a:effectRef idx="0">
+            <a:schemeClr val="accent1"/>
+          </a:effectRef>
+          <a:fontRef idx="minor">
+            <a:schemeClr val="lt1"/>
+          </a:fontRef>
+        </p:style>
+        <p:txBody>
+          <a:bodyPr rtlCol="0" anchor="ctr"/>
+          <a:lstStyle/>
+          <a:p>
+            <a:pPr algn="ctr"/>
+            <a:r>
+              <a:rPr lang="pl-PL" dirty="0"/>
+              <a:t>F</a:t>
+            </a:r>
+            <a:endParaRPr lang="pl-PL" dirty="0"/>
+          </a:p>
+        </p:txBody>
+      </p:sp>
+      <p:cxnSp>
+        <p:nvCxnSpPr>
+          <p:cNvPr id="12" name="Łącznik prostoliniowy 11"/>
+          <p:cNvCxnSpPr/>
+          <p:nvPr/>
+        </p:nvCxnSpPr>
+        <p:spPr>
+          <a:xfrm flipV="1">
+            <a:off x="1763688" y="2573993"/>
+            <a:ext cx="4464496" cy="1272736"/>
+          </a:xfrm>
+          <a:prstGeom prst="line">
+            <a:avLst/>
+          </a:prstGeom>
+        </p:spPr>
+        <p:style>
+          <a:lnRef idx="1">
+            <a:schemeClr val="accent1"/>
+          </a:lnRef>
+          <a:fillRef idx="0">
+            <a:schemeClr val="accent1"/>
+          </a:fillRef>
+          <a:effectRef idx="0">
+            <a:schemeClr val="accent1"/>
+          </a:effectRef>
+          <a:fontRef idx="minor">
+            <a:schemeClr val="tx1"/>
+          </a:fontRef>
+        </p:style>
+      </p:cxnSp>
+      <p:cxnSp>
+        <p:nvCxnSpPr>
+          <p:cNvPr id="16" name="Łącznik prostoliniowy 15"/>
+          <p:cNvCxnSpPr/>
+          <p:nvPr/>
+        </p:nvCxnSpPr>
+        <p:spPr>
+          <a:xfrm>
+            <a:off x="3851920" y="3284984"/>
+            <a:ext cx="2376264" cy="490383"/>
+          </a:xfrm>
+          <a:prstGeom prst="line">
+            <a:avLst/>
+          </a:prstGeom>
+        </p:spPr>
+        <p:style>
+          <a:lnRef idx="1">
+            <a:schemeClr val="accent1"/>
+          </a:lnRef>
+          <a:fillRef idx="0">
+            <a:schemeClr val="accent1"/>
+          </a:fillRef>
+          <a:effectRef idx="0">
+            <a:schemeClr val="accent1"/>
+          </a:effectRef>
+          <a:fontRef idx="minor">
+            <a:schemeClr val="tx1"/>
+          </a:fontRef>
+        </p:style>
+      </p:cxnSp>
+      <p:cxnSp>
+        <p:nvCxnSpPr>
+          <p:cNvPr id="18" name="Łącznik prostoliniowy 17"/>
+          <p:cNvCxnSpPr/>
+          <p:nvPr/>
+        </p:nvCxnSpPr>
+        <p:spPr>
+          <a:xfrm flipV="1">
+            <a:off x="3923928" y="3775367"/>
+            <a:ext cx="2304256" cy="680741"/>
+          </a:xfrm>
+          <a:prstGeom prst="line">
+            <a:avLst/>
+          </a:prstGeom>
+        </p:spPr>
+        <p:style>
+          <a:lnRef idx="1">
+            <a:schemeClr val="accent1"/>
+          </a:lnRef>
+          <a:fillRef idx="0">
+            <a:schemeClr val="accent1"/>
+          </a:fillRef>
+          <a:effectRef idx="0">
+            <a:schemeClr val="accent1"/>
+          </a:effectRef>
+          <a:fontRef idx="minor">
+            <a:schemeClr val="tx1"/>
+          </a:fontRef>
+        </p:style>
+      </p:cxnSp>
+      <p:sp>
+        <p:nvSpPr>
+          <p:cNvPr id="6" name="Elipsa 5"/>
+          <p:cNvSpPr/>
+          <p:nvPr/>
+        </p:nvSpPr>
+        <p:spPr>
+          <a:xfrm>
+            <a:off x="3745374" y="3047870"/>
+            <a:ext cx="288032" cy="324981"/>
+          </a:xfrm>
+          <a:prstGeom prst="ellipse">
+            <a:avLst/>
+          </a:prstGeom>
+        </p:spPr>
+        <p:style>
+          <a:lnRef idx="2">
+            <a:schemeClr val="accent1">
+              <a:shade val="50000"/>
+            </a:schemeClr>
+          </a:lnRef>
+          <a:fillRef idx="1">
+            <a:schemeClr val="accent1"/>
+          </a:fillRef>
+          <a:effectRef idx="0">
+            <a:schemeClr val="accent1"/>
+          </a:effectRef>
+          <a:fontRef idx="minor">
+            <a:schemeClr val="lt1"/>
+          </a:fontRef>
+        </p:style>
+        <p:txBody>
+          <a:bodyPr rtlCol="0" anchor="ctr"/>
+          <a:lstStyle/>
+          <a:p>
+            <a:pPr algn="ctr"/>
+            <a:r>
+              <a:rPr lang="pl-PL" dirty="0" smtClean="0"/>
+              <a:t>B</a:t>
+            </a:r>
+            <a:endParaRPr lang="pl-PL" dirty="0"/>
+          </a:p>
+        </p:txBody>
+      </p:sp>
+      <p:sp>
+        <p:nvSpPr>
+          <p:cNvPr id="8" name="Elipsa 7"/>
+          <p:cNvSpPr/>
+          <p:nvPr/>
+        </p:nvSpPr>
+        <p:spPr>
+          <a:xfrm>
+            <a:off x="6218244" y="2384044"/>
+            <a:ext cx="288032" cy="324981"/>
+          </a:xfrm>
+          <a:prstGeom prst="ellipse">
+            <a:avLst/>
+          </a:prstGeom>
+        </p:spPr>
+        <p:style>
+          <a:lnRef idx="2">
+            <a:schemeClr val="accent1">
+              <a:shade val="50000"/>
+            </a:schemeClr>
+          </a:lnRef>
+          <a:fillRef idx="1">
+            <a:schemeClr val="accent1"/>
+          </a:fillRef>
+          <a:effectRef idx="0">
+            <a:schemeClr val="accent1"/>
+          </a:effectRef>
+          <a:fontRef idx="minor">
+            <a:schemeClr val="lt1"/>
+          </a:fontRef>
+        </p:style>
+        <p:txBody>
+          <a:bodyPr rtlCol="0" anchor="ctr"/>
+          <a:lstStyle/>
+          <a:p>
+            <a:pPr algn="ctr"/>
+            <a:r>
+              <a:rPr lang="pl-PL" dirty="0"/>
+              <a:t>D</a:t>
+            </a:r>
+            <a:endParaRPr lang="pl-PL" dirty="0"/>
+          </a:p>
+        </p:txBody>
+      </p:sp>
+      <p:cxnSp>
+        <p:nvCxnSpPr>
+          <p:cNvPr id="14" name="Łącznik prostoliniowy 13"/>
+          <p:cNvCxnSpPr>
+            <a:stCxn id="5" idx="5"/>
+            <a:endCxn id="10" idx="2"/>
+          </p:cNvCxnSpPr>
+          <p:nvPr/>
+        </p:nvCxnSpPr>
+        <p:spPr>
+          <a:xfrm>
+            <a:off x="1721507" y="4068145"/>
+            <a:ext cx="4533249" cy="832597"/>
+          </a:xfrm>
+          <a:prstGeom prst="line">
+            <a:avLst/>
+          </a:prstGeom>
+        </p:spPr>
+        <p:style>
+          <a:lnRef idx="1">
+            <a:schemeClr val="accent1"/>
+          </a:lnRef>
+          <a:fillRef idx="0">
+            <a:schemeClr val="accent1"/>
+          </a:fillRef>
+          <a:effectRef idx="0">
+            <a:schemeClr val="accent1"/>
+          </a:effectRef>
+          <a:fontRef idx="minor">
+            <a:schemeClr val="tx1"/>
+          </a:fontRef>
+        </p:style>
+      </p:cxnSp>
+      <p:sp>
+        <p:nvSpPr>
+          <p:cNvPr id="7" name="Elipsa 6"/>
+          <p:cNvSpPr/>
+          <p:nvPr/>
+        </p:nvSpPr>
+        <p:spPr>
+          <a:xfrm>
+            <a:off x="3779912" y="4293617"/>
+            <a:ext cx="288032" cy="324981"/>
+          </a:xfrm>
+          <a:prstGeom prst="ellipse">
+            <a:avLst/>
+          </a:prstGeom>
+        </p:spPr>
+        <p:style>
+          <a:lnRef idx="2">
+            <a:schemeClr val="accent1">
+              <a:shade val="50000"/>
+            </a:schemeClr>
+          </a:lnRef>
+          <a:fillRef idx="1">
+            <a:schemeClr val="accent1"/>
+          </a:fillRef>
+          <a:effectRef idx="0">
+            <a:schemeClr val="accent1"/>
+          </a:effectRef>
+          <a:fontRef idx="minor">
+            <a:schemeClr val="lt1"/>
+          </a:fontRef>
+        </p:style>
+        <p:txBody>
+          <a:bodyPr rtlCol="0" anchor="ctr"/>
+          <a:lstStyle/>
+          <a:p>
+            <a:pPr algn="ctr"/>
+            <a:r>
+              <a:rPr lang="pl-PL" dirty="0"/>
+              <a:t>C</a:t>
+            </a:r>
+            <a:endParaRPr lang="pl-PL" dirty="0"/>
+          </a:p>
+        </p:txBody>
+      </p:sp>
+      <mc:AlternateContent xmlns:mc="http://schemas.openxmlformats.org/markup-compatibility/2006">
+        <mc:Choice xmlns:a14="http://schemas.microsoft.com/office/drawing/2010/main" Requires="a14">
+          <p:sp>
+            <p:nvSpPr>
+              <p:cNvPr id="37" name="pole tekstowe 36"/>
+              <p:cNvSpPr txBox="1"/>
+              <p:nvPr/>
+            </p:nvSpPr>
+            <p:spPr>
+              <a:xfrm>
+                <a:off x="3528012" y="2646973"/>
+                <a:ext cx="1223202" cy="400174"/>
+              </a:xfrm>
+              <a:prstGeom prst="rect">
+                <a:avLst/>
+              </a:prstGeom>
+              <a:noFill/>
+              <a:ln>
+                <a:solidFill>
+                  <a:schemeClr val="bg2">
+                    <a:lumMod val="50000"/>
+                  </a:schemeClr>
+                </a:solidFill>
+              </a:ln>
+            </p:spPr>
+            <p:txBody>
+              <a:bodyPr wrap="square" rtlCol="0">
+                <a:spAutoFit/>
+              </a:bodyPr>
+              <a:lstStyle/>
+              <a:p>
+                <a:pPr/>
+                <a14:m>
+                  <m:oMathPara xmlns:m="http://schemas.openxmlformats.org/officeDocument/2006/math">
+                    <m:oMathParaPr>
+                      <m:jc m:val="centerGroup"/>
+                    </m:oMathParaPr>
+                    <m:oMath xmlns:m="http://schemas.openxmlformats.org/officeDocument/2006/math">
+                      <m:sSubSup>
+                        <m:sSubSupPr>
+                          <m:ctrlPr>
+                            <a:rPr lang="pl-PL" sz="1600" i="1">
+                              <a:latin typeface="Cambria Math"/>
+                            </a:rPr>
+                          </m:ctrlPr>
+                        </m:sSubSupPr>
+                        <m:e>
+                          <m:r>
+                            <a:rPr lang="pl-PL" sz="1600" i="1">
+                              <a:latin typeface="Cambria Math"/>
+                            </a:rPr>
+                            <m:t>𝑆</m:t>
+                          </m:r>
+                        </m:e>
+                        <m:sub>
+                          <m:r>
+                            <a:rPr lang="pl-PL" sz="1600" i="1">
+                              <a:latin typeface="Cambria Math"/>
+                            </a:rPr>
+                            <m:t>𝑇</m:t>
+                          </m:r>
+                        </m:sub>
+                        <m:sup>
+                          <m:r>
+                            <a:rPr lang="pl-PL" sz="1600" i="1">
+                              <a:latin typeface="Cambria Math"/>
+                            </a:rPr>
+                            <m:t>(</m:t>
+                          </m:r>
+                          <m:r>
+                            <a:rPr lang="pl-PL" sz="1600" i="1">
+                              <a:latin typeface="Cambria Math"/>
+                            </a:rPr>
+                            <m:t>𝐵</m:t>
+                          </m:r>
+                          <m:r>
+                            <a:rPr lang="pl-PL" sz="1600" i="1">
+                              <a:latin typeface="Cambria Math"/>
+                            </a:rPr>
+                            <m:t>)</m:t>
+                          </m:r>
+                        </m:sup>
+                      </m:sSubSup>
+                      <m:r>
+                        <a:rPr lang="pl-PL" sz="1600" i="1">
+                          <a:latin typeface="Cambria Math"/>
+                        </a:rPr>
+                        <m:t> </m:t>
+                      </m:r>
+                      <m:r>
+                        <a:rPr lang="pl-PL" sz="1600" b="0" i="1" smtClean="0">
+                          <a:latin typeface="Cambria Math"/>
+                        </a:rPr>
+                        <m:t>=</m:t>
+                      </m:r>
+                      <m:r>
+                        <a:rPr lang="pl-PL" sz="1600" b="0" i="1" smtClean="0">
+                          <a:latin typeface="Cambria Math"/>
+                        </a:rPr>
+                        <m:t>𝑢</m:t>
+                      </m:r>
+                      <m:sSub>
+                        <m:sSubPr>
+                          <m:ctrlPr>
+                            <a:rPr lang="pl-PL" sz="1600" b="0" i="1" smtClean="0">
+                              <a:latin typeface="Cambria Math"/>
+                              <a:ea typeface="Cambria Math"/>
+                            </a:rPr>
+                          </m:ctrlPr>
+                        </m:sSubPr>
+                        <m:e>
+                          <m:r>
+                            <a:rPr lang="pl-PL" sz="1600" b="0" i="1" smtClean="0">
+                              <a:latin typeface="Cambria Math"/>
+                              <a:ea typeface="Cambria Math"/>
+                            </a:rPr>
+                            <m:t>𝑆</m:t>
+                          </m:r>
+                        </m:e>
+                        <m:sub>
+                          <m:r>
+                            <a:rPr lang="pl-PL" sz="1600" b="0" i="1" smtClean="0">
+                              <a:latin typeface="Cambria Math"/>
+                              <a:ea typeface="Cambria Math"/>
+                            </a:rPr>
+                            <m:t>0</m:t>
+                          </m:r>
+                        </m:sub>
+                      </m:sSub>
+                    </m:oMath>
+                  </m:oMathPara>
+                </a14:m>
+                <a:endParaRPr lang="pl-PL" sz="1600" dirty="0"/>
+              </a:p>
+            </p:txBody>
+          </p:sp>
+        </mc:Choice>
+        <mc:Fallback>
+          <p:sp>
+            <p:nvSpPr>
+              <p:cNvPr id="37" name="pole tekstowe 36"/>
+              <p:cNvSpPr txBox="1">
+                <a:spLocks noRot="1" noChangeAspect="1" noMove="1" noResize="1" noEditPoints="1" noAdjustHandles="1" noChangeArrowheads="1" noChangeShapeType="1" noTextEdit="1"/>
+              </p:cNvSpPr>
+              <p:nvPr/>
+            </p:nvSpPr>
+            <p:spPr>
+              <a:xfrm>
+                <a:off x="3528012" y="2646973"/>
+                <a:ext cx="1223202" cy="400174"/>
+              </a:xfrm>
+              <a:prstGeom prst="rect">
+                <a:avLst/>
+              </a:prstGeom>
+              <a:blipFill rotWithShape="1">
+                <a:blip r:embed="rId2"/>
+                <a:stretch>
+                  <a:fillRect/>
+                </a:stretch>
+              </a:blipFill>
+              <a:ln>
+                <a:solidFill>
+                  <a:schemeClr val="bg2">
+                    <a:lumMod val="50000"/>
+                  </a:schemeClr>
+                </a:solidFill>
+              </a:ln>
+            </p:spPr>
+            <p:txBody>
+              <a:bodyPr/>
+              <a:lstStyle/>
+              <a:p>
+                <a:r>
+                  <a:rPr lang="pl-PL">
+                    <a:noFill/>
+                  </a:rPr>
+                  <a:t> </a:t>
+                </a:r>
+              </a:p>
+            </p:txBody>
+          </p:sp>
+        </mc:Fallback>
+      </mc:AlternateContent>
+      <mc:AlternateContent xmlns:mc="http://schemas.openxmlformats.org/markup-compatibility/2006">
+        <mc:Choice xmlns:a14="http://schemas.microsoft.com/office/drawing/2010/main" Requires="a14">
+          <p:sp>
+            <p:nvSpPr>
+              <p:cNvPr id="38" name="pole tekstowe 37"/>
+              <p:cNvSpPr txBox="1"/>
+              <p:nvPr/>
+            </p:nvSpPr>
+            <p:spPr>
+              <a:xfrm>
+                <a:off x="6177354" y="1983870"/>
+                <a:ext cx="1296143" cy="400174"/>
+              </a:xfrm>
+              <a:prstGeom prst="rect">
+                <a:avLst/>
+              </a:prstGeom>
+              <a:noFill/>
+              <a:ln>
+                <a:solidFill>
+                  <a:schemeClr val="bg2">
+                    <a:lumMod val="50000"/>
+                  </a:schemeClr>
+                </a:solidFill>
+              </a:ln>
+            </p:spPr>
+            <p:txBody>
+              <a:bodyPr wrap="square" rtlCol="0">
+                <a:spAutoFit/>
+              </a:bodyPr>
+              <a:lstStyle/>
+              <a:p>
+                <a:pPr/>
+                <a14:m>
+                  <m:oMath xmlns:m="http://schemas.openxmlformats.org/officeDocument/2006/math">
+                    <m:sSubSup>
+                      <m:sSubSupPr>
+                        <m:ctrlPr>
+                          <a:rPr lang="pl-PL" sz="1600" i="1" smtClean="0">
+                            <a:latin typeface="Cambria Math"/>
+                          </a:rPr>
+                        </m:ctrlPr>
+                      </m:sSubSupPr>
+                      <m:e>
+                        <m:r>
+                          <a:rPr lang="pl-PL" sz="1600" i="1">
+                            <a:latin typeface="Cambria Math"/>
+                          </a:rPr>
+                          <m:t>𝑆</m:t>
+                        </m:r>
+                      </m:e>
+                      <m:sub>
+                        <m:r>
+                          <a:rPr lang="pl-PL" sz="1600" i="1">
+                            <a:latin typeface="Cambria Math"/>
+                          </a:rPr>
+                          <m:t>𝑇</m:t>
+                        </m:r>
+                      </m:sub>
+                      <m:sup>
+                        <m:r>
+                          <a:rPr lang="pl-PL" sz="1600" i="1">
+                            <a:latin typeface="Cambria Math"/>
+                          </a:rPr>
+                          <m:t>(</m:t>
+                        </m:r>
+                        <m:r>
+                          <a:rPr lang="pl-PL" sz="1600" b="0" i="1" smtClean="0">
+                            <a:latin typeface="Cambria Math"/>
+                          </a:rPr>
+                          <m:t>𝐷</m:t>
+                        </m:r>
+                        <m:r>
+                          <a:rPr lang="pl-PL" sz="1600" i="1">
+                            <a:latin typeface="Cambria Math"/>
+                          </a:rPr>
+                          <m:t>)</m:t>
+                        </m:r>
+                      </m:sup>
+                    </m:sSubSup>
+                    <m:r>
+                      <a:rPr lang="pl-PL" sz="1600" i="1">
+                        <a:latin typeface="Cambria Math"/>
+                      </a:rPr>
+                      <m:t> </m:t>
+                    </m:r>
+                    <m:r>
+                      <a:rPr lang="pl-PL" sz="1600" b="0" i="1" smtClean="0">
+                        <a:latin typeface="Cambria Math"/>
+                      </a:rPr>
+                      <m:t>=</m:t>
+                    </m:r>
+                  </m:oMath>
+                </a14:m>
+                <a:r>
+                  <a:rPr lang="pl-PL" sz="1600" dirty="0"/>
+                  <a:t> </a:t>
+                </a:r>
+                <a14:m>
+                  <m:oMath xmlns:m="http://schemas.openxmlformats.org/officeDocument/2006/math">
+                    <m:sSup>
+                      <m:sSupPr>
+                        <m:ctrlPr>
+                          <a:rPr lang="pl-PL" sz="1600" b="0" i="1" smtClean="0">
+                            <a:latin typeface="Cambria Math"/>
+                            <a:ea typeface="Cambria Math"/>
+                          </a:rPr>
+                        </m:ctrlPr>
+                      </m:sSupPr>
+                      <m:e>
+                        <m:r>
+                          <a:rPr lang="pl-PL" sz="1600" b="0" i="1" smtClean="0">
+                            <a:latin typeface="Cambria Math"/>
+                            <a:ea typeface="Cambria Math"/>
+                          </a:rPr>
+                          <m:t>𝑢</m:t>
+                        </m:r>
+                      </m:e>
+                      <m:sup>
+                        <m:r>
+                          <a:rPr lang="pl-PL" sz="1600" b="0" i="1" smtClean="0">
+                            <a:latin typeface="Cambria Math"/>
+                            <a:ea typeface="Cambria Math"/>
+                          </a:rPr>
+                          <m:t>2</m:t>
+                        </m:r>
+                      </m:sup>
+                    </m:sSup>
+                    <m:sSub>
+                      <m:sSubPr>
+                        <m:ctrlPr>
+                          <a:rPr lang="pl-PL" sz="1600" b="0" i="1" smtClean="0">
+                            <a:latin typeface="Cambria Math"/>
+                            <a:ea typeface="Cambria Math"/>
+                          </a:rPr>
+                        </m:ctrlPr>
+                      </m:sSubPr>
+                      <m:e>
+                        <m:r>
+                          <a:rPr lang="pl-PL" sz="1600" b="0" i="1" smtClean="0">
+                            <a:latin typeface="Cambria Math"/>
+                            <a:ea typeface="Cambria Math"/>
+                          </a:rPr>
+                          <m:t>𝑆</m:t>
+                        </m:r>
+                      </m:e>
+                      <m:sub>
+                        <m:r>
+                          <a:rPr lang="pl-PL" sz="1600" b="0" i="1" smtClean="0">
+                            <a:latin typeface="Cambria Math"/>
+                            <a:ea typeface="Cambria Math"/>
+                          </a:rPr>
+                          <m:t>0</m:t>
+                        </m:r>
+                      </m:sub>
+                    </m:sSub>
+                  </m:oMath>
+                </a14:m>
+                <a:endParaRPr lang="pl-PL" sz="1600" dirty="0"/>
+              </a:p>
+            </p:txBody>
+          </p:sp>
+        </mc:Choice>
+        <mc:Fallback>
+          <p:sp>
+            <p:nvSpPr>
+              <p:cNvPr id="38" name="pole tekstowe 37"/>
+              <p:cNvSpPr txBox="1">
+                <a:spLocks noRot="1" noChangeAspect="1" noMove="1" noResize="1" noEditPoints="1" noAdjustHandles="1" noChangeArrowheads="1" noChangeShapeType="1" noTextEdit="1"/>
+              </p:cNvSpPr>
+              <p:nvPr/>
+            </p:nvSpPr>
+            <p:spPr>
+              <a:xfrm>
+                <a:off x="6177354" y="1983870"/>
+                <a:ext cx="1296143" cy="400174"/>
+              </a:xfrm>
+              <a:prstGeom prst="rect">
+                <a:avLst/>
+              </a:prstGeom>
+              <a:blipFill rotWithShape="1">
+                <a:blip r:embed="rId3"/>
+                <a:stretch>
+                  <a:fillRect/>
+                </a:stretch>
+              </a:blipFill>
+              <a:ln>
+                <a:solidFill>
+                  <a:schemeClr val="bg2">
+                    <a:lumMod val="50000"/>
+                  </a:schemeClr>
+                </a:solidFill>
+              </a:ln>
+            </p:spPr>
+            <p:txBody>
+              <a:bodyPr/>
+              <a:lstStyle/>
+              <a:p>
+                <a:r>
+                  <a:rPr lang="pl-PL">
+                    <a:noFill/>
+                  </a:rPr>
+                  <a:t> </a:t>
+                </a:r>
+              </a:p>
+            </p:txBody>
+          </p:sp>
+        </mc:Fallback>
+      </mc:AlternateContent>
+      <mc:AlternateContent xmlns:mc="http://schemas.openxmlformats.org/markup-compatibility/2006">
+        <mc:Choice xmlns:a14="http://schemas.microsoft.com/office/drawing/2010/main" Requires="a14">
+          <p:sp>
+            <p:nvSpPr>
+              <p:cNvPr id="39" name="pole tekstowe 38"/>
+              <p:cNvSpPr txBox="1"/>
+              <p:nvPr/>
+            </p:nvSpPr>
+            <p:spPr>
+              <a:xfrm>
+                <a:off x="3548742" y="3868058"/>
+                <a:ext cx="1223202" cy="400174"/>
+              </a:xfrm>
+              <a:prstGeom prst="rect">
+                <a:avLst/>
+              </a:prstGeom>
+              <a:noFill/>
+              <a:ln>
+                <a:solidFill>
+                  <a:schemeClr val="bg2">
+                    <a:lumMod val="50000"/>
+                  </a:schemeClr>
+                </a:solidFill>
+              </a:ln>
+            </p:spPr>
+            <p:txBody>
+              <a:bodyPr wrap="square" rtlCol="0">
+                <a:spAutoFit/>
+              </a:bodyPr>
+              <a:lstStyle/>
+              <a:p>
+                <a:pPr/>
+                <a14:m>
+                  <m:oMathPara xmlns:m="http://schemas.openxmlformats.org/officeDocument/2006/math">
+                    <m:oMathParaPr>
+                      <m:jc m:val="centerGroup"/>
+                    </m:oMathParaPr>
+                    <m:oMath xmlns:m="http://schemas.openxmlformats.org/officeDocument/2006/math">
+                      <m:sSubSup>
+                        <m:sSubSupPr>
+                          <m:ctrlPr>
+                            <a:rPr lang="pl-PL" sz="1600" i="1" smtClean="0">
+                              <a:latin typeface="Cambria Math"/>
+                            </a:rPr>
+                          </m:ctrlPr>
+                        </m:sSubSupPr>
+                        <m:e>
+                          <m:r>
+                            <a:rPr lang="pl-PL" sz="1600" i="1">
+                              <a:latin typeface="Cambria Math"/>
+                            </a:rPr>
+                            <m:t>𝑆</m:t>
+                          </m:r>
+                        </m:e>
+                        <m:sub>
+                          <m:r>
+                            <a:rPr lang="pl-PL" sz="1600" i="1">
+                              <a:latin typeface="Cambria Math"/>
+                            </a:rPr>
+                            <m:t>𝑇</m:t>
+                          </m:r>
+                        </m:sub>
+                        <m:sup>
+                          <m:r>
+                            <a:rPr lang="pl-PL" sz="1600" i="1">
+                              <a:latin typeface="Cambria Math"/>
+                            </a:rPr>
+                            <m:t>(</m:t>
+                          </m:r>
+                          <m:r>
+                            <a:rPr lang="pl-PL" sz="1600" b="0" i="1" smtClean="0">
+                              <a:latin typeface="Cambria Math"/>
+                            </a:rPr>
+                            <m:t>𝐶</m:t>
+                          </m:r>
+                          <m:r>
+                            <a:rPr lang="pl-PL" sz="1600" i="1">
+                              <a:latin typeface="Cambria Math"/>
+                            </a:rPr>
+                            <m:t>)</m:t>
+                          </m:r>
+                        </m:sup>
+                      </m:sSubSup>
+                      <m:r>
+                        <a:rPr lang="pl-PL" sz="1600" i="1">
+                          <a:latin typeface="Cambria Math"/>
+                        </a:rPr>
+                        <m:t> </m:t>
+                      </m:r>
+                      <m:r>
+                        <a:rPr lang="pl-PL" sz="1600" b="0" i="1" smtClean="0">
+                          <a:latin typeface="Cambria Math"/>
+                        </a:rPr>
+                        <m:t>=</m:t>
+                      </m:r>
+                      <m:r>
+                        <a:rPr lang="pl-PL" sz="1600" b="0" i="1" smtClean="0">
+                          <a:latin typeface="Cambria Math"/>
+                        </a:rPr>
+                        <m:t>𝑑</m:t>
+                      </m:r>
+                      <m:sSub>
+                        <m:sSubPr>
+                          <m:ctrlPr>
+                            <a:rPr lang="pl-PL" sz="1600" b="0" i="1" smtClean="0">
+                              <a:latin typeface="Cambria Math"/>
+                              <a:ea typeface="Cambria Math"/>
+                            </a:rPr>
+                          </m:ctrlPr>
+                        </m:sSubPr>
+                        <m:e>
+                          <m:r>
+                            <a:rPr lang="pl-PL" sz="1600" b="0" i="1" smtClean="0">
+                              <a:latin typeface="Cambria Math"/>
+                              <a:ea typeface="Cambria Math"/>
+                            </a:rPr>
+                            <m:t>𝑆</m:t>
+                          </m:r>
+                        </m:e>
+                        <m:sub>
+                          <m:r>
+                            <a:rPr lang="pl-PL" sz="1600" b="0" i="1" smtClean="0">
+                              <a:latin typeface="Cambria Math"/>
+                              <a:ea typeface="Cambria Math"/>
+                            </a:rPr>
+                            <m:t>0</m:t>
+                          </m:r>
+                        </m:sub>
+                      </m:sSub>
+                    </m:oMath>
+                  </m:oMathPara>
+                </a14:m>
+                <a:endParaRPr lang="pl-PL" sz="1600" dirty="0"/>
+              </a:p>
+            </p:txBody>
+          </p:sp>
+        </mc:Choice>
+        <mc:Fallback>
+          <p:sp>
+            <p:nvSpPr>
+              <p:cNvPr id="39" name="pole tekstowe 38"/>
+              <p:cNvSpPr txBox="1">
+                <a:spLocks noRot="1" noChangeAspect="1" noMove="1" noResize="1" noEditPoints="1" noAdjustHandles="1" noChangeArrowheads="1" noChangeShapeType="1" noTextEdit="1"/>
+              </p:cNvSpPr>
+              <p:nvPr/>
+            </p:nvSpPr>
+            <p:spPr>
+              <a:xfrm>
+                <a:off x="3548742" y="3868058"/>
+                <a:ext cx="1223202" cy="400174"/>
+              </a:xfrm>
+              <a:prstGeom prst="rect">
+                <a:avLst/>
+              </a:prstGeom>
+              <a:blipFill rotWithShape="1">
+                <a:blip r:embed="rId4"/>
+                <a:stretch>
+                  <a:fillRect/>
+                </a:stretch>
+              </a:blipFill>
+              <a:ln>
+                <a:solidFill>
+                  <a:schemeClr val="bg2">
+                    <a:lumMod val="50000"/>
+                  </a:schemeClr>
+                </a:solidFill>
+              </a:ln>
+            </p:spPr>
+            <p:txBody>
+              <a:bodyPr/>
+              <a:lstStyle/>
+              <a:p>
+                <a:r>
+                  <a:rPr lang="pl-PL">
+                    <a:noFill/>
+                  </a:rPr>
+                  <a:t> </a:t>
+                </a:r>
+              </a:p>
+            </p:txBody>
+          </p:sp>
+        </mc:Fallback>
+      </mc:AlternateContent>
+      <mc:AlternateContent xmlns:mc="http://schemas.openxmlformats.org/markup-compatibility/2006">
+        <mc:Choice xmlns:a14="http://schemas.microsoft.com/office/drawing/2010/main" Requires="a14">
+          <p:sp>
+            <p:nvSpPr>
+              <p:cNvPr id="40" name="pole tekstowe 39"/>
+              <p:cNvSpPr txBox="1"/>
+              <p:nvPr/>
+            </p:nvSpPr>
+            <p:spPr>
+              <a:xfrm>
+                <a:off x="6240720" y="4338077"/>
+                <a:ext cx="1312006" cy="400174"/>
+              </a:xfrm>
+              <a:prstGeom prst="rect">
+                <a:avLst/>
+              </a:prstGeom>
+              <a:noFill/>
+              <a:ln>
+                <a:solidFill>
+                  <a:schemeClr val="bg2">
+                    <a:lumMod val="50000"/>
+                  </a:schemeClr>
+                </a:solidFill>
+              </a:ln>
+            </p:spPr>
+            <p:txBody>
+              <a:bodyPr wrap="square" rtlCol="0">
+                <a:spAutoFit/>
+              </a:bodyPr>
+              <a:lstStyle/>
+              <a:p>
+                <a:pPr/>
+                <a14:m>
+                  <m:oMath xmlns:m="http://schemas.openxmlformats.org/officeDocument/2006/math">
+                    <m:sSubSup>
+                      <m:sSubSupPr>
+                        <m:ctrlPr>
+                          <a:rPr lang="pl-PL" sz="1600" i="1" smtClean="0">
+                            <a:latin typeface="Cambria Math"/>
+                          </a:rPr>
+                        </m:ctrlPr>
+                      </m:sSubSupPr>
+                      <m:e>
+                        <m:r>
+                          <a:rPr lang="pl-PL" sz="1600" i="1">
+                            <a:latin typeface="Cambria Math"/>
+                          </a:rPr>
+                          <m:t>𝑆</m:t>
+                        </m:r>
+                      </m:e>
+                      <m:sub>
+                        <m:r>
+                          <a:rPr lang="pl-PL" sz="1600" i="1">
+                            <a:latin typeface="Cambria Math"/>
+                          </a:rPr>
+                          <m:t>𝑇</m:t>
+                        </m:r>
+                      </m:sub>
+                      <m:sup>
+                        <m:r>
+                          <a:rPr lang="pl-PL" sz="1600" i="1">
+                            <a:latin typeface="Cambria Math"/>
+                          </a:rPr>
+                          <m:t>(</m:t>
+                        </m:r>
+                        <m:r>
+                          <a:rPr lang="pl-PL" sz="1600" b="0" i="1" smtClean="0">
+                            <a:latin typeface="Cambria Math"/>
+                          </a:rPr>
+                          <m:t>𝐹</m:t>
+                        </m:r>
+                        <m:r>
+                          <a:rPr lang="pl-PL" sz="1600" i="1">
+                            <a:latin typeface="Cambria Math"/>
+                          </a:rPr>
+                          <m:t>)</m:t>
+                        </m:r>
+                      </m:sup>
+                    </m:sSubSup>
+                    <m:r>
+                      <a:rPr lang="pl-PL" sz="1600" i="1">
+                        <a:latin typeface="Cambria Math"/>
+                      </a:rPr>
+                      <m:t> </m:t>
+                    </m:r>
+                    <m:r>
+                      <a:rPr lang="pl-PL" sz="1600" b="0" i="1" smtClean="0">
+                        <a:latin typeface="Cambria Math"/>
+                      </a:rPr>
+                      <m:t>=</m:t>
+                    </m:r>
+                    <m:sSup>
+                      <m:sSupPr>
+                        <m:ctrlPr>
+                          <a:rPr lang="pl-PL" sz="1600" b="0" i="1" smtClean="0">
+                            <a:latin typeface="Cambria Math"/>
+                            <a:ea typeface="Cambria Math"/>
+                          </a:rPr>
+                        </m:ctrlPr>
+                      </m:sSupPr>
+                      <m:e>
+                        <m:r>
+                          <a:rPr lang="pl-PL" sz="1600" b="0" i="1" smtClean="0">
+                            <a:latin typeface="Cambria Math"/>
+                            <a:ea typeface="Cambria Math"/>
+                          </a:rPr>
+                          <m:t>𝑑</m:t>
+                        </m:r>
+                      </m:e>
+                      <m:sup>
+                        <m:r>
+                          <a:rPr lang="pl-PL" sz="1600" b="0" i="1" smtClean="0">
+                            <a:latin typeface="Cambria Math"/>
+                            <a:ea typeface="Cambria Math"/>
+                          </a:rPr>
+                          <m:t>2</m:t>
+                        </m:r>
+                      </m:sup>
+                    </m:sSup>
+                  </m:oMath>
+                </a14:m>
+                <a:r>
+                  <a:rPr lang="pl-PL" sz="1600" dirty="0">
+                    <a:ea typeface="Cambria Math"/>
+                  </a:rPr>
+                  <a:t> </a:t>
+                </a:r>
+                <a14:m>
+                  <m:oMath xmlns:m="http://schemas.openxmlformats.org/officeDocument/2006/math">
+                    <m:sSub>
+                      <m:sSubPr>
+                        <m:ctrlPr>
+                          <a:rPr lang="pl-PL" sz="1600" i="1">
+                            <a:latin typeface="Cambria Math"/>
+                            <a:ea typeface="Cambria Math"/>
+                          </a:rPr>
+                        </m:ctrlPr>
+                      </m:sSubPr>
+                      <m:e>
+                        <m:r>
+                          <a:rPr lang="pl-PL" sz="1600" i="1">
+                            <a:latin typeface="Cambria Math"/>
+                            <a:ea typeface="Cambria Math"/>
+                          </a:rPr>
+                          <m:t>𝑆</m:t>
+                        </m:r>
+                      </m:e>
+                      <m:sub>
+                        <m:r>
+                          <a:rPr lang="pl-PL" sz="1600" i="1">
+                            <a:latin typeface="Cambria Math"/>
+                            <a:ea typeface="Cambria Math"/>
+                          </a:rPr>
+                          <m:t>0</m:t>
+                        </m:r>
+                      </m:sub>
+                    </m:sSub>
+                  </m:oMath>
+                </a14:m>
+                <a:endParaRPr lang="pl-PL" sz="1600" dirty="0"/>
+              </a:p>
+            </p:txBody>
+          </p:sp>
+        </mc:Choice>
+        <mc:Fallback>
+          <p:sp>
+            <p:nvSpPr>
+              <p:cNvPr id="40" name="pole tekstowe 39"/>
+              <p:cNvSpPr txBox="1">
+                <a:spLocks noRot="1" noChangeAspect="1" noMove="1" noResize="1" noEditPoints="1" noAdjustHandles="1" noChangeArrowheads="1" noChangeShapeType="1" noTextEdit="1"/>
+              </p:cNvSpPr>
+              <p:nvPr/>
+            </p:nvSpPr>
+            <p:spPr>
+              <a:xfrm>
+                <a:off x="6240720" y="4338077"/>
+                <a:ext cx="1312006" cy="400174"/>
+              </a:xfrm>
+              <a:prstGeom prst="rect">
+                <a:avLst/>
+              </a:prstGeom>
+              <a:blipFill rotWithShape="1">
+                <a:blip r:embed="rId5"/>
+                <a:stretch>
+                  <a:fillRect/>
+                </a:stretch>
+              </a:blipFill>
+              <a:ln>
+                <a:solidFill>
+                  <a:schemeClr val="bg2">
+                    <a:lumMod val="50000"/>
+                  </a:schemeClr>
+                </a:solidFill>
+              </a:ln>
+            </p:spPr>
+            <p:txBody>
+              <a:bodyPr/>
+              <a:lstStyle/>
+              <a:p>
+                <a:r>
+                  <a:rPr lang="pl-PL">
+                    <a:noFill/>
+                  </a:rPr>
+                  <a:t> </a:t>
+                </a:r>
+              </a:p>
+            </p:txBody>
+          </p:sp>
+        </mc:Fallback>
+      </mc:AlternateContent>
+      <mc:AlternateContent xmlns:mc="http://schemas.openxmlformats.org/markup-compatibility/2006">
+        <mc:Choice xmlns:a14="http://schemas.microsoft.com/office/drawing/2010/main" Requires="a14">
+          <p:sp>
+            <p:nvSpPr>
+              <p:cNvPr id="41" name="pole tekstowe 40"/>
+              <p:cNvSpPr txBox="1"/>
+              <p:nvPr/>
+            </p:nvSpPr>
+            <p:spPr>
+              <a:xfrm>
+                <a:off x="6177354" y="3201251"/>
+                <a:ext cx="1356915" cy="400174"/>
+              </a:xfrm>
+              <a:prstGeom prst="rect">
+                <a:avLst/>
+              </a:prstGeom>
+              <a:noFill/>
+              <a:ln>
+                <a:solidFill>
+                  <a:schemeClr val="bg2">
+                    <a:lumMod val="50000"/>
+                  </a:schemeClr>
+                </a:solidFill>
+              </a:ln>
+            </p:spPr>
+            <p:txBody>
+              <a:bodyPr wrap="square" rtlCol="0">
+                <a:spAutoFit/>
+              </a:bodyPr>
+              <a:lstStyle/>
+              <a:p>
+                <a:pPr/>
+                <a14:m>
+                  <m:oMathPara xmlns:m="http://schemas.openxmlformats.org/officeDocument/2006/math">
+                    <m:oMathParaPr>
+                      <m:jc m:val="centerGroup"/>
+                    </m:oMathParaPr>
+                    <m:oMath xmlns:m="http://schemas.openxmlformats.org/officeDocument/2006/math">
+                      <m:sSubSup>
+                        <m:sSubSupPr>
+                          <m:ctrlPr>
+                            <a:rPr lang="pl-PL" sz="1600" i="1" smtClean="0">
+                              <a:latin typeface="Cambria Math"/>
+                            </a:rPr>
+                          </m:ctrlPr>
+                        </m:sSubSupPr>
+                        <m:e>
+                          <m:r>
+                            <a:rPr lang="pl-PL" sz="1600" i="1">
+                              <a:latin typeface="Cambria Math"/>
+                            </a:rPr>
+                            <m:t>𝑆</m:t>
+                          </m:r>
+                        </m:e>
+                        <m:sub>
+                          <m:r>
+                            <a:rPr lang="pl-PL" sz="1600" i="1">
+                              <a:latin typeface="Cambria Math"/>
+                            </a:rPr>
+                            <m:t>𝑇</m:t>
+                          </m:r>
+                        </m:sub>
+                        <m:sup>
+                          <m:r>
+                            <a:rPr lang="pl-PL" sz="1600" i="1">
+                              <a:latin typeface="Cambria Math"/>
+                            </a:rPr>
+                            <m:t>(</m:t>
+                          </m:r>
+                          <m:r>
+                            <a:rPr lang="pl-PL" sz="1600" b="0" i="1" smtClean="0">
+                              <a:latin typeface="Cambria Math"/>
+                            </a:rPr>
+                            <m:t>𝐸</m:t>
+                          </m:r>
+                          <m:r>
+                            <a:rPr lang="pl-PL" sz="1600" i="1">
+                              <a:latin typeface="Cambria Math"/>
+                            </a:rPr>
+                            <m:t>)</m:t>
+                          </m:r>
+                        </m:sup>
+                      </m:sSubSup>
+                      <m:r>
+                        <a:rPr lang="pl-PL" sz="1600" i="1">
+                          <a:latin typeface="Cambria Math"/>
+                        </a:rPr>
+                        <m:t> </m:t>
+                      </m:r>
+                      <m:r>
+                        <a:rPr lang="pl-PL" sz="1600" b="0" i="1" smtClean="0">
+                          <a:latin typeface="Cambria Math"/>
+                        </a:rPr>
+                        <m:t>=</m:t>
+                      </m:r>
+                      <m:r>
+                        <a:rPr lang="pl-PL" sz="1600" b="0" i="1" smtClean="0">
+                          <a:latin typeface="Cambria Math"/>
+                        </a:rPr>
+                        <m:t>𝑢𝑑</m:t>
+                      </m:r>
+                      <m:sSub>
+                        <m:sSubPr>
+                          <m:ctrlPr>
+                            <a:rPr lang="pl-PL" sz="1600" b="0" i="1" smtClean="0">
+                              <a:latin typeface="Cambria Math"/>
+                              <a:ea typeface="Cambria Math"/>
+                            </a:rPr>
+                          </m:ctrlPr>
+                        </m:sSubPr>
+                        <m:e>
+                          <m:r>
+                            <a:rPr lang="pl-PL" sz="1600" b="0" i="1" smtClean="0">
+                              <a:latin typeface="Cambria Math"/>
+                              <a:ea typeface="Cambria Math"/>
+                            </a:rPr>
+                            <m:t>𝑆</m:t>
+                          </m:r>
+                        </m:e>
+                        <m:sub>
+                          <m:r>
+                            <a:rPr lang="pl-PL" sz="1600" b="0" i="1" smtClean="0">
+                              <a:latin typeface="Cambria Math"/>
+                              <a:ea typeface="Cambria Math"/>
+                            </a:rPr>
+                            <m:t>0</m:t>
+                          </m:r>
+                        </m:sub>
+                      </m:sSub>
+                    </m:oMath>
+                  </m:oMathPara>
+                </a14:m>
+                <a:endParaRPr lang="pl-PL" sz="1600" dirty="0"/>
+              </a:p>
+            </p:txBody>
+          </p:sp>
+        </mc:Choice>
+        <mc:Fallback>
+          <p:sp>
+            <p:nvSpPr>
+              <p:cNvPr id="41" name="pole tekstowe 40"/>
+              <p:cNvSpPr txBox="1">
+                <a:spLocks noRot="1" noChangeAspect="1" noMove="1" noResize="1" noEditPoints="1" noAdjustHandles="1" noChangeArrowheads="1" noChangeShapeType="1" noTextEdit="1"/>
+              </p:cNvSpPr>
+              <p:nvPr/>
+            </p:nvSpPr>
+            <p:spPr>
+              <a:xfrm>
+                <a:off x="6177354" y="3201251"/>
+                <a:ext cx="1356915" cy="400174"/>
+              </a:xfrm>
+              <a:prstGeom prst="rect">
+                <a:avLst/>
+              </a:prstGeom>
+              <a:blipFill rotWithShape="1">
+                <a:blip r:embed="rId6"/>
+                <a:stretch>
+                  <a:fillRect/>
+                </a:stretch>
+              </a:blipFill>
+              <a:ln>
+                <a:solidFill>
+                  <a:schemeClr val="bg2">
+                    <a:lumMod val="50000"/>
+                  </a:schemeClr>
+                </a:solidFill>
+              </a:ln>
+            </p:spPr>
+            <p:txBody>
+              <a:bodyPr/>
+              <a:lstStyle/>
+              <a:p>
+                <a:r>
+                  <a:rPr lang="pl-PL">
+                    <a:noFill/>
+                  </a:rPr>
+                  <a:t> </a:t>
+                </a:r>
+              </a:p>
+            </p:txBody>
+          </p:sp>
+        </mc:Fallback>
+      </mc:AlternateContent>
+      <p:sp>
+        <p:nvSpPr>
+          <p:cNvPr id="43" name="Schemat blokowy: proces 42"/>
+          <p:cNvSpPr/>
+          <p:nvPr/>
+        </p:nvSpPr>
+        <p:spPr>
+          <a:xfrm rot="5400000">
+            <a:off x="5251580" y="2598496"/>
+            <a:ext cx="3536733" cy="2054195"/>
+          </a:xfrm>
+          <a:prstGeom prst="flowChartProcess">
+            <a:avLst/>
+          </a:prstGeom>
+          <a:noFill/>
+          <a:ln w="50800">
+            <a:solidFill>
+              <a:srgbClr val="00B050"/>
+            </a:solidFill>
+          </a:ln>
+        </p:spPr>
+        <p:style>
+          <a:lnRef idx="2">
+            <a:schemeClr val="accent1">
+              <a:shade val="50000"/>
+            </a:schemeClr>
+          </a:lnRef>
+          <a:fillRef idx="1">
+            <a:schemeClr val="accent1"/>
+          </a:fillRef>
+          <a:effectRef idx="0">
+            <a:schemeClr val="accent1"/>
+          </a:effectRef>
+          <a:fontRef idx="minor">
+            <a:schemeClr val="lt1"/>
+          </a:fontRef>
+        </p:style>
+        <p:txBody>
+          <a:bodyPr rtlCol="0" anchor="ctr"/>
+          <a:lstStyle/>
+          <a:p>
+            <a:pPr algn="ctr"/>
+            <a:endParaRPr lang="pl-PL"/>
+          </a:p>
+        </p:txBody>
+      </p:sp>
+      <mc:AlternateContent xmlns:mc="http://schemas.openxmlformats.org/markup-compatibility/2006">
+        <mc:Choice xmlns:a14="http://schemas.microsoft.com/office/drawing/2010/main" Requires="a14">
+          <p:sp>
+            <p:nvSpPr>
+              <p:cNvPr id="45" name="pole tekstowe 44"/>
+              <p:cNvSpPr txBox="1"/>
+              <p:nvPr/>
+            </p:nvSpPr>
+            <p:spPr>
+              <a:xfrm>
+                <a:off x="6240720" y="2585698"/>
+                <a:ext cx="1892653" cy="615553"/>
+              </a:xfrm>
+              <a:prstGeom prst="rect">
+                <a:avLst/>
+              </a:prstGeom>
+              <a:noFill/>
+            </p:spPr>
+            <p:txBody>
+              <a:bodyPr wrap="square" rtlCol="0">
+                <a:spAutoFit/>
+              </a:bodyPr>
+              <a:lstStyle/>
+              <a:p>
+                <a14:m>
+                  <m:oMathPara xmlns:m="http://schemas.openxmlformats.org/officeDocument/2006/math">
+                    <m:oMathParaPr>
+                      <m:jc m:val="centerGroup"/>
+                    </m:oMathParaPr>
+                    <m:oMath xmlns:m="http://schemas.openxmlformats.org/officeDocument/2006/math">
+                      <m:sSub>
+                        <m:sSubPr>
+                          <m:ctrlPr>
+                            <a:rPr lang="pl-PL" sz="1600" i="1" smtClean="0">
+                              <a:solidFill>
+                                <a:srgbClr val="00B050"/>
+                              </a:solidFill>
+                              <a:latin typeface="Cambria Math"/>
+                            </a:rPr>
+                          </m:ctrlPr>
+                        </m:sSubPr>
+                        <m:e>
+                          <m:r>
+                            <a:rPr lang="pl-PL" sz="1600" i="1">
+                              <a:solidFill>
+                                <a:srgbClr val="00B050"/>
+                              </a:solidFill>
+                              <a:latin typeface="Cambria Math"/>
+                            </a:rPr>
+                            <m:t>𝑉</m:t>
+                          </m:r>
+                        </m:e>
+                        <m:sub>
+                          <m:r>
+                            <a:rPr lang="pl-PL" sz="1600" b="0" i="1" smtClean="0">
+                              <a:solidFill>
+                                <a:srgbClr val="00B050"/>
+                              </a:solidFill>
+                              <a:latin typeface="Cambria Math"/>
+                            </a:rPr>
+                            <m:t>𝐷</m:t>
+                          </m:r>
+                        </m:sub>
+                      </m:sSub>
+                      <m:r>
+                        <a:rPr lang="pl-PL" sz="1600" i="1">
+                          <a:solidFill>
+                            <a:srgbClr val="00B050"/>
+                          </a:solidFill>
+                          <a:latin typeface="Cambria Math"/>
+                        </a:rPr>
+                        <m:t>=</m:t>
+                      </m:r>
+                      <m:r>
+                        <a:rPr lang="pl-PL" sz="1600" i="1">
+                          <a:solidFill>
+                            <a:srgbClr val="00B050"/>
+                          </a:solidFill>
+                          <a:latin typeface="Cambria Math"/>
+                        </a:rPr>
+                        <m:t>𝑝𝑎𝑦𝑜𝑓𝑓</m:t>
+                      </m:r>
+                      <m:r>
+                        <a:rPr lang="pl-PL" sz="1600" i="1">
+                          <a:solidFill>
+                            <a:srgbClr val="00B050"/>
+                          </a:solidFill>
+                          <a:latin typeface="Cambria Math"/>
+                        </a:rPr>
+                        <m:t>@</m:t>
+                      </m:r>
+                      <m:r>
+                        <a:rPr lang="pl-PL" sz="1600" i="1">
+                          <a:solidFill>
+                            <a:srgbClr val="00B050"/>
+                          </a:solidFill>
+                          <a:latin typeface="Cambria Math"/>
+                        </a:rPr>
+                        <m:t>𝐾</m:t>
+                      </m:r>
+                    </m:oMath>
+                  </m:oMathPara>
+                </a14:m>
+                <a:endParaRPr lang="pl-PL" sz="1600" dirty="0">
+                  <a:solidFill>
+                    <a:srgbClr val="00B050"/>
+                  </a:solidFill>
+                </a:endParaRPr>
+              </a:p>
+              <a:p>
+                <a:endParaRPr lang="pl-PL" dirty="0"/>
+              </a:p>
+            </p:txBody>
+          </p:sp>
+        </mc:Choice>
+        <mc:Fallback>
+          <p:sp>
+            <p:nvSpPr>
+              <p:cNvPr id="45" name="pole tekstowe 44"/>
+              <p:cNvSpPr txBox="1">
+                <a:spLocks noRot="1" noChangeAspect="1" noMove="1" noResize="1" noEditPoints="1" noAdjustHandles="1" noChangeArrowheads="1" noChangeShapeType="1" noTextEdit="1"/>
+              </p:cNvSpPr>
+              <p:nvPr/>
+            </p:nvSpPr>
+            <p:spPr>
+              <a:xfrm>
+                <a:off x="6240720" y="2585698"/>
+                <a:ext cx="1892653" cy="615553"/>
+              </a:xfrm>
+              <a:prstGeom prst="rect">
+                <a:avLst/>
+              </a:prstGeom>
+              <a:blipFill rotWithShape="1">
+                <a:blip r:embed="rId7"/>
+                <a:stretch>
+                  <a:fillRect/>
+                </a:stretch>
+              </a:blipFill>
+            </p:spPr>
+            <p:txBody>
+              <a:bodyPr/>
+              <a:lstStyle/>
+              <a:p>
+                <a:r>
+                  <a:rPr lang="pl-PL">
+                    <a:noFill/>
+                  </a:rPr>
+                  <a:t> </a:t>
+                </a:r>
+              </a:p>
+            </p:txBody>
+          </p:sp>
+        </mc:Fallback>
+      </mc:AlternateContent>
+      <mc:AlternateContent xmlns:mc="http://schemas.openxmlformats.org/markup-compatibility/2006">
+        <mc:Choice xmlns:a14="http://schemas.microsoft.com/office/drawing/2010/main" Requires="a14">
+          <p:sp>
+            <p:nvSpPr>
+              <p:cNvPr id="46" name="pole tekstowe 45"/>
+              <p:cNvSpPr txBox="1"/>
+              <p:nvPr/>
+            </p:nvSpPr>
+            <p:spPr>
+              <a:xfrm>
+                <a:off x="6311227" y="3854162"/>
+                <a:ext cx="1788070" cy="615553"/>
+              </a:xfrm>
+              <a:prstGeom prst="rect">
+                <a:avLst/>
+              </a:prstGeom>
+              <a:noFill/>
+            </p:spPr>
+            <p:txBody>
+              <a:bodyPr wrap="square" rtlCol="0">
+                <a:spAutoFit/>
+              </a:bodyPr>
+              <a:lstStyle/>
+              <a:p>
+                <a14:m>
+                  <m:oMathPara xmlns:m="http://schemas.openxmlformats.org/officeDocument/2006/math">
+                    <m:oMathParaPr>
+                      <m:jc m:val="centerGroup"/>
+                    </m:oMathParaPr>
+                    <m:oMath xmlns:m="http://schemas.openxmlformats.org/officeDocument/2006/math">
+                      <m:sSub>
+                        <m:sSubPr>
+                          <m:ctrlPr>
+                            <a:rPr lang="pl-PL" sz="1600" i="1" smtClean="0">
+                              <a:solidFill>
+                                <a:srgbClr val="00B050"/>
+                              </a:solidFill>
+                              <a:latin typeface="Cambria Math"/>
+                            </a:rPr>
+                          </m:ctrlPr>
+                        </m:sSubPr>
+                        <m:e>
+                          <m:r>
+                            <a:rPr lang="pl-PL" sz="1600" i="1">
+                              <a:solidFill>
+                                <a:srgbClr val="00B050"/>
+                              </a:solidFill>
+                              <a:latin typeface="Cambria Math"/>
+                            </a:rPr>
+                            <m:t>𝑉</m:t>
+                          </m:r>
+                        </m:e>
+                        <m:sub>
+                          <m:r>
+                            <a:rPr lang="pl-PL" sz="1600" b="0" i="1" smtClean="0">
+                              <a:solidFill>
+                                <a:srgbClr val="00B050"/>
+                              </a:solidFill>
+                              <a:latin typeface="Cambria Math"/>
+                            </a:rPr>
+                            <m:t>𝐸</m:t>
+                          </m:r>
+                        </m:sub>
+                      </m:sSub>
+                      <m:r>
+                        <a:rPr lang="pl-PL" sz="1600" i="1">
+                          <a:solidFill>
+                            <a:srgbClr val="00B050"/>
+                          </a:solidFill>
+                          <a:latin typeface="Cambria Math"/>
+                        </a:rPr>
+                        <m:t>=</m:t>
+                      </m:r>
+                      <m:r>
+                        <a:rPr lang="pl-PL" sz="1600" i="1">
+                          <a:solidFill>
+                            <a:srgbClr val="00B050"/>
+                          </a:solidFill>
+                          <a:latin typeface="Cambria Math"/>
+                        </a:rPr>
+                        <m:t>𝑝𝑎𝑦𝑜𝑓𝑓</m:t>
+                      </m:r>
+                      <m:r>
+                        <a:rPr lang="pl-PL" sz="1600" i="1">
+                          <a:solidFill>
+                            <a:srgbClr val="00B050"/>
+                          </a:solidFill>
+                          <a:latin typeface="Cambria Math"/>
+                        </a:rPr>
+                        <m:t>@</m:t>
+                      </m:r>
+                      <m:r>
+                        <a:rPr lang="pl-PL" sz="1600" i="1">
+                          <a:solidFill>
+                            <a:srgbClr val="00B050"/>
+                          </a:solidFill>
+                          <a:latin typeface="Cambria Math"/>
+                        </a:rPr>
+                        <m:t>𝐾</m:t>
+                      </m:r>
+                    </m:oMath>
+                  </m:oMathPara>
+                </a14:m>
+                <a:endParaRPr lang="pl-PL" sz="1600" dirty="0">
+                  <a:solidFill>
+                    <a:srgbClr val="00B050"/>
+                  </a:solidFill>
+                </a:endParaRPr>
+              </a:p>
+              <a:p>
+                <a:endParaRPr lang="pl-PL" dirty="0">
+                  <a:solidFill>
+                    <a:srgbClr val="00B050"/>
+                  </a:solidFill>
+                </a:endParaRPr>
+              </a:p>
+            </p:txBody>
+          </p:sp>
+        </mc:Choice>
+        <mc:Fallback>
+          <p:sp>
+            <p:nvSpPr>
+              <p:cNvPr id="46" name="pole tekstowe 45"/>
+              <p:cNvSpPr txBox="1">
+                <a:spLocks noRot="1" noChangeAspect="1" noMove="1" noResize="1" noEditPoints="1" noAdjustHandles="1" noChangeArrowheads="1" noChangeShapeType="1" noTextEdit="1"/>
+              </p:cNvSpPr>
+              <p:nvPr/>
+            </p:nvSpPr>
+            <p:spPr>
+              <a:xfrm>
+                <a:off x="6311227" y="3854162"/>
+                <a:ext cx="1788070" cy="615553"/>
+              </a:xfrm>
+              <a:prstGeom prst="rect">
+                <a:avLst/>
+              </a:prstGeom>
+              <a:blipFill rotWithShape="1">
+                <a:blip r:embed="rId8"/>
+                <a:stretch>
+                  <a:fillRect/>
+                </a:stretch>
+              </a:blipFill>
+            </p:spPr>
+            <p:txBody>
+              <a:bodyPr/>
+              <a:lstStyle/>
+              <a:p>
+                <a:r>
+                  <a:rPr lang="pl-PL">
+                    <a:noFill/>
+                  </a:rPr>
+                  <a:t> </a:t>
+                </a:r>
+              </a:p>
+            </p:txBody>
+          </p:sp>
+        </mc:Fallback>
+      </mc:AlternateContent>
+      <mc:AlternateContent xmlns:mc="http://schemas.openxmlformats.org/markup-compatibility/2006">
+        <mc:Choice xmlns:a14="http://schemas.microsoft.com/office/drawing/2010/main" Requires="a14">
+          <p:sp>
+            <p:nvSpPr>
+              <p:cNvPr id="47" name="pole tekstowe 46"/>
+              <p:cNvSpPr txBox="1"/>
+              <p:nvPr/>
+            </p:nvSpPr>
+            <p:spPr>
+              <a:xfrm>
+                <a:off x="6362260" y="4921711"/>
+                <a:ext cx="1803080" cy="615553"/>
+              </a:xfrm>
+              <a:prstGeom prst="rect">
+                <a:avLst/>
+              </a:prstGeom>
+              <a:noFill/>
+            </p:spPr>
+            <p:txBody>
+              <a:bodyPr wrap="square" rtlCol="0">
+                <a:spAutoFit/>
+              </a:bodyPr>
+              <a:lstStyle/>
+              <a:p>
+                <a14:m>
+                  <m:oMathPara xmlns:m="http://schemas.openxmlformats.org/officeDocument/2006/math">
+                    <m:oMathParaPr>
+                      <m:jc m:val="centerGroup"/>
+                    </m:oMathParaPr>
+                    <m:oMath xmlns:m="http://schemas.openxmlformats.org/officeDocument/2006/math">
+                      <m:sSub>
+                        <m:sSubPr>
+                          <m:ctrlPr>
+                            <a:rPr lang="pl-PL" sz="1600" i="1" smtClean="0">
+                              <a:solidFill>
+                                <a:srgbClr val="00B050"/>
+                              </a:solidFill>
+                              <a:latin typeface="Cambria Math"/>
+                            </a:rPr>
+                          </m:ctrlPr>
+                        </m:sSubPr>
+                        <m:e>
+                          <m:r>
+                            <a:rPr lang="pl-PL" sz="1600" i="1">
+                              <a:solidFill>
+                                <a:srgbClr val="00B050"/>
+                              </a:solidFill>
+                              <a:latin typeface="Cambria Math"/>
+                            </a:rPr>
+                            <m:t>𝑉</m:t>
+                          </m:r>
+                        </m:e>
+                        <m:sub>
+                          <m:r>
+                            <a:rPr lang="pl-PL" sz="1600" b="0" i="1" smtClean="0">
+                              <a:solidFill>
+                                <a:srgbClr val="00B050"/>
+                              </a:solidFill>
+                              <a:latin typeface="Cambria Math"/>
+                            </a:rPr>
+                            <m:t>𝐹</m:t>
+                          </m:r>
+                        </m:sub>
+                      </m:sSub>
+                      <m:r>
+                        <a:rPr lang="pl-PL" sz="1600" i="1">
+                          <a:solidFill>
+                            <a:srgbClr val="00B050"/>
+                          </a:solidFill>
+                          <a:latin typeface="Cambria Math"/>
+                        </a:rPr>
+                        <m:t>=</m:t>
+                      </m:r>
+                      <m:r>
+                        <a:rPr lang="pl-PL" sz="1600" i="1">
+                          <a:solidFill>
+                            <a:srgbClr val="00B050"/>
+                          </a:solidFill>
+                          <a:latin typeface="Cambria Math"/>
+                        </a:rPr>
+                        <m:t>𝑝𝑎𝑦𝑜𝑓𝑓</m:t>
+                      </m:r>
+                      <m:r>
+                        <a:rPr lang="pl-PL" sz="1600" i="1">
+                          <a:solidFill>
+                            <a:srgbClr val="00B050"/>
+                          </a:solidFill>
+                          <a:latin typeface="Cambria Math"/>
+                        </a:rPr>
+                        <m:t>@</m:t>
+                      </m:r>
+                      <m:r>
+                        <a:rPr lang="pl-PL" sz="1600" i="1">
+                          <a:solidFill>
+                            <a:srgbClr val="00B050"/>
+                          </a:solidFill>
+                          <a:latin typeface="Cambria Math"/>
+                        </a:rPr>
+                        <m:t>𝐾</m:t>
+                      </m:r>
+                    </m:oMath>
+                  </m:oMathPara>
+                </a14:m>
+                <a:endParaRPr lang="pl-PL" sz="1600" dirty="0">
+                  <a:solidFill>
+                    <a:srgbClr val="00B050"/>
+                  </a:solidFill>
+                </a:endParaRPr>
+              </a:p>
+              <a:p>
+                <a:endParaRPr lang="pl-PL" dirty="0">
+                  <a:solidFill>
+                    <a:srgbClr val="00B050"/>
+                  </a:solidFill>
+                </a:endParaRPr>
+              </a:p>
+            </p:txBody>
+          </p:sp>
+        </mc:Choice>
+        <mc:Fallback>
+          <p:sp>
+            <p:nvSpPr>
+              <p:cNvPr id="47" name="pole tekstowe 46"/>
+              <p:cNvSpPr txBox="1">
+                <a:spLocks noRot="1" noChangeAspect="1" noMove="1" noResize="1" noEditPoints="1" noAdjustHandles="1" noChangeArrowheads="1" noChangeShapeType="1" noTextEdit="1"/>
+              </p:cNvSpPr>
+              <p:nvPr/>
+            </p:nvSpPr>
+            <p:spPr>
+              <a:xfrm>
+                <a:off x="6362260" y="4921711"/>
+                <a:ext cx="1803080" cy="615553"/>
+              </a:xfrm>
+              <a:prstGeom prst="rect">
+                <a:avLst/>
+              </a:prstGeom>
+              <a:blipFill rotWithShape="1">
+                <a:blip r:embed="rId9"/>
+                <a:stretch>
+                  <a:fillRect/>
+                </a:stretch>
+              </a:blipFill>
+            </p:spPr>
+            <p:txBody>
+              <a:bodyPr/>
+              <a:lstStyle/>
+              <a:p>
+                <a:r>
+                  <a:rPr lang="pl-PL">
+                    <a:noFill/>
+                  </a:rPr>
+                  <a:t> </a:t>
+                </a:r>
+              </a:p>
+            </p:txBody>
+          </p:sp>
+        </mc:Fallback>
+      </mc:AlternateContent>
+      <mc:AlternateContent xmlns:mc="http://schemas.openxmlformats.org/markup-compatibility/2006">
+        <mc:Choice xmlns:a14="http://schemas.microsoft.com/office/drawing/2010/main" Requires="a14">
+          <p:sp>
+            <p:nvSpPr>
+              <p:cNvPr id="48" name="pole tekstowe 47"/>
+              <p:cNvSpPr txBox="1"/>
+              <p:nvPr/>
+            </p:nvSpPr>
+            <p:spPr>
+              <a:xfrm>
+                <a:off x="3870824" y="3345509"/>
+                <a:ext cx="394239" cy="369332"/>
+              </a:xfrm>
+              <a:prstGeom prst="rect">
+                <a:avLst/>
+              </a:prstGeom>
+              <a:noFill/>
+            </p:spPr>
+            <p:txBody>
+              <a:bodyPr wrap="square" rtlCol="0">
+                <a:spAutoFit/>
+              </a:bodyPr>
+              <a:lstStyle/>
+              <a:p>
+                <a14:m>
+                  <m:oMathPara xmlns:m="http://schemas.openxmlformats.org/officeDocument/2006/math">
+                    <m:oMathParaPr>
+                      <m:jc m:val="centerGroup"/>
+                    </m:oMathParaPr>
+                    <m:oMath xmlns:m="http://schemas.openxmlformats.org/officeDocument/2006/math">
+                      <m:sSub>
+                        <m:sSubPr>
+                          <m:ctrlPr>
+                            <a:rPr lang="pl-PL" i="1">
+                              <a:latin typeface="Cambria Math"/>
+                            </a:rPr>
+                          </m:ctrlPr>
+                        </m:sSubPr>
+                        <m:e>
+                          <m:r>
+                            <a:rPr lang="pl-PL" i="1">
+                              <a:latin typeface="Cambria Math"/>
+                            </a:rPr>
+                            <m:t>𝑉</m:t>
+                          </m:r>
+                        </m:e>
+                        <m:sub>
+                          <m:r>
+                            <a:rPr lang="pl-PL" i="1">
+                              <a:latin typeface="Cambria Math"/>
+                            </a:rPr>
+                            <m:t>𝐵</m:t>
+                          </m:r>
+                        </m:sub>
+                      </m:sSub>
+                    </m:oMath>
+                  </m:oMathPara>
+                </a14:m>
+                <a:endParaRPr lang="pl-PL" dirty="0"/>
+              </a:p>
+            </p:txBody>
+          </p:sp>
+        </mc:Choice>
+        <mc:Fallback>
+          <p:sp>
+            <p:nvSpPr>
+              <p:cNvPr id="48" name="pole tekstowe 47"/>
+              <p:cNvSpPr txBox="1">
+                <a:spLocks noRot="1" noChangeAspect="1" noMove="1" noResize="1" noEditPoints="1" noAdjustHandles="1" noChangeArrowheads="1" noChangeShapeType="1" noTextEdit="1"/>
+              </p:cNvSpPr>
+              <p:nvPr/>
+            </p:nvSpPr>
+            <p:spPr>
+              <a:xfrm>
+                <a:off x="3870824" y="3345509"/>
+                <a:ext cx="394239" cy="369332"/>
+              </a:xfrm>
+              <a:prstGeom prst="rect">
+                <a:avLst/>
+              </a:prstGeom>
+              <a:blipFill rotWithShape="1">
+                <a:blip r:embed="rId10"/>
+                <a:stretch>
+                  <a:fillRect/>
+                </a:stretch>
+              </a:blipFill>
+            </p:spPr>
+            <p:txBody>
+              <a:bodyPr/>
+              <a:lstStyle/>
+              <a:p>
+                <a:r>
+                  <a:rPr lang="pl-PL">
+                    <a:noFill/>
+                  </a:rPr>
+                  <a:t> </a:t>
+                </a:r>
+              </a:p>
+            </p:txBody>
+          </p:sp>
+        </mc:Fallback>
+      </mc:AlternateContent>
+      <mc:AlternateContent xmlns:mc="http://schemas.openxmlformats.org/markup-compatibility/2006">
+        <mc:Choice xmlns:a14="http://schemas.microsoft.com/office/drawing/2010/main" Requires="a14">
+          <p:sp>
+            <p:nvSpPr>
+              <p:cNvPr id="49" name="Prostokąt 48"/>
+              <p:cNvSpPr/>
+              <p:nvPr/>
+            </p:nvSpPr>
+            <p:spPr>
+              <a:xfrm>
+                <a:off x="3953609" y="4571649"/>
+                <a:ext cx="432361" cy="369332"/>
+              </a:xfrm>
+              <a:prstGeom prst="rect">
+                <a:avLst/>
+              </a:prstGeom>
+            </p:spPr>
+            <p:txBody>
+              <a:bodyPr wrap="none">
+                <a:spAutoFit/>
+              </a:bodyPr>
+              <a:lstStyle/>
+              <a:p>
+                <a14:m>
+                  <m:oMathPara xmlns:m="http://schemas.openxmlformats.org/officeDocument/2006/math">
+                    <m:oMathParaPr>
+                      <m:jc m:val="centerGroup"/>
+                    </m:oMathParaPr>
+                    <m:oMath xmlns:m="http://schemas.openxmlformats.org/officeDocument/2006/math">
+                      <m:sSub>
+                        <m:sSubPr>
+                          <m:ctrlPr>
+                            <a:rPr lang="pl-PL" i="1" smtClean="0">
+                              <a:latin typeface="Cambria Math"/>
+                            </a:rPr>
+                          </m:ctrlPr>
+                        </m:sSubPr>
+                        <m:e>
+                          <m:r>
+                            <a:rPr lang="pl-PL" i="1">
+                              <a:latin typeface="Cambria Math"/>
+                            </a:rPr>
+                            <m:t>𝑉</m:t>
+                          </m:r>
+                        </m:e>
+                        <m:sub>
+                          <m:r>
+                            <a:rPr lang="pl-PL" b="0" i="1" smtClean="0">
+                              <a:latin typeface="Cambria Math"/>
+                            </a:rPr>
+                            <m:t>𝑐</m:t>
+                          </m:r>
+                        </m:sub>
+                      </m:sSub>
+                    </m:oMath>
+                  </m:oMathPara>
+                </a14:m>
+                <a:endParaRPr lang="pl-PL" dirty="0"/>
+              </a:p>
+            </p:txBody>
+          </p:sp>
+        </mc:Choice>
+        <mc:Fallback>
+          <p:sp>
+            <p:nvSpPr>
+              <p:cNvPr id="49" name="Prostokąt 48"/>
+              <p:cNvSpPr>
+                <a:spLocks noRot="1" noChangeAspect="1" noMove="1" noResize="1" noEditPoints="1" noAdjustHandles="1" noChangeArrowheads="1" noChangeShapeType="1" noTextEdit="1"/>
+              </p:cNvSpPr>
+              <p:nvPr/>
+            </p:nvSpPr>
+            <p:spPr>
+              <a:xfrm>
+                <a:off x="3953609" y="4571649"/>
+                <a:ext cx="432361" cy="369332"/>
+              </a:xfrm>
+              <a:prstGeom prst="rect">
+                <a:avLst/>
+              </a:prstGeom>
+              <a:blipFill rotWithShape="1">
+                <a:blip r:embed="rId11"/>
+                <a:stretch>
+                  <a:fillRect/>
+                </a:stretch>
+              </a:blipFill>
+            </p:spPr>
+            <p:txBody>
+              <a:bodyPr/>
+              <a:lstStyle/>
+              <a:p>
+                <a:r>
+                  <a:rPr lang="pl-PL">
+                    <a:noFill/>
+                  </a:rPr>
+                  <a:t> </a:t>
+                </a:r>
+              </a:p>
+            </p:txBody>
+          </p:sp>
+        </mc:Fallback>
+      </mc:AlternateContent>
+      <mc:AlternateContent xmlns:mc="http://schemas.openxmlformats.org/markup-compatibility/2006">
+        <mc:Choice xmlns:a14="http://schemas.microsoft.com/office/drawing/2010/main" Requires="a14">
+          <p:sp>
+            <p:nvSpPr>
+              <p:cNvPr id="50" name="Prostokąt 49"/>
+              <p:cNvSpPr/>
+              <p:nvPr/>
+            </p:nvSpPr>
+            <p:spPr>
+              <a:xfrm>
+                <a:off x="1551208" y="4108332"/>
+                <a:ext cx="467949" cy="369332"/>
+              </a:xfrm>
+              <a:prstGeom prst="rect">
+                <a:avLst/>
+              </a:prstGeom>
+            </p:spPr>
+            <p:txBody>
+              <a:bodyPr wrap="none">
+                <a:spAutoFit/>
+              </a:bodyPr>
+              <a:lstStyle/>
+              <a:p>
+                <a14:m>
+                  <m:oMathPara xmlns:m="http://schemas.openxmlformats.org/officeDocument/2006/math">
+                    <m:oMathParaPr>
+                      <m:jc m:val="centerGroup"/>
+                    </m:oMathParaPr>
+                    <m:oMath xmlns:m="http://schemas.openxmlformats.org/officeDocument/2006/math">
+                      <m:sSub>
+                        <m:sSubPr>
+                          <m:ctrlPr>
+                            <a:rPr lang="pl-PL" i="1" smtClean="0">
+                              <a:latin typeface="Cambria Math"/>
+                            </a:rPr>
+                          </m:ctrlPr>
+                        </m:sSubPr>
+                        <m:e>
+                          <m:r>
+                            <a:rPr lang="pl-PL" i="1">
+                              <a:latin typeface="Cambria Math"/>
+                            </a:rPr>
+                            <m:t>𝑉</m:t>
+                          </m:r>
+                        </m:e>
+                        <m:sub>
+                          <m:r>
+                            <a:rPr lang="pl-PL" b="0" i="1" smtClean="0">
+                              <a:latin typeface="Cambria Math"/>
+                            </a:rPr>
+                            <m:t>𝐴</m:t>
+                          </m:r>
+                        </m:sub>
+                      </m:sSub>
+                    </m:oMath>
+                  </m:oMathPara>
+                </a14:m>
+                <a:endParaRPr lang="pl-PL" dirty="0"/>
+              </a:p>
+            </p:txBody>
+          </p:sp>
+        </mc:Choice>
+        <mc:Fallback>
+          <p:sp>
+            <p:nvSpPr>
+              <p:cNvPr id="50" name="Prostokąt 49"/>
+              <p:cNvSpPr>
+                <a:spLocks noRot="1" noChangeAspect="1" noMove="1" noResize="1" noEditPoints="1" noAdjustHandles="1" noChangeArrowheads="1" noChangeShapeType="1" noTextEdit="1"/>
+              </p:cNvSpPr>
+              <p:nvPr/>
+            </p:nvSpPr>
+            <p:spPr>
+              <a:xfrm>
+                <a:off x="1551208" y="4108332"/>
+                <a:ext cx="467949" cy="369332"/>
+              </a:xfrm>
+              <a:prstGeom prst="rect">
+                <a:avLst/>
+              </a:prstGeom>
+              <a:blipFill rotWithShape="1">
+                <a:blip r:embed="rId12"/>
+                <a:stretch>
+                  <a:fillRect/>
+                </a:stretch>
+              </a:blipFill>
+            </p:spPr>
+            <p:txBody>
+              <a:bodyPr/>
+              <a:lstStyle/>
+              <a:p>
+                <a:r>
+                  <a:rPr lang="pl-PL">
+                    <a:noFill/>
+                  </a:rPr>
+                  <a:t> </a:t>
+                </a:r>
+              </a:p>
+            </p:txBody>
+          </p:sp>
+        </mc:Fallback>
+      </mc:AlternateContent>
     </p:spTree>
     <p:extLst>
       <p:ext uri="{BB962C8B-B14F-4D97-AF65-F5344CB8AC3E}">
@@ -12049,7 +14269,12 @@
             <p:ph type="title"/>
           </p:nvPr>
         </p:nvSpPr>
-        <p:spPr/>
+        <p:spPr>
+          <a:xfrm>
+            <a:off x="457200" y="0"/>
+            <a:ext cx="8229600" cy="1268760"/>
+          </a:xfrm>
+        </p:spPr>
         <p:txBody>
           <a:bodyPr/>
           <a:lstStyle/>
@@ -12072,34 +14297,25 @@
             <p:ph idx="1"/>
           </p:nvPr>
         </p:nvSpPr>
-        <p:spPr/>
+        <p:spPr>
+          <a:xfrm>
+            <a:off x="247301" y="1340768"/>
+            <a:ext cx="8892480" cy="460648"/>
+          </a:xfrm>
+        </p:spPr>
         <p:txBody>
           <a:bodyPr/>
           <a:lstStyle/>
           <a:p>
             <a:r>
               <a:rPr lang="pl-PL" dirty="0" smtClean="0"/>
-              <a:t>Wycena opcji amerykańskiej</a:t>
-            </a:r>
-          </a:p>
-          <a:p>
-            <a:pPr>
-              <a:buFont typeface="Wingdings" pitchFamily="2" charset="2"/>
-              <a:buChar char="Ø"/>
-            </a:pPr>
-            <a:r>
-              <a:rPr lang="pl-PL" dirty="0" smtClean="0"/>
-              <a:t>Zaczynamy od wyznaczenia </a:t>
-            </a:r>
-            <a:r>
-              <a:rPr lang="pl-PL" dirty="0" err="1" smtClean="0"/>
-              <a:t>payoffów</a:t>
+              <a:t>Wycena opcji </a:t>
             </a:r>
             <a:r>
               <a:rPr lang="pl-PL" dirty="0" smtClean="0"/>
-              <a:t> w ostatnim kroku </a:t>
+              <a:t>amerykańskiej w modelu dwuokresowym</a:t>
             </a:r>
-            <a:endParaRPr lang="pl-PL" dirty="0"/>
+            <a:endParaRPr lang="pl-PL" dirty="0" smtClean="0"/>
           </a:p>
         </p:txBody>
       </p:sp>

--- a/Prezentacja.pptx
+++ b/Prezentacja.pptx
@@ -10403,8 +10403,8 @@
           </a:p>
         </p:txBody>
       </p:sp>
-      <mc:AlternateContent xmlns:mc="http://schemas.openxmlformats.org/markup-compatibility/2006" xmlns:a14="http://schemas.microsoft.com/office/drawing/2010/main">
-        <mc:Choice Requires="a14">
+      <mc:AlternateContent xmlns:mc="http://schemas.openxmlformats.org/markup-compatibility/2006">
+        <mc:Choice xmlns:a14="http://schemas.microsoft.com/office/drawing/2010/main" Requires="a14">
           <p:sp>
             <p:nvSpPr>
               <p:cNvPr id="5" name="pole tekstowe 4"/>
@@ -10437,10 +10437,10 @@
                 <a14:m>
                   <m:oMath xmlns:m="http://schemas.openxmlformats.org/officeDocument/2006/math">
                     <m:r>
-                      <a:rPr lang="pl-PL" sz="2000" b="0" i="1" smtClean="0">
+                      <a:rPr lang="pl-PL" sz="2000" b="1" i="1" smtClean="0">
                         <a:latin typeface="Cambria Math"/>
                       </a:rPr>
-                      <m:t>𝑉</m:t>
+                      <m:t>𝑽</m:t>
                     </m:r>
                     <m:r>
                       <a:rPr lang="pl-PL" sz="2000" b="0" i="1" smtClean="0">
@@ -10593,7 +10593,7 @@
             </p:txBody>
           </p:sp>
         </mc:Choice>
-        <mc:Fallback xmlns="">
+        <mc:Fallback>
           <p:sp>
             <p:nvSpPr>
               <p:cNvPr id="5" name="pole tekstowe 4"/>
@@ -11636,8 +11636,8 @@
           </p:sp>
         </mc:Fallback>
       </mc:AlternateContent>
-      <mc:AlternateContent xmlns:mc="http://schemas.openxmlformats.org/markup-compatibility/2006" xmlns:a14="http://schemas.microsoft.com/office/drawing/2010/main">
-        <mc:Choice Requires="a14">
+      <mc:AlternateContent xmlns:mc="http://schemas.openxmlformats.org/markup-compatibility/2006">
+        <mc:Choice xmlns:a14="http://schemas.microsoft.com/office/drawing/2010/main" Requires="a14">
           <p:sp>
             <p:nvSpPr>
               <p:cNvPr id="48" name="pole tekstowe 47"/>
@@ -11668,20 +11668,20 @@
                     </m:oMathParaPr>
                     <m:oMath xmlns:m="http://schemas.openxmlformats.org/officeDocument/2006/math">
                       <m:r>
-                        <a:rPr lang="pl-PL" b="0" i="1" smtClean="0">
+                        <a:rPr lang="pl-PL" b="1" i="1" smtClean="0">
                           <a:latin typeface="Cambria Math"/>
                         </a:rPr>
-                        <m:t>𝑉</m:t>
+                        <m:t>𝑽</m:t>
                       </m:r>
                     </m:oMath>
                   </m:oMathPara>
                 </a14:m>
-                <a:endParaRPr lang="pl-PL" dirty="0"/>
+                <a:endParaRPr lang="pl-PL" b="1" dirty="0"/>
               </a:p>
             </p:txBody>
           </p:sp>
         </mc:Choice>
-        <mc:Fallback xmlns="">
+        <mc:Fallback>
           <p:sp>
             <p:nvSpPr>
               <p:cNvPr id="48" name="pole tekstowe 47"/>
@@ -12015,11 +12015,7 @@
           <a:p>
             <a:r>
               <a:rPr lang="pl-PL" dirty="0" smtClean="0"/>
-              <a:t>Wycena opcji </a:t>
-            </a:r>
-            <a:r>
-              <a:rPr lang="pl-PL" dirty="0" smtClean="0"/>
-              <a:t>europejskiej w modelu dwuokresowym</a:t>
+              <a:t>Wycena opcji europejskiej w modelu dwuokresowym</a:t>
             </a:r>
             <a:endParaRPr lang="pl-PL" dirty="0"/>
           </a:p>
@@ -12033,8 +12029,8 @@
         </p:nvSpPr>
         <p:spPr>
           <a:xfrm>
-            <a:off x="702229" y="5923805"/>
-            <a:ext cx="7344816" cy="646331"/>
+            <a:off x="702228" y="6108470"/>
+            <a:ext cx="7902219" cy="646331"/>
           </a:xfrm>
           <a:prstGeom prst="rect">
             <a:avLst/>
@@ -12139,7 +12135,6 @@
               <a:rPr lang="pl-PL" dirty="0"/>
               <a:t>E</a:t>
             </a:r>
-            <a:endParaRPr lang="pl-PL" dirty="0"/>
           </a:p>
         </p:txBody>
       </p:sp>
@@ -12183,7 +12178,6 @@
               <a:rPr lang="pl-PL" dirty="0"/>
               <a:t>F</a:t>
             </a:r>
-            <a:endParaRPr lang="pl-PL" dirty="0"/>
           </a:p>
         </p:txBody>
       </p:sp>
@@ -12361,7 +12355,6 @@
               <a:rPr lang="pl-PL" dirty="0"/>
               <a:t>D</a:t>
             </a:r>
-            <a:endParaRPr lang="pl-PL" dirty="0"/>
           </a:p>
         </p:txBody>
       </p:sp>
@@ -12438,12 +12431,11 @@
               <a:rPr lang="pl-PL" dirty="0"/>
               <a:t>C</a:t>
             </a:r>
-            <a:endParaRPr lang="pl-PL" dirty="0"/>
           </a:p>
         </p:txBody>
       </p:sp>
-      <mc:AlternateContent xmlns:mc="http://schemas.openxmlformats.org/markup-compatibility/2006">
-        <mc:Choice xmlns:a14="http://schemas.microsoft.com/office/drawing/2010/main" Requires="a14">
+      <mc:AlternateContent xmlns:mc="http://schemas.openxmlformats.org/markup-compatibility/2006" xmlns:a14="http://schemas.microsoft.com/office/drawing/2010/main">
+        <mc:Choice Requires="a14">
           <p:sp>
             <p:nvSpPr>
               <p:cNvPr id="37" name="pole tekstowe 36"/>
@@ -12579,7 +12571,7 @@
             </p:txBody>
           </p:sp>
         </mc:Choice>
-        <mc:Fallback>
+        <mc:Fallback xmlns="">
           <p:sp>
             <p:nvSpPr>
               <p:cNvPr id="37" name="pole tekstowe 36"/>
@@ -12625,8 +12617,8 @@
           </p:sp>
         </mc:Fallback>
       </mc:AlternateContent>
-      <mc:AlternateContent xmlns:mc="http://schemas.openxmlformats.org/markup-compatibility/2006">
-        <mc:Choice xmlns:a14="http://schemas.microsoft.com/office/drawing/2010/main" Requires="a14">
+      <mc:AlternateContent xmlns:mc="http://schemas.openxmlformats.org/markup-compatibility/2006" xmlns:a14="http://schemas.microsoft.com/office/drawing/2010/main">
+        <mc:Choice Requires="a14">
           <p:sp>
             <p:nvSpPr>
               <p:cNvPr id="38" name="pole tekstowe 37"/>
@@ -12656,7 +12648,6 @@
               </a:bodyPr>
               <a:lstStyle/>
               <a:p>
-                <a:pPr/>
                 <a14:m>
                   <m:oMath xmlns:m="http://schemas.openxmlformats.org/officeDocument/2006/math">
                     <m:sSubSup>
@@ -12787,7 +12778,7 @@
             </p:txBody>
           </p:sp>
         </mc:Choice>
-        <mc:Fallback>
+        <mc:Fallback xmlns="">
           <p:sp>
             <p:nvSpPr>
               <p:cNvPr id="38" name="pole tekstowe 37"/>
@@ -12833,191 +12824,8 @@
           </p:sp>
         </mc:Fallback>
       </mc:AlternateContent>
-      <mc:AlternateContent xmlns:mc="http://schemas.openxmlformats.org/markup-compatibility/2006">
-        <mc:Choice xmlns:a14="http://schemas.microsoft.com/office/drawing/2010/main" Requires="a14">
-          <p:sp>
-            <p:nvSpPr>
-              <p:cNvPr id="39" name="pole tekstowe 38"/>
-              <p:cNvSpPr txBox="1"/>
-              <p:nvPr/>
-            </p:nvSpPr>
-            <p:spPr>
-              <a:xfrm>
-                <a:off x="3548742" y="3868058"/>
-                <a:ext cx="1223202" cy="400174"/>
-              </a:xfrm>
-              <a:prstGeom prst="rect">
-                <a:avLst/>
-              </a:prstGeom>
-              <a:noFill/>
-              <a:ln>
-                <a:solidFill>
-                  <a:schemeClr val="bg2">
-                    <a:lumMod val="50000"/>
-                  </a:schemeClr>
-                </a:solidFill>
-              </a:ln>
-            </p:spPr>
-            <p:txBody>
-              <a:bodyPr wrap="square" rtlCol="0">
-                <a:spAutoFit/>
-              </a:bodyPr>
-              <a:lstStyle/>
-              <a:p>
-                <a:pPr/>
-                <a14:m>
-                  <m:oMathPara xmlns:m="http://schemas.openxmlformats.org/officeDocument/2006/math">
-                    <m:oMathParaPr>
-                      <m:jc m:val="centerGroup"/>
-                    </m:oMathParaPr>
-                    <m:oMath xmlns:m="http://schemas.openxmlformats.org/officeDocument/2006/math">
-                      <m:sSubSup>
-                        <m:sSubSupPr>
-                          <m:ctrlPr>
-                            <a:rPr lang="pl-PL" sz="1600" i="1" smtClean="0">
-                              <a:latin typeface="Cambria Math"/>
-                            </a:rPr>
-                          </m:ctrlPr>
-                        </m:sSubSupPr>
-                        <m:e>
-                          <m:r>
-                            <a:rPr lang="pl-PL" sz="1600" i="1">
-                              <a:latin typeface="Cambria Math"/>
-                            </a:rPr>
-                            <m:t>𝑆</m:t>
-                          </m:r>
-                        </m:e>
-                        <m:sub>
-                          <m:r>
-                            <a:rPr lang="pl-PL" sz="1600" i="1">
-                              <a:latin typeface="Cambria Math"/>
-                            </a:rPr>
-                            <m:t>𝑇</m:t>
-                          </m:r>
-                        </m:sub>
-                        <m:sup>
-                          <m:r>
-                            <a:rPr lang="pl-PL" sz="1600" i="1">
-                              <a:latin typeface="Cambria Math"/>
-                            </a:rPr>
-                            <m:t>(</m:t>
-                          </m:r>
-                          <m:r>
-                            <a:rPr lang="pl-PL" sz="1600" b="0" i="1" smtClean="0">
-                              <a:latin typeface="Cambria Math"/>
-                            </a:rPr>
-                            <m:t>𝐶</m:t>
-                          </m:r>
-                          <m:r>
-                            <a:rPr lang="pl-PL" sz="1600" i="1">
-                              <a:latin typeface="Cambria Math"/>
-                            </a:rPr>
-                            <m:t>)</m:t>
-                          </m:r>
-                        </m:sup>
-                      </m:sSubSup>
-                      <m:r>
-                        <a:rPr lang="pl-PL" sz="1600" i="1">
-                          <a:latin typeface="Cambria Math"/>
-                        </a:rPr>
-                        <m:t> </m:t>
-                      </m:r>
-                      <m:r>
-                        <a:rPr lang="pl-PL" sz="1600" b="0" i="1" smtClean="0">
-                          <a:latin typeface="Cambria Math"/>
-                        </a:rPr>
-                        <m:t>=</m:t>
-                      </m:r>
-                      <m:r>
-                        <a:rPr lang="pl-PL" sz="1600" b="0" i="1" smtClean="0">
-                          <a:latin typeface="Cambria Math"/>
-                        </a:rPr>
-                        <m:t>𝑑</m:t>
-                      </m:r>
-                      <m:sSub>
-                        <m:sSubPr>
-                          <m:ctrlPr>
-                            <a:rPr lang="pl-PL" sz="1600" b="0" i="1" smtClean="0">
-                              <a:latin typeface="Cambria Math"/>
-                              <a:ea typeface="Cambria Math"/>
-                            </a:rPr>
-                          </m:ctrlPr>
-                        </m:sSubPr>
-                        <m:e>
-                          <m:r>
-                            <a:rPr lang="pl-PL" sz="1600" b="0" i="1" smtClean="0">
-                              <a:latin typeface="Cambria Math"/>
-                              <a:ea typeface="Cambria Math"/>
-                            </a:rPr>
-                            <m:t>𝑆</m:t>
-                          </m:r>
-                        </m:e>
-                        <m:sub>
-                          <m:r>
-                            <a:rPr lang="pl-PL" sz="1600" b="0" i="1" smtClean="0">
-                              <a:latin typeface="Cambria Math"/>
-                              <a:ea typeface="Cambria Math"/>
-                            </a:rPr>
-                            <m:t>0</m:t>
-                          </m:r>
-                        </m:sub>
-                      </m:sSub>
-                    </m:oMath>
-                  </m:oMathPara>
-                </a14:m>
-                <a:endParaRPr lang="pl-PL" sz="1600" dirty="0"/>
-              </a:p>
-            </p:txBody>
-          </p:sp>
-        </mc:Choice>
-        <mc:Fallback>
-          <p:sp>
-            <p:nvSpPr>
-              <p:cNvPr id="39" name="pole tekstowe 38"/>
-              <p:cNvSpPr txBox="1">
-                <a:spLocks noRot="1" noChangeAspect="1" noMove="1" noResize="1" noEditPoints="1" noAdjustHandles="1" noChangeArrowheads="1" noChangeShapeType="1" noTextEdit="1"/>
-              </p:cNvSpPr>
-              <p:nvPr/>
-            </p:nvSpPr>
-            <p:spPr>
-              <a:xfrm>
-                <a:off x="3548742" y="3868058"/>
-                <a:ext cx="1223202" cy="400174"/>
-              </a:xfrm>
-              <a:prstGeom prst="rect">
-                <a:avLst/>
-              </a:prstGeom>
-              <a:blipFill rotWithShape="1">
-                <a:blip r:embed="rId4"/>
-                <a:stretch>
-                  <a:fillRect/>
-                </a:stretch>
-              </a:blipFill>
-              <a:ln>
-                <a:solidFill>
-                  <a:schemeClr val="bg2">
-                    <a:lumMod val="50000"/>
-                  </a:schemeClr>
-                </a:solidFill>
-              </a:ln>
-            </p:spPr>
-            <p:txBody>
-              <a:bodyPr/>
-              <a:lstStyle/>
-              <a:p>
-                <a:r>
-                  <a:rPr lang="pl-PL">
-                    <a:noFill/>
-                  </a:rPr>
-                  <a:t> </a:t>
-                </a:r>
-              </a:p>
-            </p:txBody>
-          </p:sp>
-        </mc:Fallback>
-      </mc:AlternateContent>
-      <mc:AlternateContent xmlns:mc="http://schemas.openxmlformats.org/markup-compatibility/2006">
-        <mc:Choice xmlns:a14="http://schemas.microsoft.com/office/drawing/2010/main" Requires="a14">
+      <mc:AlternateContent xmlns:mc="http://schemas.openxmlformats.org/markup-compatibility/2006" xmlns:a14="http://schemas.microsoft.com/office/drawing/2010/main">
+        <mc:Choice Requires="a14">
           <p:sp>
             <p:nvSpPr>
               <p:cNvPr id="40" name="pole tekstowe 39"/>
@@ -13047,7 +12855,6 @@
               </a:bodyPr>
               <a:lstStyle/>
               <a:p>
-                <a:pPr/>
                 <a14:m>
                   <m:oMath xmlns:m="http://schemas.openxmlformats.org/officeDocument/2006/math">
                     <m:sSubSup>
@@ -13180,7 +12987,7 @@
             </p:txBody>
           </p:sp>
         </mc:Choice>
-        <mc:Fallback>
+        <mc:Fallback xmlns="">
           <p:sp>
             <p:nvSpPr>
               <p:cNvPr id="40" name="pole tekstowe 39"/>
@@ -13226,8 +13033,8 @@
           </p:sp>
         </mc:Fallback>
       </mc:AlternateContent>
-      <mc:AlternateContent xmlns:mc="http://schemas.openxmlformats.org/markup-compatibility/2006">
-        <mc:Choice xmlns:a14="http://schemas.microsoft.com/office/drawing/2010/main" Requires="a14">
+      <mc:AlternateContent xmlns:mc="http://schemas.openxmlformats.org/markup-compatibility/2006" xmlns:a14="http://schemas.microsoft.com/office/drawing/2010/main">
+        <mc:Choice Requires="a14">
           <p:sp>
             <p:nvSpPr>
               <p:cNvPr id="41" name="pole tekstowe 40"/>
@@ -13363,7 +13170,7 @@
             </p:txBody>
           </p:sp>
         </mc:Choice>
-        <mc:Fallback>
+        <mc:Fallback xmlns="">
           <p:sp>
             <p:nvSpPr>
               <p:cNvPr id="41" name="pole tekstowe 40"/>
@@ -13455,8 +13262,8 @@
           </a:p>
         </p:txBody>
       </p:sp>
-      <mc:AlternateContent xmlns:mc="http://schemas.openxmlformats.org/markup-compatibility/2006">
-        <mc:Choice xmlns:a14="http://schemas.microsoft.com/office/drawing/2010/main" Requires="a14">
+      <mc:AlternateContent xmlns:mc="http://schemas.openxmlformats.org/markup-compatibility/2006" xmlns:a14="http://schemas.microsoft.com/office/drawing/2010/main">
+        <mc:Choice Requires="a14">
           <p:sp>
             <p:nvSpPr>
               <p:cNvPr id="45" name="pole tekstowe 44"/>
@@ -13479,6 +13286,7 @@
               </a:bodyPr>
               <a:lstStyle/>
               <a:p>
+                <a:pPr/>
                 <a14:m>
                   <m:oMathPara xmlns:m="http://schemas.openxmlformats.org/officeDocument/2006/math">
                     <m:oMathParaPr>
@@ -13570,7 +13378,7 @@
             </p:txBody>
           </p:sp>
         </mc:Choice>
-        <mc:Fallback>
+        <mc:Fallback xmlns="">
           <p:sp>
             <p:nvSpPr>
               <p:cNvPr id="45" name="pole tekstowe 44"/>
@@ -13609,8 +13417,8 @@
           </p:sp>
         </mc:Fallback>
       </mc:AlternateContent>
-      <mc:AlternateContent xmlns:mc="http://schemas.openxmlformats.org/markup-compatibility/2006">
-        <mc:Choice xmlns:a14="http://schemas.microsoft.com/office/drawing/2010/main" Requires="a14">
+      <mc:AlternateContent xmlns:mc="http://schemas.openxmlformats.org/markup-compatibility/2006" xmlns:a14="http://schemas.microsoft.com/office/drawing/2010/main">
+        <mc:Choice Requires="a14">
           <p:sp>
             <p:nvSpPr>
               <p:cNvPr id="46" name="pole tekstowe 45"/>
@@ -13633,6 +13441,7 @@
               </a:bodyPr>
               <a:lstStyle/>
               <a:p>
+                <a:pPr/>
                 <a14:m>
                   <m:oMathPara xmlns:m="http://schemas.openxmlformats.org/officeDocument/2006/math">
                     <m:oMathParaPr>
@@ -13728,7 +13537,7 @@
             </p:txBody>
           </p:sp>
         </mc:Choice>
-        <mc:Fallback>
+        <mc:Fallback xmlns="">
           <p:sp>
             <p:nvSpPr>
               <p:cNvPr id="46" name="pole tekstowe 45"/>
@@ -13767,8 +13576,8 @@
           </p:sp>
         </mc:Fallback>
       </mc:AlternateContent>
-      <mc:AlternateContent xmlns:mc="http://schemas.openxmlformats.org/markup-compatibility/2006">
-        <mc:Choice xmlns:a14="http://schemas.microsoft.com/office/drawing/2010/main" Requires="a14">
+      <mc:AlternateContent xmlns:mc="http://schemas.openxmlformats.org/markup-compatibility/2006" xmlns:a14="http://schemas.microsoft.com/office/drawing/2010/main">
+        <mc:Choice Requires="a14">
           <p:sp>
             <p:nvSpPr>
               <p:cNvPr id="47" name="pole tekstowe 46"/>
@@ -13791,6 +13600,7 @@
               </a:bodyPr>
               <a:lstStyle/>
               <a:p>
+                <a:pPr/>
                 <a14:m>
                   <m:oMathPara xmlns:m="http://schemas.openxmlformats.org/officeDocument/2006/math">
                     <m:oMathParaPr>
@@ -13886,7 +13696,7 @@
             </p:txBody>
           </p:sp>
         </mc:Choice>
-        <mc:Fallback>
+        <mc:Fallback xmlns="">
           <p:sp>
             <p:nvSpPr>
               <p:cNvPr id="47" name="pole tekstowe 46"/>
@@ -13925,8 +13735,8 @@
           </p:sp>
         </mc:Fallback>
       </mc:AlternateContent>
-      <mc:AlternateContent xmlns:mc="http://schemas.openxmlformats.org/markup-compatibility/2006">
-        <mc:Choice xmlns:a14="http://schemas.microsoft.com/office/drawing/2010/main" Requires="a14">
+      <mc:AlternateContent xmlns:mc="http://schemas.openxmlformats.org/markup-compatibility/2006" xmlns:a14="http://schemas.microsoft.com/office/drawing/2010/main">
+        <mc:Choice Requires="a14">
           <p:sp>
             <p:nvSpPr>
               <p:cNvPr id="48" name="pole tekstowe 47"/>
@@ -13949,6 +13759,7 @@
               </a:bodyPr>
               <a:lstStyle/>
               <a:p>
+                <a:pPr/>
                 <a14:m>
                   <m:oMathPara xmlns:m="http://schemas.openxmlformats.org/officeDocument/2006/math">
                     <m:oMathParaPr>
@@ -13988,7 +13799,7 @@
             </p:txBody>
           </p:sp>
         </mc:Choice>
-        <mc:Fallback>
+        <mc:Fallback xmlns="">
           <p:sp>
             <p:nvSpPr>
               <p:cNvPr id="48" name="pole tekstowe 47"/>
@@ -14027,8 +13838,8 @@
           </p:sp>
         </mc:Fallback>
       </mc:AlternateContent>
-      <mc:AlternateContent xmlns:mc="http://schemas.openxmlformats.org/markup-compatibility/2006">
-        <mc:Choice xmlns:a14="http://schemas.microsoft.com/office/drawing/2010/main" Requires="a14">
+      <mc:AlternateContent xmlns:mc="http://schemas.openxmlformats.org/markup-compatibility/2006" xmlns:a14="http://schemas.microsoft.com/office/drawing/2010/main">
+        <mc:Choice Requires="a14">
           <p:sp>
             <p:nvSpPr>
               <p:cNvPr id="49" name="Prostokąt 48"/>
@@ -14050,6 +13861,7 @@
               </a:bodyPr>
               <a:lstStyle/>
               <a:p>
+                <a:pPr/>
                 <a14:m>
                   <m:oMathPara xmlns:m="http://schemas.openxmlformats.org/officeDocument/2006/math">
                     <m:oMathParaPr>
@@ -14089,7 +13901,7 @@
             </p:txBody>
           </p:sp>
         </mc:Choice>
-        <mc:Fallback>
+        <mc:Fallback xmlns="">
           <p:sp>
             <p:nvSpPr>
               <p:cNvPr id="49" name="Prostokąt 48"/>
@@ -14139,7 +13951,7 @@
             <p:spPr>
               <a:xfrm>
                 <a:off x="1551208" y="4108332"/>
-                <a:ext cx="467949" cy="369332"/>
+                <a:ext cx="513217" cy="369332"/>
               </a:xfrm>
               <a:prstGeom prst="rect">
                 <a:avLst/>
@@ -14151,6 +13963,7 @@
               </a:bodyPr>
               <a:lstStyle/>
               <a:p>
+                <a:pPr/>
                 <a14:m>
                   <m:oMathPara xmlns:m="http://schemas.openxmlformats.org/officeDocument/2006/math">
                     <m:oMathParaPr>
@@ -14160,32 +13973,32 @@
                       <m:sSub>
                         <m:sSubPr>
                           <m:ctrlPr>
-                            <a:rPr lang="pl-PL" i="1" smtClean="0">
+                            <a:rPr lang="pl-PL" b="1" i="1" smtClean="0">
                               <a:latin typeface="Cambria Math"/>
                             </a:rPr>
                           </m:ctrlPr>
                         </m:sSubPr>
                         <m:e>
                           <m:r>
-                            <a:rPr lang="pl-PL" i="1">
-                              <a:latin typeface="Cambria Math"/>
-                            </a:rPr>
-                            <m:t>𝑉</m:t>
+                            <a:rPr lang="pl-PL" b="1" i="1">
+                              <a:latin typeface="Cambria Math"/>
+                            </a:rPr>
+                            <m:t>𝑽</m:t>
                           </m:r>
                         </m:e>
                         <m:sub>
                           <m:r>
-                            <a:rPr lang="pl-PL" b="0" i="1" smtClean="0">
-                              <a:latin typeface="Cambria Math"/>
-                            </a:rPr>
-                            <m:t>𝐴</m:t>
+                            <a:rPr lang="pl-PL" b="1" i="1" smtClean="0">
+                              <a:latin typeface="Cambria Math"/>
+                            </a:rPr>
+                            <m:t>𝑨</m:t>
                           </m:r>
                         </m:sub>
                       </m:sSub>
                     </m:oMath>
                   </m:oMathPara>
                 </a14:m>
-                <a:endParaRPr lang="pl-PL" dirty="0"/>
+                <a:endParaRPr lang="pl-PL" b="1" dirty="0"/>
               </a:p>
             </p:txBody>
           </p:sp>
@@ -14202,7 +14015,7 @@
             <p:spPr>
               <a:xfrm>
                 <a:off x="1551208" y="4108332"/>
-                <a:ext cx="467949" cy="369332"/>
+                <a:ext cx="513217" cy="369332"/>
               </a:xfrm>
               <a:prstGeom prst="rect">
                 <a:avLst/>
@@ -14213,6 +14026,926 @@
                   <a:fillRect/>
                 </a:stretch>
               </a:blipFill>
+            </p:spPr>
+            <p:txBody>
+              <a:bodyPr/>
+              <a:lstStyle/>
+              <a:p>
+                <a:r>
+                  <a:rPr lang="pl-PL">
+                    <a:noFill/>
+                  </a:rPr>
+                  <a:t> </a:t>
+                </a:r>
+              </a:p>
+            </p:txBody>
+          </p:sp>
+        </mc:Fallback>
+      </mc:AlternateContent>
+      <mc:AlternateContent xmlns:mc="http://schemas.openxmlformats.org/markup-compatibility/2006">
+        <mc:Choice xmlns:a14="http://schemas.microsoft.com/office/drawing/2010/main" Requires="a14">
+          <p:sp>
+            <p:nvSpPr>
+              <p:cNvPr id="13" name="pole tekstowe 12"/>
+              <p:cNvSpPr txBox="1"/>
+              <p:nvPr/>
+            </p:nvSpPr>
+            <p:spPr>
+              <a:xfrm>
+                <a:off x="344075" y="4738251"/>
+                <a:ext cx="3321935" cy="646331"/>
+              </a:xfrm>
+              <a:prstGeom prst="rect">
+                <a:avLst/>
+              </a:prstGeom>
+              <a:noFill/>
+            </p:spPr>
+            <p:txBody>
+              <a:bodyPr wrap="square" rtlCol="0">
+                <a:spAutoFit/>
+              </a:bodyPr>
+              <a:lstStyle/>
+              <a:p>
+                <a14:m>
+                  <m:oMath xmlns:m="http://schemas.openxmlformats.org/officeDocument/2006/math">
+                    <m:sSub>
+                      <m:sSubPr>
+                        <m:ctrlPr>
+                          <a:rPr lang="pl-PL" i="1" smtClean="0">
+                            <a:latin typeface="Cambria Math"/>
+                            <a:ea typeface="Cambria Math"/>
+                          </a:rPr>
+                        </m:ctrlPr>
+                      </m:sSubPr>
+                      <m:e>
+                        <m:r>
+                          <a:rPr lang="pl-PL" i="1">
+                            <a:latin typeface="Cambria Math"/>
+                            <a:ea typeface="Cambria Math"/>
+                          </a:rPr>
+                          <m:t>𝑉</m:t>
+                        </m:r>
+                      </m:e>
+                      <m:sub>
+                        <m:r>
+                          <a:rPr lang="pl-PL" b="0" i="1" smtClean="0">
+                            <a:latin typeface="Cambria Math"/>
+                            <a:ea typeface="Cambria Math"/>
+                          </a:rPr>
+                          <m:t>𝐵</m:t>
+                        </m:r>
+                      </m:sub>
+                    </m:sSub>
+                    <m:r>
+                      <a:rPr lang="pl-PL" i="1">
+                        <a:latin typeface="Cambria Math"/>
+                      </a:rPr>
+                      <m:t>=</m:t>
+                    </m:r>
+                    <m:sSup>
+                      <m:sSupPr>
+                        <m:ctrlPr>
+                          <a:rPr lang="pl-PL" i="1">
+                            <a:latin typeface="Cambria Math"/>
+                          </a:rPr>
+                        </m:ctrlPr>
+                      </m:sSupPr>
+                      <m:e>
+                        <m:r>
+                          <a:rPr lang="pl-PL" i="1">
+                            <a:latin typeface="Cambria Math"/>
+                          </a:rPr>
+                          <m:t>𝑒</m:t>
+                        </m:r>
+                      </m:e>
+                      <m:sup>
+                        <m:r>
+                          <a:rPr lang="pl-PL" i="1">
+                            <a:latin typeface="Cambria Math"/>
+                          </a:rPr>
+                          <m:t>−</m:t>
+                        </m:r>
+                        <m:r>
+                          <a:rPr lang="pl-PL" i="1">
+                            <a:latin typeface="Cambria Math"/>
+                          </a:rPr>
+                          <m:t>𝑟𝑡</m:t>
+                        </m:r>
+                      </m:sup>
+                    </m:sSup>
+                    <m:r>
+                      <a:rPr lang="pl-PL" i="1">
+                        <a:latin typeface="Cambria Math"/>
+                      </a:rPr>
+                      <m:t>[</m:t>
+                    </m:r>
+                    <m:r>
+                      <a:rPr lang="pl-PL" i="1">
+                        <a:latin typeface="Cambria Math"/>
+                      </a:rPr>
+                      <m:t>𝑝</m:t>
+                    </m:r>
+                    <m:r>
+                      <a:rPr lang="pl-PL" i="1">
+                        <a:latin typeface="Cambria Math"/>
+                        <a:ea typeface="Cambria Math"/>
+                      </a:rPr>
+                      <m:t>∙</m:t>
+                    </m:r>
+                    <m:sSub>
+                      <m:sSubPr>
+                        <m:ctrlPr>
+                          <a:rPr lang="pl-PL" i="1">
+                            <a:latin typeface="Cambria Math"/>
+                            <a:ea typeface="Cambria Math"/>
+                          </a:rPr>
+                        </m:ctrlPr>
+                      </m:sSubPr>
+                      <m:e>
+                        <m:r>
+                          <a:rPr lang="pl-PL" i="1">
+                            <a:latin typeface="Cambria Math"/>
+                            <a:ea typeface="Cambria Math"/>
+                          </a:rPr>
+                          <m:t>𝑉</m:t>
+                        </m:r>
+                      </m:e>
+                      <m:sub>
+                        <m:r>
+                          <a:rPr lang="pl-PL" b="0" i="1" smtClean="0">
+                            <a:latin typeface="Cambria Math"/>
+                            <a:ea typeface="Cambria Math"/>
+                          </a:rPr>
+                          <m:t>𝐷</m:t>
+                        </m:r>
+                      </m:sub>
+                    </m:sSub>
+                    <m:r>
+                      <a:rPr lang="pl-PL" i="1">
+                        <a:latin typeface="Cambria Math"/>
+                        <a:ea typeface="Cambria Math"/>
+                      </a:rPr>
+                      <m:t>+(1−</m:t>
+                    </m:r>
+                    <m:r>
+                      <a:rPr lang="pl-PL" i="1">
+                        <a:latin typeface="Cambria Math"/>
+                        <a:ea typeface="Cambria Math"/>
+                      </a:rPr>
+                      <m:t>𝑝</m:t>
+                    </m:r>
+                    <m:r>
+                      <a:rPr lang="pl-PL" i="1">
+                        <a:latin typeface="Cambria Math"/>
+                        <a:ea typeface="Cambria Math"/>
+                      </a:rPr>
+                      <m:t>)∙</m:t>
+                    </m:r>
+                  </m:oMath>
+                </a14:m>
+                <a:r>
+                  <a:rPr lang="pl-PL" dirty="0"/>
+                  <a:t> </a:t>
+                </a:r>
+                <a14:m>
+                  <m:oMath xmlns:m="http://schemas.openxmlformats.org/officeDocument/2006/math">
+                    <m:sSub>
+                      <m:sSubPr>
+                        <m:ctrlPr>
+                          <a:rPr lang="pl-PL" i="1">
+                            <a:latin typeface="Cambria Math"/>
+                          </a:rPr>
+                        </m:ctrlPr>
+                      </m:sSubPr>
+                      <m:e>
+                        <m:r>
+                          <a:rPr lang="pl-PL" i="1">
+                            <a:latin typeface="Cambria Math"/>
+                          </a:rPr>
+                          <m:t>𝑉</m:t>
+                        </m:r>
+                      </m:e>
+                      <m:sub>
+                        <m:r>
+                          <a:rPr lang="pl-PL" b="0" i="1" smtClean="0">
+                            <a:latin typeface="Cambria Math"/>
+                          </a:rPr>
+                          <m:t>𝐸</m:t>
+                        </m:r>
+                      </m:sub>
+                    </m:sSub>
+                    <m:r>
+                      <a:rPr lang="pl-PL" i="1">
+                        <a:latin typeface="Cambria Math"/>
+                      </a:rPr>
+                      <m:t>]</m:t>
+                    </m:r>
+                  </m:oMath>
+                </a14:m>
+                <a:endParaRPr lang="pl-PL" dirty="0"/>
+              </a:p>
+              <a:p>
+                <a:endParaRPr lang="pl-PL" dirty="0"/>
+              </a:p>
+            </p:txBody>
+          </p:sp>
+        </mc:Choice>
+        <mc:Fallback>
+          <p:sp>
+            <p:nvSpPr>
+              <p:cNvPr id="13" name="pole tekstowe 12"/>
+              <p:cNvSpPr txBox="1">
+                <a:spLocks noRot="1" noChangeAspect="1" noMove="1" noResize="1" noEditPoints="1" noAdjustHandles="1" noChangeArrowheads="1" noChangeShapeType="1" noTextEdit="1"/>
+              </p:cNvSpPr>
+              <p:nvPr/>
+            </p:nvSpPr>
+            <p:spPr>
+              <a:xfrm>
+                <a:off x="344075" y="4738251"/>
+                <a:ext cx="3321935" cy="646331"/>
+              </a:xfrm>
+              <a:prstGeom prst="rect">
+                <a:avLst/>
+              </a:prstGeom>
+              <a:blipFill rotWithShape="1">
+                <a:blip r:embed="rId13"/>
+                <a:stretch>
+                  <a:fillRect/>
+                </a:stretch>
+              </a:blipFill>
+            </p:spPr>
+            <p:txBody>
+              <a:bodyPr/>
+              <a:lstStyle/>
+              <a:p>
+                <a:r>
+                  <a:rPr lang="pl-PL">
+                    <a:noFill/>
+                  </a:rPr>
+                  <a:t> </a:t>
+                </a:r>
+              </a:p>
+            </p:txBody>
+          </p:sp>
+        </mc:Fallback>
+      </mc:AlternateContent>
+      <mc:AlternateContent xmlns:mc="http://schemas.openxmlformats.org/markup-compatibility/2006">
+        <mc:Choice xmlns:a14="http://schemas.microsoft.com/office/drawing/2010/main" Requires="a14">
+          <p:sp>
+            <p:nvSpPr>
+              <p:cNvPr id="15" name="Prostokąt 14"/>
+              <p:cNvSpPr/>
+              <p:nvPr/>
+            </p:nvSpPr>
+            <p:spPr>
+              <a:xfrm>
+                <a:off x="344075" y="5167932"/>
+                <a:ext cx="3246290" cy="369332"/>
+              </a:xfrm>
+              <a:prstGeom prst="rect">
+                <a:avLst/>
+              </a:prstGeom>
+            </p:spPr>
+            <p:txBody>
+              <a:bodyPr wrap="square">
+                <a:spAutoFit/>
+              </a:bodyPr>
+              <a:lstStyle/>
+              <a:p>
+                <a14:m>
+                  <m:oMath xmlns:m="http://schemas.openxmlformats.org/officeDocument/2006/math">
+                    <m:sSub>
+                      <m:sSubPr>
+                        <m:ctrlPr>
+                          <a:rPr lang="pl-PL" i="1" smtClean="0">
+                            <a:latin typeface="Cambria Math"/>
+                            <a:ea typeface="Cambria Math"/>
+                          </a:rPr>
+                        </m:ctrlPr>
+                      </m:sSubPr>
+                      <m:e>
+                        <m:r>
+                          <a:rPr lang="pl-PL" i="1">
+                            <a:latin typeface="Cambria Math"/>
+                            <a:ea typeface="Cambria Math"/>
+                          </a:rPr>
+                          <m:t>𝑉</m:t>
+                        </m:r>
+                      </m:e>
+                      <m:sub>
+                        <m:r>
+                          <a:rPr lang="pl-PL" b="0" i="1" smtClean="0">
+                            <a:latin typeface="Cambria Math"/>
+                            <a:ea typeface="Cambria Math"/>
+                          </a:rPr>
+                          <m:t>𝐶</m:t>
+                        </m:r>
+                      </m:sub>
+                    </m:sSub>
+                    <m:r>
+                      <a:rPr lang="pl-PL" i="1">
+                        <a:latin typeface="Cambria Math"/>
+                      </a:rPr>
+                      <m:t>=</m:t>
+                    </m:r>
+                    <m:sSup>
+                      <m:sSupPr>
+                        <m:ctrlPr>
+                          <a:rPr lang="pl-PL" i="1">
+                            <a:latin typeface="Cambria Math"/>
+                          </a:rPr>
+                        </m:ctrlPr>
+                      </m:sSupPr>
+                      <m:e>
+                        <m:r>
+                          <a:rPr lang="pl-PL" i="1">
+                            <a:latin typeface="Cambria Math"/>
+                          </a:rPr>
+                          <m:t>𝑒</m:t>
+                        </m:r>
+                      </m:e>
+                      <m:sup>
+                        <m:r>
+                          <a:rPr lang="pl-PL" i="1">
+                            <a:latin typeface="Cambria Math"/>
+                          </a:rPr>
+                          <m:t>−</m:t>
+                        </m:r>
+                        <m:r>
+                          <a:rPr lang="pl-PL" i="1">
+                            <a:latin typeface="Cambria Math"/>
+                          </a:rPr>
+                          <m:t>𝑟𝑡</m:t>
+                        </m:r>
+                      </m:sup>
+                    </m:sSup>
+                    <m:r>
+                      <a:rPr lang="pl-PL" i="1">
+                        <a:latin typeface="Cambria Math"/>
+                      </a:rPr>
+                      <m:t>[</m:t>
+                    </m:r>
+                    <m:r>
+                      <a:rPr lang="pl-PL" i="1">
+                        <a:latin typeface="Cambria Math"/>
+                      </a:rPr>
+                      <m:t>𝑝</m:t>
+                    </m:r>
+                    <m:r>
+                      <a:rPr lang="pl-PL" i="1">
+                        <a:latin typeface="Cambria Math"/>
+                        <a:ea typeface="Cambria Math"/>
+                      </a:rPr>
+                      <m:t>∙</m:t>
+                    </m:r>
+                    <m:sSub>
+                      <m:sSubPr>
+                        <m:ctrlPr>
+                          <a:rPr lang="pl-PL" i="1">
+                            <a:latin typeface="Cambria Math"/>
+                            <a:ea typeface="Cambria Math"/>
+                          </a:rPr>
+                        </m:ctrlPr>
+                      </m:sSubPr>
+                      <m:e>
+                        <m:r>
+                          <a:rPr lang="pl-PL" i="1">
+                            <a:latin typeface="Cambria Math"/>
+                            <a:ea typeface="Cambria Math"/>
+                          </a:rPr>
+                          <m:t>𝑉</m:t>
+                        </m:r>
+                      </m:e>
+                      <m:sub>
+                        <m:r>
+                          <a:rPr lang="pl-PL" b="0" i="1" smtClean="0">
+                            <a:latin typeface="Cambria Math"/>
+                            <a:ea typeface="Cambria Math"/>
+                          </a:rPr>
+                          <m:t>𝐸</m:t>
+                        </m:r>
+                      </m:sub>
+                    </m:sSub>
+                    <m:r>
+                      <a:rPr lang="pl-PL" i="1">
+                        <a:latin typeface="Cambria Math"/>
+                        <a:ea typeface="Cambria Math"/>
+                      </a:rPr>
+                      <m:t>+(1−</m:t>
+                    </m:r>
+                    <m:r>
+                      <a:rPr lang="pl-PL" i="1">
+                        <a:latin typeface="Cambria Math"/>
+                        <a:ea typeface="Cambria Math"/>
+                      </a:rPr>
+                      <m:t>𝑝</m:t>
+                    </m:r>
+                    <m:r>
+                      <a:rPr lang="pl-PL" i="1">
+                        <a:latin typeface="Cambria Math"/>
+                        <a:ea typeface="Cambria Math"/>
+                      </a:rPr>
+                      <m:t>)∙</m:t>
+                    </m:r>
+                  </m:oMath>
+                </a14:m>
+                <a:r>
+                  <a:rPr lang="pl-PL" dirty="0"/>
+                  <a:t> </a:t>
+                </a:r>
+                <a14:m>
+                  <m:oMath xmlns:m="http://schemas.openxmlformats.org/officeDocument/2006/math">
+                    <m:sSub>
+                      <m:sSubPr>
+                        <m:ctrlPr>
+                          <a:rPr lang="pl-PL" i="1">
+                            <a:latin typeface="Cambria Math"/>
+                          </a:rPr>
+                        </m:ctrlPr>
+                      </m:sSubPr>
+                      <m:e>
+                        <m:r>
+                          <a:rPr lang="pl-PL" i="1">
+                            <a:latin typeface="Cambria Math"/>
+                          </a:rPr>
+                          <m:t>𝑉</m:t>
+                        </m:r>
+                      </m:e>
+                      <m:sub>
+                        <m:r>
+                          <a:rPr lang="pl-PL" b="0" i="1" smtClean="0">
+                            <a:latin typeface="Cambria Math"/>
+                          </a:rPr>
+                          <m:t>𝐹</m:t>
+                        </m:r>
+                      </m:sub>
+                    </m:sSub>
+                    <m:r>
+                      <a:rPr lang="pl-PL" i="1">
+                        <a:latin typeface="Cambria Math"/>
+                      </a:rPr>
+                      <m:t>]</m:t>
+                    </m:r>
+                  </m:oMath>
+                </a14:m>
+                <a:endParaRPr lang="pl-PL" dirty="0"/>
+              </a:p>
+            </p:txBody>
+          </p:sp>
+        </mc:Choice>
+        <mc:Fallback>
+          <p:sp>
+            <p:nvSpPr>
+              <p:cNvPr id="15" name="Prostokąt 14"/>
+              <p:cNvSpPr>
+                <a:spLocks noRot="1" noChangeAspect="1" noMove="1" noResize="1" noEditPoints="1" noAdjustHandles="1" noChangeArrowheads="1" noChangeShapeType="1" noTextEdit="1"/>
+              </p:cNvSpPr>
+              <p:nvPr/>
+            </p:nvSpPr>
+            <p:spPr>
+              <a:xfrm>
+                <a:off x="344075" y="5167932"/>
+                <a:ext cx="3246290" cy="369332"/>
+              </a:xfrm>
+              <a:prstGeom prst="rect">
+                <a:avLst/>
+              </a:prstGeom>
+              <a:blipFill rotWithShape="1">
+                <a:blip r:embed="rId14"/>
+                <a:stretch>
+                  <a:fillRect b="-16667"/>
+                </a:stretch>
+              </a:blipFill>
+            </p:spPr>
+            <p:txBody>
+              <a:bodyPr/>
+              <a:lstStyle/>
+              <a:p>
+                <a:r>
+                  <a:rPr lang="pl-PL">
+                    <a:noFill/>
+                  </a:rPr>
+                  <a:t> </a:t>
+                </a:r>
+              </a:p>
+            </p:txBody>
+          </p:sp>
+        </mc:Fallback>
+      </mc:AlternateContent>
+      <mc:AlternateContent xmlns:mc="http://schemas.openxmlformats.org/markup-compatibility/2006">
+        <mc:Choice xmlns:a14="http://schemas.microsoft.com/office/drawing/2010/main" Requires="a14">
+          <p:sp>
+            <p:nvSpPr>
+              <p:cNvPr id="19" name="pole tekstowe 18"/>
+              <p:cNvSpPr txBox="1"/>
+              <p:nvPr/>
+            </p:nvSpPr>
+            <p:spPr>
+              <a:xfrm>
+                <a:off x="344075" y="5585507"/>
+                <a:ext cx="3467560" cy="646331"/>
+              </a:xfrm>
+              <a:prstGeom prst="rect">
+                <a:avLst/>
+              </a:prstGeom>
+              <a:noFill/>
+            </p:spPr>
+            <p:txBody>
+              <a:bodyPr wrap="square" rtlCol="0">
+                <a:spAutoFit/>
+              </a:bodyPr>
+              <a:lstStyle/>
+              <a:p>
+                <a14:m>
+                  <m:oMath xmlns:m="http://schemas.openxmlformats.org/officeDocument/2006/math">
+                    <m:sSub>
+                      <m:sSubPr>
+                        <m:ctrlPr>
+                          <a:rPr lang="pl-PL" b="1" i="1" smtClean="0">
+                            <a:latin typeface="Cambria Math"/>
+                            <a:ea typeface="Cambria Math"/>
+                          </a:rPr>
+                        </m:ctrlPr>
+                      </m:sSubPr>
+                      <m:e>
+                        <m:r>
+                          <a:rPr lang="pl-PL" b="1" i="1">
+                            <a:latin typeface="Cambria Math"/>
+                            <a:ea typeface="Cambria Math"/>
+                          </a:rPr>
+                          <m:t>𝑽</m:t>
+                        </m:r>
+                      </m:e>
+                      <m:sub>
+                        <m:r>
+                          <a:rPr lang="pl-PL" b="1" i="1" smtClean="0">
+                            <a:latin typeface="Cambria Math"/>
+                            <a:ea typeface="Cambria Math"/>
+                          </a:rPr>
+                          <m:t>𝑨</m:t>
+                        </m:r>
+                      </m:sub>
+                    </m:sSub>
+                    <m:r>
+                      <a:rPr lang="pl-PL" i="1">
+                        <a:latin typeface="Cambria Math"/>
+                      </a:rPr>
+                      <m:t>=</m:t>
+                    </m:r>
+                    <m:sSup>
+                      <m:sSupPr>
+                        <m:ctrlPr>
+                          <a:rPr lang="pl-PL" i="1">
+                            <a:latin typeface="Cambria Math"/>
+                          </a:rPr>
+                        </m:ctrlPr>
+                      </m:sSupPr>
+                      <m:e>
+                        <m:r>
+                          <a:rPr lang="pl-PL" i="1">
+                            <a:latin typeface="Cambria Math"/>
+                          </a:rPr>
+                          <m:t>𝑒</m:t>
+                        </m:r>
+                      </m:e>
+                      <m:sup>
+                        <m:r>
+                          <a:rPr lang="pl-PL" i="1">
+                            <a:latin typeface="Cambria Math"/>
+                          </a:rPr>
+                          <m:t>−</m:t>
+                        </m:r>
+                        <m:r>
+                          <a:rPr lang="pl-PL" i="1">
+                            <a:latin typeface="Cambria Math"/>
+                          </a:rPr>
+                          <m:t>𝑟𝑡</m:t>
+                        </m:r>
+                      </m:sup>
+                    </m:sSup>
+                    <m:r>
+                      <a:rPr lang="pl-PL" i="1">
+                        <a:latin typeface="Cambria Math"/>
+                      </a:rPr>
+                      <m:t>[</m:t>
+                    </m:r>
+                    <m:r>
+                      <a:rPr lang="pl-PL" i="1">
+                        <a:latin typeface="Cambria Math"/>
+                      </a:rPr>
+                      <m:t>𝑝</m:t>
+                    </m:r>
+                    <m:r>
+                      <a:rPr lang="pl-PL" i="1">
+                        <a:latin typeface="Cambria Math"/>
+                        <a:ea typeface="Cambria Math"/>
+                      </a:rPr>
+                      <m:t>∙</m:t>
+                    </m:r>
+                    <m:sSub>
+                      <m:sSubPr>
+                        <m:ctrlPr>
+                          <a:rPr lang="pl-PL" i="1">
+                            <a:latin typeface="Cambria Math"/>
+                            <a:ea typeface="Cambria Math"/>
+                          </a:rPr>
+                        </m:ctrlPr>
+                      </m:sSubPr>
+                      <m:e>
+                        <m:r>
+                          <a:rPr lang="pl-PL" i="1">
+                            <a:latin typeface="Cambria Math"/>
+                            <a:ea typeface="Cambria Math"/>
+                          </a:rPr>
+                          <m:t>𝑉</m:t>
+                        </m:r>
+                      </m:e>
+                      <m:sub>
+                        <m:r>
+                          <a:rPr lang="pl-PL" b="0" i="1" smtClean="0">
+                            <a:latin typeface="Cambria Math"/>
+                            <a:ea typeface="Cambria Math"/>
+                          </a:rPr>
+                          <m:t>𝐵</m:t>
+                        </m:r>
+                      </m:sub>
+                    </m:sSub>
+                    <m:r>
+                      <a:rPr lang="pl-PL" i="1">
+                        <a:latin typeface="Cambria Math"/>
+                        <a:ea typeface="Cambria Math"/>
+                      </a:rPr>
+                      <m:t>+(1−</m:t>
+                    </m:r>
+                    <m:r>
+                      <a:rPr lang="pl-PL" i="1">
+                        <a:latin typeface="Cambria Math"/>
+                        <a:ea typeface="Cambria Math"/>
+                      </a:rPr>
+                      <m:t>𝑝</m:t>
+                    </m:r>
+                    <m:r>
+                      <a:rPr lang="pl-PL" i="1">
+                        <a:latin typeface="Cambria Math"/>
+                        <a:ea typeface="Cambria Math"/>
+                      </a:rPr>
+                      <m:t>)∙</m:t>
+                    </m:r>
+                  </m:oMath>
+                </a14:m>
+                <a:r>
+                  <a:rPr lang="pl-PL" dirty="0"/>
+                  <a:t> </a:t>
+                </a:r>
+                <a14:m>
+                  <m:oMath xmlns:m="http://schemas.openxmlformats.org/officeDocument/2006/math">
+                    <m:sSub>
+                      <m:sSubPr>
+                        <m:ctrlPr>
+                          <a:rPr lang="pl-PL" i="1">
+                            <a:latin typeface="Cambria Math"/>
+                          </a:rPr>
+                        </m:ctrlPr>
+                      </m:sSubPr>
+                      <m:e>
+                        <m:r>
+                          <a:rPr lang="pl-PL" i="1">
+                            <a:latin typeface="Cambria Math"/>
+                          </a:rPr>
+                          <m:t>𝑉</m:t>
+                        </m:r>
+                      </m:e>
+                      <m:sub>
+                        <m:r>
+                          <a:rPr lang="pl-PL" b="0" i="1" smtClean="0">
+                            <a:latin typeface="Cambria Math"/>
+                          </a:rPr>
+                          <m:t>𝐶</m:t>
+                        </m:r>
+                      </m:sub>
+                    </m:sSub>
+                    <m:r>
+                      <a:rPr lang="pl-PL" i="1">
+                        <a:latin typeface="Cambria Math"/>
+                      </a:rPr>
+                      <m:t>]</m:t>
+                    </m:r>
+                  </m:oMath>
+                </a14:m>
+                <a:endParaRPr lang="pl-PL" dirty="0"/>
+              </a:p>
+              <a:p>
+                <a:endParaRPr lang="pl-PL" dirty="0"/>
+              </a:p>
+            </p:txBody>
+          </p:sp>
+        </mc:Choice>
+        <mc:Fallback>
+          <p:sp>
+            <p:nvSpPr>
+              <p:cNvPr id="19" name="pole tekstowe 18"/>
+              <p:cNvSpPr txBox="1">
+                <a:spLocks noRot="1" noChangeAspect="1" noMove="1" noResize="1" noEditPoints="1" noAdjustHandles="1" noChangeArrowheads="1" noChangeShapeType="1" noTextEdit="1"/>
+              </p:cNvSpPr>
+              <p:nvPr/>
+            </p:nvSpPr>
+            <p:spPr>
+              <a:xfrm>
+                <a:off x="344075" y="5585507"/>
+                <a:ext cx="3467560" cy="646331"/>
+              </a:xfrm>
+              <a:prstGeom prst="rect">
+                <a:avLst/>
+              </a:prstGeom>
+              <a:blipFill rotWithShape="1">
+                <a:blip r:embed="rId15"/>
+                <a:stretch>
+                  <a:fillRect/>
+                </a:stretch>
+              </a:blipFill>
+            </p:spPr>
+            <p:txBody>
+              <a:bodyPr/>
+              <a:lstStyle/>
+              <a:p>
+                <a:r>
+                  <a:rPr lang="pl-PL">
+                    <a:noFill/>
+                  </a:rPr>
+                  <a:t> </a:t>
+                </a:r>
+              </a:p>
+            </p:txBody>
+          </p:sp>
+        </mc:Fallback>
+      </mc:AlternateContent>
+      <mc:AlternateContent xmlns:mc="http://schemas.openxmlformats.org/markup-compatibility/2006">
+        <mc:Choice xmlns:a14="http://schemas.microsoft.com/office/drawing/2010/main" Requires="a14">
+          <p:sp>
+            <p:nvSpPr>
+              <p:cNvPr id="39" name="pole tekstowe 38"/>
+              <p:cNvSpPr txBox="1"/>
+              <p:nvPr/>
+            </p:nvSpPr>
+            <p:spPr>
+              <a:xfrm>
+                <a:off x="3548742" y="3868058"/>
+                <a:ext cx="1223202" cy="400174"/>
+              </a:xfrm>
+              <a:prstGeom prst="rect">
+                <a:avLst/>
+              </a:prstGeom>
+              <a:noFill/>
+              <a:ln>
+                <a:solidFill>
+                  <a:schemeClr val="bg2">
+                    <a:lumMod val="50000"/>
+                  </a:schemeClr>
+                </a:solidFill>
+              </a:ln>
+            </p:spPr>
+            <p:txBody>
+              <a:bodyPr wrap="square" rtlCol="0">
+                <a:spAutoFit/>
+              </a:bodyPr>
+              <a:lstStyle/>
+              <a:p>
+                <a:pPr/>
+                <a14:m>
+                  <m:oMathPara xmlns:m="http://schemas.openxmlformats.org/officeDocument/2006/math">
+                    <m:oMathParaPr>
+                      <m:jc m:val="centerGroup"/>
+                    </m:oMathParaPr>
+                    <m:oMath xmlns:m="http://schemas.openxmlformats.org/officeDocument/2006/math">
+                      <m:sSubSup>
+                        <m:sSubSupPr>
+                          <m:ctrlPr>
+                            <a:rPr lang="pl-PL" sz="1600" i="1" smtClean="0">
+                              <a:latin typeface="Cambria Math"/>
+                            </a:rPr>
+                          </m:ctrlPr>
+                        </m:sSubSupPr>
+                        <m:e>
+                          <m:r>
+                            <a:rPr lang="pl-PL" sz="1600" i="1">
+                              <a:latin typeface="Cambria Math"/>
+                            </a:rPr>
+                            <m:t>𝑆</m:t>
+                          </m:r>
+                        </m:e>
+                        <m:sub>
+                          <m:r>
+                            <a:rPr lang="pl-PL" sz="1600" i="1">
+                              <a:latin typeface="Cambria Math"/>
+                            </a:rPr>
+                            <m:t>𝑇</m:t>
+                          </m:r>
+                        </m:sub>
+                        <m:sup>
+                          <m:r>
+                            <a:rPr lang="pl-PL" sz="1600" i="1">
+                              <a:latin typeface="Cambria Math"/>
+                            </a:rPr>
+                            <m:t>(</m:t>
+                          </m:r>
+                          <m:r>
+                            <a:rPr lang="pl-PL" sz="1600" b="0" i="1" smtClean="0">
+                              <a:latin typeface="Cambria Math"/>
+                            </a:rPr>
+                            <m:t>𝐶</m:t>
+                          </m:r>
+                          <m:r>
+                            <a:rPr lang="pl-PL" sz="1600" i="1">
+                              <a:latin typeface="Cambria Math"/>
+                            </a:rPr>
+                            <m:t>)</m:t>
+                          </m:r>
+                        </m:sup>
+                      </m:sSubSup>
+                      <m:r>
+                        <a:rPr lang="pl-PL" sz="1600" i="1">
+                          <a:latin typeface="Cambria Math"/>
+                        </a:rPr>
+                        <m:t> </m:t>
+                      </m:r>
+                      <m:r>
+                        <a:rPr lang="pl-PL" sz="1600" b="0" i="1" smtClean="0">
+                          <a:latin typeface="Cambria Math"/>
+                        </a:rPr>
+                        <m:t>=</m:t>
+                      </m:r>
+                      <m:r>
+                        <a:rPr lang="pl-PL" sz="1600" b="0" i="1" smtClean="0">
+                          <a:latin typeface="Cambria Math"/>
+                        </a:rPr>
+                        <m:t>𝑑</m:t>
+                      </m:r>
+                      <m:sSub>
+                        <m:sSubPr>
+                          <m:ctrlPr>
+                            <a:rPr lang="pl-PL" sz="1600" b="0" i="1" smtClean="0">
+                              <a:latin typeface="Cambria Math"/>
+                              <a:ea typeface="Cambria Math"/>
+                            </a:rPr>
+                          </m:ctrlPr>
+                        </m:sSubPr>
+                        <m:e>
+                          <m:r>
+                            <a:rPr lang="pl-PL" sz="1600" b="0" i="1" smtClean="0">
+                              <a:latin typeface="Cambria Math"/>
+                              <a:ea typeface="Cambria Math"/>
+                            </a:rPr>
+                            <m:t>𝑆</m:t>
+                          </m:r>
+                        </m:e>
+                        <m:sub>
+                          <m:r>
+                            <a:rPr lang="pl-PL" sz="1600" b="0" i="1" smtClean="0">
+                              <a:latin typeface="Cambria Math"/>
+                              <a:ea typeface="Cambria Math"/>
+                            </a:rPr>
+                            <m:t>0</m:t>
+                          </m:r>
+                        </m:sub>
+                      </m:sSub>
+                    </m:oMath>
+                  </m:oMathPara>
+                </a14:m>
+                <a:endParaRPr lang="pl-PL" sz="1600" dirty="0"/>
+              </a:p>
+            </p:txBody>
+          </p:sp>
+        </mc:Choice>
+        <mc:Fallback>
+          <p:sp>
+            <p:nvSpPr>
+              <p:cNvPr id="39" name="pole tekstowe 38"/>
+              <p:cNvSpPr txBox="1">
+                <a:spLocks noRot="1" noChangeAspect="1" noMove="1" noResize="1" noEditPoints="1" noAdjustHandles="1" noChangeArrowheads="1" noChangeShapeType="1" noTextEdit="1"/>
+              </p:cNvSpPr>
+              <p:nvPr/>
+            </p:nvSpPr>
+            <p:spPr>
+              <a:xfrm>
+                <a:off x="3548742" y="3868058"/>
+                <a:ext cx="1223202" cy="400174"/>
+              </a:xfrm>
+              <a:prstGeom prst="rect">
+                <a:avLst/>
+              </a:prstGeom>
+              <a:blipFill rotWithShape="1">
+                <a:blip r:embed="rId16"/>
+                <a:stretch>
+                  <a:fillRect/>
+                </a:stretch>
+              </a:blipFill>
+              <a:ln>
+                <a:solidFill>
+                  <a:schemeClr val="bg2">
+                    <a:lumMod val="50000"/>
+                  </a:schemeClr>
+                </a:solidFill>
+              </a:ln>
             </p:spPr>
             <p:txBody>
               <a:bodyPr/>
@@ -14309,13 +15042,38 @@
           <a:p>
             <a:r>
               <a:rPr lang="pl-PL" dirty="0" smtClean="0"/>
-              <a:t>Wycena opcji </a:t>
+              <a:t>Wycena opcji amerykańskiej w modelu dwuokresowym</a:t>
             </a:r>
+          </a:p>
+        </p:txBody>
+      </p:sp>
+      <p:sp>
+        <p:nvSpPr>
+          <p:cNvPr id="4" name="pole tekstowe 3"/>
+          <p:cNvSpPr txBox="1"/>
+          <p:nvPr/>
+        </p:nvSpPr>
+        <p:spPr>
+          <a:xfrm>
+            <a:off x="702228" y="6108470"/>
+            <a:ext cx="7902219" cy="646331"/>
+          </a:xfrm>
+          <a:prstGeom prst="rect">
+            <a:avLst/>
+          </a:prstGeom>
+          <a:noFill/>
+        </p:spPr>
+        <p:txBody>
+          <a:bodyPr wrap="square" rtlCol="0">
+            <a:spAutoFit/>
+          </a:bodyPr>
+          <a:lstStyle/>
+          <a:p>
             <a:r>
               <a:rPr lang="pl-PL" dirty="0" smtClean="0"/>
-              <a:t>amerykańskiej w modelu dwuokresowym</a:t>
+              <a:t>Cenę opcji wyliczamy analogicznie dla drzew dwumianowych o dowolnej liczbie kroków.</a:t>
             </a:r>
-            <a:endParaRPr lang="pl-PL" dirty="0" smtClean="0"/>
+            <a:endParaRPr lang="pl-PL" dirty="0"/>
           </a:p>
         </p:txBody>
       </p:sp>

--- a/Prezentacja.pptx
+++ b/Prezentacja.pptx
@@ -4236,10 +4236,6 @@
           <a:bodyPr/>
           <a:lstStyle/>
           <a:p>
-            <a:r>
-              <a:rPr lang="pl-PL" dirty="0" smtClean="0"/>
-              <a:t>Wykres cen S_T</a:t>
-            </a:r>
             <a:endParaRPr lang="pl-PL" dirty="0"/>
           </a:p>
         </p:txBody>
@@ -5694,178 +5690,6 @@
           </a:p>
         </p:txBody>
       </p:sp>
-      <p:sp>
-        <p:nvSpPr>
-          <p:cNvPr id="31" name="Elipsa 30"/>
-          <p:cNvSpPr/>
-          <p:nvPr/>
-        </p:nvSpPr>
-        <p:spPr>
-          <a:xfrm>
-            <a:off x="5012891" y="4198240"/>
-            <a:ext cx="288032" cy="324981"/>
-          </a:xfrm>
-          <a:prstGeom prst="ellipse">
-            <a:avLst/>
-          </a:prstGeom>
-        </p:spPr>
-        <p:style>
-          <a:lnRef idx="2">
-            <a:schemeClr val="accent1">
-              <a:shade val="50000"/>
-            </a:schemeClr>
-          </a:lnRef>
-          <a:fillRef idx="1">
-            <a:schemeClr val="accent1"/>
-          </a:fillRef>
-          <a:effectRef idx="0">
-            <a:schemeClr val="accent1"/>
-          </a:effectRef>
-          <a:fontRef idx="minor">
-            <a:schemeClr val="lt1"/>
-          </a:fontRef>
-        </p:style>
-        <p:txBody>
-          <a:bodyPr rtlCol="0" anchor="ctr"/>
-          <a:lstStyle/>
-          <a:p>
-            <a:pPr algn="ctr"/>
-            <a:r>
-              <a:rPr lang="pl-PL" dirty="0"/>
-              <a:t>C</a:t>
-            </a:r>
-          </a:p>
-        </p:txBody>
-      </p:sp>
-      <p:sp>
-        <p:nvSpPr>
-          <p:cNvPr id="32" name="Elipsa 31"/>
-          <p:cNvSpPr/>
-          <p:nvPr/>
-        </p:nvSpPr>
-        <p:spPr>
-          <a:xfrm>
-            <a:off x="5004048" y="2945294"/>
-            <a:ext cx="288032" cy="324981"/>
-          </a:xfrm>
-          <a:prstGeom prst="ellipse">
-            <a:avLst/>
-          </a:prstGeom>
-        </p:spPr>
-        <p:style>
-          <a:lnRef idx="2">
-            <a:schemeClr val="accent1">
-              <a:shade val="50000"/>
-            </a:schemeClr>
-          </a:lnRef>
-          <a:fillRef idx="1">
-            <a:schemeClr val="accent1"/>
-          </a:fillRef>
-          <a:effectRef idx="0">
-            <a:schemeClr val="accent1"/>
-          </a:effectRef>
-          <a:fontRef idx="minor">
-            <a:schemeClr val="lt1"/>
-          </a:fontRef>
-        </p:style>
-        <p:txBody>
-          <a:bodyPr rtlCol="0" anchor="ctr"/>
-          <a:lstStyle/>
-          <a:p>
-            <a:pPr algn="ctr"/>
-            <a:r>
-              <a:rPr lang="pl-PL" dirty="0"/>
-              <a:t>B</a:t>
-            </a:r>
-          </a:p>
-        </p:txBody>
-      </p:sp>
-      <p:sp>
-        <p:nvSpPr>
-          <p:cNvPr id="33" name="Elipsa 32"/>
-          <p:cNvSpPr/>
-          <p:nvPr/>
-        </p:nvSpPr>
-        <p:spPr>
-          <a:xfrm>
-            <a:off x="6597392" y="2420888"/>
-            <a:ext cx="288032" cy="324981"/>
-          </a:xfrm>
-          <a:prstGeom prst="ellipse">
-            <a:avLst/>
-          </a:prstGeom>
-        </p:spPr>
-        <p:style>
-          <a:lnRef idx="2">
-            <a:schemeClr val="accent1">
-              <a:shade val="50000"/>
-            </a:schemeClr>
-          </a:lnRef>
-          <a:fillRef idx="1">
-            <a:schemeClr val="accent1"/>
-          </a:fillRef>
-          <a:effectRef idx="0">
-            <a:schemeClr val="accent1"/>
-          </a:effectRef>
-          <a:fontRef idx="minor">
-            <a:schemeClr val="lt1"/>
-          </a:fontRef>
-        </p:style>
-        <p:txBody>
-          <a:bodyPr rtlCol="0" anchor="ctr"/>
-          <a:lstStyle/>
-          <a:p>
-            <a:pPr algn="ctr"/>
-            <a:r>
-              <a:rPr lang="pl-PL" dirty="0"/>
-              <a:t>D</a:t>
-            </a:r>
-          </a:p>
-        </p:txBody>
-      </p:sp>
-      <p:sp>
-        <p:nvSpPr>
-          <p:cNvPr id="34" name="Elipsa 33"/>
-          <p:cNvSpPr/>
-          <p:nvPr/>
-        </p:nvSpPr>
-        <p:spPr>
-          <a:xfrm>
-            <a:off x="6597392" y="3527253"/>
-            <a:ext cx="288032" cy="324981"/>
-          </a:xfrm>
-          <a:prstGeom prst="ellipse">
-            <a:avLst/>
-          </a:prstGeom>
-        </p:spPr>
-        <p:style>
-          <a:lnRef idx="2">
-            <a:schemeClr val="accent1">
-              <a:shade val="50000"/>
-            </a:schemeClr>
-          </a:lnRef>
-          <a:fillRef idx="1">
-            <a:schemeClr val="accent1"/>
-          </a:fillRef>
-          <a:effectRef idx="0">
-            <a:schemeClr val="accent1"/>
-          </a:effectRef>
-          <a:fontRef idx="minor">
-            <a:schemeClr val="lt1"/>
-          </a:fontRef>
-        </p:style>
-        <p:txBody>
-          <a:bodyPr rtlCol="0" anchor="ctr"/>
-          <a:lstStyle/>
-          <a:p>
-            <a:pPr algn="ctr"/>
-            <a:r>
-              <a:rPr lang="pl-PL" dirty="0"/>
-              <a:t>E</a:t>
-            </a:r>
-          </a:p>
-        </p:txBody>
-      </p:sp>
       <p:cxnSp>
         <p:nvCxnSpPr>
           <p:cNvPr id="37" name="Łącznik prostoliniowy 36"/>
@@ -5942,7 +5766,7 @@
         </p:nvCxnSpPr>
         <p:spPr>
           <a:xfrm>
-            <a:off x="6885424" y="2583379"/>
+            <a:off x="6870549" y="2543951"/>
             <a:ext cx="566896" cy="162490"/>
           </a:xfrm>
           <a:prstGeom prst="line">
@@ -6676,8 +6500,8 @@
           </p:sp>
         </mc:Fallback>
       </mc:AlternateContent>
-      <mc:AlternateContent xmlns:mc="http://schemas.openxmlformats.org/markup-compatibility/2006" xmlns:a14="http://schemas.microsoft.com/office/drawing/2010/main">
-        <mc:Choice Requires="a14">
+      <mc:AlternateContent xmlns:mc="http://schemas.openxmlformats.org/markup-compatibility/2006">
+        <mc:Choice xmlns:a14="http://schemas.microsoft.com/office/drawing/2010/main" Requires="a14">
           <p:sp>
             <p:nvSpPr>
               <p:cNvPr id="11" name="pole tekstowe 10"/>
@@ -6686,7 +6510,7 @@
             </p:nvSpPr>
             <p:spPr>
               <a:xfrm>
-                <a:off x="4606411" y="2664624"/>
+                <a:off x="4606411" y="2609306"/>
                 <a:ext cx="406480" cy="369332"/>
               </a:xfrm>
               <a:prstGeom prst="rect">
@@ -6769,7 +6593,7 @@
             </p:txBody>
           </p:sp>
         </mc:Choice>
-        <mc:Fallback xmlns="">
+        <mc:Fallback>
           <p:sp>
             <p:nvSpPr>
               <p:cNvPr id="11" name="pole tekstowe 10"/>
@@ -6780,7 +6604,7 @@
             </p:nvSpPr>
             <p:spPr>
               <a:xfrm>
-                <a:off x="4606411" y="2664624"/>
+                <a:off x="4606411" y="2609306"/>
                 <a:ext cx="406480" cy="369332"/>
               </a:xfrm>
               <a:prstGeom prst="rect">
@@ -6815,8 +6639,8 @@
           </p:sp>
         </mc:Fallback>
       </mc:AlternateContent>
-      <mc:AlternateContent xmlns:mc="http://schemas.openxmlformats.org/markup-compatibility/2006" xmlns:a14="http://schemas.microsoft.com/office/drawing/2010/main">
-        <mc:Choice Requires="a14">
+      <mc:AlternateContent xmlns:mc="http://schemas.openxmlformats.org/markup-compatibility/2006">
+        <mc:Choice xmlns:a14="http://schemas.microsoft.com/office/drawing/2010/main" Requires="a14">
           <p:sp>
             <p:nvSpPr>
               <p:cNvPr id="27" name="pole tekstowe 26"/>
@@ -6825,7 +6649,7 @@
             </p:nvSpPr>
             <p:spPr>
               <a:xfrm>
-                <a:off x="3050057" y="3390179"/>
+                <a:off x="3050057" y="3381778"/>
                 <a:ext cx="406480" cy="369332"/>
               </a:xfrm>
               <a:prstGeom prst="rect">
@@ -6907,7 +6731,7 @@
             </p:txBody>
           </p:sp>
         </mc:Choice>
-        <mc:Fallback xmlns="">
+        <mc:Fallback>
           <p:sp>
             <p:nvSpPr>
               <p:cNvPr id="27" name="pole tekstowe 26"/>
@@ -6918,7 +6742,7 @@
             </p:nvSpPr>
             <p:spPr>
               <a:xfrm>
-                <a:off x="3050057" y="3390179"/>
+                <a:off x="3050057" y="3381778"/>
                 <a:ext cx="406480" cy="369332"/>
               </a:xfrm>
               <a:prstGeom prst="rect">
@@ -7092,8 +6916,8 @@
           </p:sp>
         </mc:Fallback>
       </mc:AlternateContent>
-      <mc:AlternateContent xmlns:mc="http://schemas.openxmlformats.org/markup-compatibility/2006" xmlns:a14="http://schemas.microsoft.com/office/drawing/2010/main">
-        <mc:Choice Requires="a14">
+      <mc:AlternateContent xmlns:mc="http://schemas.openxmlformats.org/markup-compatibility/2006">
+        <mc:Choice xmlns:a14="http://schemas.microsoft.com/office/drawing/2010/main" Requires="a14">
           <p:sp>
             <p:nvSpPr>
               <p:cNvPr id="12" name="pole tekstowe 11"/>
@@ -7102,7 +6926,7 @@
             </p:nvSpPr>
             <p:spPr>
               <a:xfrm>
-                <a:off x="5054072" y="2506712"/>
+                <a:off x="5026960" y="2543951"/>
                 <a:ext cx="576065" cy="438582"/>
               </a:xfrm>
               <a:prstGeom prst="rect">
@@ -7183,7 +7007,7 @@
             </p:txBody>
           </p:sp>
         </mc:Choice>
-        <mc:Fallback xmlns="">
+        <mc:Fallback>
           <p:sp>
             <p:nvSpPr>
               <p:cNvPr id="12" name="pole tekstowe 11"/>
@@ -7194,7 +7018,7 @@
             </p:nvSpPr>
             <p:spPr>
               <a:xfrm>
-                <a:off x="5054072" y="2506712"/>
+                <a:off x="5026960" y="2543951"/>
                 <a:ext cx="576065" cy="438582"/>
               </a:xfrm>
               <a:prstGeom prst="rect">
@@ -7229,145 +7053,8 @@
           </p:sp>
         </mc:Fallback>
       </mc:AlternateContent>
-      <mc:AlternateContent xmlns:mc="http://schemas.openxmlformats.org/markup-compatibility/2006" xmlns:a14="http://schemas.microsoft.com/office/drawing/2010/main">
-        <mc:Choice Requires="a14">
-          <p:sp>
-            <p:nvSpPr>
-              <p:cNvPr id="38" name="pole tekstowe 37"/>
-              <p:cNvSpPr txBox="1"/>
-              <p:nvPr/>
-            </p:nvSpPr>
-            <p:spPr>
-              <a:xfrm>
-                <a:off x="6741408" y="3127862"/>
-                <a:ext cx="576065" cy="438582"/>
-              </a:xfrm>
-              <a:prstGeom prst="rect">
-                <a:avLst/>
-              </a:prstGeom>
-              <a:noFill/>
-              <a:ln>
-                <a:solidFill>
-                  <a:schemeClr val="tx2">
-                    <a:lumMod val="75000"/>
-                  </a:schemeClr>
-                </a:solidFill>
-              </a:ln>
-            </p:spPr>
-            <p:txBody>
-              <a:bodyPr wrap="square" rtlCol="0">
-                <a:spAutoFit/>
-              </a:bodyPr>
-              <a:lstStyle/>
-              <a:p>
-                <a:pPr/>
-                <a14:m>
-                  <m:oMathPara xmlns:m="http://schemas.openxmlformats.org/officeDocument/2006/math">
-                    <m:oMathParaPr>
-                      <m:jc m:val="centerGroup"/>
-                    </m:oMathParaPr>
-                    <m:oMath xmlns:m="http://schemas.openxmlformats.org/officeDocument/2006/math">
-                      <m:sSubSup>
-                        <m:sSubSupPr>
-                          <m:ctrlPr>
-                            <a:rPr lang="pl-PL" i="1" smtClean="0">
-                              <a:latin typeface="Cambria Math"/>
-                            </a:rPr>
-                          </m:ctrlPr>
-                        </m:sSubSupPr>
-                        <m:e>
-                          <m:r>
-                            <a:rPr lang="pl-PL" i="1">
-                              <a:latin typeface="Cambria Math"/>
-                            </a:rPr>
-                            <m:t>𝑆</m:t>
-                          </m:r>
-                        </m:e>
-                        <m:sub>
-                          <m:r>
-                            <a:rPr lang="pl-PL" i="1">
-                              <a:latin typeface="Cambria Math"/>
-                            </a:rPr>
-                            <m:t>𝑇</m:t>
-                          </m:r>
-                        </m:sub>
-                        <m:sup>
-                          <m:r>
-                            <a:rPr lang="pl-PL" i="1">
-                              <a:latin typeface="Cambria Math"/>
-                            </a:rPr>
-                            <m:t>(</m:t>
-                          </m:r>
-                          <m:r>
-                            <a:rPr lang="pl-PL" b="0" i="1" smtClean="0">
-                              <a:latin typeface="Cambria Math"/>
-                            </a:rPr>
-                            <m:t>𝐸</m:t>
-                          </m:r>
-                          <m:r>
-                            <a:rPr lang="pl-PL" i="1">
-                              <a:latin typeface="Cambria Math"/>
-                            </a:rPr>
-                            <m:t>)</m:t>
-                          </m:r>
-                        </m:sup>
-                      </m:sSubSup>
-                    </m:oMath>
-                  </m:oMathPara>
-                </a14:m>
-                <a:endParaRPr lang="pl-PL" dirty="0"/>
-              </a:p>
-            </p:txBody>
-          </p:sp>
-        </mc:Choice>
-        <mc:Fallback xmlns="">
-          <p:sp>
-            <p:nvSpPr>
-              <p:cNvPr id="38" name="pole tekstowe 37"/>
-              <p:cNvSpPr txBox="1">
-                <a:spLocks noRot="1" noChangeAspect="1" noMove="1" noResize="1" noEditPoints="1" noAdjustHandles="1" noChangeArrowheads="1" noChangeShapeType="1" noTextEdit="1"/>
-              </p:cNvSpPr>
-              <p:nvPr/>
-            </p:nvSpPr>
-            <p:spPr>
-              <a:xfrm>
-                <a:off x="6741408" y="3127862"/>
-                <a:ext cx="576065" cy="438582"/>
-              </a:xfrm>
-              <a:prstGeom prst="rect">
-                <a:avLst/>
-              </a:prstGeom>
-              <a:blipFill rotWithShape="1">
-                <a:blip r:embed="rId15"/>
-                <a:stretch>
-                  <a:fillRect b="-1351"/>
-                </a:stretch>
-              </a:blipFill>
-              <a:ln>
-                <a:solidFill>
-                  <a:schemeClr val="tx2">
-                    <a:lumMod val="75000"/>
-                  </a:schemeClr>
-                </a:solidFill>
-              </a:ln>
-            </p:spPr>
-            <p:txBody>
-              <a:bodyPr/>
-              <a:lstStyle/>
-              <a:p>
-                <a:r>
-                  <a:rPr lang="pl-PL">
-                    <a:noFill/>
-                  </a:rPr>
-                  <a:t> </a:t>
-                </a:r>
-              </a:p>
-            </p:txBody>
-          </p:sp>
-        </mc:Fallback>
-      </mc:AlternateContent>
-      <mc:AlternateContent xmlns:mc="http://schemas.openxmlformats.org/markup-compatibility/2006" xmlns:a14="http://schemas.microsoft.com/office/drawing/2010/main">
-        <mc:Choice Requires="a14">
+      <mc:AlternateContent xmlns:mc="http://schemas.openxmlformats.org/markup-compatibility/2006">
+        <mc:Choice xmlns:a14="http://schemas.microsoft.com/office/drawing/2010/main" Requires="a14">
           <p:sp>
             <p:nvSpPr>
               <p:cNvPr id="40" name="pole tekstowe 39"/>
@@ -7376,13 +7063,15 @@
             </p:nvSpPr>
             <p:spPr>
               <a:xfrm>
-                <a:off x="5076055" y="3759658"/>
+                <a:off x="5043544" y="3796058"/>
                 <a:ext cx="576065" cy="438582"/>
               </a:xfrm>
               <a:prstGeom prst="rect">
                 <a:avLst/>
               </a:prstGeom>
-              <a:noFill/>
+              <a:solidFill>
+                <a:schemeClr val="bg1"/>
+              </a:solidFill>
               <a:ln>
                 <a:solidFill>
                   <a:schemeClr val="tx2">
@@ -7457,7 +7146,7 @@
             </p:txBody>
           </p:sp>
         </mc:Choice>
-        <mc:Fallback xmlns="">
+        <mc:Fallback>
           <p:sp>
             <p:nvSpPr>
               <p:cNvPr id="40" name="pole tekstowe 39"/>
@@ -7468,14 +7157,14 @@
             </p:nvSpPr>
             <p:spPr>
               <a:xfrm>
-                <a:off x="5076055" y="3759658"/>
+                <a:off x="5043544" y="3796058"/>
                 <a:ext cx="576065" cy="438582"/>
               </a:xfrm>
               <a:prstGeom prst="rect">
                 <a:avLst/>
               </a:prstGeom>
               <a:blipFill rotWithShape="1">
-                <a:blip r:embed="rId16"/>
+                <a:blip r:embed="rId15"/>
                 <a:stretch>
                   <a:fillRect b="-1351"/>
                 </a:stretch>
@@ -7565,8 +7254,8 @@
           </a:p>
         </p:txBody>
       </p:sp>
-      <mc:AlternateContent xmlns:mc="http://schemas.openxmlformats.org/markup-compatibility/2006" xmlns:a14="http://schemas.microsoft.com/office/drawing/2010/main">
-        <mc:Choice Requires="a14">
+      <mc:AlternateContent xmlns:mc="http://schemas.openxmlformats.org/markup-compatibility/2006">
+        <mc:Choice xmlns:a14="http://schemas.microsoft.com/office/drawing/2010/main" Requires="a14">
           <p:sp>
             <p:nvSpPr>
               <p:cNvPr id="44" name="pole tekstowe 43"/>
@@ -7575,7 +7264,7 @@
             </p:nvSpPr>
             <p:spPr>
               <a:xfrm>
-                <a:off x="6368846" y="2078024"/>
+                <a:off x="6264630" y="2112649"/>
                 <a:ext cx="406480" cy="369332"/>
               </a:xfrm>
               <a:prstGeom prst="rect">
@@ -7658,7 +7347,7 @@
             </p:txBody>
           </p:sp>
         </mc:Choice>
-        <mc:Fallback xmlns="">
+        <mc:Fallback>
           <p:sp>
             <p:nvSpPr>
               <p:cNvPr id="44" name="pole tekstowe 43"/>
@@ -7669,14 +7358,14 @@
             </p:nvSpPr>
             <p:spPr>
               <a:xfrm>
-                <a:off x="6368846" y="2078024"/>
+                <a:off x="6264630" y="2112649"/>
                 <a:ext cx="406480" cy="369332"/>
               </a:xfrm>
               <a:prstGeom prst="rect">
                 <a:avLst/>
               </a:prstGeom>
               <a:blipFill rotWithShape="1">
-                <a:blip r:embed="rId17"/>
+                <a:blip r:embed="rId16"/>
                 <a:stretch>
                   <a:fillRect r="-7353"/>
                 </a:stretch>
@@ -7704,8 +7393,8 @@
           </p:sp>
         </mc:Fallback>
       </mc:AlternateContent>
-      <mc:AlternateContent xmlns:mc="http://schemas.openxmlformats.org/markup-compatibility/2006" xmlns:a14="http://schemas.microsoft.com/office/drawing/2010/main">
-        <mc:Choice Requires="a14">
+      <mc:AlternateContent xmlns:mc="http://schemas.openxmlformats.org/markup-compatibility/2006">
+        <mc:Choice xmlns:a14="http://schemas.microsoft.com/office/drawing/2010/main" Requires="a14">
           <p:sp>
             <p:nvSpPr>
               <p:cNvPr id="45" name="pole tekstowe 44"/>
@@ -7714,7 +7403,7 @@
             </p:nvSpPr>
             <p:spPr>
               <a:xfrm>
-                <a:off x="6295205" y="3178796"/>
+                <a:off x="6255459" y="3178796"/>
                 <a:ext cx="406480" cy="369332"/>
               </a:xfrm>
               <a:prstGeom prst="rect">
@@ -7797,7 +7486,7 @@
             </p:txBody>
           </p:sp>
         </mc:Choice>
-        <mc:Fallback xmlns="">
+        <mc:Fallback>
           <p:sp>
             <p:nvSpPr>
               <p:cNvPr id="45" name="pole tekstowe 44"/>
@@ -7808,16 +7497,16 @@
             </p:nvSpPr>
             <p:spPr>
               <a:xfrm>
-                <a:off x="6295205" y="3178796"/>
+                <a:off x="6255459" y="3178796"/>
                 <a:ext cx="406480" cy="369332"/>
               </a:xfrm>
               <a:prstGeom prst="rect">
                 <a:avLst/>
               </a:prstGeom>
               <a:blipFill rotWithShape="1">
-                <a:blip r:embed="rId18"/>
+                <a:blip r:embed="rId17"/>
                 <a:stretch>
-                  <a:fillRect r="-2941"/>
+                  <a:fillRect r="-2899"/>
                 </a:stretch>
               </a:blipFill>
               <a:ln>
@@ -7843,8 +7532,8 @@
           </p:sp>
         </mc:Fallback>
       </mc:AlternateContent>
-      <mc:AlternateContent xmlns:mc="http://schemas.openxmlformats.org/markup-compatibility/2006" xmlns:a14="http://schemas.microsoft.com/office/drawing/2010/main">
-        <mc:Choice Requires="a14">
+      <mc:AlternateContent xmlns:mc="http://schemas.openxmlformats.org/markup-compatibility/2006">
+        <mc:Choice xmlns:a14="http://schemas.microsoft.com/office/drawing/2010/main" Requires="a14">
           <p:sp>
             <p:nvSpPr>
               <p:cNvPr id="46" name="pole tekstowe 45"/>
@@ -7853,7 +7542,7 @@
             </p:nvSpPr>
             <p:spPr>
               <a:xfrm>
-                <a:off x="6257396" y="4358467"/>
+                <a:off x="6283946" y="4317393"/>
                 <a:ext cx="406480" cy="369332"/>
               </a:xfrm>
               <a:prstGeom prst="rect">
@@ -7936,7 +7625,7 @@
             </p:txBody>
           </p:sp>
         </mc:Choice>
-        <mc:Fallback xmlns="">
+        <mc:Fallback>
           <p:sp>
             <p:nvSpPr>
               <p:cNvPr id="46" name="pole tekstowe 45"/>
@@ -7947,16 +7636,16 @@
             </p:nvSpPr>
             <p:spPr>
               <a:xfrm>
-                <a:off x="6257396" y="4358467"/>
+                <a:off x="6283946" y="4317393"/>
                 <a:ext cx="406480" cy="369332"/>
               </a:xfrm>
               <a:prstGeom prst="rect">
                 <a:avLst/>
               </a:prstGeom>
               <a:blipFill rotWithShape="1">
-                <a:blip r:embed="rId19"/>
+                <a:blip r:embed="rId18"/>
                 <a:stretch>
-                  <a:fillRect r="-2899"/>
+                  <a:fillRect r="-1449"/>
                 </a:stretch>
               </a:blipFill>
               <a:ln>
@@ -7982,51 +7671,8 @@
           </p:sp>
         </mc:Fallback>
       </mc:AlternateContent>
-      <p:sp>
-        <p:nvSpPr>
-          <p:cNvPr id="35" name="Elipsa 34"/>
-          <p:cNvSpPr/>
-          <p:nvPr/>
-        </p:nvSpPr>
-        <p:spPr>
-          <a:xfrm>
-            <a:off x="6588224" y="4635373"/>
-            <a:ext cx="288032" cy="324981"/>
-          </a:xfrm>
-          <a:prstGeom prst="ellipse">
-            <a:avLst/>
-          </a:prstGeom>
-        </p:spPr>
-        <p:style>
-          <a:lnRef idx="2">
-            <a:schemeClr val="accent1">
-              <a:shade val="50000"/>
-            </a:schemeClr>
-          </a:lnRef>
-          <a:fillRef idx="1">
-            <a:schemeClr val="accent1"/>
-          </a:fillRef>
-          <a:effectRef idx="0">
-            <a:schemeClr val="accent1"/>
-          </a:effectRef>
-          <a:fontRef idx="minor">
-            <a:schemeClr val="lt1"/>
-          </a:fontRef>
-        </p:style>
-        <p:txBody>
-          <a:bodyPr rtlCol="0" anchor="ctr"/>
-          <a:lstStyle/>
-          <a:p>
-            <a:pPr algn="ctr"/>
-            <a:r>
-              <a:rPr lang="pl-PL" dirty="0"/>
-              <a:t>F</a:t>
-            </a:r>
-          </a:p>
-        </p:txBody>
-      </p:sp>
-      <mc:AlternateContent xmlns:mc="http://schemas.openxmlformats.org/markup-compatibility/2006" xmlns:a14="http://schemas.microsoft.com/office/drawing/2010/main">
-        <mc:Choice Requires="a14">
+      <mc:AlternateContent xmlns:mc="http://schemas.openxmlformats.org/markup-compatibility/2006">
+        <mc:Choice xmlns:a14="http://schemas.microsoft.com/office/drawing/2010/main" Requires="a14">
           <p:sp>
             <p:nvSpPr>
               <p:cNvPr id="42" name="pole tekstowe 41"/>
@@ -8041,7 +7687,9 @@
               <a:prstGeom prst="rect">
                 <a:avLst/>
               </a:prstGeom>
-              <a:noFill/>
+              <a:solidFill>
+                <a:schemeClr val="bg1"/>
+              </a:solidFill>
               <a:ln>
                 <a:solidFill>
                   <a:schemeClr val="tx2">
@@ -8116,7 +7764,7 @@
             </p:txBody>
           </p:sp>
         </mc:Choice>
-        <mc:Fallback xmlns="">
+        <mc:Fallback>
           <p:sp>
             <p:nvSpPr>
               <p:cNvPr id="42" name="pole tekstowe 41"/>
@@ -8134,7 +7782,7 @@
                 <a:avLst/>
               </a:prstGeom>
               <a:blipFill rotWithShape="1">
-                <a:blip r:embed="rId20"/>
+                <a:blip r:embed="rId19"/>
                 <a:stretch>
                   <a:fillRect b="-1351"/>
                 </a:stretch>
@@ -8162,8 +7810,8 @@
           </p:sp>
         </mc:Fallback>
       </mc:AlternateContent>
-      <mc:AlternateContent xmlns:mc="http://schemas.openxmlformats.org/markup-compatibility/2006" xmlns:a14="http://schemas.microsoft.com/office/drawing/2010/main">
-        <mc:Choice Requires="a14">
+      <mc:AlternateContent xmlns:mc="http://schemas.openxmlformats.org/markup-compatibility/2006">
+        <mc:Choice xmlns:a14="http://schemas.microsoft.com/office/drawing/2010/main" Requires="a14">
           <p:sp>
             <p:nvSpPr>
               <p:cNvPr id="36" name="pole tekstowe 35"/>
@@ -8172,13 +7820,15 @@
             </p:nvSpPr>
             <p:spPr>
               <a:xfrm>
-                <a:off x="6787740" y="2043399"/>
+                <a:off x="6693327" y="2043399"/>
                 <a:ext cx="576065" cy="438582"/>
               </a:xfrm>
               <a:prstGeom prst="rect">
                 <a:avLst/>
               </a:prstGeom>
-              <a:noFill/>
+              <a:solidFill>
+                <a:schemeClr val="bg1"/>
+              </a:solidFill>
               <a:ln>
                 <a:solidFill>
                   <a:schemeClr val="tx2">
@@ -8253,7 +7903,7 @@
             </p:txBody>
           </p:sp>
         </mc:Choice>
-        <mc:Fallback xmlns="">
+        <mc:Fallback>
           <p:sp>
             <p:nvSpPr>
               <p:cNvPr id="36" name="pole tekstowe 35"/>
@@ -8264,7 +7914,146 @@
             </p:nvSpPr>
             <p:spPr>
               <a:xfrm>
-                <a:off x="6787740" y="2043399"/>
+                <a:off x="6693327" y="2043399"/>
+                <a:ext cx="576065" cy="438582"/>
+              </a:xfrm>
+              <a:prstGeom prst="rect">
+                <a:avLst/>
+              </a:prstGeom>
+              <a:blipFill rotWithShape="1">
+                <a:blip r:embed="rId20"/>
+                <a:stretch>
+                  <a:fillRect b="-1351"/>
+                </a:stretch>
+              </a:blipFill>
+              <a:ln>
+                <a:solidFill>
+                  <a:schemeClr val="tx2">
+                    <a:lumMod val="75000"/>
+                  </a:schemeClr>
+                </a:solidFill>
+              </a:ln>
+            </p:spPr>
+            <p:txBody>
+              <a:bodyPr/>
+              <a:lstStyle/>
+              <a:p>
+                <a:r>
+                  <a:rPr lang="pl-PL">
+                    <a:noFill/>
+                  </a:rPr>
+                  <a:t> </a:t>
+                </a:r>
+              </a:p>
+            </p:txBody>
+          </p:sp>
+        </mc:Fallback>
+      </mc:AlternateContent>
+      <mc:AlternateContent xmlns:mc="http://schemas.openxmlformats.org/markup-compatibility/2006">
+        <mc:Choice xmlns:a14="http://schemas.microsoft.com/office/drawing/2010/main" Requires="a14">
+          <p:sp>
+            <p:nvSpPr>
+              <p:cNvPr id="38" name="pole tekstowe 37"/>
+              <p:cNvSpPr txBox="1"/>
+              <p:nvPr/>
+            </p:nvSpPr>
+            <p:spPr>
+              <a:xfrm>
+                <a:off x="6668264" y="3127862"/>
+                <a:ext cx="576065" cy="438582"/>
+              </a:xfrm>
+              <a:prstGeom prst="rect">
+                <a:avLst/>
+              </a:prstGeom>
+              <a:solidFill>
+                <a:schemeClr val="bg1"/>
+              </a:solidFill>
+              <a:ln>
+                <a:solidFill>
+                  <a:schemeClr val="tx2">
+                    <a:lumMod val="75000"/>
+                  </a:schemeClr>
+                </a:solidFill>
+              </a:ln>
+            </p:spPr>
+            <p:txBody>
+              <a:bodyPr wrap="square" rtlCol="0">
+                <a:spAutoFit/>
+              </a:bodyPr>
+              <a:lstStyle/>
+              <a:p>
+                <a:pPr/>
+                <a14:m>
+                  <m:oMathPara xmlns:m="http://schemas.openxmlformats.org/officeDocument/2006/math">
+                    <m:oMathParaPr>
+                      <m:jc m:val="centerGroup"/>
+                    </m:oMathParaPr>
+                    <m:oMath xmlns:m="http://schemas.openxmlformats.org/officeDocument/2006/math">
+                      <m:sSubSup>
+                        <m:sSubSupPr>
+                          <m:ctrlPr>
+                            <a:rPr lang="pl-PL" i="1" smtClean="0">
+                              <a:latin typeface="Cambria Math"/>
+                            </a:rPr>
+                          </m:ctrlPr>
+                        </m:sSubSupPr>
+                        <m:e>
+                          <m:r>
+                            <a:rPr lang="pl-PL" i="1">
+                              <a:latin typeface="Cambria Math"/>
+                            </a:rPr>
+                            <m:t>𝑆</m:t>
+                          </m:r>
+                        </m:e>
+                        <m:sub>
+                          <m:r>
+                            <a:rPr lang="pl-PL" i="1">
+                              <a:latin typeface="Cambria Math"/>
+                            </a:rPr>
+                            <m:t>𝑇</m:t>
+                          </m:r>
+                        </m:sub>
+                        <m:sup>
+                          <m:r>
+                            <a:rPr lang="pl-PL" i="1">
+                              <a:latin typeface="Cambria Math"/>
+                            </a:rPr>
+                            <m:t>(</m:t>
+                          </m:r>
+                          <m:r>
+                            <a:rPr lang="pl-PL" b="0" i="1" smtClean="0">
+                              <a:latin typeface="Cambria Math"/>
+                            </a:rPr>
+                            <m:t>𝐸</m:t>
+                          </m:r>
+                          <m:r>
+                            <a:rPr lang="pl-PL" i="1">
+                              <a:latin typeface="Cambria Math"/>
+                            </a:rPr>
+                            <m:t>)</m:t>
+                          </m:r>
+                        </m:sup>
+                      </m:sSubSup>
+                    </m:oMath>
+                  </m:oMathPara>
+                </a14:m>
+                <a:endParaRPr lang="pl-PL" dirty="0"/>
+              </a:p>
+            </p:txBody>
+          </p:sp>
+        </mc:Choice>
+        <mc:Fallback>
+          <p:sp>
+            <p:nvSpPr>
+              <p:cNvPr id="38" name="pole tekstowe 37"/>
+              <p:cNvSpPr txBox="1">
+                <a:spLocks noRot="1" noChangeAspect="1" noMove="1" noResize="1" noEditPoints="1" noAdjustHandles="1" noChangeArrowheads="1" noChangeShapeType="1" noTextEdit="1"/>
+              </p:cNvSpPr>
+              <p:nvPr/>
+            </p:nvSpPr>
+            <p:spPr>
+              <a:xfrm>
+                <a:off x="6668264" y="3127862"/>
                 <a:ext cx="576065" cy="438582"/>
               </a:xfrm>
               <a:prstGeom prst="rect">
@@ -8299,6 +8088,221 @@
           </p:sp>
         </mc:Fallback>
       </mc:AlternateContent>
+      <p:sp>
+        <p:nvSpPr>
+          <p:cNvPr id="32" name="Elipsa 31"/>
+          <p:cNvSpPr/>
+          <p:nvPr/>
+        </p:nvSpPr>
+        <p:spPr>
+          <a:xfrm>
+            <a:off x="5004048" y="2945294"/>
+            <a:ext cx="288032" cy="324981"/>
+          </a:xfrm>
+          <a:prstGeom prst="ellipse">
+            <a:avLst/>
+          </a:prstGeom>
+        </p:spPr>
+        <p:style>
+          <a:lnRef idx="2">
+            <a:schemeClr val="accent1">
+              <a:shade val="50000"/>
+            </a:schemeClr>
+          </a:lnRef>
+          <a:fillRef idx="1">
+            <a:schemeClr val="accent1"/>
+          </a:fillRef>
+          <a:effectRef idx="0">
+            <a:schemeClr val="accent1"/>
+          </a:effectRef>
+          <a:fontRef idx="minor">
+            <a:schemeClr val="lt1"/>
+          </a:fontRef>
+        </p:style>
+        <p:txBody>
+          <a:bodyPr rtlCol="0" anchor="ctr"/>
+          <a:lstStyle/>
+          <a:p>
+            <a:pPr algn="ctr"/>
+            <a:r>
+              <a:rPr lang="pl-PL" dirty="0"/>
+              <a:t>B</a:t>
+            </a:r>
+          </a:p>
+        </p:txBody>
+      </p:sp>
+      <p:sp>
+        <p:nvSpPr>
+          <p:cNvPr id="31" name="Elipsa 30"/>
+          <p:cNvSpPr/>
+          <p:nvPr/>
+        </p:nvSpPr>
+        <p:spPr>
+          <a:xfrm>
+            <a:off x="5012891" y="4198240"/>
+            <a:ext cx="288032" cy="324981"/>
+          </a:xfrm>
+          <a:prstGeom prst="ellipse">
+            <a:avLst/>
+          </a:prstGeom>
+        </p:spPr>
+        <p:style>
+          <a:lnRef idx="2">
+            <a:schemeClr val="accent1">
+              <a:shade val="50000"/>
+            </a:schemeClr>
+          </a:lnRef>
+          <a:fillRef idx="1">
+            <a:schemeClr val="accent1"/>
+          </a:fillRef>
+          <a:effectRef idx="0">
+            <a:schemeClr val="accent1"/>
+          </a:effectRef>
+          <a:fontRef idx="minor">
+            <a:schemeClr val="lt1"/>
+          </a:fontRef>
+        </p:style>
+        <p:txBody>
+          <a:bodyPr rtlCol="0" anchor="ctr"/>
+          <a:lstStyle/>
+          <a:p>
+            <a:pPr algn="ctr"/>
+            <a:r>
+              <a:rPr lang="pl-PL" dirty="0"/>
+              <a:t>C</a:t>
+            </a:r>
+          </a:p>
+        </p:txBody>
+      </p:sp>
+      <p:sp>
+        <p:nvSpPr>
+          <p:cNvPr id="33" name="Elipsa 32"/>
+          <p:cNvSpPr/>
+          <p:nvPr/>
+        </p:nvSpPr>
+        <p:spPr>
+          <a:xfrm>
+            <a:off x="6582517" y="2381460"/>
+            <a:ext cx="288032" cy="324981"/>
+          </a:xfrm>
+          <a:prstGeom prst="ellipse">
+            <a:avLst/>
+          </a:prstGeom>
+        </p:spPr>
+        <p:style>
+          <a:lnRef idx="2">
+            <a:schemeClr val="accent1">
+              <a:shade val="50000"/>
+            </a:schemeClr>
+          </a:lnRef>
+          <a:fillRef idx="1">
+            <a:schemeClr val="accent1"/>
+          </a:fillRef>
+          <a:effectRef idx="0">
+            <a:schemeClr val="accent1"/>
+          </a:effectRef>
+          <a:fontRef idx="minor">
+            <a:schemeClr val="lt1"/>
+          </a:fontRef>
+        </p:style>
+        <p:txBody>
+          <a:bodyPr rtlCol="0" anchor="ctr"/>
+          <a:lstStyle/>
+          <a:p>
+            <a:pPr algn="ctr"/>
+            <a:r>
+              <a:rPr lang="pl-PL" dirty="0"/>
+              <a:t>D</a:t>
+            </a:r>
+          </a:p>
+        </p:txBody>
+      </p:sp>
+      <p:sp>
+        <p:nvSpPr>
+          <p:cNvPr id="34" name="Elipsa 33"/>
+          <p:cNvSpPr/>
+          <p:nvPr/>
+        </p:nvSpPr>
+        <p:spPr>
+          <a:xfrm>
+            <a:off x="6597392" y="3527253"/>
+            <a:ext cx="288032" cy="324981"/>
+          </a:xfrm>
+          <a:prstGeom prst="ellipse">
+            <a:avLst/>
+          </a:prstGeom>
+        </p:spPr>
+        <p:style>
+          <a:lnRef idx="2">
+            <a:schemeClr val="accent1">
+              <a:shade val="50000"/>
+            </a:schemeClr>
+          </a:lnRef>
+          <a:fillRef idx="1">
+            <a:schemeClr val="accent1"/>
+          </a:fillRef>
+          <a:effectRef idx="0">
+            <a:schemeClr val="accent1"/>
+          </a:effectRef>
+          <a:fontRef idx="minor">
+            <a:schemeClr val="lt1"/>
+          </a:fontRef>
+        </p:style>
+        <p:txBody>
+          <a:bodyPr rtlCol="0" anchor="ctr"/>
+          <a:lstStyle/>
+          <a:p>
+            <a:pPr algn="ctr"/>
+            <a:r>
+              <a:rPr lang="pl-PL" dirty="0"/>
+              <a:t>E</a:t>
+            </a:r>
+          </a:p>
+        </p:txBody>
+      </p:sp>
+      <p:sp>
+        <p:nvSpPr>
+          <p:cNvPr id="35" name="Elipsa 34"/>
+          <p:cNvSpPr/>
+          <p:nvPr/>
+        </p:nvSpPr>
+        <p:spPr>
+          <a:xfrm>
+            <a:off x="6588224" y="4635373"/>
+            <a:ext cx="288032" cy="324981"/>
+          </a:xfrm>
+          <a:prstGeom prst="ellipse">
+            <a:avLst/>
+          </a:prstGeom>
+        </p:spPr>
+        <p:style>
+          <a:lnRef idx="2">
+            <a:schemeClr val="accent1">
+              <a:shade val="50000"/>
+            </a:schemeClr>
+          </a:lnRef>
+          <a:fillRef idx="1">
+            <a:schemeClr val="accent1"/>
+          </a:fillRef>
+          <a:effectRef idx="0">
+            <a:schemeClr val="accent1"/>
+          </a:effectRef>
+          <a:fontRef idx="minor">
+            <a:schemeClr val="lt1"/>
+          </a:fontRef>
+        </p:style>
+        <p:txBody>
+          <a:bodyPr rtlCol="0" anchor="ctr"/>
+          <a:lstStyle/>
+          <a:p>
+            <a:pPr algn="ctr"/>
+            <a:r>
+              <a:rPr lang="pl-PL" dirty="0"/>
+              <a:t>F</a:t>
+            </a:r>
+          </a:p>
+        </p:txBody>
+      </p:sp>
     </p:spTree>
     <p:extLst>
       <p:ext uri="{BB962C8B-B14F-4D97-AF65-F5344CB8AC3E}">
@@ -10403,8 +10407,8 @@
           </a:p>
         </p:txBody>
       </p:sp>
-      <mc:AlternateContent xmlns:mc="http://schemas.openxmlformats.org/markup-compatibility/2006">
-        <mc:Choice xmlns:a14="http://schemas.microsoft.com/office/drawing/2010/main" Requires="a14">
+      <mc:AlternateContent xmlns:mc="http://schemas.openxmlformats.org/markup-compatibility/2006" xmlns:a14="http://schemas.microsoft.com/office/drawing/2010/main">
+        <mc:Choice Requires="a14">
           <p:sp>
             <p:nvSpPr>
               <p:cNvPr id="5" name="pole tekstowe 4"/>
@@ -10593,7 +10597,7 @@
             </p:txBody>
           </p:sp>
         </mc:Choice>
-        <mc:Fallback>
+        <mc:Fallback xmlns="">
           <p:sp>
             <p:nvSpPr>
               <p:cNvPr id="5" name="pole tekstowe 4"/>
@@ -11636,8 +11640,8 @@
           </p:sp>
         </mc:Fallback>
       </mc:AlternateContent>
-      <mc:AlternateContent xmlns:mc="http://schemas.openxmlformats.org/markup-compatibility/2006">
-        <mc:Choice xmlns:a14="http://schemas.microsoft.com/office/drawing/2010/main" Requires="a14">
+      <mc:AlternateContent xmlns:mc="http://schemas.openxmlformats.org/markup-compatibility/2006" xmlns:a14="http://schemas.microsoft.com/office/drawing/2010/main">
+        <mc:Choice Requires="a14">
           <p:sp>
             <p:nvSpPr>
               <p:cNvPr id="48" name="pole tekstowe 47"/>
@@ -11681,7 +11685,7 @@
             </p:txBody>
           </p:sp>
         </mc:Choice>
-        <mc:Fallback>
+        <mc:Fallback xmlns="">
           <p:sp>
             <p:nvSpPr>
               <p:cNvPr id="48" name="pole tekstowe 47"/>
@@ -12003,7 +12007,7 @@
         </p:nvSpPr>
         <p:spPr>
           <a:xfrm>
-            <a:off x="395536" y="1340768"/>
+            <a:off x="374847" y="1349013"/>
             <a:ext cx="8229600" cy="532655"/>
           </a:xfrm>
         </p:spPr>
@@ -13940,8 +13944,8 @@
           </p:sp>
         </mc:Fallback>
       </mc:AlternateContent>
-      <mc:AlternateContent xmlns:mc="http://schemas.openxmlformats.org/markup-compatibility/2006">
-        <mc:Choice xmlns:a14="http://schemas.microsoft.com/office/drawing/2010/main" Requires="a14">
+      <mc:AlternateContent xmlns:mc="http://schemas.openxmlformats.org/markup-compatibility/2006" xmlns:a14="http://schemas.microsoft.com/office/drawing/2010/main">
+        <mc:Choice Requires="a14">
           <p:sp>
             <p:nvSpPr>
               <p:cNvPr id="50" name="Prostokąt 49"/>
@@ -14003,7 +14007,7 @@
             </p:txBody>
           </p:sp>
         </mc:Choice>
-        <mc:Fallback>
+        <mc:Fallback xmlns="">
           <p:sp>
             <p:nvSpPr>
               <p:cNvPr id="50" name="Prostokąt 49"/>
@@ -14052,7 +14056,7 @@
             </p:nvSpPr>
             <p:spPr>
               <a:xfrm>
-                <a:off x="344075" y="4738251"/>
+                <a:off x="2478645" y="6241335"/>
                 <a:ext cx="3321935" cy="646331"/>
               </a:xfrm>
               <a:prstGeom prst="rect">
@@ -14261,7 +14265,7 @@
             </p:nvSpPr>
             <p:spPr>
               <a:xfrm>
-                <a:off x="344075" y="4738251"/>
+                <a:off x="2478645" y="6241335"/>
                 <a:ext cx="3321935" cy="646331"/>
               </a:xfrm>
               <a:prstGeom prst="rect">
@@ -14299,7 +14303,7 @@
             </p:nvSpPr>
             <p:spPr>
               <a:xfrm>
-                <a:off x="344075" y="5167932"/>
+                <a:off x="3296498" y="6096532"/>
                 <a:ext cx="3246290" cy="369332"/>
               </a:xfrm>
               <a:prstGeom prst="rect">
@@ -14504,7 +14508,7 @@
             </p:nvSpPr>
             <p:spPr>
               <a:xfrm>
-                <a:off x="344075" y="5167932"/>
+                <a:off x="3296498" y="6096532"/>
                 <a:ext cx="3246290" cy="369332"/>
               </a:xfrm>
               <a:prstGeom prst="rect">
@@ -14513,7 +14517,7 @@
               <a:blipFill rotWithShape="1">
                 <a:blip r:embed="rId14"/>
                 <a:stretch>
-                  <a:fillRect b="-16667"/>
+                  <a:fillRect b="-14754"/>
                 </a:stretch>
               </a:blipFill>
             </p:spPr>
@@ -14542,7 +14546,7 @@
             </p:nvSpPr>
             <p:spPr>
               <a:xfrm>
-                <a:off x="344075" y="5585507"/>
+                <a:off x="403264" y="6096532"/>
                 <a:ext cx="3467560" cy="646331"/>
               </a:xfrm>
               <a:prstGeom prst="rect">
@@ -14751,7 +14755,7 @@
             </p:nvSpPr>
             <p:spPr>
               <a:xfrm>
-                <a:off x="344075" y="5585507"/>
+                <a:off x="403264" y="6096532"/>
                 <a:ext cx="3467560" cy="646331"/>
               </a:xfrm>
               <a:prstGeom prst="rect">
@@ -14779,8 +14783,8 @@
           </p:sp>
         </mc:Fallback>
       </mc:AlternateContent>
-      <mc:AlternateContent xmlns:mc="http://schemas.openxmlformats.org/markup-compatibility/2006">
-        <mc:Choice xmlns:a14="http://schemas.microsoft.com/office/drawing/2010/main" Requires="a14">
+      <mc:AlternateContent xmlns:mc="http://schemas.openxmlformats.org/markup-compatibility/2006" xmlns:a14="http://schemas.microsoft.com/office/drawing/2010/main">
+        <mc:Choice Requires="a14">
           <p:sp>
             <p:nvSpPr>
               <p:cNvPr id="39" name="pole tekstowe 38"/>
@@ -14916,7 +14920,7 @@
             </p:txBody>
           </p:sp>
         </mc:Choice>
-        <mc:Fallback>
+        <mc:Fallback xmlns="">
           <p:sp>
             <p:nvSpPr>
               <p:cNvPr id="39" name="pole tekstowe 38"/>
@@ -15077,6 +15081,907 @@
           </a:p>
         </p:txBody>
       </p:sp>
+      <mc:AlternateContent xmlns:mc="http://schemas.openxmlformats.org/markup-compatibility/2006">
+        <mc:Choice xmlns:a14="http://schemas.microsoft.com/office/drawing/2010/main" Requires="a14">
+          <p:sp>
+            <p:nvSpPr>
+              <p:cNvPr id="5" name="pole tekstowe 4"/>
+              <p:cNvSpPr txBox="1"/>
+              <p:nvPr/>
+            </p:nvSpPr>
+            <p:spPr>
+              <a:xfrm>
+                <a:off x="719792" y="4725144"/>
+                <a:ext cx="3564175" cy="506870"/>
+              </a:xfrm>
+              <a:prstGeom prst="rect">
+                <a:avLst/>
+              </a:prstGeom>
+              <a:noFill/>
+            </p:spPr>
+            <p:txBody>
+              <a:bodyPr wrap="square" rtlCol="0">
+                <a:spAutoFit/>
+              </a:bodyPr>
+              <a:lstStyle/>
+              <a:p>
+                <a14:m>
+                  <m:oMath xmlns:m="http://schemas.openxmlformats.org/officeDocument/2006/math">
+                    <m:sSub>
+                      <m:sSubPr>
+                        <m:ctrlPr>
+                          <a:rPr lang="pl-PL" i="1" smtClean="0">
+                            <a:latin typeface="Cambria Math"/>
+                            <a:ea typeface="Cambria Math"/>
+                          </a:rPr>
+                        </m:ctrlPr>
+                      </m:sSubPr>
+                      <m:e>
+                        <m:r>
+                          <a:rPr lang="pl-PL" i="1">
+                            <a:latin typeface="Cambria Math"/>
+                            <a:ea typeface="Cambria Math"/>
+                          </a:rPr>
+                          <m:t>𝑉</m:t>
+                        </m:r>
+                      </m:e>
+                      <m:sub>
+                        <m:r>
+                          <a:rPr lang="pl-PL" i="1">
+                            <a:latin typeface="Cambria Math"/>
+                            <a:ea typeface="Cambria Math"/>
+                          </a:rPr>
+                          <m:t>𝐵</m:t>
+                        </m:r>
+                      </m:sub>
+                    </m:sSub>
+                    <m:r>
+                      <a:rPr lang="pl-PL" b="0" i="1" smtClean="0">
+                        <a:latin typeface="Cambria Math"/>
+                        <a:ea typeface="Cambria Math"/>
+                      </a:rPr>
+                      <m:t>=(</m:t>
+                    </m:r>
+                    <m:r>
+                      <a:rPr lang="pl-PL" b="0" i="1" smtClean="0">
+                        <a:latin typeface="Cambria Math"/>
+                        <a:ea typeface="Cambria Math"/>
+                      </a:rPr>
+                      <m:t>𝑝𝑎𝑦𝑜𝑓𝑓</m:t>
+                    </m:r>
+                    <m:r>
+                      <a:rPr lang="pl-PL" b="0" i="1" smtClean="0">
+                        <a:latin typeface="Cambria Math"/>
+                        <a:ea typeface="Cambria Math"/>
+                      </a:rPr>
+                      <m:t>@</m:t>
+                    </m:r>
+                    <m:r>
+                      <a:rPr lang="pl-PL" b="0" i="1" smtClean="0">
+                        <a:latin typeface="Cambria Math"/>
+                        <a:ea typeface="Cambria Math"/>
+                      </a:rPr>
+                      <m:t>𝐾</m:t>
+                    </m:r>
+                    <m:d>
+                      <m:dPr>
+                        <m:ctrlPr>
+                          <a:rPr lang="pl-PL" b="0" i="1" smtClean="0">
+                            <a:latin typeface="Cambria Math"/>
+                            <a:ea typeface="Cambria Math"/>
+                          </a:rPr>
+                        </m:ctrlPr>
+                      </m:dPr>
+                      <m:e>
+                        <m:sSubSup>
+                          <m:sSubSupPr>
+                            <m:ctrlPr>
+                              <a:rPr lang="pl-PL" i="1">
+                                <a:latin typeface="Cambria Math"/>
+                              </a:rPr>
+                            </m:ctrlPr>
+                          </m:sSubSupPr>
+                          <m:e>
+                            <m:r>
+                              <a:rPr lang="pl-PL" i="1">
+                                <a:latin typeface="Cambria Math"/>
+                              </a:rPr>
+                              <m:t>𝑆</m:t>
+                            </m:r>
+                          </m:e>
+                          <m:sub>
+                            <m:r>
+                              <a:rPr lang="pl-PL" i="1">
+                                <a:latin typeface="Cambria Math"/>
+                              </a:rPr>
+                              <m:t>𝑇</m:t>
+                            </m:r>
+                          </m:sub>
+                          <m:sup>
+                            <m:r>
+                              <a:rPr lang="pl-PL" i="1">
+                                <a:latin typeface="Cambria Math"/>
+                              </a:rPr>
+                              <m:t>(</m:t>
+                            </m:r>
+                            <m:r>
+                              <a:rPr lang="pl-PL" i="1">
+                                <a:latin typeface="Cambria Math"/>
+                              </a:rPr>
+                              <m:t>𝐵</m:t>
+                            </m:r>
+                            <m:r>
+                              <a:rPr lang="pl-PL" i="1">
+                                <a:latin typeface="Cambria Math"/>
+                              </a:rPr>
+                              <m:t>)</m:t>
+                            </m:r>
+                          </m:sup>
+                        </m:sSubSup>
+                      </m:e>
+                    </m:d>
+                    <m:r>
+                      <a:rPr lang="pl-PL" b="0" i="1" smtClean="0">
+                        <a:latin typeface="Cambria Math"/>
+                        <a:ea typeface="Cambria Math"/>
+                      </a:rPr>
+                      <m:t>,</m:t>
+                    </m:r>
+                    <m:sSub>
+                      <m:sSubPr>
+                        <m:ctrlPr>
+                          <a:rPr lang="pl-PL" b="0" i="1" smtClean="0">
+                            <a:latin typeface="Cambria Math"/>
+                            <a:ea typeface="Cambria Math"/>
+                          </a:rPr>
+                        </m:ctrlPr>
+                      </m:sSubPr>
+                      <m:e>
+                        <m:r>
+                          <a:rPr lang="pl-PL" b="0" i="1" smtClean="0">
+                            <a:latin typeface="Cambria Math"/>
+                            <a:ea typeface="Cambria Math"/>
+                          </a:rPr>
+                          <m:t>𝑉</m:t>
+                        </m:r>
+                      </m:e>
+                      <m:sub>
+                        <m:r>
+                          <a:rPr lang="pl-PL" b="0" i="1" smtClean="0">
+                            <a:latin typeface="Cambria Math"/>
+                            <a:ea typeface="Cambria Math"/>
+                          </a:rPr>
+                          <m:t>𝑐𝑜𝑛𝑡</m:t>
+                        </m:r>
+                      </m:sub>
+                    </m:sSub>
+                  </m:oMath>
+                </a14:m>
+                <a:r>
+                  <a:rPr lang="pl-PL" dirty="0" smtClean="0"/>
+                  <a:t>)</a:t>
+                </a:r>
+                <a:endParaRPr lang="pl-PL" dirty="0"/>
+              </a:p>
+            </p:txBody>
+          </p:sp>
+        </mc:Choice>
+        <mc:Fallback>
+          <p:sp>
+            <p:nvSpPr>
+              <p:cNvPr id="5" name="pole tekstowe 4"/>
+              <p:cNvSpPr txBox="1">
+                <a:spLocks noRot="1" noChangeAspect="1" noMove="1" noResize="1" noEditPoints="1" noAdjustHandles="1" noChangeArrowheads="1" noChangeShapeType="1" noTextEdit="1"/>
+              </p:cNvSpPr>
+              <p:nvPr/>
+            </p:nvSpPr>
+            <p:spPr>
+              <a:xfrm>
+                <a:off x="719792" y="4725144"/>
+                <a:ext cx="3564175" cy="506870"/>
+              </a:xfrm>
+              <a:prstGeom prst="rect">
+                <a:avLst/>
+              </a:prstGeom>
+              <a:blipFill rotWithShape="1">
+                <a:blip r:embed="rId2"/>
+                <a:stretch>
+                  <a:fillRect b="-6024"/>
+                </a:stretch>
+              </a:blipFill>
+            </p:spPr>
+            <p:txBody>
+              <a:bodyPr/>
+              <a:lstStyle/>
+              <a:p>
+                <a:r>
+                  <a:rPr lang="pl-PL">
+                    <a:noFill/>
+                  </a:rPr>
+                  <a:t> </a:t>
+                </a:r>
+              </a:p>
+            </p:txBody>
+          </p:sp>
+        </mc:Fallback>
+      </mc:AlternateContent>
+      <mc:AlternateContent xmlns:mc="http://schemas.openxmlformats.org/markup-compatibility/2006">
+        <mc:Choice xmlns:a14="http://schemas.microsoft.com/office/drawing/2010/main" Requires="a14">
+          <p:sp>
+            <p:nvSpPr>
+              <p:cNvPr id="6" name="pole tekstowe 5"/>
+              <p:cNvSpPr txBox="1"/>
+              <p:nvPr/>
+            </p:nvSpPr>
+            <p:spPr>
+              <a:xfrm>
+                <a:off x="719793" y="5207518"/>
+                <a:ext cx="3365716" cy="783869"/>
+              </a:xfrm>
+              <a:prstGeom prst="rect">
+                <a:avLst/>
+              </a:prstGeom>
+              <a:noFill/>
+            </p:spPr>
+            <p:txBody>
+              <a:bodyPr wrap="square" rtlCol="0">
+                <a:spAutoFit/>
+              </a:bodyPr>
+              <a:lstStyle/>
+              <a:p>
+                <a14:m>
+                  <m:oMath xmlns:m="http://schemas.openxmlformats.org/officeDocument/2006/math">
+                    <m:sSub>
+                      <m:sSubPr>
+                        <m:ctrlPr>
+                          <a:rPr lang="pl-PL" i="1" smtClean="0">
+                            <a:latin typeface="Cambria Math"/>
+                            <a:ea typeface="Cambria Math"/>
+                          </a:rPr>
+                        </m:ctrlPr>
+                      </m:sSubPr>
+                      <m:e>
+                        <m:r>
+                          <a:rPr lang="pl-PL" i="1">
+                            <a:latin typeface="Cambria Math"/>
+                            <a:ea typeface="Cambria Math"/>
+                          </a:rPr>
+                          <m:t>𝑉</m:t>
+                        </m:r>
+                      </m:e>
+                      <m:sub>
+                        <m:r>
+                          <a:rPr lang="pl-PL" b="0" i="1" smtClean="0">
+                            <a:latin typeface="Cambria Math"/>
+                            <a:ea typeface="Cambria Math"/>
+                          </a:rPr>
+                          <m:t>𝐶</m:t>
+                        </m:r>
+                      </m:sub>
+                    </m:sSub>
+                    <m:r>
+                      <a:rPr lang="pl-PL" i="1">
+                        <a:latin typeface="Cambria Math"/>
+                        <a:ea typeface="Cambria Math"/>
+                      </a:rPr>
+                      <m:t>=(</m:t>
+                    </m:r>
+                    <m:r>
+                      <a:rPr lang="pl-PL" i="1">
+                        <a:latin typeface="Cambria Math"/>
+                        <a:ea typeface="Cambria Math"/>
+                      </a:rPr>
+                      <m:t>𝑝𝑎𝑦𝑜𝑓𝑓</m:t>
+                    </m:r>
+                    <m:r>
+                      <a:rPr lang="pl-PL" b="0" i="1" smtClean="0">
+                        <a:latin typeface="Cambria Math"/>
+                        <a:ea typeface="Cambria Math"/>
+                      </a:rPr>
+                      <m:t>@</m:t>
+                    </m:r>
+                    <m:r>
+                      <a:rPr lang="pl-PL" b="0" i="1" smtClean="0">
+                        <a:latin typeface="Cambria Math"/>
+                        <a:ea typeface="Cambria Math"/>
+                      </a:rPr>
+                      <m:t>𝐾</m:t>
+                    </m:r>
+                    <m:d>
+                      <m:dPr>
+                        <m:ctrlPr>
+                          <a:rPr lang="pl-PL" i="1">
+                            <a:latin typeface="Cambria Math"/>
+                            <a:ea typeface="Cambria Math"/>
+                          </a:rPr>
+                        </m:ctrlPr>
+                      </m:dPr>
+                      <m:e>
+                        <m:sSubSup>
+                          <m:sSubSupPr>
+                            <m:ctrlPr>
+                              <a:rPr lang="pl-PL" i="1">
+                                <a:latin typeface="Cambria Math"/>
+                              </a:rPr>
+                            </m:ctrlPr>
+                          </m:sSubSupPr>
+                          <m:e>
+                            <m:r>
+                              <a:rPr lang="pl-PL" i="1">
+                                <a:latin typeface="Cambria Math"/>
+                              </a:rPr>
+                              <m:t>𝑆</m:t>
+                            </m:r>
+                          </m:e>
+                          <m:sub>
+                            <m:r>
+                              <a:rPr lang="pl-PL" i="1">
+                                <a:latin typeface="Cambria Math"/>
+                              </a:rPr>
+                              <m:t>𝑇</m:t>
+                            </m:r>
+                          </m:sub>
+                          <m:sup>
+                            <m:r>
+                              <a:rPr lang="pl-PL" i="1">
+                                <a:latin typeface="Cambria Math"/>
+                              </a:rPr>
+                              <m:t>(</m:t>
+                            </m:r>
+                            <m:r>
+                              <a:rPr lang="pl-PL" b="0" i="1" smtClean="0">
+                                <a:latin typeface="Cambria Math"/>
+                              </a:rPr>
+                              <m:t>𝐶</m:t>
+                            </m:r>
+                            <m:r>
+                              <a:rPr lang="pl-PL" i="1">
+                                <a:latin typeface="Cambria Math"/>
+                              </a:rPr>
+                              <m:t>)</m:t>
+                            </m:r>
+                          </m:sup>
+                        </m:sSubSup>
+                      </m:e>
+                    </m:d>
+                    <m:r>
+                      <a:rPr lang="pl-PL" i="1">
+                        <a:latin typeface="Cambria Math"/>
+                        <a:ea typeface="Cambria Math"/>
+                      </a:rPr>
+                      <m:t>,</m:t>
+                    </m:r>
+                    <m:sSub>
+                      <m:sSubPr>
+                        <m:ctrlPr>
+                          <a:rPr lang="pl-PL" i="1">
+                            <a:latin typeface="Cambria Math"/>
+                            <a:ea typeface="Cambria Math"/>
+                          </a:rPr>
+                        </m:ctrlPr>
+                      </m:sSubPr>
+                      <m:e>
+                        <m:r>
+                          <a:rPr lang="pl-PL" i="1">
+                            <a:latin typeface="Cambria Math"/>
+                            <a:ea typeface="Cambria Math"/>
+                          </a:rPr>
+                          <m:t>𝑉</m:t>
+                        </m:r>
+                      </m:e>
+                      <m:sub>
+                        <m:r>
+                          <a:rPr lang="pl-PL" i="1">
+                            <a:latin typeface="Cambria Math"/>
+                            <a:ea typeface="Cambria Math"/>
+                          </a:rPr>
+                          <m:t>𝑐𝑜𝑛𝑡</m:t>
+                        </m:r>
+                      </m:sub>
+                    </m:sSub>
+                  </m:oMath>
+                </a14:m>
+                <a:r>
+                  <a:rPr lang="pl-PL" dirty="0"/>
+                  <a:t>)</a:t>
+                </a:r>
+                <a:endParaRPr lang="pl-PL" dirty="0"/>
+              </a:p>
+              <a:p>
+                <a:endParaRPr lang="pl-PL" dirty="0"/>
+              </a:p>
+            </p:txBody>
+          </p:sp>
+        </mc:Choice>
+        <mc:Fallback>
+          <p:sp>
+            <p:nvSpPr>
+              <p:cNvPr id="6" name="pole tekstowe 5"/>
+              <p:cNvSpPr txBox="1">
+                <a:spLocks noRot="1" noChangeAspect="1" noMove="1" noResize="1" noEditPoints="1" noAdjustHandles="1" noChangeArrowheads="1" noChangeShapeType="1" noTextEdit="1"/>
+              </p:cNvSpPr>
+              <p:nvPr/>
+            </p:nvSpPr>
+            <p:spPr>
+              <a:xfrm>
+                <a:off x="719793" y="5207518"/>
+                <a:ext cx="3365716" cy="783869"/>
+              </a:xfrm>
+              <a:prstGeom prst="rect">
+                <a:avLst/>
+              </a:prstGeom>
+              <a:blipFill rotWithShape="1">
+                <a:blip r:embed="rId3"/>
+                <a:stretch>
+                  <a:fillRect/>
+                </a:stretch>
+              </a:blipFill>
+            </p:spPr>
+            <p:txBody>
+              <a:bodyPr/>
+              <a:lstStyle/>
+              <a:p>
+                <a:r>
+                  <a:rPr lang="pl-PL">
+                    <a:noFill/>
+                  </a:rPr>
+                  <a:t> </a:t>
+                </a:r>
+              </a:p>
+            </p:txBody>
+          </p:sp>
+        </mc:Fallback>
+      </mc:AlternateContent>
+      <mc:AlternateContent xmlns:mc="http://schemas.openxmlformats.org/markup-compatibility/2006">
+        <mc:Choice xmlns:a14="http://schemas.microsoft.com/office/drawing/2010/main" Requires="a14">
+          <p:sp>
+            <p:nvSpPr>
+              <p:cNvPr id="7" name="pole tekstowe 6"/>
+              <p:cNvSpPr txBox="1"/>
+              <p:nvPr/>
+            </p:nvSpPr>
+            <p:spPr>
+              <a:xfrm>
+                <a:off x="702228" y="5623948"/>
+                <a:ext cx="3365716" cy="783869"/>
+              </a:xfrm>
+              <a:prstGeom prst="rect">
+                <a:avLst/>
+              </a:prstGeom>
+              <a:noFill/>
+            </p:spPr>
+            <p:txBody>
+              <a:bodyPr wrap="square" rtlCol="0">
+                <a:spAutoFit/>
+              </a:bodyPr>
+              <a:lstStyle/>
+              <a:p>
+                <a14:m>
+                  <m:oMath xmlns:m="http://schemas.openxmlformats.org/officeDocument/2006/math">
+                    <m:sSub>
+                      <m:sSubPr>
+                        <m:ctrlPr>
+                          <a:rPr lang="pl-PL" b="1" i="1" smtClean="0">
+                            <a:latin typeface="Cambria Math"/>
+                            <a:ea typeface="Cambria Math"/>
+                          </a:rPr>
+                        </m:ctrlPr>
+                      </m:sSubPr>
+                      <m:e>
+                        <m:r>
+                          <a:rPr lang="pl-PL" b="1" i="1">
+                            <a:latin typeface="Cambria Math"/>
+                            <a:ea typeface="Cambria Math"/>
+                          </a:rPr>
+                          <m:t>𝑽</m:t>
+                        </m:r>
+                      </m:e>
+                      <m:sub>
+                        <m:r>
+                          <a:rPr lang="pl-PL" b="1" i="1" smtClean="0">
+                            <a:latin typeface="Cambria Math"/>
+                            <a:ea typeface="Cambria Math"/>
+                          </a:rPr>
+                          <m:t>𝑨</m:t>
+                        </m:r>
+                      </m:sub>
+                    </m:sSub>
+                    <m:r>
+                      <a:rPr lang="pl-PL" i="1">
+                        <a:latin typeface="Cambria Math"/>
+                        <a:ea typeface="Cambria Math"/>
+                      </a:rPr>
+                      <m:t>=(</m:t>
+                    </m:r>
+                    <m:r>
+                      <a:rPr lang="pl-PL" i="1">
+                        <a:latin typeface="Cambria Math"/>
+                        <a:ea typeface="Cambria Math"/>
+                      </a:rPr>
+                      <m:t>𝑝𝑎𝑦𝑜𝑓𝑓</m:t>
+                    </m:r>
+                    <m:r>
+                      <a:rPr lang="pl-PL" i="1">
+                        <a:latin typeface="Cambria Math"/>
+                        <a:ea typeface="Cambria Math"/>
+                      </a:rPr>
+                      <m:t>@</m:t>
+                    </m:r>
+                    <m:r>
+                      <a:rPr lang="pl-PL" i="1">
+                        <a:latin typeface="Cambria Math"/>
+                        <a:ea typeface="Cambria Math"/>
+                      </a:rPr>
+                      <m:t>𝐾</m:t>
+                    </m:r>
+                    <m:d>
+                      <m:dPr>
+                        <m:ctrlPr>
+                          <a:rPr lang="pl-PL" i="1">
+                            <a:latin typeface="Cambria Math"/>
+                            <a:ea typeface="Cambria Math"/>
+                          </a:rPr>
+                        </m:ctrlPr>
+                      </m:dPr>
+                      <m:e>
+                        <m:sSubSup>
+                          <m:sSubSupPr>
+                            <m:ctrlPr>
+                              <a:rPr lang="pl-PL" i="1">
+                                <a:latin typeface="Cambria Math"/>
+                              </a:rPr>
+                            </m:ctrlPr>
+                          </m:sSubSupPr>
+                          <m:e>
+                            <m:r>
+                              <a:rPr lang="pl-PL" i="1">
+                                <a:latin typeface="Cambria Math"/>
+                              </a:rPr>
+                              <m:t>𝑆</m:t>
+                            </m:r>
+                          </m:e>
+                          <m:sub>
+                            <m:r>
+                              <a:rPr lang="pl-PL" i="1">
+                                <a:latin typeface="Cambria Math"/>
+                              </a:rPr>
+                              <m:t>𝑇</m:t>
+                            </m:r>
+                          </m:sub>
+                          <m:sup>
+                            <m:r>
+                              <a:rPr lang="pl-PL" i="1">
+                                <a:latin typeface="Cambria Math"/>
+                              </a:rPr>
+                              <m:t>(</m:t>
+                            </m:r>
+                            <m:r>
+                              <a:rPr lang="pl-PL" b="0" i="1" smtClean="0">
+                                <a:latin typeface="Cambria Math"/>
+                              </a:rPr>
+                              <m:t>𝐴</m:t>
+                            </m:r>
+                            <m:r>
+                              <a:rPr lang="pl-PL" i="1">
+                                <a:latin typeface="Cambria Math"/>
+                              </a:rPr>
+                              <m:t>)</m:t>
+                            </m:r>
+                          </m:sup>
+                        </m:sSubSup>
+                      </m:e>
+                    </m:d>
+                    <m:r>
+                      <a:rPr lang="pl-PL" i="1">
+                        <a:latin typeface="Cambria Math"/>
+                        <a:ea typeface="Cambria Math"/>
+                      </a:rPr>
+                      <m:t>,</m:t>
+                    </m:r>
+                    <m:sSub>
+                      <m:sSubPr>
+                        <m:ctrlPr>
+                          <a:rPr lang="pl-PL" i="1">
+                            <a:latin typeface="Cambria Math"/>
+                            <a:ea typeface="Cambria Math"/>
+                          </a:rPr>
+                        </m:ctrlPr>
+                      </m:sSubPr>
+                      <m:e>
+                        <m:r>
+                          <a:rPr lang="pl-PL" i="1">
+                            <a:latin typeface="Cambria Math"/>
+                            <a:ea typeface="Cambria Math"/>
+                          </a:rPr>
+                          <m:t>𝑉</m:t>
+                        </m:r>
+                      </m:e>
+                      <m:sub>
+                        <m:r>
+                          <a:rPr lang="pl-PL" i="1">
+                            <a:latin typeface="Cambria Math"/>
+                            <a:ea typeface="Cambria Math"/>
+                          </a:rPr>
+                          <m:t>𝑐𝑜𝑛𝑡</m:t>
+                        </m:r>
+                      </m:sub>
+                    </m:sSub>
+                  </m:oMath>
+                </a14:m>
+                <a:r>
+                  <a:rPr lang="pl-PL" dirty="0"/>
+                  <a:t>)</a:t>
+                </a:r>
+              </a:p>
+              <a:p>
+                <a:endParaRPr lang="pl-PL" dirty="0"/>
+              </a:p>
+            </p:txBody>
+          </p:sp>
+        </mc:Choice>
+        <mc:Fallback>
+          <p:sp>
+            <p:nvSpPr>
+              <p:cNvPr id="7" name="pole tekstowe 6"/>
+              <p:cNvSpPr txBox="1">
+                <a:spLocks noRot="1" noChangeAspect="1" noMove="1" noResize="1" noEditPoints="1" noAdjustHandles="1" noChangeArrowheads="1" noChangeShapeType="1" noTextEdit="1"/>
+              </p:cNvSpPr>
+              <p:nvPr/>
+            </p:nvSpPr>
+            <p:spPr>
+              <a:xfrm>
+                <a:off x="702228" y="5623948"/>
+                <a:ext cx="3365716" cy="783869"/>
+              </a:xfrm>
+              <a:prstGeom prst="rect">
+                <a:avLst/>
+              </a:prstGeom>
+              <a:blipFill rotWithShape="1">
+                <a:blip r:embed="rId4"/>
+                <a:stretch>
+                  <a:fillRect r="-181"/>
+                </a:stretch>
+              </a:blipFill>
+            </p:spPr>
+            <p:txBody>
+              <a:bodyPr/>
+              <a:lstStyle/>
+              <a:p>
+                <a:r>
+                  <a:rPr lang="pl-PL">
+                    <a:noFill/>
+                  </a:rPr>
+                  <a:t> </a:t>
+                </a:r>
+              </a:p>
+            </p:txBody>
+          </p:sp>
+        </mc:Fallback>
+      </mc:AlternateContent>
+      <mc:AlternateContent xmlns:mc="http://schemas.openxmlformats.org/markup-compatibility/2006">
+        <mc:Choice xmlns:a14="http://schemas.microsoft.com/office/drawing/2010/main" Requires="a14">
+          <p:sp>
+            <p:nvSpPr>
+              <p:cNvPr id="8" name="pole tekstowe 7"/>
+              <p:cNvSpPr txBox="1"/>
+              <p:nvPr/>
+            </p:nvSpPr>
+            <p:spPr>
+              <a:xfrm>
+                <a:off x="4572000" y="4978579"/>
+                <a:ext cx="3816424" cy="646331"/>
+              </a:xfrm>
+              <a:prstGeom prst="rect">
+                <a:avLst/>
+              </a:prstGeom>
+              <a:noFill/>
+            </p:spPr>
+            <p:txBody>
+              <a:bodyPr wrap="square" rtlCol="0">
+                <a:spAutoFit/>
+              </a:bodyPr>
+              <a:lstStyle/>
+              <a:p>
+                <a:pPr/>
+                <a14:m>
+                  <m:oMathPara xmlns:m="http://schemas.openxmlformats.org/officeDocument/2006/math">
+                    <m:oMathParaPr>
+                      <m:jc m:val="left"/>
+                    </m:oMathParaPr>
+                    <m:oMath xmlns:m="http://schemas.openxmlformats.org/officeDocument/2006/math">
+                      <m:sSub>
+                        <m:sSubPr>
+                          <m:ctrlPr>
+                            <a:rPr lang="pl-PL" i="1" smtClean="0">
+                              <a:latin typeface="Cambria Math"/>
+                              <a:ea typeface="Cambria Math"/>
+                            </a:rPr>
+                          </m:ctrlPr>
+                        </m:sSubPr>
+                        <m:e>
+                          <m:r>
+                            <a:rPr lang="pl-PL" i="1">
+                              <a:latin typeface="Cambria Math"/>
+                              <a:ea typeface="Cambria Math"/>
+                            </a:rPr>
+                            <m:t>𝑉</m:t>
+                          </m:r>
+                        </m:e>
+                        <m:sub>
+                          <m:r>
+                            <a:rPr lang="pl-PL" i="1">
+                              <a:latin typeface="Cambria Math"/>
+                              <a:ea typeface="Cambria Math"/>
+                            </a:rPr>
+                            <m:t>𝑐𝑜𝑛𝑡</m:t>
+                          </m:r>
+                        </m:sub>
+                      </m:sSub>
+                      <m:r>
+                        <a:rPr lang="pl-PL" b="0" i="0" smtClean="0">
+                          <a:latin typeface="Cambria Math"/>
+                          <a:ea typeface="Cambria Math"/>
+                        </a:rPr>
+                        <m:t>−</m:t>
+                      </m:r>
+                      <m:r>
+                        <m:rPr>
+                          <m:sty m:val="p"/>
+                        </m:rPr>
+                        <a:rPr lang="pl-PL" b="0" i="0" smtClean="0">
+                          <a:latin typeface="Cambria Math"/>
+                          <a:ea typeface="Cambria Math"/>
+                        </a:rPr>
+                        <m:t>warto</m:t>
+                      </m:r>
+                      <m:r>
+                        <a:rPr lang="pl-PL" b="0" i="0" smtClean="0">
+                          <a:latin typeface="Cambria Math"/>
+                          <a:ea typeface="Cambria Math"/>
+                        </a:rPr>
+                        <m:t>ść </m:t>
+                      </m:r>
+                      <m:r>
+                        <m:rPr>
+                          <m:nor/>
+                        </m:rPr>
+                        <a:rPr lang="pl-PL" b="0" i="0" smtClean="0">
+                          <a:latin typeface="Cambria Math"/>
+                          <a:ea typeface="Cambria Math"/>
+                        </a:rPr>
+                        <m:t>kontynuacji</m:t>
+                      </m:r>
+                      <m:r>
+                        <a:rPr lang="pl-PL" b="0" i="0" smtClean="0">
+                          <a:latin typeface="Cambria Math"/>
+                          <a:ea typeface="Cambria Math"/>
+                        </a:rPr>
+                        <m:t>,</m:t>
+                      </m:r>
+                    </m:oMath>
+                  </m:oMathPara>
+                </a14:m>
+                <a:endParaRPr lang="pl-PL" b="0" dirty="0" smtClean="0">
+                  <a:ea typeface="Cambria Math"/>
+                </a:endParaRPr>
+              </a:p>
+              <a:p>
+                <a:r>
+                  <a:rPr lang="pl-PL" dirty="0"/>
+                  <a:t>w</a:t>
+                </a:r>
+                <a:r>
+                  <a:rPr lang="pl-PL" dirty="0" smtClean="0"/>
+                  <a:t>yliczana jak dla opcji europejskiej</a:t>
+                </a:r>
+                <a:endParaRPr lang="pl-PL" dirty="0"/>
+              </a:p>
+            </p:txBody>
+          </p:sp>
+        </mc:Choice>
+        <mc:Fallback>
+          <p:sp>
+            <p:nvSpPr>
+              <p:cNvPr id="8" name="pole tekstowe 7"/>
+              <p:cNvSpPr txBox="1">
+                <a:spLocks noRot="1" noChangeAspect="1" noMove="1" noResize="1" noEditPoints="1" noAdjustHandles="1" noChangeArrowheads="1" noChangeShapeType="1" noTextEdit="1"/>
+              </p:cNvSpPr>
+              <p:nvPr/>
+            </p:nvSpPr>
+            <p:spPr>
+              <a:xfrm>
+                <a:off x="4572000" y="4978579"/>
+                <a:ext cx="3816424" cy="646331"/>
+              </a:xfrm>
+              <a:prstGeom prst="rect">
+                <a:avLst/>
+              </a:prstGeom>
+              <a:blipFill rotWithShape="1">
+                <a:blip r:embed="rId5"/>
+                <a:stretch>
+                  <a:fillRect l="-1278" b="-14151"/>
+                </a:stretch>
+              </a:blipFill>
+            </p:spPr>
+            <p:txBody>
+              <a:bodyPr/>
+              <a:lstStyle/>
+              <a:p>
+                <a:r>
+                  <a:rPr lang="pl-PL">
+                    <a:noFill/>
+                  </a:rPr>
+                  <a:t> </a:t>
+                </a:r>
+              </a:p>
+            </p:txBody>
+          </p:sp>
+        </mc:Fallback>
+      </mc:AlternateContent>
+      <p:pic>
+        <p:nvPicPr>
+          <p:cNvPr id="1026" name="Picture 2"/>
+          <p:cNvPicPr>
+            <a:picLocks noChangeAspect="1" noChangeArrowheads="1"/>
+          </p:cNvPicPr>
+          <p:nvPr/>
+        </p:nvPicPr>
+        <p:blipFill>
+          <a:blip r:embed="rId6">
+            <a:extLst>
+              <a:ext uri="{28A0092B-C50C-407E-A947-70E740481C1C}">
+                <a14:useLocalDpi xmlns:a14="http://schemas.microsoft.com/office/drawing/2010/main" val="0"/>
+              </a:ext>
+            </a:extLst>
+          </a:blip>
+          <a:srcRect/>
+          <a:stretch>
+            <a:fillRect/>
+          </a:stretch>
+        </p:blipFill>
+        <p:spPr bwMode="auto">
+          <a:xfrm>
+            <a:off x="1547664" y="1927672"/>
+            <a:ext cx="5681811" cy="2820541"/>
+          </a:xfrm>
+          <a:prstGeom prst="rect">
+            <a:avLst/>
+          </a:prstGeom>
+          <a:noFill/>
+          <a:ln>
+            <a:noFill/>
+          </a:ln>
+          <a:effectLst/>
+          <a:extLst>
+            <a:ext uri="{909E8E84-426E-40DD-AFC4-6F175D3DCCD1}">
+              <a14:hiddenFill xmlns:a14="http://schemas.microsoft.com/office/drawing/2010/main">
+                <a:solidFill>
+                  <a:schemeClr val="accent1"/>
+                </a:solidFill>
+              </a14:hiddenFill>
+            </a:ext>
+            <a:ext uri="{91240B29-F687-4F45-9708-019B960494DF}">
+              <a14:hiddenLine xmlns:a14="http://schemas.microsoft.com/office/drawing/2010/main" w="9525">
+                <a:solidFill>
+                  <a:schemeClr val="tx1"/>
+                </a:solidFill>
+                <a:miter lim="800000"/>
+                <a:headEnd/>
+                <a:tailEnd/>
+              </a14:hiddenLine>
+            </a:ext>
+            <a:ext uri="{AF507438-7753-43E0-B8FC-AC1667EBCBE1}">
+              <a14:hiddenEffects xmlns:a14="http://schemas.microsoft.com/office/drawing/2010/main">
+                <a:effectLst>
+                  <a:outerShdw dist="35921" dir="2700000" algn="ctr" rotWithShape="0">
+                    <a:schemeClr val="bg2"/>
+                  </a:outerShdw>
+                </a:effectLst>
+              </a14:hiddenEffects>
+            </a:ext>
+          </a:extLst>
+        </p:spPr>
+      </p:pic>
     </p:spTree>
     <p:extLst>
       <p:ext uri="{BB962C8B-B14F-4D97-AF65-F5344CB8AC3E}">

--- a/Prezentacja.pptx
+++ b/Prezentacja.pptx
@@ -15873,8 +15873,8 @@
           </a:p>
         </p:txBody>
       </p:sp>
-      <mc:AlternateContent xmlns:mc="http://schemas.openxmlformats.org/markup-compatibility/2006">
-        <mc:Choice xmlns:a14="http://schemas.microsoft.com/office/drawing/2010/main" Requires="a14">
+      <mc:AlternateContent xmlns:mc="http://schemas.openxmlformats.org/markup-compatibility/2006" xmlns:a14="http://schemas.microsoft.com/office/drawing/2010/main">
+        <mc:Choice Requires="a14">
           <p:sp>
             <p:nvSpPr>
               <p:cNvPr id="47" name="pole tekstowe 46"/>
@@ -15946,7 +15946,7 @@
             </p:txBody>
           </p:sp>
         </mc:Choice>
-        <mc:Fallback>
+        <mc:Fallback xmlns="">
           <p:sp>
             <p:nvSpPr>
               <p:cNvPr id="47" name="pole tekstowe 46"/>

--- a/Prezentacja.pptx
+++ b/Prezentacja.pptx
@@ -313,7 +313,7 @@
           <a:p>
             <a:fld id="{514AD869-F041-49B2-93AF-119D2EF7C135}" type="datetimeFigureOut">
               <a:rPr lang="pl-PL" smtClean="0"/>
-              <a:t>2023-05-26</a:t>
+              <a:t>2023-05-27</a:t>
             </a:fld>
             <a:endParaRPr lang="pl-PL" dirty="0"/>
           </a:p>
@@ -478,7 +478,7 @@
           <a:p>
             <a:fld id="{514AD869-F041-49B2-93AF-119D2EF7C135}" type="datetimeFigureOut">
               <a:rPr lang="pl-PL" smtClean="0"/>
-              <a:t>2023-05-26</a:t>
+              <a:t>2023-05-27</a:t>
             </a:fld>
             <a:endParaRPr lang="pl-PL" dirty="0"/>
           </a:p>
@@ -653,7 +653,7 @@
           <a:p>
             <a:fld id="{514AD869-F041-49B2-93AF-119D2EF7C135}" type="datetimeFigureOut">
               <a:rPr lang="pl-PL" smtClean="0"/>
-              <a:t>2023-05-26</a:t>
+              <a:t>2023-05-27</a:t>
             </a:fld>
             <a:endParaRPr lang="pl-PL" dirty="0"/>
           </a:p>
@@ -836,7 +836,7 @@
           <a:p>
             <a:fld id="{514AD869-F041-49B2-93AF-119D2EF7C135}" type="datetimeFigureOut">
               <a:rPr lang="pl-PL" smtClean="0"/>
-              <a:t>2023-05-26</a:t>
+              <a:t>2023-05-27</a:t>
             </a:fld>
             <a:endParaRPr lang="pl-PL" dirty="0"/>
           </a:p>
@@ -1098,7 +1098,7 @@
           <a:p>
             <a:fld id="{514AD869-F041-49B2-93AF-119D2EF7C135}" type="datetimeFigureOut">
               <a:rPr lang="pl-PL" smtClean="0"/>
-              <a:t>2023-05-26</a:t>
+              <a:t>2023-05-27</a:t>
             </a:fld>
             <a:endParaRPr lang="pl-PL" dirty="0"/>
           </a:p>
@@ -1446,7 +1446,7 @@
           <a:p>
             <a:fld id="{514AD869-F041-49B2-93AF-119D2EF7C135}" type="datetimeFigureOut">
               <a:rPr lang="pl-PL" smtClean="0"/>
-              <a:t>2023-05-26</a:t>
+              <a:t>2023-05-27</a:t>
             </a:fld>
             <a:endParaRPr lang="pl-PL" dirty="0"/>
           </a:p>
@@ -1754,7 +1754,7 @@
           <a:p>
             <a:fld id="{514AD869-F041-49B2-93AF-119D2EF7C135}" type="datetimeFigureOut">
               <a:rPr lang="pl-PL" smtClean="0"/>
-              <a:t>2023-05-26</a:t>
+              <a:t>2023-05-27</a:t>
             </a:fld>
             <a:endParaRPr lang="pl-PL" dirty="0"/>
           </a:p>
@@ -1981,7 +1981,7 @@
           <a:p>
             <a:fld id="{514AD869-F041-49B2-93AF-119D2EF7C135}" type="datetimeFigureOut">
               <a:rPr lang="pl-PL" smtClean="0"/>
-              <a:t>2023-05-26</a:t>
+              <a:t>2023-05-27</a:t>
             </a:fld>
             <a:endParaRPr lang="pl-PL" dirty="0"/>
           </a:p>
@@ -2071,7 +2071,7 @@
           <a:p>
             <a:fld id="{514AD869-F041-49B2-93AF-119D2EF7C135}" type="datetimeFigureOut">
               <a:rPr lang="pl-PL" smtClean="0"/>
-              <a:t>2023-05-26</a:t>
+              <a:t>2023-05-27</a:t>
             </a:fld>
             <a:endParaRPr lang="pl-PL" dirty="0"/>
           </a:p>
@@ -2359,7 +2359,7 @@
           <a:p>
             <a:fld id="{514AD869-F041-49B2-93AF-119D2EF7C135}" type="datetimeFigureOut">
               <a:rPr lang="pl-PL" smtClean="0"/>
-              <a:t>2023-05-26</a:t>
+              <a:t>2023-05-27</a:t>
             </a:fld>
             <a:endParaRPr lang="pl-PL" dirty="0"/>
           </a:p>
@@ -2628,7 +2628,7 @@
           <a:p>
             <a:fld id="{514AD869-F041-49B2-93AF-119D2EF7C135}" type="datetimeFigureOut">
               <a:rPr lang="pl-PL" smtClean="0"/>
-              <a:t>2023-05-26</a:t>
+              <a:t>2023-05-27</a:t>
             </a:fld>
             <a:endParaRPr lang="pl-PL" dirty="0"/>
           </a:p>
@@ -2838,7 +2838,7 @@
           <a:p>
             <a:fld id="{514AD869-F041-49B2-93AF-119D2EF7C135}" type="datetimeFigureOut">
               <a:rPr lang="pl-PL" smtClean="0"/>
-              <a:t>2023-05-26</a:t>
+              <a:t>2023-05-27</a:t>
             </a:fld>
             <a:endParaRPr lang="pl-PL" dirty="0"/>
           </a:p>
@@ -10492,8 +10492,8 @@
           </a:p>
         </p:txBody>
       </p:sp>
-      <mc:AlternateContent xmlns:mc="http://schemas.openxmlformats.org/markup-compatibility/2006" xmlns:a14="http://schemas.microsoft.com/office/drawing/2010/main">
-        <mc:Choice Requires="a14">
+      <mc:AlternateContent xmlns:mc="http://schemas.openxmlformats.org/markup-compatibility/2006">
+        <mc:Choice xmlns:a14="http://schemas.microsoft.com/office/drawing/2010/main" Requires="a14">
           <p:sp>
             <p:nvSpPr>
               <p:cNvPr id="5" name="pole tekstowe 4"/>
@@ -10503,7 +10503,7 @@
             <p:spPr>
               <a:xfrm>
                 <a:off x="719792" y="4725144"/>
-                <a:ext cx="3564175" cy="506870"/>
+                <a:ext cx="3933545" cy="506870"/>
               </a:xfrm>
               <a:prstGeom prst="rect">
                 <a:avLst/>
@@ -10551,7 +10551,21 @@
                         <a:latin typeface="Cambria Math"/>
                         <a:ea typeface="Cambria Math"/>
                       </a:rPr>
-                      <m:t>=(</m:t>
+                      <m:t>=</m:t>
+                    </m:r>
+                    <m:r>
+                      <a:rPr lang="pl-PL" b="0" i="1" smtClean="0">
+                        <a:latin typeface="Cambria Math"/>
+                        <a:ea typeface="Cambria Math"/>
+                      </a:rPr>
+                      <m:t>𝑚𝑎𝑥</m:t>
+                    </m:r>
+                    <m:r>
+                      <a:rPr lang="pl-PL" b="0" i="1" smtClean="0">
+                        <a:latin typeface="Cambria Math"/>
+                        <a:ea typeface="Cambria Math"/>
+                      </a:rPr>
+                      <m:t>(</m:t>
                     </m:r>
                     <m:r>
                       <a:rPr lang="pl-PL" b="0" i="1" smtClean="0">
@@ -10677,7 +10691,7 @@
             </p:txBody>
           </p:sp>
         </mc:Choice>
-        <mc:Fallback xmlns="">
+        <mc:Fallback>
           <p:sp>
             <p:nvSpPr>
               <p:cNvPr id="5" name="pole tekstowe 4"/>
@@ -10689,7 +10703,7 @@
             <p:spPr>
               <a:xfrm>
                 <a:off x="719792" y="4725144"/>
-                <a:ext cx="3564175" cy="506870"/>
+                <a:ext cx="3933545" cy="506870"/>
               </a:xfrm>
               <a:prstGeom prst="rect">
                 <a:avLst/>
@@ -10716,8 +10730,8 @@
           </p:sp>
         </mc:Fallback>
       </mc:AlternateContent>
-      <mc:AlternateContent xmlns:mc="http://schemas.openxmlformats.org/markup-compatibility/2006" xmlns:a14="http://schemas.microsoft.com/office/drawing/2010/main">
-        <mc:Choice Requires="a14">
+      <mc:AlternateContent xmlns:mc="http://schemas.openxmlformats.org/markup-compatibility/2006">
+        <mc:Choice xmlns:a14="http://schemas.microsoft.com/office/drawing/2010/main" Requires="a14">
           <p:sp>
             <p:nvSpPr>
               <p:cNvPr id="6" name="pole tekstowe 5"/>
@@ -10726,8 +10740,8 @@
             </p:nvSpPr>
             <p:spPr>
               <a:xfrm>
-                <a:off x="719793" y="5207518"/>
-                <a:ext cx="3365716" cy="783869"/>
+                <a:off x="719792" y="5207518"/>
+                <a:ext cx="3852208" cy="783869"/>
               </a:xfrm>
               <a:prstGeom prst="rect">
                 <a:avLst/>
@@ -10775,7 +10789,21 @@
                         <a:latin typeface="Cambria Math"/>
                         <a:ea typeface="Cambria Math"/>
                       </a:rPr>
-                      <m:t>=(</m:t>
+                      <m:t>=</m:t>
+                    </m:r>
+                    <m:r>
+                      <a:rPr lang="pl-PL" b="0" i="1" smtClean="0">
+                        <a:latin typeface="Cambria Math"/>
+                        <a:ea typeface="Cambria Math"/>
+                      </a:rPr>
+                      <m:t>𝑚𝑎𝑥</m:t>
+                    </m:r>
+                    <m:r>
+                      <a:rPr lang="pl-PL" i="1">
+                        <a:latin typeface="Cambria Math"/>
+                        <a:ea typeface="Cambria Math"/>
+                      </a:rPr>
+                      <m:t>(</m:t>
                     </m:r>
                     <m:r>
                       <a:rPr lang="pl-PL" i="1">
@@ -10903,7 +10931,7 @@
             </p:txBody>
           </p:sp>
         </mc:Choice>
-        <mc:Fallback xmlns="">
+        <mc:Fallback>
           <p:sp>
             <p:nvSpPr>
               <p:cNvPr id="6" name="pole tekstowe 5"/>
@@ -10914,8 +10942,8 @@
             </p:nvSpPr>
             <p:spPr>
               <a:xfrm>
-                <a:off x="719793" y="5207518"/>
-                <a:ext cx="3365716" cy="783869"/>
+                <a:off x="719792" y="5207518"/>
+                <a:ext cx="3852208" cy="783869"/>
               </a:xfrm>
               <a:prstGeom prst="rect">
                 <a:avLst/>
@@ -10942,8 +10970,8 @@
           </p:sp>
         </mc:Fallback>
       </mc:AlternateContent>
-      <mc:AlternateContent xmlns:mc="http://schemas.openxmlformats.org/markup-compatibility/2006" xmlns:a14="http://schemas.microsoft.com/office/drawing/2010/main">
-        <mc:Choice Requires="a14">
+      <mc:AlternateContent xmlns:mc="http://schemas.openxmlformats.org/markup-compatibility/2006">
+        <mc:Choice xmlns:a14="http://schemas.microsoft.com/office/drawing/2010/main" Requires="a14">
           <p:sp>
             <p:nvSpPr>
               <p:cNvPr id="7" name="pole tekstowe 6"/>
@@ -10953,7 +10981,7 @@
             <p:spPr>
               <a:xfrm>
                 <a:off x="702228" y="5623948"/>
-                <a:ext cx="3365716" cy="783869"/>
+                <a:ext cx="3869772" cy="783869"/>
               </a:xfrm>
               <a:prstGeom prst="rect">
                 <a:avLst/>
@@ -11001,7 +11029,21 @@
                         <a:latin typeface="Cambria Math"/>
                         <a:ea typeface="Cambria Math"/>
                       </a:rPr>
-                      <m:t>=(</m:t>
+                      <m:t>=</m:t>
+                    </m:r>
+                    <m:r>
+                      <a:rPr lang="pl-PL" b="0" i="1" smtClean="0">
+                        <a:latin typeface="Cambria Math"/>
+                        <a:ea typeface="Cambria Math"/>
+                      </a:rPr>
+                      <m:t>𝑚𝑎𝑥</m:t>
+                    </m:r>
+                    <m:r>
+                      <a:rPr lang="pl-PL" i="1">
+                        <a:latin typeface="Cambria Math"/>
+                        <a:ea typeface="Cambria Math"/>
+                      </a:rPr>
+                      <m:t>(</m:t>
                     </m:r>
                     <m:r>
                       <a:rPr lang="pl-PL" i="1">
@@ -11129,7 +11171,7 @@
             </p:txBody>
           </p:sp>
         </mc:Choice>
-        <mc:Fallback xmlns="">
+        <mc:Fallback>
           <p:sp>
             <p:nvSpPr>
               <p:cNvPr id="7" name="pole tekstowe 6"/>
@@ -11141,7 +11183,7 @@
             <p:spPr>
               <a:xfrm>
                 <a:off x="702228" y="5623948"/>
-                <a:ext cx="3365716" cy="783869"/>
+                <a:ext cx="3869772" cy="783869"/>
               </a:xfrm>
               <a:prstGeom prst="rect">
                 <a:avLst/>
@@ -11149,7 +11191,7 @@
               <a:blipFill rotWithShape="1">
                 <a:blip r:embed="rId4"/>
                 <a:stretch>
-                  <a:fillRect r="-181"/>
+                  <a:fillRect/>
                 </a:stretch>
               </a:blipFill>
             </p:spPr>

--- a/Prezentacja.pptx
+++ b/Prezentacja.pptx
@@ -10652,20 +10652,18 @@
                       </a:rPr>
                       <m:t>,</m:t>
                     </m:r>
-                    <m:sSub>
-                      <m:sSubPr>
+                    <m:sSubSup>
+                      <m:sSubSupPr>
                         <m:ctrlPr>
-                          <a:rPr lang="pl-PL" b="0" i="1" smtClean="0">
+                          <a:rPr lang="pl-PL" i="1">
                             <a:latin typeface="Cambria Math"/>
-                            <a:ea typeface="Cambria Math"/>
                           </a:rPr>
                         </m:ctrlPr>
-                      </m:sSubPr>
+                      </m:sSubSupPr>
                       <m:e>
                         <m:r>
                           <a:rPr lang="pl-PL" b="0" i="1" smtClean="0">
                             <a:latin typeface="Cambria Math"/>
-                            <a:ea typeface="Cambria Math"/>
                           </a:rPr>
                           <m:t>𝑉</m:t>
                         </m:r>
@@ -10674,12 +10672,31 @@
                         <m:r>
                           <a:rPr lang="pl-PL" b="0" i="1" smtClean="0">
                             <a:latin typeface="Cambria Math"/>
-                            <a:ea typeface="Cambria Math"/>
                           </a:rPr>
                           <m:t>𝑐𝑜𝑛𝑡</m:t>
                         </m:r>
                       </m:sub>
-                    </m:sSub>
+                      <m:sup>
+                        <m:r>
+                          <a:rPr lang="pl-PL" i="1">
+                            <a:latin typeface="Cambria Math"/>
+                          </a:rPr>
+                          <m:t>(</m:t>
+                        </m:r>
+                        <m:r>
+                          <a:rPr lang="pl-PL" i="1">
+                            <a:latin typeface="Cambria Math"/>
+                          </a:rPr>
+                          <m:t>𝐵</m:t>
+                        </m:r>
+                        <m:r>
+                          <a:rPr lang="pl-PL" i="1">
+                            <a:latin typeface="Cambria Math"/>
+                          </a:rPr>
+                          <m:t>)</m:t>
+                        </m:r>
+                      </m:sup>
+                    </m:sSubSup>
                   </m:oMath>
                 </a14:m>
                 <a:r>
@@ -10890,20 +10907,18 @@
                       </a:rPr>
                       <m:t>,</m:t>
                     </m:r>
-                    <m:sSub>
-                      <m:sSubPr>
+                    <m:sSubSup>
+                      <m:sSubSupPr>
                         <m:ctrlPr>
                           <a:rPr lang="pl-PL" i="1">
                             <a:latin typeface="Cambria Math"/>
-                            <a:ea typeface="Cambria Math"/>
                           </a:rPr>
                         </m:ctrlPr>
-                      </m:sSubPr>
+                      </m:sSubSupPr>
                       <m:e>
                         <m:r>
                           <a:rPr lang="pl-PL" i="1">
                             <a:latin typeface="Cambria Math"/>
-                            <a:ea typeface="Cambria Math"/>
                           </a:rPr>
                           <m:t>𝑉</m:t>
                         </m:r>
@@ -10912,12 +10927,31 @@
                         <m:r>
                           <a:rPr lang="pl-PL" i="1">
                             <a:latin typeface="Cambria Math"/>
-                            <a:ea typeface="Cambria Math"/>
                           </a:rPr>
                           <m:t>𝑐𝑜𝑛𝑡</m:t>
                         </m:r>
                       </m:sub>
-                    </m:sSub>
+                      <m:sup>
+                        <m:r>
+                          <a:rPr lang="pl-PL" i="1">
+                            <a:latin typeface="Cambria Math"/>
+                          </a:rPr>
+                          <m:t>(</m:t>
+                        </m:r>
+                        <m:r>
+                          <a:rPr lang="pl-PL" b="0" i="1" smtClean="0">
+                            <a:latin typeface="Cambria Math"/>
+                          </a:rPr>
+                          <m:t>𝐶</m:t>
+                        </m:r>
+                        <m:r>
+                          <a:rPr lang="pl-PL" i="1">
+                            <a:latin typeface="Cambria Math"/>
+                          </a:rPr>
+                          <m:t>)</m:t>
+                        </m:r>
+                      </m:sup>
+                    </m:sSubSup>
                   </m:oMath>
                 </a14:m>
                 <a:r>
@@ -11130,20 +11164,18 @@
                       </a:rPr>
                       <m:t>,</m:t>
                     </m:r>
-                    <m:sSub>
-                      <m:sSubPr>
+                    <m:sSubSup>
+                      <m:sSubSupPr>
                         <m:ctrlPr>
                           <a:rPr lang="pl-PL" i="1">
                             <a:latin typeface="Cambria Math"/>
-                            <a:ea typeface="Cambria Math"/>
                           </a:rPr>
                         </m:ctrlPr>
-                      </m:sSubPr>
+                      </m:sSubSupPr>
                       <m:e>
                         <m:r>
                           <a:rPr lang="pl-PL" i="1">
                             <a:latin typeface="Cambria Math"/>
-                            <a:ea typeface="Cambria Math"/>
                           </a:rPr>
                           <m:t>𝑉</m:t>
                         </m:r>
@@ -11152,12 +11184,31 @@
                         <m:r>
                           <a:rPr lang="pl-PL" i="1">
                             <a:latin typeface="Cambria Math"/>
-                            <a:ea typeface="Cambria Math"/>
                           </a:rPr>
                           <m:t>𝑐𝑜𝑛𝑡</m:t>
                         </m:r>
                       </m:sub>
-                    </m:sSub>
+                      <m:sup>
+                        <m:r>
+                          <a:rPr lang="pl-PL" i="1">
+                            <a:latin typeface="Cambria Math"/>
+                          </a:rPr>
+                          <m:t>(</m:t>
+                        </m:r>
+                        <m:r>
+                          <a:rPr lang="pl-PL" b="0" i="1" smtClean="0">
+                            <a:latin typeface="Cambria Math"/>
+                          </a:rPr>
+                          <m:t>𝐴</m:t>
+                        </m:r>
+                        <m:r>
+                          <a:rPr lang="pl-PL" i="1">
+                            <a:latin typeface="Cambria Math"/>
+                          </a:rPr>
+                          <m:t>)</m:t>
+                        </m:r>
+                      </m:sup>
+                    </m:sSubSup>
                   </m:oMath>
                 </a14:m>
                 <a:r>

--- a/Prezentacja.pptx
+++ b/Prezentacja.pptx
@@ -7723,8 +7723,8 @@
           </a:p>
         </p:txBody>
       </p:sp>
-      <mc:AlternateContent xmlns:mc="http://schemas.openxmlformats.org/markup-compatibility/2006" xmlns:a14="http://schemas.microsoft.com/office/drawing/2010/main">
-        <mc:Choice Requires="a14">
+      <mc:AlternateContent xmlns:mc="http://schemas.openxmlformats.org/markup-compatibility/2006">
+        <mc:Choice xmlns:a14="http://schemas.microsoft.com/office/drawing/2010/main" Requires="a14">
           <p:sp>
             <p:nvSpPr>
               <p:cNvPr id="37" name="pole tekstowe 36"/>
@@ -7734,7 +7734,7 @@
             <p:spPr>
               <a:xfrm>
                 <a:off x="3528012" y="2646973"/>
-                <a:ext cx="1223202" cy="400174"/>
+                <a:ext cx="1223202" cy="399918"/>
               </a:xfrm>
               <a:prstGeom prst="rect">
                 <a:avLst/>
@@ -7766,7 +7766,7 @@
                       <m:sSubSup>
                         <m:sSubSupPr>
                           <m:ctrlPr>
-                            <a:rPr lang="pl-PL" sz="1600" i="1">
+                            <a:rPr lang="pl-PL" sz="1600" i="1" smtClean="0">
                               <a:latin typeface="Cambria Math"/>
                             </a:rPr>
                           </m:ctrlPr>
@@ -7781,10 +7781,10 @@
                         </m:e>
                         <m:sub>
                           <m:r>
-                            <a:rPr lang="pl-PL" sz="1600" i="1">
-                              <a:latin typeface="Cambria Math"/>
-                            </a:rPr>
-                            <m:t>𝑇</m:t>
+                            <a:rPr lang="pl-PL" sz="1600" b="0" i="1" smtClean="0">
+                              <a:latin typeface="Cambria Math"/>
+                            </a:rPr>
+                            <m:t>𝑡</m:t>
                           </m:r>
                         </m:sub>
                         <m:sup>
@@ -7862,7 +7862,7 @@
             </p:txBody>
           </p:sp>
         </mc:Choice>
-        <mc:Fallback xmlns="">
+        <mc:Fallback>
           <p:sp>
             <p:nvSpPr>
               <p:cNvPr id="37" name="pole tekstowe 36"/>
@@ -7874,7 +7874,7 @@
             <p:spPr>
               <a:xfrm>
                 <a:off x="3528012" y="2646973"/>
-                <a:ext cx="1223202" cy="400174"/>
+                <a:ext cx="1223202" cy="399918"/>
               </a:xfrm>
               <a:prstGeom prst="rect">
                 <a:avLst/>
@@ -9333,8 +9333,8 @@
           </p:sp>
         </mc:Fallback>
       </mc:AlternateContent>
-      <mc:AlternateContent xmlns:mc="http://schemas.openxmlformats.org/markup-compatibility/2006" xmlns:a14="http://schemas.microsoft.com/office/drawing/2010/main">
-        <mc:Choice Requires="a14">
+      <mc:AlternateContent xmlns:mc="http://schemas.openxmlformats.org/markup-compatibility/2006">
+        <mc:Choice xmlns:a14="http://schemas.microsoft.com/office/drawing/2010/main" Requires="a14">
           <p:sp>
             <p:nvSpPr>
               <p:cNvPr id="13" name="pole tekstowe 12"/>
@@ -9343,7 +9343,7 @@
             </p:nvSpPr>
             <p:spPr>
               <a:xfrm>
-                <a:off x="298144" y="4738251"/>
+                <a:off x="421694" y="4618598"/>
                 <a:ext cx="3321935" cy="646331"/>
               </a:xfrm>
               <a:prstGeom prst="rect">
@@ -9541,7 +9541,7 @@
             </p:txBody>
           </p:sp>
         </mc:Choice>
-        <mc:Fallback xmlns="">
+        <mc:Fallback>
           <p:sp>
             <p:nvSpPr>
               <p:cNvPr id="13" name="pole tekstowe 12"/>
@@ -9552,7 +9552,7 @@
             </p:nvSpPr>
             <p:spPr>
               <a:xfrm>
-                <a:off x="298144" y="4738251"/>
+                <a:off x="421694" y="4618598"/>
                 <a:ext cx="3321935" cy="646331"/>
               </a:xfrm>
               <a:prstGeom prst="rect">
@@ -9580,8 +9580,8 @@
           </p:sp>
         </mc:Fallback>
       </mc:AlternateContent>
-      <mc:AlternateContent xmlns:mc="http://schemas.openxmlformats.org/markup-compatibility/2006" xmlns:a14="http://schemas.microsoft.com/office/drawing/2010/main">
-        <mc:Choice Requires="a14">
+      <mc:AlternateContent xmlns:mc="http://schemas.openxmlformats.org/markup-compatibility/2006">
+        <mc:Choice xmlns:a14="http://schemas.microsoft.com/office/drawing/2010/main" Requires="a14">
           <p:sp>
             <p:nvSpPr>
               <p:cNvPr id="15" name="Prostokąt 14"/>
@@ -9590,7 +9590,7 @@
             </p:nvSpPr>
             <p:spPr>
               <a:xfrm>
-                <a:off x="292246" y="5150297"/>
+                <a:off x="384360" y="5080263"/>
                 <a:ext cx="3246290" cy="369332"/>
               </a:xfrm>
               <a:prstGeom prst="rect">
@@ -9784,7 +9784,7 @@
             </p:txBody>
           </p:sp>
         </mc:Choice>
-        <mc:Fallback xmlns="">
+        <mc:Fallback>
           <p:sp>
             <p:nvSpPr>
               <p:cNvPr id="15" name="Prostokąt 14"/>
@@ -9795,7 +9795,7 @@
             </p:nvSpPr>
             <p:spPr>
               <a:xfrm>
-                <a:off x="292246" y="5150297"/>
+                <a:off x="384360" y="5080263"/>
                 <a:ext cx="3246290" cy="369332"/>
               </a:xfrm>
               <a:prstGeom prst="rect">
@@ -9804,7 +9804,7 @@
               <a:blipFill rotWithShape="1">
                 <a:blip r:embed="rId14"/>
                 <a:stretch>
-                  <a:fillRect b="-16667"/>
+                  <a:fillRect b="-14754"/>
                 </a:stretch>
               </a:blipFill>
             </p:spPr>
@@ -9823,8 +9823,8 @@
           </p:sp>
         </mc:Fallback>
       </mc:AlternateContent>
-      <mc:AlternateContent xmlns:mc="http://schemas.openxmlformats.org/markup-compatibility/2006" xmlns:a14="http://schemas.microsoft.com/office/drawing/2010/main">
-        <mc:Choice Requires="a14">
+      <mc:AlternateContent xmlns:mc="http://schemas.openxmlformats.org/markup-compatibility/2006">
+        <mc:Choice xmlns:a14="http://schemas.microsoft.com/office/drawing/2010/main" Requires="a14">
           <p:sp>
             <p:nvSpPr>
               <p:cNvPr id="19" name="pole tekstowe 18"/>
@@ -9833,7 +9833,7 @@
             </p:nvSpPr>
             <p:spPr>
               <a:xfrm>
-                <a:off x="289705" y="5575453"/>
+                <a:off x="384360" y="5538408"/>
                 <a:ext cx="3467560" cy="646331"/>
               </a:xfrm>
               <a:prstGeom prst="rect">
@@ -10031,7 +10031,7 @@
             </p:txBody>
           </p:sp>
         </mc:Choice>
-        <mc:Fallback xmlns="">
+        <mc:Fallback>
           <p:sp>
             <p:nvSpPr>
               <p:cNvPr id="19" name="pole tekstowe 18"/>
@@ -10042,7 +10042,7 @@
             </p:nvSpPr>
             <p:spPr>
               <a:xfrm>
-                <a:off x="289705" y="5575453"/>
+                <a:off x="384360" y="5538408"/>
                 <a:ext cx="3467560" cy="646331"/>
               </a:xfrm>
               <a:prstGeom prst="rect">
@@ -10070,8 +10070,8 @@
           </p:sp>
         </mc:Fallback>
       </mc:AlternateContent>
-      <mc:AlternateContent xmlns:mc="http://schemas.openxmlformats.org/markup-compatibility/2006" xmlns:a14="http://schemas.microsoft.com/office/drawing/2010/main">
-        <mc:Choice Requires="a14">
+      <mc:AlternateContent xmlns:mc="http://schemas.openxmlformats.org/markup-compatibility/2006">
+        <mc:Choice xmlns:a14="http://schemas.microsoft.com/office/drawing/2010/main" Requires="a14">
           <p:sp>
             <p:nvSpPr>
               <p:cNvPr id="39" name="pole tekstowe 38"/>
@@ -10081,7 +10081,7 @@
             <p:spPr>
               <a:xfrm>
                 <a:off x="3548742" y="3868058"/>
-                <a:ext cx="1223202" cy="400174"/>
+                <a:ext cx="1223202" cy="399918"/>
               </a:xfrm>
               <a:prstGeom prst="rect">
                 <a:avLst/>
@@ -10128,10 +10128,10 @@
                         </m:e>
                         <m:sub>
                           <m:r>
-                            <a:rPr lang="pl-PL" sz="1600" i="1">
-                              <a:latin typeface="Cambria Math"/>
-                            </a:rPr>
-                            <m:t>𝑇</m:t>
+                            <a:rPr lang="pl-PL" sz="1600" b="0" i="1" smtClean="0">
+                              <a:latin typeface="Cambria Math"/>
+                            </a:rPr>
+                            <m:t>𝑡</m:t>
                           </m:r>
                         </m:sub>
                         <m:sup>
@@ -10209,7 +10209,7 @@
             </p:txBody>
           </p:sp>
         </mc:Choice>
-        <mc:Fallback xmlns="">
+        <mc:Fallback>
           <p:sp>
             <p:nvSpPr>
               <p:cNvPr id="39" name="pole tekstowe 38"/>
@@ -10221,7 +10221,7 @@
             <p:spPr>
               <a:xfrm>
                 <a:off x="3548742" y="3868058"/>
-                <a:ext cx="1223202" cy="400174"/>
+                <a:ext cx="1223202" cy="399918"/>
               </a:xfrm>
               <a:prstGeom prst="rect">
                 <a:avLst/>
@@ -10492,8 +10492,8 @@
           </a:p>
         </p:txBody>
       </p:sp>
-      <mc:AlternateContent xmlns:mc="http://schemas.openxmlformats.org/markup-compatibility/2006">
-        <mc:Choice xmlns:a14="http://schemas.microsoft.com/office/drawing/2010/main" Requires="a14">
+      <mc:AlternateContent xmlns:mc="http://schemas.openxmlformats.org/markup-compatibility/2006" xmlns:a14="http://schemas.microsoft.com/office/drawing/2010/main">
+        <mc:Choice Requires="a14">
           <p:sp>
             <p:nvSpPr>
               <p:cNvPr id="5" name="pole tekstowe 4"/>
@@ -10708,7 +10708,7 @@
             </p:txBody>
           </p:sp>
         </mc:Choice>
-        <mc:Fallback>
+        <mc:Fallback xmlns="">
           <p:sp>
             <p:nvSpPr>
               <p:cNvPr id="5" name="pole tekstowe 4"/>
@@ -10747,8 +10747,8 @@
           </p:sp>
         </mc:Fallback>
       </mc:AlternateContent>
-      <mc:AlternateContent xmlns:mc="http://schemas.openxmlformats.org/markup-compatibility/2006">
-        <mc:Choice xmlns:a14="http://schemas.microsoft.com/office/drawing/2010/main" Requires="a14">
+      <mc:AlternateContent xmlns:mc="http://schemas.openxmlformats.org/markup-compatibility/2006" xmlns:a14="http://schemas.microsoft.com/office/drawing/2010/main">
+        <mc:Choice Requires="a14">
           <p:sp>
             <p:nvSpPr>
               <p:cNvPr id="6" name="pole tekstowe 5"/>
@@ -10965,7 +10965,7 @@
             </p:txBody>
           </p:sp>
         </mc:Choice>
-        <mc:Fallback>
+        <mc:Fallback xmlns="">
           <p:sp>
             <p:nvSpPr>
               <p:cNvPr id="6" name="pole tekstowe 5"/>
@@ -11004,8 +11004,8 @@
           </p:sp>
         </mc:Fallback>
       </mc:AlternateContent>
-      <mc:AlternateContent xmlns:mc="http://schemas.openxmlformats.org/markup-compatibility/2006">
-        <mc:Choice xmlns:a14="http://schemas.microsoft.com/office/drawing/2010/main" Requires="a14">
+      <mc:AlternateContent xmlns:mc="http://schemas.openxmlformats.org/markup-compatibility/2006" xmlns:a14="http://schemas.microsoft.com/office/drawing/2010/main">
+        <mc:Choice Requires="a14">
           <p:sp>
             <p:nvSpPr>
               <p:cNvPr id="7" name="pole tekstowe 6"/>
@@ -11222,7 +11222,7 @@
             </p:txBody>
           </p:sp>
         </mc:Choice>
-        <mc:Fallback>
+        <mc:Fallback xmlns="">
           <p:sp>
             <p:nvSpPr>
               <p:cNvPr id="7" name="pole tekstowe 6"/>
@@ -11423,9 +11423,9 @@
       </mc:AlternateContent>
       <p:pic>
         <p:nvPicPr>
-          <p:cNvPr id="9" name="Picture 2"/>
+          <p:cNvPr id="11" name="Obraz 10"/>
           <p:cNvPicPr>
-            <a:picLocks noChangeAspect="1" noChangeArrowheads="1"/>
+            <a:picLocks noChangeAspect="1"/>
           </p:cNvPicPr>
           <p:nvPr/>
         </p:nvPicPr>
@@ -11437,52 +11437,18 @@
               </a:ext>
             </a:extLst>
           </a:blip>
-          <a:srcRect/>
           <a:stretch>
             <a:fillRect/>
           </a:stretch>
         </p:blipFill>
-        <p:spPr bwMode="auto">
+        <p:spPr>
           <a:xfrm>
-            <a:off x="2038350" y="1988841"/>
-            <a:ext cx="5319706" cy="2749848"/>
+            <a:off x="1835696" y="1916832"/>
+            <a:ext cx="5332576" cy="2786121"/>
           </a:xfrm>
           <a:prstGeom prst="rect">
             <a:avLst/>
           </a:prstGeom>
-          <a:noFill/>
-          <a:ln>
-            <a:noFill/>
-          </a:ln>
-          <a:effectLst/>
-          <a:extLst>
-            <a:ext uri="{909E8E84-426E-40DD-AFC4-6F175D3DCCD1}">
-              <a14:hiddenFill xmlns:a14="http://schemas.microsoft.com/office/drawing/2010/main">
-                <a:solidFill>
-                  <a:schemeClr val="accent1"/>
-                </a:solidFill>
-              </a14:hiddenFill>
-            </a:ext>
-            <a:ext uri="{91240B29-F687-4F45-9708-019B960494DF}">
-              <a14:hiddenLine xmlns:a14="http://schemas.microsoft.com/office/drawing/2010/main" w="9525">
-                <a:solidFill>
-                  <a:schemeClr val="tx1"/>
-                </a:solidFill>
-                <a:miter lim="800000"/>
-                <a:headEnd/>
-                <a:tailEnd/>
-              </a14:hiddenLine>
-            </a:ext>
-            <a:ext uri="{AF507438-7753-43E0-B8FC-AC1667EBCBE1}">
-              <a14:hiddenEffects xmlns:a14="http://schemas.microsoft.com/office/drawing/2010/main">
-                <a:effectLst>
-                  <a:outerShdw dist="35921" dir="2700000" algn="ctr" rotWithShape="0">
-                    <a:schemeClr val="bg2"/>
-                  </a:outerShdw>
-                </a:effectLst>
-              </a14:hiddenEffects>
-            </a:ext>
-          </a:extLst>
         </p:spPr>
       </p:pic>
     </p:spTree>
@@ -14579,8 +14545,8 @@
           </p:sp>
         </mc:Fallback>
       </mc:AlternateContent>
-      <mc:AlternateContent xmlns:mc="http://schemas.openxmlformats.org/markup-compatibility/2006" xmlns:a14="http://schemas.microsoft.com/office/drawing/2010/main">
-        <mc:Choice Requires="a14">
+      <mc:AlternateContent xmlns:mc="http://schemas.openxmlformats.org/markup-compatibility/2006">
+        <mc:Choice xmlns:a14="http://schemas.microsoft.com/office/drawing/2010/main" Requires="a14">
           <p:sp>
             <p:nvSpPr>
               <p:cNvPr id="12" name="pole tekstowe 11"/>
@@ -14590,7 +14556,7 @@
             <p:spPr>
               <a:xfrm>
                 <a:off x="5026960" y="2543951"/>
-                <a:ext cx="576065" cy="438582"/>
+                <a:ext cx="576065" cy="438325"/>
               </a:xfrm>
               <a:prstGeom prst="rect">
                 <a:avLst/>
@@ -14620,7 +14586,7 @@
                       <m:sSubSup>
                         <m:sSubSupPr>
                           <m:ctrlPr>
-                            <a:rPr lang="pl-PL" i="1">
+                            <a:rPr lang="pl-PL" i="1" smtClean="0">
                               <a:latin typeface="Cambria Math"/>
                             </a:rPr>
                           </m:ctrlPr>
@@ -14635,10 +14601,10 @@
                         </m:e>
                         <m:sub>
                           <m:r>
-                            <a:rPr lang="pl-PL" i="1">
-                              <a:latin typeface="Cambria Math"/>
-                            </a:rPr>
-                            <m:t>𝑇</m:t>
+                            <a:rPr lang="pl-PL" b="0" i="1" smtClean="0">
+                              <a:latin typeface="Cambria Math"/>
+                            </a:rPr>
+                            <m:t>𝑡</m:t>
                           </m:r>
                         </m:sub>
                         <m:sup>
@@ -14670,7 +14636,7 @@
             </p:txBody>
           </p:sp>
         </mc:Choice>
-        <mc:Fallback xmlns="">
+        <mc:Fallback>
           <p:sp>
             <p:nvSpPr>
               <p:cNvPr id="12" name="pole tekstowe 11"/>
@@ -14682,7 +14648,7 @@
             <p:spPr>
               <a:xfrm>
                 <a:off x="5026960" y="2543951"/>
-                <a:ext cx="576065" cy="438582"/>
+                <a:ext cx="576065" cy="438325"/>
               </a:xfrm>
               <a:prstGeom prst="rect">
                 <a:avLst/>
@@ -14690,7 +14656,7 @@
               <a:blipFill rotWithShape="1">
                 <a:blip r:embed="rId14"/>
                 <a:stretch>
-                  <a:fillRect b="-1351"/>
+                  <a:fillRect/>
                 </a:stretch>
               </a:blipFill>
               <a:ln>
@@ -14716,8 +14682,8 @@
           </p:sp>
         </mc:Fallback>
       </mc:AlternateContent>
-      <mc:AlternateContent xmlns:mc="http://schemas.openxmlformats.org/markup-compatibility/2006" xmlns:a14="http://schemas.microsoft.com/office/drawing/2010/main">
-        <mc:Choice Requires="a14">
+      <mc:AlternateContent xmlns:mc="http://schemas.openxmlformats.org/markup-compatibility/2006">
+        <mc:Choice xmlns:a14="http://schemas.microsoft.com/office/drawing/2010/main" Requires="a14">
           <p:sp>
             <p:nvSpPr>
               <p:cNvPr id="40" name="pole tekstowe 39"/>
@@ -14727,7 +14693,7 @@
             <p:spPr>
               <a:xfrm>
                 <a:off x="5043544" y="3796058"/>
-                <a:ext cx="576065" cy="438582"/>
+                <a:ext cx="576065" cy="438325"/>
               </a:xfrm>
               <a:prstGeom prst="rect">
                 <a:avLst/>
@@ -14759,7 +14725,7 @@
                       <m:sSubSup>
                         <m:sSubSupPr>
                           <m:ctrlPr>
-                            <a:rPr lang="pl-PL" i="1">
+                            <a:rPr lang="pl-PL" i="1" smtClean="0">
                               <a:latin typeface="Cambria Math"/>
                             </a:rPr>
                           </m:ctrlPr>
@@ -14774,10 +14740,10 @@
                         </m:e>
                         <m:sub>
                           <m:r>
-                            <a:rPr lang="pl-PL" i="1">
-                              <a:latin typeface="Cambria Math"/>
-                            </a:rPr>
-                            <m:t>𝑇</m:t>
+                            <a:rPr lang="pl-PL" b="0" i="1" smtClean="0">
+                              <a:latin typeface="Cambria Math"/>
+                            </a:rPr>
+                            <m:t>𝑡</m:t>
                           </m:r>
                         </m:sub>
                         <m:sup>
@@ -14809,7 +14775,7 @@
             </p:txBody>
           </p:sp>
         </mc:Choice>
-        <mc:Fallback xmlns="">
+        <mc:Fallback>
           <p:sp>
             <p:nvSpPr>
               <p:cNvPr id="40" name="pole tekstowe 39"/>
@@ -14821,7 +14787,7 @@
             <p:spPr>
               <a:xfrm>
                 <a:off x="5043544" y="3796058"/>
-                <a:ext cx="576065" cy="438582"/>
+                <a:ext cx="576065" cy="438325"/>
               </a:xfrm>
               <a:prstGeom prst="rect">
                 <a:avLst/>
@@ -14829,7 +14795,7 @@
               <a:blipFill rotWithShape="1">
                 <a:blip r:embed="rId15"/>
                 <a:stretch>
-                  <a:fillRect b="-1351"/>
+                  <a:fillRect/>
                 </a:stretch>
               </a:blipFill>
               <a:ln>

--- a/Prezentacja.pptx
+++ b/Prezentacja.pptx
@@ -7723,8 +7723,8 @@
           </a:p>
         </p:txBody>
       </p:sp>
-      <mc:AlternateContent xmlns:mc="http://schemas.openxmlformats.org/markup-compatibility/2006">
-        <mc:Choice xmlns:a14="http://schemas.microsoft.com/office/drawing/2010/main" Requires="a14">
+      <mc:AlternateContent xmlns:mc="http://schemas.openxmlformats.org/markup-compatibility/2006" xmlns:a14="http://schemas.microsoft.com/office/drawing/2010/main">
+        <mc:Choice Requires="a14">
           <p:sp>
             <p:nvSpPr>
               <p:cNvPr id="37" name="pole tekstowe 36"/>
@@ -7862,7 +7862,7 @@
             </p:txBody>
           </p:sp>
         </mc:Choice>
-        <mc:Fallback>
+        <mc:Fallback xmlns="">
           <p:sp>
             <p:nvSpPr>
               <p:cNvPr id="37" name="pole tekstowe 36"/>
@@ -9333,8 +9333,8 @@
           </p:sp>
         </mc:Fallback>
       </mc:AlternateContent>
-      <mc:AlternateContent xmlns:mc="http://schemas.openxmlformats.org/markup-compatibility/2006">
-        <mc:Choice xmlns:a14="http://schemas.microsoft.com/office/drawing/2010/main" Requires="a14">
+      <mc:AlternateContent xmlns:mc="http://schemas.openxmlformats.org/markup-compatibility/2006" xmlns:a14="http://schemas.microsoft.com/office/drawing/2010/main">
+        <mc:Choice Requires="a14">
           <p:sp>
             <p:nvSpPr>
               <p:cNvPr id="13" name="pole tekstowe 12"/>
@@ -9541,7 +9541,7 @@
             </p:txBody>
           </p:sp>
         </mc:Choice>
-        <mc:Fallback>
+        <mc:Fallback xmlns="">
           <p:sp>
             <p:nvSpPr>
               <p:cNvPr id="13" name="pole tekstowe 12"/>
@@ -9580,8 +9580,8 @@
           </p:sp>
         </mc:Fallback>
       </mc:AlternateContent>
-      <mc:AlternateContent xmlns:mc="http://schemas.openxmlformats.org/markup-compatibility/2006">
-        <mc:Choice xmlns:a14="http://schemas.microsoft.com/office/drawing/2010/main" Requires="a14">
+      <mc:AlternateContent xmlns:mc="http://schemas.openxmlformats.org/markup-compatibility/2006" xmlns:a14="http://schemas.microsoft.com/office/drawing/2010/main">
+        <mc:Choice Requires="a14">
           <p:sp>
             <p:nvSpPr>
               <p:cNvPr id="15" name="Prostokąt 14"/>
@@ -9784,7 +9784,7 @@
             </p:txBody>
           </p:sp>
         </mc:Choice>
-        <mc:Fallback>
+        <mc:Fallback xmlns="">
           <p:sp>
             <p:nvSpPr>
               <p:cNvPr id="15" name="Prostokąt 14"/>
@@ -9823,8 +9823,8 @@
           </p:sp>
         </mc:Fallback>
       </mc:AlternateContent>
-      <mc:AlternateContent xmlns:mc="http://schemas.openxmlformats.org/markup-compatibility/2006">
-        <mc:Choice xmlns:a14="http://schemas.microsoft.com/office/drawing/2010/main" Requires="a14">
+      <mc:AlternateContent xmlns:mc="http://schemas.openxmlformats.org/markup-compatibility/2006" xmlns:a14="http://schemas.microsoft.com/office/drawing/2010/main">
+        <mc:Choice Requires="a14">
           <p:sp>
             <p:nvSpPr>
               <p:cNvPr id="19" name="pole tekstowe 18"/>
@@ -10031,7 +10031,7 @@
             </p:txBody>
           </p:sp>
         </mc:Choice>
-        <mc:Fallback>
+        <mc:Fallback xmlns="">
           <p:sp>
             <p:nvSpPr>
               <p:cNvPr id="19" name="pole tekstowe 18"/>
@@ -10070,8 +10070,8 @@
           </p:sp>
         </mc:Fallback>
       </mc:AlternateContent>
-      <mc:AlternateContent xmlns:mc="http://schemas.openxmlformats.org/markup-compatibility/2006">
-        <mc:Choice xmlns:a14="http://schemas.microsoft.com/office/drawing/2010/main" Requires="a14">
+      <mc:AlternateContent xmlns:mc="http://schemas.openxmlformats.org/markup-compatibility/2006" xmlns:a14="http://schemas.microsoft.com/office/drawing/2010/main">
+        <mc:Choice Requires="a14">
           <p:sp>
             <p:nvSpPr>
               <p:cNvPr id="39" name="pole tekstowe 38"/>
@@ -10209,7 +10209,7 @@
             </p:txBody>
           </p:sp>
         </mc:Choice>
-        <mc:Fallback>
+        <mc:Fallback xmlns="">
           <p:sp>
             <p:nvSpPr>
               <p:cNvPr id="39" name="pole tekstowe 38"/>
@@ -12142,8 +12142,8 @@
         </p:nvCxnSpPr>
         <p:spPr>
           <a:xfrm flipV="1">
-            <a:off x="3733198" y="2285003"/>
-            <a:ext cx="3630607" cy="1432029"/>
+            <a:off x="3733198" y="2543950"/>
+            <a:ext cx="3008210" cy="1173084"/>
           </a:xfrm>
           <a:prstGeom prst="line">
             <a:avLst/>
@@ -12167,13 +12167,15 @@
       <p:cxnSp>
         <p:nvCxnSpPr>
           <p:cNvPr id="9" name="Łącznik prostoliniowy 8"/>
-          <p:cNvCxnSpPr/>
+          <p:cNvCxnSpPr>
+            <a:endCxn id="35" idx="6"/>
+          </p:cNvCxnSpPr>
           <p:nvPr/>
         </p:nvCxnSpPr>
         <p:spPr>
           <a:xfrm>
             <a:off x="3733198" y="3848467"/>
-            <a:ext cx="3630607" cy="1111887"/>
+            <a:ext cx="3143058" cy="949397"/>
           </a:xfrm>
           <a:prstGeom prst="line">
             <a:avLst/>
@@ -13387,46 +13389,16 @@
       </p:cxnSp>
       <p:cxnSp>
         <p:nvCxnSpPr>
-          <p:cNvPr id="41" name="Łącznik prostoliniowy 40"/>
+          <p:cNvPr id="43" name="Łącznik prostoliniowy 42"/>
           <p:cNvCxnSpPr>
-            <a:stCxn id="33" idx="6"/>
+            <a:endCxn id="34" idx="7"/>
           </p:cNvCxnSpPr>
           <p:nvPr/>
         </p:nvCxnSpPr>
         <p:spPr>
           <a:xfrm>
-            <a:off x="6870549" y="2543951"/>
-            <a:ext cx="566896" cy="162490"/>
-          </a:xfrm>
-          <a:prstGeom prst="line">
-            <a:avLst/>
-          </a:prstGeom>
-        </p:spPr>
-        <p:style>
-          <a:lnRef idx="1">
-            <a:schemeClr val="accent1"/>
-          </a:lnRef>
-          <a:fillRef idx="0">
-            <a:schemeClr val="accent1"/>
-          </a:fillRef>
-          <a:effectRef idx="0">
-            <a:schemeClr val="accent1"/>
-          </a:effectRef>
-          <a:fontRef idx="minor">
-            <a:schemeClr val="tx1"/>
-          </a:fontRef>
-        </p:style>
-      </p:cxnSp>
-      <p:cxnSp>
-        <p:nvCxnSpPr>
-          <p:cNvPr id="43" name="Łącznik prostoliniowy 42"/>
-          <p:cNvCxnSpPr/>
-          <p:nvPr/>
-        </p:nvCxnSpPr>
-        <p:spPr>
-          <a:xfrm flipV="1">
-            <a:off x="6816710" y="3309745"/>
-            <a:ext cx="608957" cy="256980"/>
+            <a:off x="6816710" y="3566725"/>
+            <a:ext cx="26533" cy="8120"/>
           </a:xfrm>
           <a:prstGeom prst="line">
             <a:avLst/>
@@ -13452,13 +13424,14 @@
           <p:cNvPr id="50" name="Łącznik prostoliniowy 49"/>
           <p:cNvCxnSpPr>
             <a:stCxn id="34" idx="6"/>
+            <a:endCxn id="34" idx="6"/>
           </p:cNvCxnSpPr>
           <p:nvPr/>
         </p:nvCxnSpPr>
         <p:spPr>
           <a:xfrm>
             <a:off x="6885424" y="3689744"/>
-            <a:ext cx="590351" cy="233602"/>
+            <a:ext cx="0" cy="0"/>
           </a:xfrm>
           <a:prstGeom prst="line">
             <a:avLst/>
@@ -13484,13 +13457,14 @@
           <p:cNvPr id="53" name="Łącznik prostoliniowy 52"/>
           <p:cNvCxnSpPr>
             <a:stCxn id="35" idx="7"/>
+            <a:endCxn id="42" idx="3"/>
           </p:cNvCxnSpPr>
           <p:nvPr/>
         </p:nvCxnSpPr>
         <p:spPr>
           <a:xfrm flipV="1">
-            <a:off x="6834075" y="4404410"/>
-            <a:ext cx="618245" cy="278555"/>
+            <a:off x="6834075" y="4454084"/>
+            <a:ext cx="352208" cy="228881"/>
           </a:xfrm>
           <a:prstGeom prst="line">
             <a:avLst/>
@@ -14545,8 +14519,8 @@
           </p:sp>
         </mc:Fallback>
       </mc:AlternateContent>
-      <mc:AlternateContent xmlns:mc="http://schemas.openxmlformats.org/markup-compatibility/2006">
-        <mc:Choice xmlns:a14="http://schemas.microsoft.com/office/drawing/2010/main" Requires="a14">
+      <mc:AlternateContent xmlns:mc="http://schemas.openxmlformats.org/markup-compatibility/2006" xmlns:a14="http://schemas.microsoft.com/office/drawing/2010/main">
+        <mc:Choice Requires="a14">
           <p:sp>
             <p:nvSpPr>
               <p:cNvPr id="12" name="pole tekstowe 11"/>
@@ -14636,7 +14610,7 @@
             </p:txBody>
           </p:sp>
         </mc:Choice>
-        <mc:Fallback>
+        <mc:Fallback xmlns="">
           <p:sp>
             <p:nvSpPr>
               <p:cNvPr id="12" name="pole tekstowe 11"/>
@@ -14682,8 +14656,8 @@
           </p:sp>
         </mc:Fallback>
       </mc:AlternateContent>
-      <mc:AlternateContent xmlns:mc="http://schemas.openxmlformats.org/markup-compatibility/2006">
-        <mc:Choice xmlns:a14="http://schemas.microsoft.com/office/drawing/2010/main" Requires="a14">
+      <mc:AlternateContent xmlns:mc="http://schemas.openxmlformats.org/markup-compatibility/2006" xmlns:a14="http://schemas.microsoft.com/office/drawing/2010/main">
+        <mc:Choice Requires="a14">
           <p:sp>
             <p:nvSpPr>
               <p:cNvPr id="40" name="pole tekstowe 39"/>
@@ -14775,7 +14749,7 @@
             </p:txBody>
           </p:sp>
         </mc:Choice>
-        <mc:Fallback>
+        <mc:Fallback xmlns="">
           <p:sp>
             <p:nvSpPr>
               <p:cNvPr id="40" name="pole tekstowe 39"/>
@@ -14821,487 +14795,8 @@
           </p:sp>
         </mc:Fallback>
       </mc:AlternateContent>
-      <p:sp>
-        <p:nvSpPr>
-          <p:cNvPr id="14" name="pole tekstowe 13"/>
-          <p:cNvSpPr txBox="1"/>
-          <p:nvPr/>
-        </p:nvSpPr>
-        <p:spPr>
-          <a:xfrm>
-            <a:off x="7812360" y="3019178"/>
-            <a:ext cx="216024" cy="1200329"/>
-          </a:xfrm>
-          <a:prstGeom prst="rect">
-            <a:avLst/>
-          </a:prstGeom>
-          <a:noFill/>
-        </p:spPr>
-        <p:txBody>
-          <a:bodyPr wrap="square" rtlCol="0">
-            <a:spAutoFit/>
-          </a:bodyPr>
-          <a:lstStyle/>
-          <a:p>
-            <a:r>
-              <a:rPr lang="pl-PL" dirty="0" smtClean="0">
-                <a:solidFill>
-                  <a:schemeClr val="tx2">
-                    <a:lumMod val="75000"/>
-                  </a:schemeClr>
-                </a:solidFill>
-              </a:rPr>
-              <a:t>.</a:t>
-            </a:r>
-          </a:p>
-          <a:p>
-            <a:r>
-              <a:rPr lang="pl-PL" dirty="0" smtClean="0">
-                <a:solidFill>
-                  <a:schemeClr val="tx2">
-                    <a:lumMod val="75000"/>
-                  </a:schemeClr>
-                </a:solidFill>
-              </a:rPr>
-              <a:t>.</a:t>
-            </a:r>
-          </a:p>
-          <a:p>
-            <a:r>
-              <a:rPr lang="pl-PL" dirty="0" smtClean="0">
-                <a:solidFill>
-                  <a:schemeClr val="tx2">
-                    <a:lumMod val="75000"/>
-                  </a:schemeClr>
-                </a:solidFill>
-              </a:rPr>
-              <a:t>.</a:t>
-            </a:r>
-          </a:p>
-          <a:p>
-            <a:endParaRPr lang="pl-PL" dirty="0"/>
-          </a:p>
-        </p:txBody>
-      </p:sp>
-      <mc:AlternateContent xmlns:mc="http://schemas.openxmlformats.org/markup-compatibility/2006" xmlns:a14="http://schemas.microsoft.com/office/drawing/2010/main">
-        <mc:Choice Requires="a14">
-          <p:sp>
-            <p:nvSpPr>
-              <p:cNvPr id="44" name="pole tekstowe 43"/>
-              <p:cNvSpPr txBox="1"/>
-              <p:nvPr/>
-            </p:nvSpPr>
-            <p:spPr>
-              <a:xfrm>
-                <a:off x="6264630" y="2112649"/>
-                <a:ext cx="406480" cy="369332"/>
-              </a:xfrm>
-              <a:prstGeom prst="rect">
-                <a:avLst/>
-              </a:prstGeom>
-              <a:solidFill>
-                <a:schemeClr val="accent3">
-                  <a:lumMod val="40000"/>
-                  <a:lumOff val="60000"/>
-                </a:schemeClr>
-              </a:solidFill>
-              <a:ln>
-                <a:solidFill>
-                  <a:schemeClr val="accent3">
-                    <a:lumMod val="75000"/>
-                  </a:schemeClr>
-                </a:solidFill>
-              </a:ln>
-            </p:spPr>
-            <p:txBody>
-              <a:bodyPr wrap="square" rtlCol="0">
-                <a:spAutoFit/>
-              </a:bodyPr>
-              <a:lstStyle/>
-              <a:p>
-                <a:pPr/>
-                <a14:m>
-                  <m:oMathPara xmlns:m="http://schemas.openxmlformats.org/officeDocument/2006/math">
-                    <m:oMathParaPr>
-                      <m:jc m:val="centerGroup"/>
-                    </m:oMathParaPr>
-                    <m:oMath xmlns:m="http://schemas.openxmlformats.org/officeDocument/2006/math">
-                      <m:sSub>
-                        <m:sSubPr>
-                          <m:ctrlPr>
-                            <a:rPr lang="pl-PL" b="1" i="1" smtClean="0">
-                              <a:solidFill>
-                                <a:schemeClr val="accent3">
-                                  <a:lumMod val="75000"/>
-                                </a:schemeClr>
-                              </a:solidFill>
-                              <a:latin typeface="Cambria Math"/>
-                            </a:rPr>
-                          </m:ctrlPr>
-                        </m:sSubPr>
-                        <m:e>
-                          <m:r>
-                            <a:rPr lang="pl-PL" b="1" i="1">
-                              <a:solidFill>
-                                <a:schemeClr val="accent3">
-                                  <a:lumMod val="75000"/>
-                                </a:schemeClr>
-                              </a:solidFill>
-                              <a:latin typeface="Cambria Math"/>
-                              <a:ea typeface="Cambria Math"/>
-                            </a:rPr>
-                            <m:t>𝝅</m:t>
-                          </m:r>
-                        </m:e>
-                        <m:sub>
-                          <m:r>
-                            <a:rPr lang="pl-PL" b="1" i="1" smtClean="0">
-                              <a:solidFill>
-                                <a:schemeClr val="accent3">
-                                  <a:lumMod val="75000"/>
-                                </a:schemeClr>
-                              </a:solidFill>
-                              <a:latin typeface="Cambria Math"/>
-                              <a:ea typeface="Cambria Math"/>
-                            </a:rPr>
-                            <m:t>𝑫</m:t>
-                          </m:r>
-                        </m:sub>
-                      </m:sSub>
-                    </m:oMath>
-                  </m:oMathPara>
-                </a14:m>
-                <a:endParaRPr lang="pl-PL" dirty="0"/>
-              </a:p>
-            </p:txBody>
-          </p:sp>
-        </mc:Choice>
-        <mc:Fallback xmlns="">
-          <p:sp>
-            <p:nvSpPr>
-              <p:cNvPr id="44" name="pole tekstowe 43"/>
-              <p:cNvSpPr txBox="1">
-                <a:spLocks noRot="1" noChangeAspect="1" noMove="1" noResize="1" noEditPoints="1" noAdjustHandles="1" noChangeArrowheads="1" noChangeShapeType="1" noTextEdit="1"/>
-              </p:cNvSpPr>
-              <p:nvPr/>
-            </p:nvSpPr>
-            <p:spPr>
-              <a:xfrm>
-                <a:off x="6264630" y="2112649"/>
-                <a:ext cx="406480" cy="369332"/>
-              </a:xfrm>
-              <a:prstGeom prst="rect">
-                <a:avLst/>
-              </a:prstGeom>
-              <a:blipFill rotWithShape="1">
-                <a:blip r:embed="rId16"/>
-                <a:stretch>
-                  <a:fillRect r="-7353"/>
-                </a:stretch>
-              </a:blipFill>
-              <a:ln>
-                <a:solidFill>
-                  <a:schemeClr val="accent3">
-                    <a:lumMod val="75000"/>
-                  </a:schemeClr>
-                </a:solidFill>
-              </a:ln>
-            </p:spPr>
-            <p:txBody>
-              <a:bodyPr/>
-              <a:lstStyle/>
-              <a:p>
-                <a:r>
-                  <a:rPr lang="pl-PL">
-                    <a:noFill/>
-                  </a:rPr>
-                  <a:t> </a:t>
-                </a:r>
-              </a:p>
-            </p:txBody>
-          </p:sp>
-        </mc:Fallback>
-      </mc:AlternateContent>
-      <mc:AlternateContent xmlns:mc="http://schemas.openxmlformats.org/markup-compatibility/2006" xmlns:a14="http://schemas.microsoft.com/office/drawing/2010/main">
-        <mc:Choice Requires="a14">
-          <p:sp>
-            <p:nvSpPr>
-              <p:cNvPr id="45" name="pole tekstowe 44"/>
-              <p:cNvSpPr txBox="1"/>
-              <p:nvPr/>
-            </p:nvSpPr>
-            <p:spPr>
-              <a:xfrm>
-                <a:off x="6255459" y="3178796"/>
-                <a:ext cx="406480" cy="369332"/>
-              </a:xfrm>
-              <a:prstGeom prst="rect">
-                <a:avLst/>
-              </a:prstGeom>
-              <a:solidFill>
-                <a:schemeClr val="accent3">
-                  <a:lumMod val="40000"/>
-                  <a:lumOff val="60000"/>
-                </a:schemeClr>
-              </a:solidFill>
-              <a:ln>
-                <a:solidFill>
-                  <a:schemeClr val="accent3">
-                    <a:lumMod val="75000"/>
-                  </a:schemeClr>
-                </a:solidFill>
-              </a:ln>
-            </p:spPr>
-            <p:txBody>
-              <a:bodyPr wrap="square" rtlCol="0">
-                <a:spAutoFit/>
-              </a:bodyPr>
-              <a:lstStyle/>
-              <a:p>
-                <a:pPr/>
-                <a14:m>
-                  <m:oMathPara xmlns:m="http://schemas.openxmlformats.org/officeDocument/2006/math">
-                    <m:oMathParaPr>
-                      <m:jc m:val="centerGroup"/>
-                    </m:oMathParaPr>
-                    <m:oMath xmlns:m="http://schemas.openxmlformats.org/officeDocument/2006/math">
-                      <m:sSub>
-                        <m:sSubPr>
-                          <m:ctrlPr>
-                            <a:rPr lang="pl-PL" b="1" i="1" smtClean="0">
-                              <a:solidFill>
-                                <a:schemeClr val="accent3">
-                                  <a:lumMod val="75000"/>
-                                </a:schemeClr>
-                              </a:solidFill>
-                              <a:latin typeface="Cambria Math"/>
-                            </a:rPr>
-                          </m:ctrlPr>
-                        </m:sSubPr>
-                        <m:e>
-                          <m:r>
-                            <a:rPr lang="pl-PL" b="1" i="1">
-                              <a:solidFill>
-                                <a:schemeClr val="accent3">
-                                  <a:lumMod val="75000"/>
-                                </a:schemeClr>
-                              </a:solidFill>
-                              <a:latin typeface="Cambria Math"/>
-                              <a:ea typeface="Cambria Math"/>
-                            </a:rPr>
-                            <m:t>𝝅</m:t>
-                          </m:r>
-                        </m:e>
-                        <m:sub>
-                          <m:r>
-                            <a:rPr lang="pl-PL" b="1" i="1" smtClean="0">
-                              <a:solidFill>
-                                <a:schemeClr val="accent3">
-                                  <a:lumMod val="75000"/>
-                                </a:schemeClr>
-                              </a:solidFill>
-                              <a:latin typeface="Cambria Math"/>
-                              <a:ea typeface="Cambria Math"/>
-                            </a:rPr>
-                            <m:t>𝑬</m:t>
-                          </m:r>
-                        </m:sub>
-                      </m:sSub>
-                    </m:oMath>
-                  </m:oMathPara>
-                </a14:m>
-                <a:endParaRPr lang="pl-PL" dirty="0"/>
-              </a:p>
-            </p:txBody>
-          </p:sp>
-        </mc:Choice>
-        <mc:Fallback xmlns="">
-          <p:sp>
-            <p:nvSpPr>
-              <p:cNvPr id="45" name="pole tekstowe 44"/>
-              <p:cNvSpPr txBox="1">
-                <a:spLocks noRot="1" noChangeAspect="1" noMove="1" noResize="1" noEditPoints="1" noAdjustHandles="1" noChangeArrowheads="1" noChangeShapeType="1" noTextEdit="1"/>
-              </p:cNvSpPr>
-              <p:nvPr/>
-            </p:nvSpPr>
-            <p:spPr>
-              <a:xfrm>
-                <a:off x="6255459" y="3178796"/>
-                <a:ext cx="406480" cy="369332"/>
-              </a:xfrm>
-              <a:prstGeom prst="rect">
-                <a:avLst/>
-              </a:prstGeom>
-              <a:blipFill rotWithShape="1">
-                <a:blip r:embed="rId17"/>
-                <a:stretch>
-                  <a:fillRect r="-2899"/>
-                </a:stretch>
-              </a:blipFill>
-              <a:ln>
-                <a:solidFill>
-                  <a:schemeClr val="accent3">
-                    <a:lumMod val="75000"/>
-                  </a:schemeClr>
-                </a:solidFill>
-              </a:ln>
-            </p:spPr>
-            <p:txBody>
-              <a:bodyPr/>
-              <a:lstStyle/>
-              <a:p>
-                <a:r>
-                  <a:rPr lang="pl-PL">
-                    <a:noFill/>
-                  </a:rPr>
-                  <a:t> </a:t>
-                </a:r>
-              </a:p>
-            </p:txBody>
-          </p:sp>
-        </mc:Fallback>
-      </mc:AlternateContent>
-      <mc:AlternateContent xmlns:mc="http://schemas.openxmlformats.org/markup-compatibility/2006" xmlns:a14="http://schemas.microsoft.com/office/drawing/2010/main">
-        <mc:Choice Requires="a14">
-          <p:sp>
-            <p:nvSpPr>
-              <p:cNvPr id="46" name="pole tekstowe 45"/>
-              <p:cNvSpPr txBox="1"/>
-              <p:nvPr/>
-            </p:nvSpPr>
-            <p:spPr>
-              <a:xfrm>
-                <a:off x="6283946" y="4317393"/>
-                <a:ext cx="406480" cy="369332"/>
-              </a:xfrm>
-              <a:prstGeom prst="rect">
-                <a:avLst/>
-              </a:prstGeom>
-              <a:solidFill>
-                <a:schemeClr val="accent3">
-                  <a:lumMod val="40000"/>
-                  <a:lumOff val="60000"/>
-                </a:schemeClr>
-              </a:solidFill>
-              <a:ln>
-                <a:solidFill>
-                  <a:schemeClr val="accent3">
-                    <a:lumMod val="75000"/>
-                  </a:schemeClr>
-                </a:solidFill>
-              </a:ln>
-            </p:spPr>
-            <p:txBody>
-              <a:bodyPr wrap="square" rtlCol="0">
-                <a:spAutoFit/>
-              </a:bodyPr>
-              <a:lstStyle/>
-              <a:p>
-                <a:pPr/>
-                <a14:m>
-                  <m:oMathPara xmlns:m="http://schemas.openxmlformats.org/officeDocument/2006/math">
-                    <m:oMathParaPr>
-                      <m:jc m:val="centerGroup"/>
-                    </m:oMathParaPr>
-                    <m:oMath xmlns:m="http://schemas.openxmlformats.org/officeDocument/2006/math">
-                      <m:sSub>
-                        <m:sSubPr>
-                          <m:ctrlPr>
-                            <a:rPr lang="pl-PL" b="1" i="1" smtClean="0">
-                              <a:solidFill>
-                                <a:schemeClr val="accent3">
-                                  <a:lumMod val="75000"/>
-                                </a:schemeClr>
-                              </a:solidFill>
-                              <a:latin typeface="Cambria Math"/>
-                            </a:rPr>
-                          </m:ctrlPr>
-                        </m:sSubPr>
-                        <m:e>
-                          <m:r>
-                            <a:rPr lang="pl-PL" b="1" i="1">
-                              <a:solidFill>
-                                <a:schemeClr val="accent3">
-                                  <a:lumMod val="75000"/>
-                                </a:schemeClr>
-                              </a:solidFill>
-                              <a:latin typeface="Cambria Math"/>
-                              <a:ea typeface="Cambria Math"/>
-                            </a:rPr>
-                            <m:t>𝝅</m:t>
-                          </m:r>
-                        </m:e>
-                        <m:sub>
-                          <m:r>
-                            <a:rPr lang="pl-PL" b="1" i="1" smtClean="0">
-                              <a:solidFill>
-                                <a:schemeClr val="accent3">
-                                  <a:lumMod val="75000"/>
-                                </a:schemeClr>
-                              </a:solidFill>
-                              <a:latin typeface="Cambria Math"/>
-                              <a:ea typeface="Cambria Math"/>
-                            </a:rPr>
-                            <m:t>𝑭</m:t>
-                          </m:r>
-                        </m:sub>
-                      </m:sSub>
-                    </m:oMath>
-                  </m:oMathPara>
-                </a14:m>
-                <a:endParaRPr lang="pl-PL" dirty="0"/>
-              </a:p>
-            </p:txBody>
-          </p:sp>
-        </mc:Choice>
-        <mc:Fallback xmlns="">
-          <p:sp>
-            <p:nvSpPr>
-              <p:cNvPr id="46" name="pole tekstowe 45"/>
-              <p:cNvSpPr txBox="1">
-                <a:spLocks noRot="1" noChangeAspect="1" noMove="1" noResize="1" noEditPoints="1" noAdjustHandles="1" noChangeArrowheads="1" noChangeShapeType="1" noTextEdit="1"/>
-              </p:cNvSpPr>
-              <p:nvPr/>
-            </p:nvSpPr>
-            <p:spPr>
-              <a:xfrm>
-                <a:off x="6283946" y="4317393"/>
-                <a:ext cx="406480" cy="369332"/>
-              </a:xfrm>
-              <a:prstGeom prst="rect">
-                <a:avLst/>
-              </a:prstGeom>
-              <a:blipFill rotWithShape="1">
-                <a:blip r:embed="rId18"/>
-                <a:stretch>
-                  <a:fillRect r="-1449"/>
-                </a:stretch>
-              </a:blipFill>
-              <a:ln>
-                <a:solidFill>
-                  <a:schemeClr val="accent3">
-                    <a:lumMod val="75000"/>
-                  </a:schemeClr>
-                </a:solidFill>
-              </a:ln>
-            </p:spPr>
-            <p:txBody>
-              <a:bodyPr/>
-              <a:lstStyle/>
-              <a:p>
-                <a:r>
-                  <a:rPr lang="pl-PL">
-                    <a:noFill/>
-                  </a:rPr>
-                  <a:t> </a:t>
-                </a:r>
-              </a:p>
-            </p:txBody>
-          </p:sp>
-        </mc:Fallback>
-      </mc:AlternateContent>
-      <mc:AlternateContent xmlns:mc="http://schemas.openxmlformats.org/markup-compatibility/2006" xmlns:a14="http://schemas.microsoft.com/office/drawing/2010/main">
-        <mc:Choice Requires="a14">
+      <mc:AlternateContent xmlns:mc="http://schemas.openxmlformats.org/markup-compatibility/2006">
+        <mc:Choice xmlns:a14="http://schemas.microsoft.com/office/drawing/2010/main" Requires="a14">
           <p:sp>
             <p:nvSpPr>
               <p:cNvPr id="42" name="pole tekstowe 41"/>
@@ -15310,7 +14805,7 @@
             </p:nvSpPr>
             <p:spPr>
               <a:xfrm>
-                <a:off x="6705327" y="4248143"/>
+                <a:off x="6610218" y="4234793"/>
                 <a:ext cx="576065" cy="438582"/>
               </a:xfrm>
               <a:prstGeom prst="rect">
@@ -15393,7 +14888,7 @@
             </p:txBody>
           </p:sp>
         </mc:Choice>
-        <mc:Fallback xmlns="">
+        <mc:Fallback>
           <p:sp>
             <p:nvSpPr>
               <p:cNvPr id="42" name="pole tekstowe 41"/>
@@ -15404,14 +14899,14 @@
             </p:nvSpPr>
             <p:spPr>
               <a:xfrm>
-                <a:off x="6705327" y="4248143"/>
+                <a:off x="6610218" y="4234793"/>
                 <a:ext cx="576065" cy="438582"/>
               </a:xfrm>
               <a:prstGeom prst="rect">
                 <a:avLst/>
               </a:prstGeom>
               <a:blipFill rotWithShape="1">
-                <a:blip r:embed="rId19"/>
+                <a:blip r:embed="rId16"/>
                 <a:stretch>
                   <a:fillRect b="-1351"/>
                 </a:stretch>
@@ -15439,8 +14934,8 @@
           </p:sp>
         </mc:Fallback>
       </mc:AlternateContent>
-      <mc:AlternateContent xmlns:mc="http://schemas.openxmlformats.org/markup-compatibility/2006" xmlns:a14="http://schemas.microsoft.com/office/drawing/2010/main">
-        <mc:Choice Requires="a14">
+      <mc:AlternateContent xmlns:mc="http://schemas.openxmlformats.org/markup-compatibility/2006">
+        <mc:Choice xmlns:a14="http://schemas.microsoft.com/office/drawing/2010/main" Requires="a14">
           <p:sp>
             <p:nvSpPr>
               <p:cNvPr id="36" name="pole tekstowe 35"/>
@@ -15449,7 +14944,7 @@
             </p:nvSpPr>
             <p:spPr>
               <a:xfrm>
-                <a:off x="6693327" y="2043399"/>
+                <a:off x="6547918" y="1948471"/>
                 <a:ext cx="576065" cy="438582"/>
               </a:xfrm>
               <a:prstGeom prst="rect">
@@ -15532,7 +15027,7 @@
             </p:txBody>
           </p:sp>
         </mc:Choice>
-        <mc:Fallback xmlns="">
+        <mc:Fallback>
           <p:sp>
             <p:nvSpPr>
               <p:cNvPr id="36" name="pole tekstowe 35"/>
@@ -15543,14 +15038,14 @@
             </p:nvSpPr>
             <p:spPr>
               <a:xfrm>
-                <a:off x="6693327" y="2043399"/>
+                <a:off x="6547918" y="1948471"/>
                 <a:ext cx="576065" cy="438582"/>
               </a:xfrm>
               <a:prstGeom prst="rect">
                 <a:avLst/>
               </a:prstGeom>
               <a:blipFill rotWithShape="1">
-                <a:blip r:embed="rId20"/>
+                <a:blip r:embed="rId17"/>
                 <a:stretch>
                   <a:fillRect b="-1351"/>
                 </a:stretch>
@@ -15578,8 +15073,8 @@
           </p:sp>
         </mc:Fallback>
       </mc:AlternateContent>
-      <mc:AlternateContent xmlns:mc="http://schemas.openxmlformats.org/markup-compatibility/2006" xmlns:a14="http://schemas.microsoft.com/office/drawing/2010/main">
-        <mc:Choice Requires="a14">
+      <mc:AlternateContent xmlns:mc="http://schemas.openxmlformats.org/markup-compatibility/2006">
+        <mc:Choice xmlns:a14="http://schemas.microsoft.com/office/drawing/2010/main" Requires="a14">
           <p:sp>
             <p:nvSpPr>
               <p:cNvPr id="38" name="pole tekstowe 37"/>
@@ -15588,7 +15083,7 @@
             </p:nvSpPr>
             <p:spPr>
               <a:xfrm>
-                <a:off x="6668264" y="3127862"/>
+                <a:off x="6547918" y="3107785"/>
                 <a:ext cx="576065" cy="438582"/>
               </a:xfrm>
               <a:prstGeom prst="rect">
@@ -15671,7 +15166,7 @@
             </p:txBody>
           </p:sp>
         </mc:Choice>
-        <mc:Fallback xmlns="">
+        <mc:Fallback>
           <p:sp>
             <p:nvSpPr>
               <p:cNvPr id="38" name="pole tekstowe 37"/>
@@ -15682,14 +15177,14 @@
             </p:nvSpPr>
             <p:spPr>
               <a:xfrm>
-                <a:off x="6668264" y="3127862"/>
+                <a:off x="6547918" y="3107785"/>
                 <a:ext cx="576065" cy="438582"/>
               </a:xfrm>
               <a:prstGeom prst="rect">
                 <a:avLst/>
               </a:prstGeom>
               <a:blipFill rotWithShape="1">
-                <a:blip r:embed="rId21"/>
+                <a:blip r:embed="rId18"/>
                 <a:stretch>
                   <a:fillRect b="-1351"/>
                 </a:stretch>
